--- a/presentation.pptx
+++ b/presentation.pptx
@@ -2,29 +2,31 @@
 <file path=ppt/presentation.xml><?xml version="1.0" encoding="utf-8"?>
 <p:presentation xmlns:a="http://schemas.openxmlformats.org/drawingml/2006/main" xmlns:r="http://schemas.openxmlformats.org/officeDocument/2006/relationships" xmlns:p="http://schemas.openxmlformats.org/presentationml/2006/main" saveSubsetFonts="1">
   <p:sldMasterIdLst>
-    <p:sldMasterId id="2147483648" r:id="rId1"/>
+    <p:sldMasterId id="2147483761" r:id="rId1"/>
   </p:sldMasterIdLst>
+  <p:notesMasterIdLst>
+    <p:notesMasterId r:id="rId18"/>
+  </p:notesMasterIdLst>
+  <p:handoutMasterIdLst>
+    <p:handoutMasterId r:id="rId19"/>
+  </p:handoutMasterIdLst>
   <p:sldIdLst>
     <p:sldId id="256" r:id="rId2"/>
-    <p:sldId id="257" r:id="rId3"/>
-    <p:sldId id="258" r:id="rId4"/>
-    <p:sldId id="259" r:id="rId5"/>
-    <p:sldId id="260" r:id="rId6"/>
-    <p:sldId id="261" r:id="rId7"/>
-    <p:sldId id="262" r:id="rId8"/>
-    <p:sldId id="263" r:id="rId9"/>
-    <p:sldId id="264" r:id="rId10"/>
-    <p:sldId id="265" r:id="rId11"/>
-    <p:sldId id="266" r:id="rId12"/>
-    <p:sldId id="267" r:id="rId13"/>
-    <p:sldId id="268" r:id="rId14"/>
-    <p:sldId id="269" r:id="rId15"/>
-    <p:sldId id="270" r:id="rId16"/>
-    <p:sldId id="271" r:id="rId17"/>
-    <p:sldId id="272" r:id="rId18"/>
-    <p:sldId id="273" r:id="rId19"/>
-    <p:sldId id="274" r:id="rId20"/>
-    <p:sldId id="275" r:id="rId21"/>
+    <p:sldId id="266" r:id="rId3"/>
+    <p:sldId id="267" r:id="rId4"/>
+    <p:sldId id="268" r:id="rId5"/>
+    <p:sldId id="269" r:id="rId6"/>
+    <p:sldId id="272" r:id="rId7"/>
+    <p:sldId id="257" r:id="rId8"/>
+    <p:sldId id="258" r:id="rId9"/>
+    <p:sldId id="261" r:id="rId10"/>
+    <p:sldId id="262" r:id="rId11"/>
+    <p:sldId id="263" r:id="rId12"/>
+    <p:sldId id="264" r:id="rId13"/>
+    <p:sldId id="265" r:id="rId14"/>
+    <p:sldId id="273" r:id="rId15"/>
+    <p:sldId id="274" r:id="rId16"/>
+    <p:sldId id="275" r:id="rId17"/>
   </p:sldIdLst>
   <p:sldSz cx="12192000" cy="6858000"/>
   <p:notesSz cx="6858000" cy="9144000"/>
@@ -131,9 +133,14 @@
 </p:presentation>
 </file>
 
-<file path=ppt/slideLayouts/slideLayout1.xml><?xml version="1.0" encoding="utf-8"?>
-<p:sldLayout xmlns:a="http://schemas.openxmlformats.org/drawingml/2006/main" xmlns:r="http://schemas.openxmlformats.org/officeDocument/2006/relationships" xmlns:p="http://schemas.openxmlformats.org/presentationml/2006/main" type="title" preserve="1">
-  <p:cSld name="Title Slide">
+<file path=ppt/handoutMasters/handoutMaster1.xml><?xml version="1.0" encoding="utf-8"?>
+<p:handoutMaster xmlns:a="http://schemas.openxmlformats.org/drawingml/2006/main" xmlns:r="http://schemas.openxmlformats.org/officeDocument/2006/relationships" xmlns:p="http://schemas.openxmlformats.org/presentationml/2006/main">
+  <p:cSld>
+    <p:bg>
+      <p:bgRef idx="1001">
+        <a:schemeClr val="bg1"/>
+      </p:bgRef>
+    </p:bg>
     <p:spTree>
       <p:nvGrpSpPr>
         <p:cNvPr id="1" name=""/>
@@ -150,51 +157,1420 @@
       </p:grpSpPr>
       <p:sp>
         <p:nvSpPr>
-          <p:cNvPr id="2" name="Title 1">
-            <a:extLst>
-              <a:ext uri="{FF2B5EF4-FFF2-40B4-BE49-F238E27FC236}">
-                <a16:creationId xmlns:a16="http://schemas.microsoft.com/office/drawing/2014/main" id="{533734A0-9F61-42ED-8E0A-9BA9908CA456}"/>
-              </a:ext>
-            </a:extLst>
-          </p:cNvPr>
-          <p:cNvSpPr>
-            <a:spLocks noGrp="1"/>
-          </p:cNvSpPr>
-          <p:nvPr>
-            <p:ph type="ctrTitle"/>
+          <p:cNvPr id="2" name="Espace réservé de l'en-tête 1"/>
+          <p:cNvSpPr>
+            <a:spLocks noGrp="1"/>
+          </p:cNvSpPr>
+          <p:nvPr>
+            <p:ph type="hdr" sz="quarter"/>
           </p:nvPr>
         </p:nvSpPr>
         <p:spPr>
           <a:xfrm>
-            <a:off x="1524000" y="1122363"/>
-            <a:ext cx="9144000" cy="2387600"/>
+            <a:off x="0" y="0"/>
+            <a:ext cx="2971800" cy="458788"/>
+          </a:xfrm>
+          <a:prstGeom prst="rect">
+            <a:avLst/>
+          </a:prstGeom>
+        </p:spPr>
+        <p:txBody>
+          <a:bodyPr vert="horz" lIns="91440" tIns="45720" rIns="91440" bIns="45720" rtlCol="0"/>
+          <a:lstStyle>
+            <a:lvl1pPr algn="l">
+              <a:defRPr sz="1200"/>
+            </a:lvl1pPr>
+          </a:lstStyle>
+          <a:p>
+            <a:endParaRPr lang="fr-FR"/>
+          </a:p>
+        </p:txBody>
+      </p:sp>
+      <p:sp>
+        <p:nvSpPr>
+          <p:cNvPr id="3" name="Espace réservé de la date 2"/>
+          <p:cNvSpPr>
+            <a:spLocks noGrp="1"/>
+          </p:cNvSpPr>
+          <p:nvPr>
+            <p:ph type="dt" sz="quarter" idx="1"/>
+          </p:nvPr>
+        </p:nvSpPr>
+        <p:spPr>
+          <a:xfrm>
+            <a:off x="3884613" y="0"/>
+            <a:ext cx="2971800" cy="458788"/>
+          </a:xfrm>
+          <a:prstGeom prst="rect">
+            <a:avLst/>
+          </a:prstGeom>
+        </p:spPr>
+        <p:txBody>
+          <a:bodyPr vert="horz" lIns="91440" tIns="45720" rIns="91440" bIns="45720" rtlCol="0"/>
+          <a:lstStyle>
+            <a:lvl1pPr algn="r">
+              <a:defRPr sz="1200"/>
+            </a:lvl1pPr>
+          </a:lstStyle>
+          <a:p>
+            <a:fld id="{0C1B054F-F1C7-4390-BA67-25B9ECAC0932}" type="datetimeFigureOut">
+              <a:rPr lang="fr-FR" smtClean="0"/>
+              <a:t>30/05/2018</a:t>
+            </a:fld>
+            <a:endParaRPr lang="fr-FR"/>
+          </a:p>
+        </p:txBody>
+      </p:sp>
+      <p:sp>
+        <p:nvSpPr>
+          <p:cNvPr id="4" name="Espace réservé du pied de page 3"/>
+          <p:cNvSpPr>
+            <a:spLocks noGrp="1"/>
+          </p:cNvSpPr>
+          <p:nvPr>
+            <p:ph type="ftr" sz="quarter" idx="2"/>
+          </p:nvPr>
+        </p:nvSpPr>
+        <p:spPr>
+          <a:xfrm>
+            <a:off x="0" y="8685213"/>
+            <a:ext cx="2971800" cy="458787"/>
+          </a:xfrm>
+          <a:prstGeom prst="rect">
+            <a:avLst/>
+          </a:prstGeom>
+        </p:spPr>
+        <p:txBody>
+          <a:bodyPr vert="horz" lIns="91440" tIns="45720" rIns="91440" bIns="45720" rtlCol="0" anchor="b"/>
+          <a:lstStyle>
+            <a:lvl1pPr algn="l">
+              <a:defRPr sz="1200"/>
+            </a:lvl1pPr>
+          </a:lstStyle>
+          <a:p>
+            <a:endParaRPr lang="fr-FR"/>
+          </a:p>
+        </p:txBody>
+      </p:sp>
+      <p:sp>
+        <p:nvSpPr>
+          <p:cNvPr id="5" name="Espace réservé du numéro de diapositive 4"/>
+          <p:cNvSpPr>
+            <a:spLocks noGrp="1"/>
+          </p:cNvSpPr>
+          <p:nvPr>
+            <p:ph type="sldNum" sz="quarter" idx="3"/>
+          </p:nvPr>
+        </p:nvSpPr>
+        <p:spPr>
+          <a:xfrm>
+            <a:off x="3884613" y="8685213"/>
+            <a:ext cx="2971800" cy="458787"/>
+          </a:xfrm>
+          <a:prstGeom prst="rect">
+            <a:avLst/>
+          </a:prstGeom>
+        </p:spPr>
+        <p:txBody>
+          <a:bodyPr vert="horz" lIns="91440" tIns="45720" rIns="91440" bIns="45720" rtlCol="0" anchor="b"/>
+          <a:lstStyle>
+            <a:lvl1pPr algn="r">
+              <a:defRPr sz="1200"/>
+            </a:lvl1pPr>
+          </a:lstStyle>
+          <a:p>
+            <a:fld id="{4D43D238-BC0F-4C4D-A230-46F9AEFF6EDD}" type="slidenum">
+              <a:rPr lang="fr-FR" smtClean="0"/>
+              <a:t>‹N°›</a:t>
+            </a:fld>
+            <a:endParaRPr lang="fr-FR"/>
+          </a:p>
+        </p:txBody>
+      </p:sp>
+    </p:spTree>
+    <p:extLst>
+      <p:ext uri="{BB962C8B-B14F-4D97-AF65-F5344CB8AC3E}">
+        <p14:creationId xmlns:p14="http://schemas.microsoft.com/office/powerpoint/2010/main" val="2038112962"/>
+      </p:ext>
+    </p:extLst>
+  </p:cSld>
+  <p:clrMap bg1="lt1" tx1="dk1" bg2="lt2" tx2="dk2" accent1="accent1" accent2="accent2" accent3="accent3" accent4="accent4" accent5="accent5" accent6="accent6" hlink="hlink" folHlink="folHlink"/>
+</p:handoutMaster>
+</file>
+
+<file path=ppt/notesMasters/notesMaster1.xml><?xml version="1.0" encoding="utf-8"?>
+<p:notesMaster xmlns:a="http://schemas.openxmlformats.org/drawingml/2006/main" xmlns:r="http://schemas.openxmlformats.org/officeDocument/2006/relationships" xmlns:p="http://schemas.openxmlformats.org/presentationml/2006/main">
+  <p:cSld>
+    <p:bg>
+      <p:bgRef idx="1001">
+        <a:schemeClr val="bg1"/>
+      </p:bgRef>
+    </p:bg>
+    <p:spTree>
+      <p:nvGrpSpPr>
+        <p:cNvPr id="1" name=""/>
+        <p:cNvGrpSpPr/>
+        <p:nvPr/>
+      </p:nvGrpSpPr>
+      <p:grpSpPr>
+        <a:xfrm>
+          <a:off x="0" y="0"/>
+          <a:ext cx="0" cy="0"/>
+          <a:chOff x="0" y="0"/>
+          <a:chExt cx="0" cy="0"/>
+        </a:xfrm>
+      </p:grpSpPr>
+      <p:sp>
+        <p:nvSpPr>
+          <p:cNvPr id="2" name="Espace réservé de l'en-tête 1"/>
+          <p:cNvSpPr>
+            <a:spLocks noGrp="1"/>
+          </p:cNvSpPr>
+          <p:nvPr>
+            <p:ph type="hdr" sz="quarter"/>
+          </p:nvPr>
+        </p:nvSpPr>
+        <p:spPr>
+          <a:xfrm>
+            <a:off x="0" y="0"/>
+            <a:ext cx="2971800" cy="458788"/>
+          </a:xfrm>
+          <a:prstGeom prst="rect">
+            <a:avLst/>
+          </a:prstGeom>
+        </p:spPr>
+        <p:txBody>
+          <a:bodyPr vert="horz" lIns="91440" tIns="45720" rIns="91440" bIns="45720" rtlCol="0"/>
+          <a:lstStyle>
+            <a:lvl1pPr algn="l">
+              <a:defRPr sz="1200"/>
+            </a:lvl1pPr>
+          </a:lstStyle>
+          <a:p>
+            <a:endParaRPr lang="fr-FR"/>
+          </a:p>
+        </p:txBody>
+      </p:sp>
+      <p:sp>
+        <p:nvSpPr>
+          <p:cNvPr id="3" name="Espace réservé de la date 2"/>
+          <p:cNvSpPr>
+            <a:spLocks noGrp="1"/>
+          </p:cNvSpPr>
+          <p:nvPr>
+            <p:ph type="dt" idx="1"/>
+          </p:nvPr>
+        </p:nvSpPr>
+        <p:spPr>
+          <a:xfrm>
+            <a:off x="3884613" y="0"/>
+            <a:ext cx="2971800" cy="458788"/>
+          </a:xfrm>
+          <a:prstGeom prst="rect">
+            <a:avLst/>
+          </a:prstGeom>
+        </p:spPr>
+        <p:txBody>
+          <a:bodyPr vert="horz" lIns="91440" tIns="45720" rIns="91440" bIns="45720" rtlCol="0"/>
+          <a:lstStyle>
+            <a:lvl1pPr algn="r">
+              <a:defRPr sz="1200"/>
+            </a:lvl1pPr>
+          </a:lstStyle>
+          <a:p>
+            <a:fld id="{7F2353E4-F211-4D92-A9C2-88B27EAE0D86}" type="datetimeFigureOut">
+              <a:rPr lang="fr-FR" smtClean="0"/>
+              <a:t>30/05/2018</a:t>
+            </a:fld>
+            <a:endParaRPr lang="fr-FR"/>
+          </a:p>
+        </p:txBody>
+      </p:sp>
+      <p:sp>
+        <p:nvSpPr>
+          <p:cNvPr id="4" name="Espace réservé de l'image des diapositives 3"/>
+          <p:cNvSpPr>
+            <a:spLocks noGrp="1" noRot="1" noChangeAspect="1"/>
+          </p:cNvSpPr>
+          <p:nvPr>
+            <p:ph type="sldImg" idx="2"/>
+          </p:nvPr>
+        </p:nvSpPr>
+        <p:spPr>
+          <a:xfrm>
+            <a:off x="685800" y="1143000"/>
+            <a:ext cx="5486400" cy="3086100"/>
+          </a:xfrm>
+          <a:prstGeom prst="rect">
+            <a:avLst/>
+          </a:prstGeom>
+          <a:noFill/>
+          <a:ln w="12700">
+            <a:solidFill>
+              <a:prstClr val="black"/>
+            </a:solidFill>
+          </a:ln>
+        </p:spPr>
+        <p:txBody>
+          <a:bodyPr vert="horz" lIns="91440" tIns="45720" rIns="91440" bIns="45720" rtlCol="0" anchor="ctr"/>
+          <a:lstStyle/>
+          <a:p>
+            <a:endParaRPr lang="fr-FR"/>
+          </a:p>
+        </p:txBody>
+      </p:sp>
+      <p:sp>
+        <p:nvSpPr>
+          <p:cNvPr id="5" name="Espace réservé des commentaires 4"/>
+          <p:cNvSpPr>
+            <a:spLocks noGrp="1"/>
+          </p:cNvSpPr>
+          <p:nvPr>
+            <p:ph type="body" sz="quarter" idx="3"/>
+          </p:nvPr>
+        </p:nvSpPr>
+        <p:spPr>
+          <a:xfrm>
+            <a:off x="685800" y="4400550"/>
+            <a:ext cx="5486400" cy="3600450"/>
+          </a:xfrm>
+          <a:prstGeom prst="rect">
+            <a:avLst/>
+          </a:prstGeom>
+        </p:spPr>
+        <p:txBody>
+          <a:bodyPr vert="horz" lIns="91440" tIns="45720" rIns="91440" bIns="45720" rtlCol="0"/>
+          <a:lstStyle/>
+          <a:p>
+            <a:pPr lvl="0"/>
+            <a:r>
+              <a:rPr lang="fr-FR" smtClean="0"/>
+              <a:t>Modifiez les styles du texte du masque</a:t>
+            </a:r>
+          </a:p>
+          <a:p>
+            <a:pPr lvl="1"/>
+            <a:r>
+              <a:rPr lang="fr-FR" smtClean="0"/>
+              <a:t>Deuxième niveau</a:t>
+            </a:r>
+          </a:p>
+          <a:p>
+            <a:pPr lvl="2"/>
+            <a:r>
+              <a:rPr lang="fr-FR" smtClean="0"/>
+              <a:t>Troisième niveau</a:t>
+            </a:r>
+          </a:p>
+          <a:p>
+            <a:pPr lvl="3"/>
+            <a:r>
+              <a:rPr lang="fr-FR" smtClean="0"/>
+              <a:t>Quatrième niveau</a:t>
+            </a:r>
+          </a:p>
+          <a:p>
+            <a:pPr lvl="4"/>
+            <a:r>
+              <a:rPr lang="fr-FR" smtClean="0"/>
+              <a:t>Cinquième niveau</a:t>
+            </a:r>
+            <a:endParaRPr lang="fr-FR"/>
+          </a:p>
+        </p:txBody>
+      </p:sp>
+      <p:sp>
+        <p:nvSpPr>
+          <p:cNvPr id="6" name="Espace réservé du pied de page 5"/>
+          <p:cNvSpPr>
+            <a:spLocks noGrp="1"/>
+          </p:cNvSpPr>
+          <p:nvPr>
+            <p:ph type="ftr" sz="quarter" idx="4"/>
+          </p:nvPr>
+        </p:nvSpPr>
+        <p:spPr>
+          <a:xfrm>
+            <a:off x="0" y="8685213"/>
+            <a:ext cx="2971800" cy="458787"/>
+          </a:xfrm>
+          <a:prstGeom prst="rect">
+            <a:avLst/>
+          </a:prstGeom>
+        </p:spPr>
+        <p:txBody>
+          <a:bodyPr vert="horz" lIns="91440" tIns="45720" rIns="91440" bIns="45720" rtlCol="0" anchor="b"/>
+          <a:lstStyle>
+            <a:lvl1pPr algn="l">
+              <a:defRPr sz="1200"/>
+            </a:lvl1pPr>
+          </a:lstStyle>
+          <a:p>
+            <a:endParaRPr lang="fr-FR"/>
+          </a:p>
+        </p:txBody>
+      </p:sp>
+      <p:sp>
+        <p:nvSpPr>
+          <p:cNvPr id="7" name="Espace réservé du numéro de diapositive 6"/>
+          <p:cNvSpPr>
+            <a:spLocks noGrp="1"/>
+          </p:cNvSpPr>
+          <p:nvPr>
+            <p:ph type="sldNum" sz="quarter" idx="5"/>
+          </p:nvPr>
+        </p:nvSpPr>
+        <p:spPr>
+          <a:xfrm>
+            <a:off x="3884613" y="8685213"/>
+            <a:ext cx="2971800" cy="458787"/>
+          </a:xfrm>
+          <a:prstGeom prst="rect">
+            <a:avLst/>
+          </a:prstGeom>
+        </p:spPr>
+        <p:txBody>
+          <a:bodyPr vert="horz" lIns="91440" tIns="45720" rIns="91440" bIns="45720" rtlCol="0" anchor="b"/>
+          <a:lstStyle>
+            <a:lvl1pPr algn="r">
+              <a:defRPr sz="1200"/>
+            </a:lvl1pPr>
+          </a:lstStyle>
+          <a:p>
+            <a:fld id="{C3B85A73-AF58-4DBD-AC25-4385B3001381}" type="slidenum">
+              <a:rPr lang="fr-FR" smtClean="0"/>
+              <a:t>‹N°›</a:t>
+            </a:fld>
+            <a:endParaRPr lang="fr-FR"/>
+          </a:p>
+        </p:txBody>
+      </p:sp>
+    </p:spTree>
+    <p:extLst>
+      <p:ext uri="{BB962C8B-B14F-4D97-AF65-F5344CB8AC3E}">
+        <p14:creationId xmlns:p14="http://schemas.microsoft.com/office/powerpoint/2010/main" val="2997602807"/>
+      </p:ext>
+    </p:extLst>
+  </p:cSld>
+  <p:clrMap bg1="lt1" tx1="dk1" bg2="lt2" tx2="dk2" accent1="accent1" accent2="accent2" accent3="accent3" accent4="accent4" accent5="accent5" accent6="accent6" hlink="hlink" folHlink="folHlink"/>
+  <p:notesStyle>
+    <a:lvl1pPr marL="0" algn="l" defTabSz="914400" rtl="0" eaLnBrk="1" latinLnBrk="0" hangingPunct="1">
+      <a:defRPr sz="1200" kern="1200">
+        <a:solidFill>
+          <a:schemeClr val="tx1"/>
+        </a:solidFill>
+        <a:latin typeface="+mn-lt"/>
+        <a:ea typeface="+mn-ea"/>
+        <a:cs typeface="+mn-cs"/>
+      </a:defRPr>
+    </a:lvl1pPr>
+    <a:lvl2pPr marL="457200" algn="l" defTabSz="914400" rtl="0" eaLnBrk="1" latinLnBrk="0" hangingPunct="1">
+      <a:defRPr sz="1200" kern="1200">
+        <a:solidFill>
+          <a:schemeClr val="tx1"/>
+        </a:solidFill>
+        <a:latin typeface="+mn-lt"/>
+        <a:ea typeface="+mn-ea"/>
+        <a:cs typeface="+mn-cs"/>
+      </a:defRPr>
+    </a:lvl2pPr>
+    <a:lvl3pPr marL="914400" algn="l" defTabSz="914400" rtl="0" eaLnBrk="1" latinLnBrk="0" hangingPunct="1">
+      <a:defRPr sz="1200" kern="1200">
+        <a:solidFill>
+          <a:schemeClr val="tx1"/>
+        </a:solidFill>
+        <a:latin typeface="+mn-lt"/>
+        <a:ea typeface="+mn-ea"/>
+        <a:cs typeface="+mn-cs"/>
+      </a:defRPr>
+    </a:lvl3pPr>
+    <a:lvl4pPr marL="1371600" algn="l" defTabSz="914400" rtl="0" eaLnBrk="1" latinLnBrk="0" hangingPunct="1">
+      <a:defRPr sz="1200" kern="1200">
+        <a:solidFill>
+          <a:schemeClr val="tx1"/>
+        </a:solidFill>
+        <a:latin typeface="+mn-lt"/>
+        <a:ea typeface="+mn-ea"/>
+        <a:cs typeface="+mn-cs"/>
+      </a:defRPr>
+    </a:lvl4pPr>
+    <a:lvl5pPr marL="1828800" algn="l" defTabSz="914400" rtl="0" eaLnBrk="1" latinLnBrk="0" hangingPunct="1">
+      <a:defRPr sz="1200" kern="1200">
+        <a:solidFill>
+          <a:schemeClr val="tx1"/>
+        </a:solidFill>
+        <a:latin typeface="+mn-lt"/>
+        <a:ea typeface="+mn-ea"/>
+        <a:cs typeface="+mn-cs"/>
+      </a:defRPr>
+    </a:lvl5pPr>
+    <a:lvl6pPr marL="2286000" algn="l" defTabSz="914400" rtl="0" eaLnBrk="1" latinLnBrk="0" hangingPunct="1">
+      <a:defRPr sz="1200" kern="1200">
+        <a:solidFill>
+          <a:schemeClr val="tx1"/>
+        </a:solidFill>
+        <a:latin typeface="+mn-lt"/>
+        <a:ea typeface="+mn-ea"/>
+        <a:cs typeface="+mn-cs"/>
+      </a:defRPr>
+    </a:lvl6pPr>
+    <a:lvl7pPr marL="2743200" algn="l" defTabSz="914400" rtl="0" eaLnBrk="1" latinLnBrk="0" hangingPunct="1">
+      <a:defRPr sz="1200" kern="1200">
+        <a:solidFill>
+          <a:schemeClr val="tx1"/>
+        </a:solidFill>
+        <a:latin typeface="+mn-lt"/>
+        <a:ea typeface="+mn-ea"/>
+        <a:cs typeface="+mn-cs"/>
+      </a:defRPr>
+    </a:lvl7pPr>
+    <a:lvl8pPr marL="3200400" algn="l" defTabSz="914400" rtl="0" eaLnBrk="1" latinLnBrk="0" hangingPunct="1">
+      <a:defRPr sz="1200" kern="1200">
+        <a:solidFill>
+          <a:schemeClr val="tx1"/>
+        </a:solidFill>
+        <a:latin typeface="+mn-lt"/>
+        <a:ea typeface="+mn-ea"/>
+        <a:cs typeface="+mn-cs"/>
+      </a:defRPr>
+    </a:lvl8pPr>
+    <a:lvl9pPr marL="3657600" algn="l" defTabSz="914400" rtl="0" eaLnBrk="1" latinLnBrk="0" hangingPunct="1">
+      <a:defRPr sz="1200" kern="1200">
+        <a:solidFill>
+          <a:schemeClr val="tx1"/>
+        </a:solidFill>
+        <a:latin typeface="+mn-lt"/>
+        <a:ea typeface="+mn-ea"/>
+        <a:cs typeface="+mn-cs"/>
+      </a:defRPr>
+    </a:lvl9pPr>
+  </p:notesStyle>
+</p:notesMaster>
+</file>
+
+<file path=ppt/notesSlides/notesSlide1.xml><?xml version="1.0" encoding="utf-8"?>
+<p:notes xmlns:a="http://schemas.openxmlformats.org/drawingml/2006/main" xmlns:r="http://schemas.openxmlformats.org/officeDocument/2006/relationships" xmlns:p="http://schemas.openxmlformats.org/presentationml/2006/main">
+  <p:cSld>
+    <p:spTree>
+      <p:nvGrpSpPr>
+        <p:cNvPr id="1" name=""/>
+        <p:cNvGrpSpPr/>
+        <p:nvPr/>
+      </p:nvGrpSpPr>
+      <p:grpSpPr>
+        <a:xfrm>
+          <a:off x="0" y="0"/>
+          <a:ext cx="0" cy="0"/>
+          <a:chOff x="0" y="0"/>
+          <a:chExt cx="0" cy="0"/>
+        </a:xfrm>
+      </p:grpSpPr>
+      <p:sp>
+        <p:nvSpPr>
+          <p:cNvPr id="2" name="Espace réservé de l'image des diapositives 1"/>
+          <p:cNvSpPr>
+            <a:spLocks noGrp="1" noRot="1" noChangeAspect="1"/>
+          </p:cNvSpPr>
+          <p:nvPr>
+            <p:ph type="sldImg"/>
+          </p:nvPr>
+        </p:nvSpPr>
+        <p:spPr/>
+      </p:sp>
+      <p:sp>
+        <p:nvSpPr>
+          <p:cNvPr id="3" name="Espace réservé des commentaires 2"/>
+          <p:cNvSpPr>
+            <a:spLocks noGrp="1"/>
+          </p:cNvSpPr>
+          <p:nvPr>
+            <p:ph type="body" idx="1"/>
+          </p:nvPr>
+        </p:nvSpPr>
+        <p:spPr/>
+        <p:txBody>
+          <a:bodyPr/>
+          <a:lstStyle/>
+          <a:p>
+            <a:pPr marL="0" marR="0" lvl="0" indent="0" algn="l" defTabSz="914400" rtl="0" eaLnBrk="1" fontAlgn="auto" latinLnBrk="0" hangingPunct="1">
+              <a:lnSpc>
+                <a:spcPct val="100000"/>
+              </a:lnSpc>
+              <a:spcBef>
+                <a:spcPts val="0"/>
+              </a:spcBef>
+              <a:spcAft>
+                <a:spcPts val="0"/>
+              </a:spcAft>
+              <a:buClrTx/>
+              <a:buSzTx/>
+              <a:buFontTx/>
+              <a:buNone/>
+              <a:tabLst/>
+              <a:defRPr/>
+            </a:pPr>
+            <a:r>
+              <a:rPr lang="fr-FR" dirty="0" smtClean="0"/>
+              <a:t>Explications sur les premières idées + logo Good </a:t>
+            </a:r>
+            <a:r>
+              <a:rPr lang="fr-FR" dirty="0" err="1" smtClean="0"/>
+              <a:t>enough</a:t>
+            </a:r>
+            <a:endParaRPr lang="fr-FR" dirty="0" smtClean="0"/>
+          </a:p>
+          <a:p>
+            <a:pPr marL="0" marR="0" lvl="0" indent="0" algn="l" defTabSz="914400" rtl="0" eaLnBrk="1" fontAlgn="auto" latinLnBrk="0" hangingPunct="1">
+              <a:lnSpc>
+                <a:spcPct val="100000"/>
+              </a:lnSpc>
+              <a:spcBef>
+                <a:spcPts val="0"/>
+              </a:spcBef>
+              <a:spcAft>
+                <a:spcPts val="0"/>
+              </a:spcAft>
+              <a:buClrTx/>
+              <a:buSzTx/>
+              <a:buFontTx/>
+              <a:buNone/>
+              <a:tabLst/>
+              <a:defRPr/>
+            </a:pPr>
+            <a:r>
+              <a:rPr lang="fr-FR" dirty="0" smtClean="0"/>
+              <a:t>On voulait faire</a:t>
+            </a:r>
+            <a:r>
+              <a:rPr lang="fr-FR" baseline="0" dirty="0" smtClean="0"/>
+              <a:t> un site sur l’informatique, plus </a:t>
+            </a:r>
+            <a:r>
+              <a:rPr lang="fr-FR" baseline="0" dirty="0" err="1" smtClean="0"/>
+              <a:t>précisement</a:t>
+            </a:r>
+            <a:r>
+              <a:rPr lang="fr-FR" baseline="0" dirty="0" smtClean="0"/>
+              <a:t> de la vente de matériel informatique, sauf que ce n’était pas possible. On est donc passés a une agence de </a:t>
+            </a:r>
+            <a:r>
+              <a:rPr lang="fr-FR" baseline="0" dirty="0" err="1" smtClean="0"/>
+              <a:t>programmatiob</a:t>
+            </a:r>
+            <a:endParaRPr lang="fr-FR" dirty="0" smtClean="0"/>
+          </a:p>
+          <a:p>
+            <a:pPr marL="0" marR="0" lvl="0" indent="0" algn="l" defTabSz="914400" rtl="0" eaLnBrk="1" fontAlgn="auto" latinLnBrk="0" hangingPunct="1">
+              <a:lnSpc>
+                <a:spcPct val="100000"/>
+              </a:lnSpc>
+              <a:spcBef>
+                <a:spcPts val="0"/>
+              </a:spcBef>
+              <a:spcAft>
+                <a:spcPts val="0"/>
+              </a:spcAft>
+              <a:buClrTx/>
+              <a:buSzTx/>
+              <a:buFontTx/>
+              <a:buNone/>
+              <a:tabLst/>
+              <a:defRPr/>
+            </a:pPr>
+            <a:endParaRPr lang="fr-FR" dirty="0" smtClean="0"/>
+          </a:p>
+          <a:p>
+            <a:pPr marL="0" marR="0" lvl="0" indent="0" algn="l" defTabSz="914400" rtl="0" eaLnBrk="1" fontAlgn="auto" latinLnBrk="0" hangingPunct="1">
+              <a:lnSpc>
+                <a:spcPct val="100000"/>
+              </a:lnSpc>
+              <a:spcBef>
+                <a:spcPts val="0"/>
+              </a:spcBef>
+              <a:spcAft>
+                <a:spcPts val="0"/>
+              </a:spcAft>
+              <a:buClrTx/>
+              <a:buSzTx/>
+              <a:buFontTx/>
+              <a:buNone/>
+              <a:tabLst/>
+              <a:defRPr/>
+            </a:pPr>
+            <a:r>
+              <a:rPr lang="fr-FR" dirty="0" smtClean="0"/>
+              <a:t>Idées pour le logo : rappel du monde de l’internet, rapport avec la programmation</a:t>
+            </a:r>
+            <a:r>
+              <a:rPr lang="fr-FR" baseline="0" dirty="0" smtClean="0"/>
+              <a:t> ou science</a:t>
+            </a:r>
+          </a:p>
+          <a:p>
+            <a:pPr marL="0" marR="0" lvl="0" indent="0" algn="l" defTabSz="914400" rtl="0" eaLnBrk="1" fontAlgn="auto" latinLnBrk="0" hangingPunct="1">
+              <a:lnSpc>
+                <a:spcPct val="100000"/>
+              </a:lnSpc>
+              <a:spcBef>
+                <a:spcPts val="0"/>
+              </a:spcBef>
+              <a:spcAft>
+                <a:spcPts val="0"/>
+              </a:spcAft>
+              <a:buClrTx/>
+              <a:buSzTx/>
+              <a:buFontTx/>
+              <a:buNone/>
+              <a:tabLst/>
+              <a:defRPr/>
+            </a:pPr>
+            <a:r>
+              <a:rPr lang="fr-FR" baseline="0" dirty="0" smtClean="0"/>
+              <a:t>Ensuite juste logo = titre de l’agence</a:t>
+            </a:r>
+          </a:p>
+          <a:p>
+            <a:pPr marL="0" marR="0" lvl="0" indent="0" algn="l" defTabSz="914400" rtl="0" eaLnBrk="1" fontAlgn="auto" latinLnBrk="0" hangingPunct="1">
+              <a:lnSpc>
+                <a:spcPct val="100000"/>
+              </a:lnSpc>
+              <a:spcBef>
+                <a:spcPts val="0"/>
+              </a:spcBef>
+              <a:spcAft>
+                <a:spcPts val="0"/>
+              </a:spcAft>
+              <a:buClrTx/>
+              <a:buSzTx/>
+              <a:buFontTx/>
+              <a:buNone/>
+              <a:tabLst/>
+              <a:defRPr/>
+            </a:pPr>
+            <a:endParaRPr lang="fr-FR" dirty="0" smtClean="0"/>
+          </a:p>
+        </p:txBody>
+      </p:sp>
+      <p:sp>
+        <p:nvSpPr>
+          <p:cNvPr id="4" name="Espace réservé du numéro de diapositive 3"/>
+          <p:cNvSpPr>
+            <a:spLocks noGrp="1"/>
+          </p:cNvSpPr>
+          <p:nvPr>
+            <p:ph type="sldNum" sz="quarter" idx="10"/>
+          </p:nvPr>
+        </p:nvSpPr>
+        <p:spPr/>
+        <p:txBody>
+          <a:bodyPr/>
+          <a:lstStyle/>
+          <a:p>
+            <a:fld id="{C3B85A73-AF58-4DBD-AC25-4385B3001381}" type="slidenum">
+              <a:rPr lang="fr-FR" smtClean="0"/>
+              <a:t>3</a:t>
+            </a:fld>
+            <a:endParaRPr lang="fr-FR"/>
+          </a:p>
+        </p:txBody>
+      </p:sp>
+    </p:spTree>
+    <p:extLst>
+      <p:ext uri="{BB962C8B-B14F-4D97-AF65-F5344CB8AC3E}">
+        <p14:creationId xmlns:p14="http://schemas.microsoft.com/office/powerpoint/2010/main" val="2535914766"/>
+      </p:ext>
+    </p:extLst>
+  </p:cSld>
+  <p:clrMapOvr>
+    <a:masterClrMapping/>
+  </p:clrMapOvr>
+</p:notes>
+</file>
+
+<file path=ppt/notesSlides/notesSlide2.xml><?xml version="1.0" encoding="utf-8"?>
+<p:notes xmlns:a="http://schemas.openxmlformats.org/drawingml/2006/main" xmlns:r="http://schemas.openxmlformats.org/officeDocument/2006/relationships" xmlns:p="http://schemas.openxmlformats.org/presentationml/2006/main">
+  <p:cSld>
+    <p:spTree>
+      <p:nvGrpSpPr>
+        <p:cNvPr id="1" name=""/>
+        <p:cNvGrpSpPr/>
+        <p:nvPr/>
+      </p:nvGrpSpPr>
+      <p:grpSpPr>
+        <a:xfrm>
+          <a:off x="0" y="0"/>
+          <a:ext cx="0" cy="0"/>
+          <a:chOff x="0" y="0"/>
+          <a:chExt cx="0" cy="0"/>
+        </a:xfrm>
+      </p:grpSpPr>
+      <p:sp>
+        <p:nvSpPr>
+          <p:cNvPr id="2" name="Espace réservé de l'image des diapositives 1"/>
+          <p:cNvSpPr>
+            <a:spLocks noGrp="1" noRot="1" noChangeAspect="1"/>
+          </p:cNvSpPr>
+          <p:nvPr>
+            <p:ph type="sldImg"/>
+          </p:nvPr>
+        </p:nvSpPr>
+        <p:spPr/>
+      </p:sp>
+      <p:sp>
+        <p:nvSpPr>
+          <p:cNvPr id="3" name="Espace réservé des commentaires 2"/>
+          <p:cNvSpPr>
+            <a:spLocks noGrp="1"/>
+          </p:cNvSpPr>
+          <p:nvPr>
+            <p:ph type="body" idx="1"/>
+          </p:nvPr>
+        </p:nvSpPr>
+        <p:spPr/>
+        <p:txBody>
+          <a:bodyPr/>
+          <a:lstStyle/>
+          <a:p>
+            <a:pPr marL="0" marR="0" lvl="0" indent="0" algn="l" defTabSz="914400" rtl="0" eaLnBrk="1" fontAlgn="auto" latinLnBrk="0" hangingPunct="1">
+              <a:lnSpc>
+                <a:spcPct val="100000"/>
+              </a:lnSpc>
+              <a:spcBef>
+                <a:spcPts val="0"/>
+              </a:spcBef>
+              <a:spcAft>
+                <a:spcPts val="0"/>
+              </a:spcAft>
+              <a:buClrTx/>
+              <a:buSzTx/>
+              <a:buFontTx/>
+              <a:buNone/>
+              <a:tabLst/>
+              <a:defRPr/>
+            </a:pPr>
+            <a:r>
+              <a:rPr lang="fr-FR" baseline="0" dirty="0" smtClean="0"/>
+              <a:t>Et pour finir I/0 = idée du rapport avec l’informatique qui unit l’hardware et le software, et nous en tant que programmeurs, on passe du hardware (</a:t>
+            </a:r>
+            <a:r>
+              <a:rPr lang="fr-FR" baseline="0" dirty="0" err="1" smtClean="0"/>
+              <a:t>fromhardware</a:t>
+            </a:r>
+            <a:r>
+              <a:rPr lang="fr-FR" baseline="0" dirty="0" smtClean="0"/>
+              <a:t>) au software</a:t>
+            </a:r>
+          </a:p>
+          <a:p>
+            <a:pPr marL="0" marR="0" lvl="0" indent="0" algn="l" defTabSz="914400" rtl="0" eaLnBrk="1" fontAlgn="auto" latinLnBrk="0" hangingPunct="1">
+              <a:lnSpc>
+                <a:spcPct val="100000"/>
+              </a:lnSpc>
+              <a:spcBef>
+                <a:spcPts val="0"/>
+              </a:spcBef>
+              <a:spcAft>
+                <a:spcPts val="0"/>
+              </a:spcAft>
+              <a:buClrTx/>
+              <a:buSzTx/>
+              <a:buFontTx/>
+              <a:buNone/>
+              <a:tabLst/>
+              <a:defRPr/>
+            </a:pPr>
+            <a:r>
+              <a:rPr lang="fr-FR" dirty="0" smtClean="0"/>
+              <a:t>De plus,</a:t>
+            </a:r>
+            <a:r>
+              <a:rPr lang="fr-FR" baseline="0" dirty="0" smtClean="0"/>
+              <a:t> le input et output, est utilisé en informatique, et ca rappelle les bits 1 et 0</a:t>
+            </a:r>
+          </a:p>
+          <a:p>
+            <a:pPr marL="0" marR="0" lvl="0" indent="0" algn="l" defTabSz="914400" rtl="0" eaLnBrk="1" fontAlgn="auto" latinLnBrk="0" hangingPunct="1">
+              <a:lnSpc>
+                <a:spcPct val="100000"/>
+              </a:lnSpc>
+              <a:spcBef>
+                <a:spcPts val="0"/>
+              </a:spcBef>
+              <a:spcAft>
+                <a:spcPts val="0"/>
+              </a:spcAft>
+              <a:buClrTx/>
+              <a:buSzTx/>
+              <a:buFontTx/>
+              <a:buNone/>
+              <a:tabLst/>
+              <a:defRPr/>
+            </a:pPr>
+            <a:r>
+              <a:rPr lang="fr-FR" baseline="0" dirty="0" smtClean="0"/>
+              <a:t>		</a:t>
+            </a:r>
+            <a:r>
+              <a:rPr lang="fr-FR" baseline="0" dirty="0" smtClean="0">
+                <a:sym typeface="Wingdings" panose="05000000000000000000" pitchFamily="2" charset="2"/>
+              </a:rPr>
+              <a:t> on exploite les capacités techniques d’une machine pour créer un produit numérique, mais l’hardware est la source de tout</a:t>
+            </a:r>
+            <a:endParaRPr lang="fr-FR" dirty="0" smtClean="0"/>
+          </a:p>
+        </p:txBody>
+      </p:sp>
+      <p:sp>
+        <p:nvSpPr>
+          <p:cNvPr id="4" name="Espace réservé du numéro de diapositive 3"/>
+          <p:cNvSpPr>
+            <a:spLocks noGrp="1"/>
+          </p:cNvSpPr>
+          <p:nvPr>
+            <p:ph type="sldNum" sz="quarter" idx="10"/>
+          </p:nvPr>
+        </p:nvSpPr>
+        <p:spPr/>
+        <p:txBody>
+          <a:bodyPr/>
+          <a:lstStyle/>
+          <a:p>
+            <a:fld id="{C3B85A73-AF58-4DBD-AC25-4385B3001381}" type="slidenum">
+              <a:rPr lang="fr-FR" smtClean="0"/>
+              <a:t>4</a:t>
+            </a:fld>
+            <a:endParaRPr lang="fr-FR"/>
+          </a:p>
+        </p:txBody>
+      </p:sp>
+    </p:spTree>
+    <p:extLst>
+      <p:ext uri="{BB962C8B-B14F-4D97-AF65-F5344CB8AC3E}">
+        <p14:creationId xmlns:p14="http://schemas.microsoft.com/office/powerpoint/2010/main" val="712478757"/>
+      </p:ext>
+    </p:extLst>
+  </p:cSld>
+  <p:clrMapOvr>
+    <a:masterClrMapping/>
+  </p:clrMapOvr>
+</p:notes>
+</file>
+
+<file path=ppt/notesSlides/notesSlide3.xml><?xml version="1.0" encoding="utf-8"?>
+<p:notes xmlns:a="http://schemas.openxmlformats.org/drawingml/2006/main" xmlns:r="http://schemas.openxmlformats.org/officeDocument/2006/relationships" xmlns:p="http://schemas.openxmlformats.org/presentationml/2006/main">
+  <p:cSld>
+    <p:spTree>
+      <p:nvGrpSpPr>
+        <p:cNvPr id="1" name=""/>
+        <p:cNvGrpSpPr/>
+        <p:nvPr/>
+      </p:nvGrpSpPr>
+      <p:grpSpPr>
+        <a:xfrm>
+          <a:off x="0" y="0"/>
+          <a:ext cx="0" cy="0"/>
+          <a:chOff x="0" y="0"/>
+          <a:chExt cx="0" cy="0"/>
+        </a:xfrm>
+      </p:grpSpPr>
+      <p:sp>
+        <p:nvSpPr>
+          <p:cNvPr id="2" name="Espace réservé de l'image des diapositives 1"/>
+          <p:cNvSpPr>
+            <a:spLocks noGrp="1" noRot="1" noChangeAspect="1"/>
+          </p:cNvSpPr>
+          <p:nvPr>
+            <p:ph type="sldImg"/>
+          </p:nvPr>
+        </p:nvSpPr>
+        <p:spPr/>
+      </p:sp>
+      <p:sp>
+        <p:nvSpPr>
+          <p:cNvPr id="3" name="Espace réservé des commentaires 2"/>
+          <p:cNvSpPr>
+            <a:spLocks noGrp="1"/>
+          </p:cNvSpPr>
+          <p:nvPr>
+            <p:ph type="body" idx="1"/>
+          </p:nvPr>
+        </p:nvSpPr>
+        <p:spPr/>
+        <p:txBody>
+          <a:bodyPr/>
+          <a:lstStyle/>
+          <a:p>
+            <a:r>
+              <a:rPr lang="fr-FR" dirty="0" smtClean="0"/>
+              <a:t>Explication charte graphique : juste style très</a:t>
+            </a:r>
+            <a:r>
+              <a:rPr lang="fr-FR" baseline="0" dirty="0" smtClean="0"/>
+              <a:t> simple et sombre, qui va droit à l’essentiel, comme beaucoup de sites actuels</a:t>
+            </a:r>
+          </a:p>
+          <a:p>
+            <a:r>
+              <a:rPr lang="fr-FR" baseline="0" dirty="0" smtClean="0"/>
+              <a:t>Cheminement logo</a:t>
+            </a:r>
+            <a:endParaRPr lang="fr-FR" dirty="0"/>
+          </a:p>
+        </p:txBody>
+      </p:sp>
+      <p:sp>
+        <p:nvSpPr>
+          <p:cNvPr id="4" name="Espace réservé du numéro de diapositive 3"/>
+          <p:cNvSpPr>
+            <a:spLocks noGrp="1"/>
+          </p:cNvSpPr>
+          <p:nvPr>
+            <p:ph type="sldNum" sz="quarter" idx="10"/>
+          </p:nvPr>
+        </p:nvSpPr>
+        <p:spPr/>
+        <p:txBody>
+          <a:bodyPr/>
+          <a:lstStyle/>
+          <a:p>
+            <a:fld id="{C3B85A73-AF58-4DBD-AC25-4385B3001381}" type="slidenum">
+              <a:rPr lang="fr-FR" smtClean="0"/>
+              <a:t>5</a:t>
+            </a:fld>
+            <a:endParaRPr lang="fr-FR"/>
+          </a:p>
+        </p:txBody>
+      </p:sp>
+    </p:spTree>
+    <p:extLst>
+      <p:ext uri="{BB962C8B-B14F-4D97-AF65-F5344CB8AC3E}">
+        <p14:creationId xmlns:p14="http://schemas.microsoft.com/office/powerpoint/2010/main" val="3422539147"/>
+      </p:ext>
+    </p:extLst>
+  </p:cSld>
+  <p:clrMapOvr>
+    <a:masterClrMapping/>
+  </p:clrMapOvr>
+</p:notes>
+</file>
+
+<file path=ppt/notesSlides/notesSlide4.xml><?xml version="1.0" encoding="utf-8"?>
+<p:notes xmlns:a="http://schemas.openxmlformats.org/drawingml/2006/main" xmlns:r="http://schemas.openxmlformats.org/officeDocument/2006/relationships" xmlns:p="http://schemas.openxmlformats.org/presentationml/2006/main">
+  <p:cSld>
+    <p:spTree>
+      <p:nvGrpSpPr>
+        <p:cNvPr id="1" name=""/>
+        <p:cNvGrpSpPr/>
+        <p:nvPr/>
+      </p:nvGrpSpPr>
+      <p:grpSpPr>
+        <a:xfrm>
+          <a:off x="0" y="0"/>
+          <a:ext cx="0" cy="0"/>
+          <a:chOff x="0" y="0"/>
+          <a:chExt cx="0" cy="0"/>
+        </a:xfrm>
+      </p:grpSpPr>
+      <p:sp>
+        <p:nvSpPr>
+          <p:cNvPr id="2" name="Espace réservé de l'image des diapositives 1"/>
+          <p:cNvSpPr>
+            <a:spLocks noGrp="1" noRot="1" noChangeAspect="1"/>
+          </p:cNvSpPr>
+          <p:nvPr>
+            <p:ph type="sldImg"/>
+          </p:nvPr>
+        </p:nvSpPr>
+        <p:spPr/>
+      </p:sp>
+      <p:sp>
+        <p:nvSpPr>
+          <p:cNvPr id="3" name="Espace réservé des commentaires 2"/>
+          <p:cNvSpPr>
+            <a:spLocks noGrp="1"/>
+          </p:cNvSpPr>
+          <p:nvPr>
+            <p:ph type="body" idx="1"/>
+          </p:nvPr>
+        </p:nvSpPr>
+        <p:spPr/>
+        <p:txBody>
+          <a:bodyPr/>
+          <a:lstStyle/>
+          <a:p>
+            <a:pPr marL="0" marR="0" lvl="0" indent="0" algn="l" defTabSz="914400" rtl="0" eaLnBrk="1" fontAlgn="auto" latinLnBrk="0" hangingPunct="1">
+              <a:lnSpc>
+                <a:spcPct val="100000"/>
+              </a:lnSpc>
+              <a:spcBef>
+                <a:spcPts val="0"/>
+              </a:spcBef>
+              <a:spcAft>
+                <a:spcPts val="0"/>
+              </a:spcAft>
+              <a:buClrTx/>
+              <a:buSzTx/>
+              <a:buFontTx/>
+              <a:buNone/>
+              <a:tabLst/>
+              <a:defRPr/>
+            </a:pPr>
+            <a:r>
+              <a:rPr lang="fr-FR" dirty="0" smtClean="0"/>
+              <a:t>Explication vidéo</a:t>
+            </a:r>
+            <a:r>
+              <a:rPr lang="fr-FR" baseline="0" dirty="0" smtClean="0"/>
+              <a:t> :</a:t>
+            </a:r>
+          </a:p>
+          <a:p>
+            <a:pPr marL="171450" marR="0" lvl="0" indent="-171450" algn="l" defTabSz="914400" rtl="0" eaLnBrk="1" fontAlgn="auto" latinLnBrk="0" hangingPunct="1">
+              <a:lnSpc>
+                <a:spcPct val="100000"/>
+              </a:lnSpc>
+              <a:spcBef>
+                <a:spcPts val="0"/>
+              </a:spcBef>
+              <a:spcAft>
+                <a:spcPts val="0"/>
+              </a:spcAft>
+              <a:buClrTx/>
+              <a:buSzTx/>
+              <a:buFontTx/>
+              <a:buChar char="-"/>
+              <a:tabLst/>
+              <a:defRPr/>
+            </a:pPr>
+            <a:r>
+              <a:rPr lang="fr-FR" baseline="0" dirty="0" smtClean="0"/>
+              <a:t>Ton décalé </a:t>
+            </a:r>
+            <a:r>
+              <a:rPr lang="fr-FR" baseline="0" dirty="0" err="1" smtClean="0"/>
+              <a:t>humouristique</a:t>
+            </a:r>
+            <a:endParaRPr lang="fr-FR" baseline="0" dirty="0" smtClean="0"/>
+          </a:p>
+          <a:p>
+            <a:pPr marL="171450" marR="0" lvl="0" indent="-171450" algn="l" defTabSz="914400" rtl="0" eaLnBrk="1" fontAlgn="auto" latinLnBrk="0" hangingPunct="1">
+              <a:lnSpc>
+                <a:spcPct val="100000"/>
+              </a:lnSpc>
+              <a:spcBef>
+                <a:spcPts val="0"/>
+              </a:spcBef>
+              <a:spcAft>
+                <a:spcPts val="0"/>
+              </a:spcAft>
+              <a:buClrTx/>
+              <a:buSzTx/>
+              <a:buFontTx/>
+              <a:buChar char="-"/>
+              <a:tabLst/>
+              <a:defRPr/>
+            </a:pPr>
+            <a:r>
+              <a:rPr lang="fr-FR" dirty="0" smtClean="0"/>
+              <a:t>On</a:t>
+            </a:r>
+            <a:r>
+              <a:rPr lang="fr-FR" baseline="0" dirty="0" smtClean="0"/>
+              <a:t> a pensé à des hackers car ils sont associés à des </a:t>
+            </a:r>
+            <a:r>
+              <a:rPr lang="fr-FR" baseline="0" dirty="0" err="1" smtClean="0"/>
+              <a:t>personens</a:t>
+            </a:r>
+            <a:r>
+              <a:rPr lang="fr-FR" baseline="0" dirty="0" smtClean="0"/>
+              <a:t> qui codent très vite et se connaissent énormément en informatique</a:t>
+            </a:r>
+          </a:p>
+          <a:p>
+            <a:pPr marL="171450" marR="0" lvl="0" indent="-171450" algn="l" defTabSz="914400" rtl="0" eaLnBrk="1" fontAlgn="auto" latinLnBrk="0" hangingPunct="1">
+              <a:lnSpc>
+                <a:spcPct val="100000"/>
+              </a:lnSpc>
+              <a:spcBef>
+                <a:spcPts val="0"/>
+              </a:spcBef>
+              <a:spcAft>
+                <a:spcPts val="0"/>
+              </a:spcAft>
+              <a:buClrTx/>
+              <a:buSzTx/>
+              <a:buFontTx/>
+              <a:buChar char="-"/>
+              <a:tabLst/>
+              <a:defRPr/>
+            </a:pPr>
+            <a:r>
+              <a:rPr lang="fr-FR" baseline="0" dirty="0" smtClean="0"/>
+              <a:t>On voulait </a:t>
+            </a:r>
+            <a:r>
+              <a:rPr lang="fr-FR" baseline="0" dirty="0" err="1" smtClean="0"/>
+              <a:t>relféter</a:t>
+            </a:r>
+            <a:r>
+              <a:rPr lang="fr-FR" baseline="0" dirty="0" smtClean="0"/>
+              <a:t> l’</a:t>
+            </a:r>
+            <a:r>
+              <a:rPr lang="fr-FR" baseline="0" dirty="0" err="1" smtClean="0"/>
+              <a:t>hambiance</a:t>
+            </a:r>
+            <a:r>
+              <a:rPr lang="fr-FR" baseline="0" dirty="0" smtClean="0"/>
+              <a:t> conviviale de l’agence, on est toujours </a:t>
+            </a:r>
+            <a:r>
+              <a:rPr lang="fr-FR" baseline="0" dirty="0" err="1" smtClean="0"/>
+              <a:t>décompréssé</a:t>
+            </a:r>
+            <a:endParaRPr lang="fr-FR" dirty="0" smtClean="0"/>
+          </a:p>
+        </p:txBody>
+      </p:sp>
+      <p:sp>
+        <p:nvSpPr>
+          <p:cNvPr id="4" name="Espace réservé du numéro de diapositive 3"/>
+          <p:cNvSpPr>
+            <a:spLocks noGrp="1"/>
+          </p:cNvSpPr>
+          <p:nvPr>
+            <p:ph type="sldNum" sz="quarter" idx="10"/>
+          </p:nvPr>
+        </p:nvSpPr>
+        <p:spPr/>
+        <p:txBody>
+          <a:bodyPr/>
+          <a:lstStyle/>
+          <a:p>
+            <a:fld id="{C3B85A73-AF58-4DBD-AC25-4385B3001381}" type="slidenum">
+              <a:rPr lang="fr-FR" smtClean="0"/>
+              <a:t>6</a:t>
+            </a:fld>
+            <a:endParaRPr lang="fr-FR"/>
+          </a:p>
+        </p:txBody>
+      </p:sp>
+    </p:spTree>
+    <p:extLst>
+      <p:ext uri="{BB962C8B-B14F-4D97-AF65-F5344CB8AC3E}">
+        <p14:creationId xmlns:p14="http://schemas.microsoft.com/office/powerpoint/2010/main" val="1600345752"/>
+      </p:ext>
+    </p:extLst>
+  </p:cSld>
+  <p:clrMapOvr>
+    <a:masterClrMapping/>
+  </p:clrMapOvr>
+</p:notes>
+</file>
+
+<file path=ppt/notesSlides/notesSlide5.xml><?xml version="1.0" encoding="utf-8"?>
+<p:notes xmlns:a="http://schemas.openxmlformats.org/drawingml/2006/main" xmlns:r="http://schemas.openxmlformats.org/officeDocument/2006/relationships" xmlns:p="http://schemas.openxmlformats.org/presentationml/2006/main">
+  <p:cSld>
+    <p:spTree>
+      <p:nvGrpSpPr>
+        <p:cNvPr id="1" name=""/>
+        <p:cNvGrpSpPr/>
+        <p:nvPr/>
+      </p:nvGrpSpPr>
+      <p:grpSpPr>
+        <a:xfrm>
+          <a:off x="0" y="0"/>
+          <a:ext cx="0" cy="0"/>
+          <a:chOff x="0" y="0"/>
+          <a:chExt cx="0" cy="0"/>
+        </a:xfrm>
+      </p:grpSpPr>
+      <p:sp>
+        <p:nvSpPr>
+          <p:cNvPr id="2" name="Espace réservé de l'image des diapositives 1"/>
+          <p:cNvSpPr>
+            <a:spLocks noGrp="1" noRot="1" noChangeAspect="1"/>
+          </p:cNvSpPr>
+          <p:nvPr>
+            <p:ph type="sldImg"/>
+          </p:nvPr>
+        </p:nvSpPr>
+        <p:spPr/>
+      </p:sp>
+      <p:sp>
+        <p:nvSpPr>
+          <p:cNvPr id="3" name="Espace réservé des commentaires 2"/>
+          <p:cNvSpPr>
+            <a:spLocks noGrp="1"/>
+          </p:cNvSpPr>
+          <p:nvPr>
+            <p:ph type="body" idx="1"/>
+          </p:nvPr>
+        </p:nvSpPr>
+        <p:spPr/>
+        <p:txBody>
+          <a:bodyPr/>
+          <a:lstStyle/>
+          <a:p>
+            <a:r>
+              <a:rPr lang="fr-FR" dirty="0" smtClean="0"/>
+              <a:t>Explication du thème du jeu</a:t>
+            </a:r>
+          </a:p>
+          <a:p>
+            <a:endParaRPr lang="fr-FR" dirty="0" smtClean="0"/>
+          </a:p>
+          <a:p>
+            <a:endParaRPr lang="fr-FR" dirty="0"/>
+          </a:p>
+        </p:txBody>
+      </p:sp>
+      <p:sp>
+        <p:nvSpPr>
+          <p:cNvPr id="4" name="Espace réservé du numéro de diapositive 3"/>
+          <p:cNvSpPr>
+            <a:spLocks noGrp="1"/>
+          </p:cNvSpPr>
+          <p:nvPr>
+            <p:ph type="sldNum" sz="quarter" idx="10"/>
+          </p:nvPr>
+        </p:nvSpPr>
+        <p:spPr/>
+        <p:txBody>
+          <a:bodyPr/>
+          <a:lstStyle/>
+          <a:p>
+            <a:fld id="{C3B85A73-AF58-4DBD-AC25-4385B3001381}" type="slidenum">
+              <a:rPr lang="fr-FR" smtClean="0"/>
+              <a:t>10</a:t>
+            </a:fld>
+            <a:endParaRPr lang="fr-FR"/>
+          </a:p>
+        </p:txBody>
+      </p:sp>
+    </p:spTree>
+    <p:extLst>
+      <p:ext uri="{BB962C8B-B14F-4D97-AF65-F5344CB8AC3E}">
+        <p14:creationId xmlns:p14="http://schemas.microsoft.com/office/powerpoint/2010/main" val="3065814502"/>
+      </p:ext>
+    </p:extLst>
+  </p:cSld>
+  <p:clrMapOvr>
+    <a:masterClrMapping/>
+  </p:clrMapOvr>
+</p:notes>
+</file>
+
+<file path=ppt/slideLayouts/slideLayout1.xml><?xml version="1.0" encoding="utf-8"?>
+<p:sldLayout xmlns:a="http://schemas.openxmlformats.org/drawingml/2006/main" xmlns:r="http://schemas.openxmlformats.org/officeDocument/2006/relationships" xmlns:p="http://schemas.openxmlformats.org/presentationml/2006/main" showMasterSp="0" type="title" preserve="1">
+  <p:cSld name="Diapositive de titre">
+    <p:bg>
+      <p:bgPr>
+        <a:solidFill>
+          <a:schemeClr val="accent1"/>
+        </a:solidFill>
+        <a:effectLst/>
+      </p:bgPr>
+    </p:bg>
+    <p:spTree>
+      <p:nvGrpSpPr>
+        <p:cNvPr id="1" name=""/>
+        <p:cNvGrpSpPr/>
+        <p:nvPr/>
+      </p:nvGrpSpPr>
+      <p:grpSpPr>
+        <a:xfrm>
+          <a:off x="0" y="0"/>
+          <a:ext cx="0" cy="0"/>
+          <a:chOff x="0" y="0"/>
+          <a:chExt cx="0" cy="0"/>
+        </a:xfrm>
+      </p:grpSpPr>
+      <p:sp>
+        <p:nvSpPr>
+          <p:cNvPr id="8" name="Étoile à 7 branches 7"/>
+          <p:cNvSpPr/>
+          <p:nvPr userDrawn="1"/>
+        </p:nvSpPr>
+        <p:spPr>
+          <a:xfrm>
+            <a:off x="2859314" y="192314"/>
+            <a:ext cx="6473372" cy="6473372"/>
+          </a:xfrm>
+          <a:prstGeom prst="star7">
+            <a:avLst>
+              <a:gd name="adj" fmla="val 40142"/>
+              <a:gd name="hf" fmla="val 102572"/>
+              <a:gd name="vf" fmla="val 105210"/>
+            </a:avLst>
+          </a:prstGeom>
+          <a:solidFill>
+            <a:schemeClr val="bg1"/>
+          </a:solidFill>
+        </p:spPr>
+        <p:style>
+          <a:lnRef idx="2">
+            <a:schemeClr val="accent1">
+              <a:shade val="50000"/>
+            </a:schemeClr>
+          </a:lnRef>
+          <a:fillRef idx="1">
+            <a:schemeClr val="accent1"/>
+          </a:fillRef>
+          <a:effectRef idx="0">
+            <a:schemeClr val="accent1"/>
+          </a:effectRef>
+          <a:fontRef idx="minor">
+            <a:schemeClr val="lt1"/>
+          </a:fontRef>
+        </p:style>
+        <p:txBody>
+          <a:bodyPr rtlCol="0" anchor="ctr"/>
+          <a:lstStyle/>
+          <a:p>
+            <a:pPr algn="ctr"/>
+            <a:endParaRPr lang="fr-FR"/>
+          </a:p>
+        </p:txBody>
+      </p:sp>
+      <p:sp>
+        <p:nvSpPr>
+          <p:cNvPr id="2" name="Title 1"/>
+          <p:cNvSpPr>
+            <a:spLocks noGrp="1"/>
+          </p:cNvSpPr>
+          <p:nvPr>
+            <p:ph type="ctrTitle"/>
+          </p:nvPr>
+        </p:nvSpPr>
+        <p:spPr>
+          <a:xfrm>
+            <a:off x="1078523" y="1098388"/>
+            <a:ext cx="10318418" cy="4394988"/>
           </a:xfrm>
         </p:spPr>
         <p:txBody>
-          <a:bodyPr anchor="b"/>
+          <a:bodyPr anchor="ctr">
+            <a:noAutofit/>
+          </a:bodyPr>
           <a:lstStyle>
             <a:lvl1pPr algn="ctr">
-              <a:defRPr sz="6000"/>
+              <a:defRPr sz="10000" spc="800" baseline="0"/>
             </a:lvl1pPr>
           </a:lstStyle>
           <a:p>
             <a:r>
-              <a:rPr lang="en-US"/>
-              <a:t>Click to edit Master title style</a:t>
-            </a:r>
-            <a:endParaRPr lang="fr-FR"/>
-          </a:p>
-        </p:txBody>
-      </p:sp>
-      <p:sp>
-        <p:nvSpPr>
-          <p:cNvPr id="3" name="Subtitle 2">
-            <a:extLst>
-              <a:ext uri="{FF2B5EF4-FFF2-40B4-BE49-F238E27FC236}">
-                <a16:creationId xmlns:a16="http://schemas.microsoft.com/office/drawing/2014/main" id="{7723CB03-0C01-4CB9-BCCB-8F090772CF10}"/>
-              </a:ext>
-            </a:extLst>
-          </p:cNvPr>
+              <a:rPr lang="fr-FR" smtClean="0"/>
+              <a:t>Modifiez le style du titre</a:t>
+            </a:r>
+            <a:endParaRPr lang="en-US" dirty="0"/>
+          </a:p>
+        </p:txBody>
+      </p:sp>
+      <p:sp>
+        <p:nvSpPr>
+          <p:cNvPr id="3" name="Subtitle 2"/>
           <p:cNvSpPr>
             <a:spLocks noGrp="1"/>
           </p:cNvSpPr>
@@ -204,16 +1580,25 @@
         </p:nvSpPr>
         <p:spPr>
           <a:xfrm>
-            <a:off x="1524000" y="3602038"/>
-            <a:ext cx="9144000" cy="1655762"/>
+            <a:off x="2215045" y="5979196"/>
+            <a:ext cx="8045373" cy="742279"/>
           </a:xfrm>
         </p:spPr>
         <p:txBody>
-          <a:bodyPr/>
+          <a:bodyPr anchor="t">
+            <a:normAutofit/>
+          </a:bodyPr>
           <a:lstStyle>
             <a:lvl1pPr marL="0" indent="0" algn="ctr">
+              <a:lnSpc>
+                <a:spcPct val="100000"/>
+              </a:lnSpc>
               <a:buNone/>
-              <a:defRPr sz="2400"/>
+              <a:defRPr sz="2000" b="1" i="0" cap="all" spc="400" baseline="0">
+                <a:solidFill>
+                  <a:schemeClr val="tx2"/>
+                </a:solidFill>
+              </a:defRPr>
             </a:lvl1pPr>
             <a:lvl2pPr marL="457200" indent="0" algn="ctr">
               <a:buNone/>
@@ -250,22 +1635,16 @@
           </a:lstStyle>
           <a:p>
             <a:r>
-              <a:rPr lang="en-US"/>
-              <a:t>Click to edit Master subtitle style</a:t>
-            </a:r>
-            <a:endParaRPr lang="fr-FR"/>
-          </a:p>
-        </p:txBody>
-      </p:sp>
-      <p:sp>
-        <p:nvSpPr>
-          <p:cNvPr id="4" name="Date Placeholder 3">
-            <a:extLst>
-              <a:ext uri="{FF2B5EF4-FFF2-40B4-BE49-F238E27FC236}">
-                <a16:creationId xmlns:a16="http://schemas.microsoft.com/office/drawing/2014/main" id="{0930E9FE-7670-43A8-83D3-04F52D1919DD}"/>
-              </a:ext>
-            </a:extLst>
-          </p:cNvPr>
+              <a:rPr lang="fr-FR" smtClean="0"/>
+              <a:t>Modifiez le style des sous-titres du masque</a:t>
+            </a:r>
+            <a:endParaRPr lang="en-US" dirty="0"/>
+          </a:p>
+        </p:txBody>
+      </p:sp>
+      <p:sp>
+        <p:nvSpPr>
+          <p:cNvPr id="4" name="Date Placeholder 3"/>
           <p:cNvSpPr>
             <a:spLocks noGrp="1"/>
           </p:cNvSpPr>
@@ -273,14 +1652,29 @@
             <p:ph type="dt" sz="half" idx="10"/>
           </p:nvPr>
         </p:nvSpPr>
-        <p:spPr/>
+        <p:spPr>
+          <a:xfrm>
+            <a:off x="1078523" y="6375679"/>
+            <a:ext cx="2329722" cy="348462"/>
+          </a:xfrm>
+        </p:spPr>
         <p:txBody>
           <a:bodyPr/>
-          <a:lstStyle/>
+          <a:lstStyle>
+            <a:lvl1pPr>
+              <a:defRPr baseline="0">
+                <a:solidFill>
+                  <a:schemeClr val="accent1">
+                    <a:lumMod val="50000"/>
+                  </a:schemeClr>
+                </a:solidFill>
+              </a:defRPr>
+            </a:lvl1pPr>
+          </a:lstStyle>
           <a:p>
             <a:fld id="{C909DD4E-88AE-4B9E-AC59-18F6C8A2744D}" type="datetimeFigureOut">
               <a:rPr lang="fr-FR" smtClean="0"/>
-              <a:t>28/05/2018</a:t>
+              <a:t>30/05/2018</a:t>
             </a:fld>
             <a:endParaRPr lang="fr-FR"/>
           </a:p>
@@ -288,13 +1682,7 @@
       </p:sp>
       <p:sp>
         <p:nvSpPr>
-          <p:cNvPr id="5" name="Footer Placeholder 4">
-            <a:extLst>
-              <a:ext uri="{FF2B5EF4-FFF2-40B4-BE49-F238E27FC236}">
-                <a16:creationId xmlns:a16="http://schemas.microsoft.com/office/drawing/2014/main" id="{539D3F24-0640-4F5E-AA00-B858592C0BBC}"/>
-              </a:ext>
-            </a:extLst>
-          </p:cNvPr>
+          <p:cNvPr id="5" name="Footer Placeholder 4"/>
           <p:cNvSpPr>
             <a:spLocks noGrp="1"/>
           </p:cNvSpPr>
@@ -302,10 +1690,25 @@
             <p:ph type="ftr" sz="quarter" idx="11"/>
           </p:nvPr>
         </p:nvSpPr>
-        <p:spPr/>
+        <p:spPr>
+          <a:xfrm>
+            <a:off x="4180332" y="6375679"/>
+            <a:ext cx="4114800" cy="345796"/>
+          </a:xfrm>
+        </p:spPr>
         <p:txBody>
           <a:bodyPr/>
-          <a:lstStyle/>
+          <a:lstStyle>
+            <a:lvl1pPr>
+              <a:defRPr baseline="0">
+                <a:solidFill>
+                  <a:schemeClr val="accent1">
+                    <a:lumMod val="50000"/>
+                  </a:schemeClr>
+                </a:solidFill>
+              </a:defRPr>
+            </a:lvl1pPr>
+          </a:lstStyle>
           <a:p>
             <a:endParaRPr lang="fr-FR"/>
           </a:p>
@@ -313,13 +1716,7 @@
       </p:sp>
       <p:sp>
         <p:nvSpPr>
-          <p:cNvPr id="6" name="Slide Number Placeholder 5">
-            <a:extLst>
-              <a:ext uri="{FF2B5EF4-FFF2-40B4-BE49-F238E27FC236}">
-                <a16:creationId xmlns:a16="http://schemas.microsoft.com/office/drawing/2014/main" id="{A1B4630A-A514-4315-B129-A55B364E7128}"/>
-              </a:ext>
-            </a:extLst>
-          </p:cNvPr>
+          <p:cNvPr id="6" name="Slide Number Placeholder 5"/>
           <p:cNvSpPr>
             <a:spLocks noGrp="1"/>
           </p:cNvSpPr>
@@ -327,35 +1724,95 @@
             <p:ph type="sldNum" sz="quarter" idx="12"/>
           </p:nvPr>
         </p:nvSpPr>
-        <p:spPr/>
+        <p:spPr>
+          <a:xfrm>
+            <a:off x="9067218" y="6375679"/>
+            <a:ext cx="2329723" cy="345796"/>
+          </a:xfrm>
+        </p:spPr>
         <p:txBody>
           <a:bodyPr/>
-          <a:lstStyle/>
+          <a:lstStyle>
+            <a:lvl1pPr>
+              <a:defRPr baseline="0">
+                <a:solidFill>
+                  <a:schemeClr val="accent1">
+                    <a:lumMod val="50000"/>
+                  </a:schemeClr>
+                </a:solidFill>
+              </a:defRPr>
+            </a:lvl1pPr>
+          </a:lstStyle>
           <a:p>
             <a:fld id="{B680550B-5DE9-41D6-ACEF-8E7B33225DBA}" type="slidenum">
               <a:rPr lang="fr-FR" smtClean="0"/>
-              <a:t>‹#›</a:t>
+              <a:t>‹N°›</a:t>
             </a:fld>
             <a:endParaRPr lang="fr-FR"/>
           </a:p>
         </p:txBody>
+      </p:sp>
+      <p:sp>
+        <p:nvSpPr>
+          <p:cNvPr id="13" name="Rectangle 12" title="left edge border"/>
+          <p:cNvSpPr/>
+          <p:nvPr/>
+        </p:nvSpPr>
+        <p:spPr>
+          <a:xfrm>
+            <a:off x="0" y="0"/>
+            <a:ext cx="283464" cy="6858000"/>
+          </a:xfrm>
+          <a:prstGeom prst="rect">
+            <a:avLst/>
+          </a:prstGeom>
+          <a:solidFill>
+            <a:schemeClr val="tx2"/>
+          </a:solidFill>
+          <a:ln>
+            <a:noFill/>
+          </a:ln>
+        </p:spPr>
+        <p:style>
+          <a:lnRef idx="2">
+            <a:schemeClr val="accent1">
+              <a:shade val="50000"/>
+            </a:schemeClr>
+          </a:lnRef>
+          <a:fillRef idx="1">
+            <a:schemeClr val="accent1"/>
+          </a:fillRef>
+          <a:effectRef idx="0">
+            <a:schemeClr val="accent1"/>
+          </a:effectRef>
+          <a:fontRef idx="minor">
+            <a:schemeClr val="lt1"/>
+          </a:fontRef>
+        </p:style>
       </p:sp>
     </p:spTree>
     <p:extLst>
       <p:ext uri="{BB962C8B-B14F-4D97-AF65-F5344CB8AC3E}">
-        <p14:creationId xmlns:p14="http://schemas.microsoft.com/office/powerpoint/2010/main" val="1590594162"/>
+        <p14:creationId xmlns:p14="http://schemas.microsoft.com/office/powerpoint/2010/main" val="209667473"/>
       </p:ext>
     </p:extLst>
   </p:cSld>
   <p:clrMapOvr>
     <a:masterClrMapping/>
   </p:clrMapOvr>
+  <p:timing>
+    <p:tnLst>
+      <p:par>
+        <p:cTn id="1" dur="indefinite" restart="never" nodeType="tmRoot"/>
+      </p:par>
+    </p:tnLst>
+  </p:timing>
 </p:sldLayout>
 </file>
 
 <file path=ppt/slideLayouts/slideLayout10.xml><?xml version="1.0" encoding="utf-8"?>
 <p:sldLayout xmlns:a="http://schemas.openxmlformats.org/drawingml/2006/main" xmlns:r="http://schemas.openxmlformats.org/officeDocument/2006/relationships" xmlns:p="http://schemas.openxmlformats.org/presentationml/2006/main" type="vertTx" preserve="1">
-  <p:cSld name="Title and Vertical Text">
+  <p:cSld name="Titre et texte vertical">
     <p:spTree>
       <p:nvGrpSpPr>
         <p:cNvPr id="1" name=""/>
@@ -372,13 +1829,7 @@
       </p:grpSpPr>
       <p:sp>
         <p:nvSpPr>
-          <p:cNvPr id="2" name="Title 1">
-            <a:extLst>
-              <a:ext uri="{FF2B5EF4-FFF2-40B4-BE49-F238E27FC236}">
-                <a16:creationId xmlns:a16="http://schemas.microsoft.com/office/drawing/2014/main" id="{90BBDE14-6F5A-4096-B65B-1AA9D17C1DFD}"/>
-              </a:ext>
-            </a:extLst>
-          </p:cNvPr>
+          <p:cNvPr id="2" name="Title 1"/>
           <p:cNvSpPr>
             <a:spLocks noGrp="1"/>
           </p:cNvSpPr>
@@ -392,22 +1843,16 @@
           <a:lstStyle/>
           <a:p>
             <a:r>
-              <a:rPr lang="en-US"/>
-              <a:t>Click to edit Master title style</a:t>
-            </a:r>
-            <a:endParaRPr lang="fr-FR"/>
-          </a:p>
-        </p:txBody>
-      </p:sp>
-      <p:sp>
-        <p:nvSpPr>
-          <p:cNvPr id="3" name="Vertical Text Placeholder 2">
-            <a:extLst>
-              <a:ext uri="{FF2B5EF4-FFF2-40B4-BE49-F238E27FC236}">
-                <a16:creationId xmlns:a16="http://schemas.microsoft.com/office/drawing/2014/main" id="{BD87662B-F07F-4DF5-B781-E375F36968A5}"/>
-              </a:ext>
-            </a:extLst>
-          </p:cNvPr>
+              <a:rPr lang="fr-FR" smtClean="0"/>
+              <a:t>Modifiez le style du titre</a:t>
+            </a:r>
+            <a:endParaRPr lang="en-US" dirty="0"/>
+          </a:p>
+        </p:txBody>
+      </p:sp>
+      <p:sp>
+        <p:nvSpPr>
+          <p:cNvPr id="3" name="Vertical Text Placeholder 2"/>
           <p:cNvSpPr>
             <a:spLocks noGrp="1"/>
           </p:cNvSpPr>
@@ -422,50 +1867,44 @@
           <a:p>
             <a:pPr lvl="0"/>
             <a:r>
-              <a:rPr lang="en-US"/>
-              <a:t>Edit Master text styles</a:t>
+              <a:rPr lang="fr-FR" smtClean="0"/>
+              <a:t>Modifiez les styles du texte du masque</a:t>
             </a:r>
           </a:p>
           <a:p>
             <a:pPr lvl="1"/>
             <a:r>
-              <a:rPr lang="en-US"/>
-              <a:t>Second level</a:t>
+              <a:rPr lang="fr-FR" smtClean="0"/>
+              <a:t>Deuxième niveau</a:t>
             </a:r>
           </a:p>
           <a:p>
             <a:pPr lvl="2"/>
             <a:r>
-              <a:rPr lang="en-US"/>
-              <a:t>Third level</a:t>
+              <a:rPr lang="fr-FR" smtClean="0"/>
+              <a:t>Troisième niveau</a:t>
             </a:r>
           </a:p>
           <a:p>
             <a:pPr lvl="3"/>
             <a:r>
-              <a:rPr lang="en-US"/>
-              <a:t>Fourth level</a:t>
+              <a:rPr lang="fr-FR" smtClean="0"/>
+              <a:t>Quatrième niveau</a:t>
             </a:r>
           </a:p>
           <a:p>
             <a:pPr lvl="4"/>
             <a:r>
-              <a:rPr lang="en-US"/>
-              <a:t>Fifth level</a:t>
-            </a:r>
-            <a:endParaRPr lang="fr-FR"/>
-          </a:p>
-        </p:txBody>
-      </p:sp>
-      <p:sp>
-        <p:nvSpPr>
-          <p:cNvPr id="4" name="Date Placeholder 3">
-            <a:extLst>
-              <a:ext uri="{FF2B5EF4-FFF2-40B4-BE49-F238E27FC236}">
-                <a16:creationId xmlns:a16="http://schemas.microsoft.com/office/drawing/2014/main" id="{E8BDB4C3-6FA0-434C-A0F1-F12EE1F7AB00}"/>
-              </a:ext>
-            </a:extLst>
-          </p:cNvPr>
+              <a:rPr lang="fr-FR" smtClean="0"/>
+              <a:t>Cinquième niveau</a:t>
+            </a:r>
+            <a:endParaRPr lang="en-US" dirty="0"/>
+          </a:p>
+        </p:txBody>
+      </p:sp>
+      <p:sp>
+        <p:nvSpPr>
+          <p:cNvPr id="4" name="Date Placeholder 3"/>
           <p:cNvSpPr>
             <a:spLocks noGrp="1"/>
           </p:cNvSpPr>
@@ -480,7 +1919,7 @@
           <a:p>
             <a:fld id="{C909DD4E-88AE-4B9E-AC59-18F6C8A2744D}" type="datetimeFigureOut">
               <a:rPr lang="fr-FR" smtClean="0"/>
-              <a:t>28/05/2018</a:t>
+              <a:t>30/05/2018</a:t>
             </a:fld>
             <a:endParaRPr lang="fr-FR"/>
           </a:p>
@@ -488,13 +1927,7 @@
       </p:sp>
       <p:sp>
         <p:nvSpPr>
-          <p:cNvPr id="5" name="Footer Placeholder 4">
-            <a:extLst>
-              <a:ext uri="{FF2B5EF4-FFF2-40B4-BE49-F238E27FC236}">
-                <a16:creationId xmlns:a16="http://schemas.microsoft.com/office/drawing/2014/main" id="{BBB01FCF-382C-427B-A12C-75D08BE5EE47}"/>
-              </a:ext>
-            </a:extLst>
-          </p:cNvPr>
+          <p:cNvPr id="5" name="Footer Placeholder 4"/>
           <p:cNvSpPr>
             <a:spLocks noGrp="1"/>
           </p:cNvSpPr>
@@ -513,13 +1946,7 @@
       </p:sp>
       <p:sp>
         <p:nvSpPr>
-          <p:cNvPr id="6" name="Slide Number Placeholder 5">
-            <a:extLst>
-              <a:ext uri="{FF2B5EF4-FFF2-40B4-BE49-F238E27FC236}">
-                <a16:creationId xmlns:a16="http://schemas.microsoft.com/office/drawing/2014/main" id="{6F70CFB9-3892-43A4-87DA-BA0695F94E7A}"/>
-              </a:ext>
-            </a:extLst>
-          </p:cNvPr>
+          <p:cNvPr id="6" name="Slide Number Placeholder 5"/>
           <p:cNvSpPr>
             <a:spLocks noGrp="1"/>
           </p:cNvSpPr>
@@ -534,7 +1961,7 @@
           <a:p>
             <a:fld id="{B680550B-5DE9-41D6-ACEF-8E7B33225DBA}" type="slidenum">
               <a:rPr lang="fr-FR" smtClean="0"/>
-              <a:t>‹#›</a:t>
+              <a:t>‹N°›</a:t>
             </a:fld>
             <a:endParaRPr lang="fr-FR"/>
           </a:p>
@@ -543,7 +1970,7 @@
     </p:spTree>
     <p:extLst>
       <p:ext uri="{BB962C8B-B14F-4D97-AF65-F5344CB8AC3E}">
-        <p14:creationId xmlns:p14="http://schemas.microsoft.com/office/powerpoint/2010/main" val="3457444511"/>
+        <p14:creationId xmlns:p14="http://schemas.microsoft.com/office/powerpoint/2010/main" val="2804346826"/>
       </p:ext>
     </p:extLst>
   </p:cSld>
@@ -555,7 +1982,7 @@
 
 <file path=ppt/slideLayouts/slideLayout11.xml><?xml version="1.0" encoding="utf-8"?>
 <p:sldLayout xmlns:a="http://schemas.openxmlformats.org/drawingml/2006/main" xmlns:r="http://schemas.openxmlformats.org/officeDocument/2006/relationships" xmlns:p="http://schemas.openxmlformats.org/presentationml/2006/main" type="vertTitleAndTx" preserve="1">
-  <p:cSld name="Vertical Title and Text">
+  <p:cSld name="Titre vertical et texte">
     <p:spTree>
       <p:nvGrpSpPr>
         <p:cNvPr id="1" name=""/>
@@ -572,13 +1999,7 @@
       </p:grpSpPr>
       <p:sp>
         <p:nvSpPr>
-          <p:cNvPr id="2" name="Vertical Title 1">
-            <a:extLst>
-              <a:ext uri="{FF2B5EF4-FFF2-40B4-BE49-F238E27FC236}">
-                <a16:creationId xmlns:a16="http://schemas.microsoft.com/office/drawing/2014/main" id="{BA1FFE6A-5F3B-41D4-ADB6-1B9394B4838A}"/>
-              </a:ext>
-            </a:extLst>
-          </p:cNvPr>
+          <p:cNvPr id="2" name="Vertical Title 1"/>
           <p:cNvSpPr>
             <a:spLocks noGrp="1"/>
           </p:cNvSpPr>
@@ -588,8 +2009,8 @@
         </p:nvSpPr>
         <p:spPr>
           <a:xfrm>
-            <a:off x="8724900" y="365125"/>
-            <a:ext cx="2628900" cy="5811838"/>
+            <a:off x="10066321" y="382386"/>
+            <a:ext cx="1492132" cy="5600404"/>
           </a:xfrm>
         </p:spPr>
         <p:txBody>
@@ -597,22 +2018,16 @@
           <a:lstStyle/>
           <a:p>
             <a:r>
-              <a:rPr lang="en-US"/>
-              <a:t>Click to edit Master title style</a:t>
-            </a:r>
-            <a:endParaRPr lang="fr-FR"/>
-          </a:p>
-        </p:txBody>
-      </p:sp>
-      <p:sp>
-        <p:nvSpPr>
-          <p:cNvPr id="3" name="Vertical Text Placeholder 2">
-            <a:extLst>
-              <a:ext uri="{FF2B5EF4-FFF2-40B4-BE49-F238E27FC236}">
-                <a16:creationId xmlns:a16="http://schemas.microsoft.com/office/drawing/2014/main" id="{B0C30939-BA79-4D58-BFF1-D8D9EE0A4E6B}"/>
-              </a:ext>
-            </a:extLst>
-          </p:cNvPr>
+              <a:rPr lang="fr-FR" smtClean="0"/>
+              <a:t>Modifiez le style du titre</a:t>
+            </a:r>
+            <a:endParaRPr lang="en-US" dirty="0"/>
+          </a:p>
+        </p:txBody>
+      </p:sp>
+      <p:sp>
+        <p:nvSpPr>
+          <p:cNvPr id="3" name="Vertical Text Placeholder 2"/>
           <p:cNvSpPr>
             <a:spLocks noGrp="1"/>
           </p:cNvSpPr>
@@ -622,8 +2037,8 @@
         </p:nvSpPr>
         <p:spPr>
           <a:xfrm>
-            <a:off x="838200" y="365125"/>
-            <a:ext cx="7734300" cy="5811838"/>
+            <a:off x="1257300" y="382385"/>
+            <a:ext cx="8392585" cy="5600405"/>
           </a:xfrm>
         </p:spPr>
         <p:txBody>
@@ -632,50 +2047,44 @@
           <a:p>
             <a:pPr lvl="0"/>
             <a:r>
-              <a:rPr lang="en-US"/>
-              <a:t>Edit Master text styles</a:t>
+              <a:rPr lang="fr-FR" smtClean="0"/>
+              <a:t>Modifiez les styles du texte du masque</a:t>
             </a:r>
           </a:p>
           <a:p>
             <a:pPr lvl="1"/>
             <a:r>
-              <a:rPr lang="en-US"/>
-              <a:t>Second level</a:t>
+              <a:rPr lang="fr-FR" smtClean="0"/>
+              <a:t>Deuxième niveau</a:t>
             </a:r>
           </a:p>
           <a:p>
             <a:pPr lvl="2"/>
             <a:r>
-              <a:rPr lang="en-US"/>
-              <a:t>Third level</a:t>
+              <a:rPr lang="fr-FR" smtClean="0"/>
+              <a:t>Troisième niveau</a:t>
             </a:r>
           </a:p>
           <a:p>
             <a:pPr lvl="3"/>
             <a:r>
-              <a:rPr lang="en-US"/>
-              <a:t>Fourth level</a:t>
+              <a:rPr lang="fr-FR" smtClean="0"/>
+              <a:t>Quatrième niveau</a:t>
             </a:r>
           </a:p>
           <a:p>
             <a:pPr lvl="4"/>
             <a:r>
-              <a:rPr lang="en-US"/>
-              <a:t>Fifth level</a:t>
-            </a:r>
-            <a:endParaRPr lang="fr-FR"/>
-          </a:p>
-        </p:txBody>
-      </p:sp>
-      <p:sp>
-        <p:nvSpPr>
-          <p:cNvPr id="4" name="Date Placeholder 3">
-            <a:extLst>
-              <a:ext uri="{FF2B5EF4-FFF2-40B4-BE49-F238E27FC236}">
-                <a16:creationId xmlns:a16="http://schemas.microsoft.com/office/drawing/2014/main" id="{9B76F21B-1734-4CE3-BA15-2A223239765B}"/>
-              </a:ext>
-            </a:extLst>
-          </p:cNvPr>
+              <a:rPr lang="fr-FR" smtClean="0"/>
+              <a:t>Cinquième niveau</a:t>
+            </a:r>
+            <a:endParaRPr lang="en-US" dirty="0"/>
+          </a:p>
+        </p:txBody>
+      </p:sp>
+      <p:sp>
+        <p:nvSpPr>
+          <p:cNvPr id="4" name="Date Placeholder 3"/>
           <p:cNvSpPr>
             <a:spLocks noGrp="1"/>
           </p:cNvSpPr>
@@ -690,7 +2099,7 @@
           <a:p>
             <a:fld id="{C909DD4E-88AE-4B9E-AC59-18F6C8A2744D}" type="datetimeFigureOut">
               <a:rPr lang="fr-FR" smtClean="0"/>
-              <a:t>28/05/2018</a:t>
+              <a:t>30/05/2018</a:t>
             </a:fld>
             <a:endParaRPr lang="fr-FR"/>
           </a:p>
@@ -698,13 +2107,7 @@
       </p:sp>
       <p:sp>
         <p:nvSpPr>
-          <p:cNvPr id="5" name="Footer Placeholder 4">
-            <a:extLst>
-              <a:ext uri="{FF2B5EF4-FFF2-40B4-BE49-F238E27FC236}">
-                <a16:creationId xmlns:a16="http://schemas.microsoft.com/office/drawing/2014/main" id="{5FC36517-3E60-4DF4-A6F5-C073682F6F9D}"/>
-              </a:ext>
-            </a:extLst>
-          </p:cNvPr>
+          <p:cNvPr id="5" name="Footer Placeholder 4"/>
           <p:cNvSpPr>
             <a:spLocks noGrp="1"/>
           </p:cNvSpPr>
@@ -723,13 +2126,7 @@
       </p:sp>
       <p:sp>
         <p:nvSpPr>
-          <p:cNvPr id="6" name="Slide Number Placeholder 5">
-            <a:extLst>
-              <a:ext uri="{FF2B5EF4-FFF2-40B4-BE49-F238E27FC236}">
-                <a16:creationId xmlns:a16="http://schemas.microsoft.com/office/drawing/2014/main" id="{F440E133-0D10-4865-BC23-A2511863750F}"/>
-              </a:ext>
-            </a:extLst>
-          </p:cNvPr>
+          <p:cNvPr id="6" name="Slide Number Placeholder 5"/>
           <p:cNvSpPr>
             <a:spLocks noGrp="1"/>
           </p:cNvSpPr>
@@ -744,7 +2141,7 @@
           <a:p>
             <a:fld id="{B680550B-5DE9-41D6-ACEF-8E7B33225DBA}" type="slidenum">
               <a:rPr lang="fr-FR" smtClean="0"/>
-              <a:t>‹#›</a:t>
+              <a:t>‹N°›</a:t>
             </a:fld>
             <a:endParaRPr lang="fr-FR"/>
           </a:p>
@@ -753,7 +2150,7 @@
     </p:spTree>
     <p:extLst>
       <p:ext uri="{BB962C8B-B14F-4D97-AF65-F5344CB8AC3E}">
-        <p14:creationId xmlns:p14="http://schemas.microsoft.com/office/powerpoint/2010/main" val="3993248380"/>
+        <p14:creationId xmlns:p14="http://schemas.microsoft.com/office/powerpoint/2010/main" val="584274202"/>
       </p:ext>
     </p:extLst>
   </p:cSld>
@@ -765,7 +2162,7 @@
 
 <file path=ppt/slideLayouts/slideLayout2.xml><?xml version="1.0" encoding="utf-8"?>
 <p:sldLayout xmlns:a="http://schemas.openxmlformats.org/drawingml/2006/main" xmlns:r="http://schemas.openxmlformats.org/officeDocument/2006/relationships" xmlns:p="http://schemas.openxmlformats.org/presentationml/2006/main" type="obj" preserve="1">
-  <p:cSld name="Title and Content">
+  <p:cSld name="Titre et contenu">
     <p:spTree>
       <p:nvGrpSpPr>
         <p:cNvPr id="1" name=""/>
@@ -782,13 +2179,7 @@
       </p:grpSpPr>
       <p:sp>
         <p:nvSpPr>
-          <p:cNvPr id="2" name="Title 1">
-            <a:extLst>
-              <a:ext uri="{FF2B5EF4-FFF2-40B4-BE49-F238E27FC236}">
-                <a16:creationId xmlns:a16="http://schemas.microsoft.com/office/drawing/2014/main" id="{9787AD2E-C4FE-44AC-9E18-B3D10450B4E0}"/>
-              </a:ext>
-            </a:extLst>
-          </p:cNvPr>
+          <p:cNvPr id="2" name="Title 1"/>
           <p:cNvSpPr>
             <a:spLocks noGrp="1"/>
           </p:cNvSpPr>
@@ -802,22 +2193,16 @@
           <a:lstStyle/>
           <a:p>
             <a:r>
-              <a:rPr lang="en-US"/>
-              <a:t>Click to edit Master title style</a:t>
-            </a:r>
-            <a:endParaRPr lang="fr-FR"/>
-          </a:p>
-        </p:txBody>
-      </p:sp>
-      <p:sp>
-        <p:nvSpPr>
-          <p:cNvPr id="3" name="Content Placeholder 2">
-            <a:extLst>
-              <a:ext uri="{FF2B5EF4-FFF2-40B4-BE49-F238E27FC236}">
-                <a16:creationId xmlns:a16="http://schemas.microsoft.com/office/drawing/2014/main" id="{AE2C08C9-16C9-4B06-96DD-48ED08F779B5}"/>
-              </a:ext>
-            </a:extLst>
-          </p:cNvPr>
+              <a:rPr lang="fr-FR" smtClean="0"/>
+              <a:t>Modifiez le style du titre</a:t>
+            </a:r>
+            <a:endParaRPr lang="en-US" dirty="0"/>
+          </a:p>
+        </p:txBody>
+      </p:sp>
+      <p:sp>
+        <p:nvSpPr>
+          <p:cNvPr id="3" name="Content Placeholder 2"/>
           <p:cNvSpPr>
             <a:spLocks noGrp="1"/>
           </p:cNvSpPr>
@@ -832,50 +2217,44 @@
           <a:p>
             <a:pPr lvl="0"/>
             <a:r>
-              <a:rPr lang="en-US"/>
-              <a:t>Edit Master text styles</a:t>
+              <a:rPr lang="fr-FR" smtClean="0"/>
+              <a:t>Modifiez les styles du texte du masque</a:t>
             </a:r>
           </a:p>
           <a:p>
             <a:pPr lvl="1"/>
             <a:r>
-              <a:rPr lang="en-US"/>
-              <a:t>Second level</a:t>
+              <a:rPr lang="fr-FR" smtClean="0"/>
+              <a:t>Deuxième niveau</a:t>
             </a:r>
           </a:p>
           <a:p>
             <a:pPr lvl="2"/>
             <a:r>
-              <a:rPr lang="en-US"/>
-              <a:t>Third level</a:t>
+              <a:rPr lang="fr-FR" smtClean="0"/>
+              <a:t>Troisième niveau</a:t>
             </a:r>
           </a:p>
           <a:p>
             <a:pPr lvl="3"/>
             <a:r>
-              <a:rPr lang="en-US"/>
-              <a:t>Fourth level</a:t>
+              <a:rPr lang="fr-FR" smtClean="0"/>
+              <a:t>Quatrième niveau</a:t>
             </a:r>
           </a:p>
           <a:p>
             <a:pPr lvl="4"/>
             <a:r>
-              <a:rPr lang="en-US"/>
-              <a:t>Fifth level</a:t>
-            </a:r>
-            <a:endParaRPr lang="fr-FR"/>
-          </a:p>
-        </p:txBody>
-      </p:sp>
-      <p:sp>
-        <p:nvSpPr>
-          <p:cNvPr id="4" name="Date Placeholder 3">
-            <a:extLst>
-              <a:ext uri="{FF2B5EF4-FFF2-40B4-BE49-F238E27FC236}">
-                <a16:creationId xmlns:a16="http://schemas.microsoft.com/office/drawing/2014/main" id="{8B378DA4-1CF7-44F2-86DF-6D2B2888DB2A}"/>
-              </a:ext>
-            </a:extLst>
-          </p:cNvPr>
+              <a:rPr lang="fr-FR" smtClean="0"/>
+              <a:t>Cinquième niveau</a:t>
+            </a:r>
+            <a:endParaRPr lang="en-US" dirty="0"/>
+          </a:p>
+        </p:txBody>
+      </p:sp>
+      <p:sp>
+        <p:nvSpPr>
+          <p:cNvPr id="4" name="Date Placeholder 3"/>
           <p:cNvSpPr>
             <a:spLocks noGrp="1"/>
           </p:cNvSpPr>
@@ -890,7 +2269,7 @@
           <a:p>
             <a:fld id="{C909DD4E-88AE-4B9E-AC59-18F6C8A2744D}" type="datetimeFigureOut">
               <a:rPr lang="fr-FR" smtClean="0"/>
-              <a:t>28/05/2018</a:t>
+              <a:t>30/05/2018</a:t>
             </a:fld>
             <a:endParaRPr lang="fr-FR"/>
           </a:p>
@@ -898,13 +2277,7 @@
       </p:sp>
       <p:sp>
         <p:nvSpPr>
-          <p:cNvPr id="5" name="Footer Placeholder 4">
-            <a:extLst>
-              <a:ext uri="{FF2B5EF4-FFF2-40B4-BE49-F238E27FC236}">
-                <a16:creationId xmlns:a16="http://schemas.microsoft.com/office/drawing/2014/main" id="{FEF4E26C-BF53-4F3F-AB3F-8B6344B314FC}"/>
-              </a:ext>
-            </a:extLst>
-          </p:cNvPr>
+          <p:cNvPr id="5" name="Footer Placeholder 4"/>
           <p:cNvSpPr>
             <a:spLocks noGrp="1"/>
           </p:cNvSpPr>
@@ -923,13 +2296,7 @@
       </p:sp>
       <p:sp>
         <p:nvSpPr>
-          <p:cNvPr id="6" name="Slide Number Placeholder 5">
-            <a:extLst>
-              <a:ext uri="{FF2B5EF4-FFF2-40B4-BE49-F238E27FC236}">
-                <a16:creationId xmlns:a16="http://schemas.microsoft.com/office/drawing/2014/main" id="{FD4FAA57-A237-43B7-8E19-839113307DE5}"/>
-              </a:ext>
-            </a:extLst>
-          </p:cNvPr>
+          <p:cNvPr id="6" name="Slide Number Placeholder 5"/>
           <p:cNvSpPr>
             <a:spLocks noGrp="1"/>
           </p:cNvSpPr>
@@ -944,7 +2311,7 @@
           <a:p>
             <a:fld id="{B680550B-5DE9-41D6-ACEF-8E7B33225DBA}" type="slidenum">
               <a:rPr lang="fr-FR" smtClean="0"/>
-              <a:t>‹#›</a:t>
+              <a:t>‹N°›</a:t>
             </a:fld>
             <a:endParaRPr lang="fr-FR"/>
           </a:p>
@@ -953,19 +2320,34 @@
     </p:spTree>
     <p:extLst>
       <p:ext uri="{BB962C8B-B14F-4D97-AF65-F5344CB8AC3E}">
-        <p14:creationId xmlns:p14="http://schemas.microsoft.com/office/powerpoint/2010/main" val="1764322003"/>
+        <p14:creationId xmlns:p14="http://schemas.microsoft.com/office/powerpoint/2010/main" val="335126371"/>
       </p:ext>
     </p:extLst>
   </p:cSld>
   <p:clrMapOvr>
     <a:masterClrMapping/>
   </p:clrMapOvr>
+  <p:timing>
+    <p:tnLst>
+      <p:par>
+        <p:cTn id="1" dur="indefinite" restart="never" nodeType="tmRoot"/>
+      </p:par>
+    </p:tnLst>
+  </p:timing>
 </p:sldLayout>
 </file>
 
 <file path=ppt/slideLayouts/slideLayout3.xml><?xml version="1.0" encoding="utf-8"?>
-<p:sldLayout xmlns:a="http://schemas.openxmlformats.org/drawingml/2006/main" xmlns:r="http://schemas.openxmlformats.org/officeDocument/2006/relationships" xmlns:p="http://schemas.openxmlformats.org/presentationml/2006/main" type="secHead" preserve="1">
-  <p:cSld name="Section Header">
+<p:sldLayout xmlns:a="http://schemas.openxmlformats.org/drawingml/2006/main" xmlns:r="http://schemas.openxmlformats.org/officeDocument/2006/relationships" xmlns:p="http://schemas.openxmlformats.org/presentationml/2006/main" showMasterSp="0" type="secHead" preserve="1">
+  <p:cSld name="Titre de section">
+    <p:bg>
+      <p:bgPr>
+        <a:solidFill>
+          <a:schemeClr val="bg2"/>
+        </a:solidFill>
+        <a:effectLst/>
+      </p:bgPr>
+    </p:bg>
     <p:spTree>
       <p:nvGrpSpPr>
         <p:cNvPr id="1" name=""/>
@@ -982,13 +2364,7 @@
       </p:grpSpPr>
       <p:sp>
         <p:nvSpPr>
-          <p:cNvPr id="2" name="Title 1">
-            <a:extLst>
-              <a:ext uri="{FF2B5EF4-FFF2-40B4-BE49-F238E27FC236}">
-                <a16:creationId xmlns:a16="http://schemas.microsoft.com/office/drawing/2014/main" id="{3063D0AF-23D3-4610-82FD-2F1FA00820C7}"/>
-              </a:ext>
-            </a:extLst>
-          </p:cNvPr>
+          <p:cNvPr id="2" name="Title 1"/>
           <p:cNvSpPr>
             <a:spLocks noGrp="1"/>
           </p:cNvSpPr>
@@ -998,35 +2374,35 @@
         </p:nvSpPr>
         <p:spPr>
           <a:xfrm>
-            <a:off x="831850" y="1709738"/>
-            <a:ext cx="10515600" cy="2852737"/>
+            <a:off x="3242929" y="1073888"/>
+            <a:ext cx="8187071" cy="4064627"/>
           </a:xfrm>
         </p:spPr>
         <p:txBody>
-          <a:bodyPr anchor="b"/>
+          <a:bodyPr anchor="b">
+            <a:normAutofit/>
+          </a:bodyPr>
           <a:lstStyle>
             <a:lvl1pPr>
-              <a:defRPr sz="6000"/>
+              <a:defRPr sz="8400" spc="800" baseline="0">
+                <a:solidFill>
+                  <a:schemeClr val="tx2"/>
+                </a:solidFill>
+              </a:defRPr>
             </a:lvl1pPr>
           </a:lstStyle>
           <a:p>
             <a:r>
-              <a:rPr lang="en-US"/>
-              <a:t>Click to edit Master title style</a:t>
-            </a:r>
-            <a:endParaRPr lang="fr-FR"/>
-          </a:p>
-        </p:txBody>
-      </p:sp>
-      <p:sp>
-        <p:nvSpPr>
-          <p:cNvPr id="3" name="Text Placeholder 2">
-            <a:extLst>
-              <a:ext uri="{FF2B5EF4-FFF2-40B4-BE49-F238E27FC236}">
-                <a16:creationId xmlns:a16="http://schemas.microsoft.com/office/drawing/2014/main" id="{FAF4C5EC-833D-4E1F-A101-66BC8BFE082F}"/>
-              </a:ext>
-            </a:extLst>
-          </p:cNvPr>
+              <a:rPr lang="fr-FR" smtClean="0"/>
+              <a:t>Modifiez le style du titre</a:t>
+            </a:r>
+            <a:endParaRPr lang="en-US" dirty="0"/>
+          </a:p>
+        </p:txBody>
+      </p:sp>
+      <p:sp>
+        <p:nvSpPr>
+          <p:cNvPr id="3" name="Text Placeholder 2"/>
           <p:cNvSpPr>
             <a:spLocks noGrp="1"/>
           </p:cNvSpPr>
@@ -1036,20 +2412,23 @@
         </p:nvSpPr>
         <p:spPr>
           <a:xfrm>
-            <a:off x="831850" y="4589463"/>
-            <a:ext cx="10515600" cy="1500187"/>
+            <a:off x="3242930" y="5159781"/>
+            <a:ext cx="7017488" cy="951135"/>
           </a:xfrm>
         </p:spPr>
         <p:txBody>
-          <a:bodyPr/>
+          <a:bodyPr>
+            <a:normAutofit/>
+          </a:bodyPr>
           <a:lstStyle>
             <a:lvl1pPr marL="0" indent="0">
+              <a:lnSpc>
+                <a:spcPct val="100000"/>
+              </a:lnSpc>
               <a:buNone/>
-              <a:defRPr sz="2400">
+              <a:defRPr sz="2000" b="1" i="0" cap="all" spc="400" baseline="0">
                 <a:solidFill>
-                  <a:schemeClr val="tx1">
-                    <a:tint val="75000"/>
-                  </a:schemeClr>
+                  <a:schemeClr val="accent1"/>
                 </a:solidFill>
               </a:defRPr>
             </a:lvl1pPr>
@@ -1137,21 +2516,15 @@
           <a:p>
             <a:pPr lvl="0"/>
             <a:r>
-              <a:rPr lang="en-US"/>
-              <a:t>Edit Master text styles</a:t>
-            </a:r>
-          </a:p>
-        </p:txBody>
-      </p:sp>
-      <p:sp>
-        <p:nvSpPr>
-          <p:cNvPr id="4" name="Date Placeholder 3">
-            <a:extLst>
-              <a:ext uri="{FF2B5EF4-FFF2-40B4-BE49-F238E27FC236}">
-                <a16:creationId xmlns:a16="http://schemas.microsoft.com/office/drawing/2014/main" id="{DE8E3767-DF67-4877-84F7-D5F055332616}"/>
-              </a:ext>
-            </a:extLst>
-          </p:cNvPr>
+              <a:rPr lang="fr-FR" smtClean="0"/>
+              <a:t>Modifiez les styles du texte du masque</a:t>
+            </a:r>
+          </a:p>
+        </p:txBody>
+      </p:sp>
+      <p:sp>
+        <p:nvSpPr>
+          <p:cNvPr id="4" name="Date Placeholder 3"/>
           <p:cNvSpPr>
             <a:spLocks noGrp="1"/>
           </p:cNvSpPr>
@@ -1159,14 +2532,27 @@
             <p:ph type="dt" sz="half" idx="10"/>
           </p:nvPr>
         </p:nvSpPr>
-        <p:spPr/>
+        <p:spPr>
+          <a:xfrm>
+            <a:off x="3236546" y="6375679"/>
+            <a:ext cx="1493947" cy="348462"/>
+          </a:xfrm>
+        </p:spPr>
         <p:txBody>
           <a:bodyPr/>
-          <a:lstStyle/>
+          <a:lstStyle>
+            <a:lvl1pPr>
+              <a:defRPr baseline="0">
+                <a:solidFill>
+                  <a:schemeClr val="tx2"/>
+                </a:solidFill>
+              </a:defRPr>
+            </a:lvl1pPr>
+          </a:lstStyle>
           <a:p>
             <a:fld id="{C909DD4E-88AE-4B9E-AC59-18F6C8A2744D}" type="datetimeFigureOut">
               <a:rPr lang="fr-FR" smtClean="0"/>
-              <a:t>28/05/2018</a:t>
+              <a:t>30/05/2018</a:t>
             </a:fld>
             <a:endParaRPr lang="fr-FR"/>
           </a:p>
@@ -1174,13 +2560,7 @@
       </p:sp>
       <p:sp>
         <p:nvSpPr>
-          <p:cNvPr id="5" name="Footer Placeholder 4">
-            <a:extLst>
-              <a:ext uri="{FF2B5EF4-FFF2-40B4-BE49-F238E27FC236}">
-                <a16:creationId xmlns:a16="http://schemas.microsoft.com/office/drawing/2014/main" id="{1F086E10-5C04-448D-8F75-B59F4F098A00}"/>
-              </a:ext>
-            </a:extLst>
-          </p:cNvPr>
+          <p:cNvPr id="5" name="Footer Placeholder 4"/>
           <p:cNvSpPr>
             <a:spLocks noGrp="1"/>
           </p:cNvSpPr>
@@ -1188,10 +2568,23 @@
             <p:ph type="ftr" sz="quarter" idx="11"/>
           </p:nvPr>
         </p:nvSpPr>
-        <p:spPr/>
+        <p:spPr>
+          <a:xfrm>
+            <a:off x="5279064" y="6375679"/>
+            <a:ext cx="4114800" cy="345796"/>
+          </a:xfrm>
+        </p:spPr>
         <p:txBody>
           <a:bodyPr/>
-          <a:lstStyle/>
+          <a:lstStyle>
+            <a:lvl1pPr>
+              <a:defRPr baseline="0">
+                <a:solidFill>
+                  <a:schemeClr val="tx2"/>
+                </a:solidFill>
+              </a:defRPr>
+            </a:lvl1pPr>
+          </a:lstStyle>
           <a:p>
             <a:endParaRPr lang="fr-FR"/>
           </a:p>
@@ -1199,13 +2592,7 @@
       </p:sp>
       <p:sp>
         <p:nvSpPr>
-          <p:cNvPr id="6" name="Slide Number Placeholder 5">
-            <a:extLst>
-              <a:ext uri="{FF2B5EF4-FFF2-40B4-BE49-F238E27FC236}">
-                <a16:creationId xmlns:a16="http://schemas.microsoft.com/office/drawing/2014/main" id="{F511D868-F994-47C6-8FC2-DBEB98757D50}"/>
-              </a:ext>
-            </a:extLst>
-          </p:cNvPr>
+          <p:cNvPr id="6" name="Slide Number Placeholder 5"/>
           <p:cNvSpPr>
             <a:spLocks noGrp="1"/>
           </p:cNvSpPr>
@@ -1213,35 +2600,991 @@
             <p:ph type="sldNum" sz="quarter" idx="12"/>
           </p:nvPr>
         </p:nvSpPr>
-        <p:spPr/>
+        <p:spPr>
+          <a:xfrm>
+            <a:off x="9942434" y="6375679"/>
+            <a:ext cx="1487566" cy="345796"/>
+          </a:xfrm>
+        </p:spPr>
         <p:txBody>
           <a:bodyPr/>
-          <a:lstStyle/>
+          <a:lstStyle>
+            <a:lvl1pPr>
+              <a:defRPr baseline="0">
+                <a:solidFill>
+                  <a:schemeClr val="tx2"/>
+                </a:solidFill>
+              </a:defRPr>
+            </a:lvl1pPr>
+          </a:lstStyle>
           <a:p>
             <a:fld id="{B680550B-5DE9-41D6-ACEF-8E7B33225DBA}" type="slidenum">
               <a:rPr lang="fr-FR" smtClean="0"/>
-              <a:t>‹#›</a:t>
+              <a:t>‹N°›</a:t>
             </a:fld>
             <a:endParaRPr lang="fr-FR"/>
           </a:p>
         </p:txBody>
       </p:sp>
+      <p:grpSp>
+        <p:nvGrpSpPr>
+          <p:cNvPr id="7" name="Group 6" title="left scallop shape"/>
+          <p:cNvGrpSpPr/>
+          <p:nvPr/>
+        </p:nvGrpSpPr>
+        <p:grpSpPr>
+          <a:xfrm>
+            <a:off x="0" y="0"/>
+            <a:ext cx="2814638" cy="6858000"/>
+            <a:chOff x="0" y="0"/>
+            <a:chExt cx="2814638" cy="6858000"/>
+          </a:xfrm>
+        </p:grpSpPr>
+        <p:sp>
+          <p:nvSpPr>
+            <p:cNvPr id="11" name="Freeform 6" title="left scallop shape"/>
+            <p:cNvSpPr/>
+            <p:nvPr/>
+          </p:nvSpPr>
+          <p:spPr bwMode="auto">
+            <a:xfrm>
+              <a:off x="0" y="0"/>
+              <a:ext cx="2814638" cy="6858000"/>
+            </a:xfrm>
+            <a:custGeom>
+              <a:avLst/>
+              <a:gdLst/>
+              <a:ahLst/>
+              <a:cxnLst/>
+              <a:rect l="0" t="0" r="r" b="b"/>
+              <a:pathLst>
+                <a:path w="1773" h="4320">
+                  <a:moveTo>
+                    <a:pt x="0" y="0"/>
+                  </a:moveTo>
+                  <a:lnTo>
+                    <a:pt x="891" y="0"/>
+                  </a:lnTo>
+                  <a:lnTo>
+                    <a:pt x="906" y="56"/>
+                  </a:lnTo>
+                  <a:lnTo>
+                    <a:pt x="921" y="111"/>
+                  </a:lnTo>
+                  <a:lnTo>
+                    <a:pt x="938" y="165"/>
+                  </a:lnTo>
+                  <a:lnTo>
+                    <a:pt x="957" y="217"/>
+                  </a:lnTo>
+                  <a:lnTo>
+                    <a:pt x="980" y="266"/>
+                  </a:lnTo>
+                  <a:lnTo>
+                    <a:pt x="1007" y="312"/>
+                  </a:lnTo>
+                  <a:lnTo>
+                    <a:pt x="1036" y="351"/>
+                  </a:lnTo>
+                  <a:lnTo>
+                    <a:pt x="1069" y="387"/>
+                  </a:lnTo>
+                  <a:lnTo>
+                    <a:pt x="1105" y="422"/>
+                  </a:lnTo>
+                  <a:lnTo>
+                    <a:pt x="1145" y="456"/>
+                  </a:lnTo>
+                  <a:lnTo>
+                    <a:pt x="1185" y="487"/>
+                  </a:lnTo>
+                  <a:lnTo>
+                    <a:pt x="1227" y="520"/>
+                  </a:lnTo>
+                  <a:lnTo>
+                    <a:pt x="1270" y="551"/>
+                  </a:lnTo>
+                  <a:lnTo>
+                    <a:pt x="1311" y="584"/>
+                  </a:lnTo>
+                  <a:lnTo>
+                    <a:pt x="1352" y="617"/>
+                  </a:lnTo>
+                  <a:lnTo>
+                    <a:pt x="1390" y="651"/>
+                  </a:lnTo>
+                  <a:lnTo>
+                    <a:pt x="1425" y="687"/>
+                  </a:lnTo>
+                  <a:lnTo>
+                    <a:pt x="1456" y="725"/>
+                  </a:lnTo>
+                  <a:lnTo>
+                    <a:pt x="1484" y="765"/>
+                  </a:lnTo>
+                  <a:lnTo>
+                    <a:pt x="1505" y="808"/>
+                  </a:lnTo>
+                  <a:lnTo>
+                    <a:pt x="1521" y="856"/>
+                  </a:lnTo>
+                  <a:lnTo>
+                    <a:pt x="1530" y="907"/>
+                  </a:lnTo>
+                  <a:lnTo>
+                    <a:pt x="1534" y="960"/>
+                  </a:lnTo>
+                  <a:lnTo>
+                    <a:pt x="1534" y="1013"/>
+                  </a:lnTo>
+                  <a:lnTo>
+                    <a:pt x="1530" y="1068"/>
+                  </a:lnTo>
+                  <a:lnTo>
+                    <a:pt x="1523" y="1125"/>
+                  </a:lnTo>
+                  <a:lnTo>
+                    <a:pt x="1515" y="1181"/>
+                  </a:lnTo>
+                  <a:lnTo>
+                    <a:pt x="1508" y="1237"/>
+                  </a:lnTo>
+                  <a:lnTo>
+                    <a:pt x="1501" y="1293"/>
+                  </a:lnTo>
+                  <a:lnTo>
+                    <a:pt x="1496" y="1350"/>
+                  </a:lnTo>
+                  <a:lnTo>
+                    <a:pt x="1494" y="1405"/>
+                  </a:lnTo>
+                  <a:lnTo>
+                    <a:pt x="1497" y="1458"/>
+                  </a:lnTo>
+                  <a:lnTo>
+                    <a:pt x="1504" y="1511"/>
+                  </a:lnTo>
+                  <a:lnTo>
+                    <a:pt x="1517" y="1560"/>
+                  </a:lnTo>
+                  <a:lnTo>
+                    <a:pt x="1535" y="1610"/>
+                  </a:lnTo>
+                  <a:lnTo>
+                    <a:pt x="1557" y="1659"/>
+                  </a:lnTo>
+                  <a:lnTo>
+                    <a:pt x="1583" y="1708"/>
+                  </a:lnTo>
+                  <a:lnTo>
+                    <a:pt x="1611" y="1757"/>
+                  </a:lnTo>
+                  <a:lnTo>
+                    <a:pt x="1640" y="1807"/>
+                  </a:lnTo>
+                  <a:lnTo>
+                    <a:pt x="1669" y="1855"/>
+                  </a:lnTo>
+                  <a:lnTo>
+                    <a:pt x="1696" y="1905"/>
+                  </a:lnTo>
+                  <a:lnTo>
+                    <a:pt x="1721" y="1954"/>
+                  </a:lnTo>
+                  <a:lnTo>
+                    <a:pt x="1742" y="2006"/>
+                  </a:lnTo>
+                  <a:lnTo>
+                    <a:pt x="1759" y="2057"/>
+                  </a:lnTo>
+                  <a:lnTo>
+                    <a:pt x="1769" y="2108"/>
+                  </a:lnTo>
+                  <a:lnTo>
+                    <a:pt x="1773" y="2160"/>
+                  </a:lnTo>
+                  <a:lnTo>
+                    <a:pt x="1769" y="2212"/>
+                  </a:lnTo>
+                  <a:lnTo>
+                    <a:pt x="1759" y="2263"/>
+                  </a:lnTo>
+                  <a:lnTo>
+                    <a:pt x="1742" y="2314"/>
+                  </a:lnTo>
+                  <a:lnTo>
+                    <a:pt x="1721" y="2366"/>
+                  </a:lnTo>
+                  <a:lnTo>
+                    <a:pt x="1696" y="2415"/>
+                  </a:lnTo>
+                  <a:lnTo>
+                    <a:pt x="1669" y="2465"/>
+                  </a:lnTo>
+                  <a:lnTo>
+                    <a:pt x="1640" y="2513"/>
+                  </a:lnTo>
+                  <a:lnTo>
+                    <a:pt x="1611" y="2563"/>
+                  </a:lnTo>
+                  <a:lnTo>
+                    <a:pt x="1583" y="2612"/>
+                  </a:lnTo>
+                  <a:lnTo>
+                    <a:pt x="1557" y="2661"/>
+                  </a:lnTo>
+                  <a:lnTo>
+                    <a:pt x="1535" y="2710"/>
+                  </a:lnTo>
+                  <a:lnTo>
+                    <a:pt x="1517" y="2760"/>
+                  </a:lnTo>
+                  <a:lnTo>
+                    <a:pt x="1504" y="2809"/>
+                  </a:lnTo>
+                  <a:lnTo>
+                    <a:pt x="1497" y="2862"/>
+                  </a:lnTo>
+                  <a:lnTo>
+                    <a:pt x="1494" y="2915"/>
+                  </a:lnTo>
+                  <a:lnTo>
+                    <a:pt x="1496" y="2970"/>
+                  </a:lnTo>
+                  <a:lnTo>
+                    <a:pt x="1501" y="3027"/>
+                  </a:lnTo>
+                  <a:lnTo>
+                    <a:pt x="1508" y="3083"/>
+                  </a:lnTo>
+                  <a:lnTo>
+                    <a:pt x="1515" y="3139"/>
+                  </a:lnTo>
+                  <a:lnTo>
+                    <a:pt x="1523" y="3195"/>
+                  </a:lnTo>
+                  <a:lnTo>
+                    <a:pt x="1530" y="3252"/>
+                  </a:lnTo>
+                  <a:lnTo>
+                    <a:pt x="1534" y="3307"/>
+                  </a:lnTo>
+                  <a:lnTo>
+                    <a:pt x="1534" y="3360"/>
+                  </a:lnTo>
+                  <a:lnTo>
+                    <a:pt x="1530" y="3413"/>
+                  </a:lnTo>
+                  <a:lnTo>
+                    <a:pt x="1521" y="3464"/>
+                  </a:lnTo>
+                  <a:lnTo>
+                    <a:pt x="1505" y="3512"/>
+                  </a:lnTo>
+                  <a:lnTo>
+                    <a:pt x="1484" y="3555"/>
+                  </a:lnTo>
+                  <a:lnTo>
+                    <a:pt x="1456" y="3595"/>
+                  </a:lnTo>
+                  <a:lnTo>
+                    <a:pt x="1425" y="3633"/>
+                  </a:lnTo>
+                  <a:lnTo>
+                    <a:pt x="1390" y="3669"/>
+                  </a:lnTo>
+                  <a:lnTo>
+                    <a:pt x="1352" y="3703"/>
+                  </a:lnTo>
+                  <a:lnTo>
+                    <a:pt x="1311" y="3736"/>
+                  </a:lnTo>
+                  <a:lnTo>
+                    <a:pt x="1270" y="3769"/>
+                  </a:lnTo>
+                  <a:lnTo>
+                    <a:pt x="1227" y="3800"/>
+                  </a:lnTo>
+                  <a:lnTo>
+                    <a:pt x="1185" y="3833"/>
+                  </a:lnTo>
+                  <a:lnTo>
+                    <a:pt x="1145" y="3864"/>
+                  </a:lnTo>
+                  <a:lnTo>
+                    <a:pt x="1105" y="3898"/>
+                  </a:lnTo>
+                  <a:lnTo>
+                    <a:pt x="1069" y="3933"/>
+                  </a:lnTo>
+                  <a:lnTo>
+                    <a:pt x="1036" y="3969"/>
+                  </a:lnTo>
+                  <a:lnTo>
+                    <a:pt x="1007" y="4008"/>
+                  </a:lnTo>
+                  <a:lnTo>
+                    <a:pt x="980" y="4054"/>
+                  </a:lnTo>
+                  <a:lnTo>
+                    <a:pt x="957" y="4103"/>
+                  </a:lnTo>
+                  <a:lnTo>
+                    <a:pt x="938" y="4155"/>
+                  </a:lnTo>
+                  <a:lnTo>
+                    <a:pt x="921" y="4209"/>
+                  </a:lnTo>
+                  <a:lnTo>
+                    <a:pt x="906" y="4264"/>
+                  </a:lnTo>
+                  <a:lnTo>
+                    <a:pt x="891" y="4320"/>
+                  </a:lnTo>
+                  <a:lnTo>
+                    <a:pt x="0" y="4320"/>
+                  </a:lnTo>
+                  <a:lnTo>
+                    <a:pt x="0" y="0"/>
+                  </a:lnTo>
+                  <a:close/>
+                </a:path>
+              </a:pathLst>
+            </a:custGeom>
+            <a:solidFill>
+              <a:schemeClr val="tx2"/>
+            </a:solidFill>
+            <a:ln w="0">
+              <a:noFill/>
+              <a:prstDash val="solid"/>
+              <a:round/>
+              <a:headEnd/>
+              <a:tailEnd/>
+            </a:ln>
+          </p:spPr>
+        </p:sp>
+        <p:sp>
+          <p:nvSpPr>
+            <p:cNvPr id="16" name="Freeform 11" title="left scallop inline"/>
+            <p:cNvSpPr/>
+            <p:nvPr/>
+          </p:nvSpPr>
+          <p:spPr bwMode="auto">
+            <a:xfrm>
+              <a:off x="874382" y="0"/>
+              <a:ext cx="1646238" cy="6858000"/>
+            </a:xfrm>
+            <a:custGeom>
+              <a:avLst/>
+              <a:gdLst/>
+              <a:ahLst/>
+              <a:cxnLst/>
+              <a:rect l="0" t="0" r="r" b="b"/>
+              <a:pathLst>
+                <a:path w="1037" h="4320">
+                  <a:moveTo>
+                    <a:pt x="0" y="0"/>
+                  </a:moveTo>
+                  <a:lnTo>
+                    <a:pt x="171" y="0"/>
+                  </a:lnTo>
+                  <a:lnTo>
+                    <a:pt x="188" y="55"/>
+                  </a:lnTo>
+                  <a:lnTo>
+                    <a:pt x="204" y="110"/>
+                  </a:lnTo>
+                  <a:lnTo>
+                    <a:pt x="220" y="166"/>
+                  </a:lnTo>
+                  <a:lnTo>
+                    <a:pt x="234" y="223"/>
+                  </a:lnTo>
+                  <a:lnTo>
+                    <a:pt x="251" y="278"/>
+                  </a:lnTo>
+                  <a:lnTo>
+                    <a:pt x="269" y="331"/>
+                  </a:lnTo>
+                  <a:lnTo>
+                    <a:pt x="292" y="381"/>
+                  </a:lnTo>
+                  <a:lnTo>
+                    <a:pt x="319" y="427"/>
+                  </a:lnTo>
+                  <a:lnTo>
+                    <a:pt x="349" y="466"/>
+                  </a:lnTo>
+                  <a:lnTo>
+                    <a:pt x="382" y="503"/>
+                  </a:lnTo>
+                  <a:lnTo>
+                    <a:pt x="420" y="537"/>
+                  </a:lnTo>
+                  <a:lnTo>
+                    <a:pt x="460" y="571"/>
+                  </a:lnTo>
+                  <a:lnTo>
+                    <a:pt x="502" y="603"/>
+                  </a:lnTo>
+                  <a:lnTo>
+                    <a:pt x="544" y="635"/>
+                  </a:lnTo>
+                  <a:lnTo>
+                    <a:pt x="587" y="668"/>
+                  </a:lnTo>
+                  <a:lnTo>
+                    <a:pt x="628" y="700"/>
+                  </a:lnTo>
+                  <a:lnTo>
+                    <a:pt x="667" y="734"/>
+                  </a:lnTo>
+                  <a:lnTo>
+                    <a:pt x="703" y="771"/>
+                  </a:lnTo>
+                  <a:lnTo>
+                    <a:pt x="736" y="808"/>
+                  </a:lnTo>
+                  <a:lnTo>
+                    <a:pt x="763" y="848"/>
+                  </a:lnTo>
+                  <a:lnTo>
+                    <a:pt x="786" y="893"/>
+                  </a:lnTo>
+                  <a:lnTo>
+                    <a:pt x="800" y="937"/>
+                  </a:lnTo>
+                  <a:lnTo>
+                    <a:pt x="809" y="986"/>
+                  </a:lnTo>
+                  <a:lnTo>
+                    <a:pt x="813" y="1034"/>
+                  </a:lnTo>
+                  <a:lnTo>
+                    <a:pt x="812" y="1085"/>
+                  </a:lnTo>
+                  <a:lnTo>
+                    <a:pt x="808" y="1136"/>
+                  </a:lnTo>
+                  <a:lnTo>
+                    <a:pt x="803" y="1189"/>
+                  </a:lnTo>
+                  <a:lnTo>
+                    <a:pt x="796" y="1242"/>
+                  </a:lnTo>
+                  <a:lnTo>
+                    <a:pt x="788" y="1295"/>
+                  </a:lnTo>
+                  <a:lnTo>
+                    <a:pt x="782" y="1348"/>
+                  </a:lnTo>
+                  <a:lnTo>
+                    <a:pt x="778" y="1401"/>
+                  </a:lnTo>
+                  <a:lnTo>
+                    <a:pt x="775" y="1452"/>
+                  </a:lnTo>
+                  <a:lnTo>
+                    <a:pt x="778" y="1502"/>
+                  </a:lnTo>
+                  <a:lnTo>
+                    <a:pt x="784" y="1551"/>
+                  </a:lnTo>
+                  <a:lnTo>
+                    <a:pt x="797" y="1602"/>
+                  </a:lnTo>
+                  <a:lnTo>
+                    <a:pt x="817" y="1652"/>
+                  </a:lnTo>
+                  <a:lnTo>
+                    <a:pt x="841" y="1702"/>
+                  </a:lnTo>
+                  <a:lnTo>
+                    <a:pt x="868" y="1752"/>
+                  </a:lnTo>
+                  <a:lnTo>
+                    <a:pt x="896" y="1801"/>
+                  </a:lnTo>
+                  <a:lnTo>
+                    <a:pt x="926" y="1851"/>
+                  </a:lnTo>
+                  <a:lnTo>
+                    <a:pt x="953" y="1901"/>
+                  </a:lnTo>
+                  <a:lnTo>
+                    <a:pt x="980" y="1952"/>
+                  </a:lnTo>
+                  <a:lnTo>
+                    <a:pt x="1003" y="2003"/>
+                  </a:lnTo>
+                  <a:lnTo>
+                    <a:pt x="1021" y="2054"/>
+                  </a:lnTo>
+                  <a:lnTo>
+                    <a:pt x="1031" y="2106"/>
+                  </a:lnTo>
+                  <a:lnTo>
+                    <a:pt x="1037" y="2160"/>
+                  </a:lnTo>
+                  <a:lnTo>
+                    <a:pt x="1031" y="2214"/>
+                  </a:lnTo>
+                  <a:lnTo>
+                    <a:pt x="1021" y="2266"/>
+                  </a:lnTo>
+                  <a:lnTo>
+                    <a:pt x="1003" y="2317"/>
+                  </a:lnTo>
+                  <a:lnTo>
+                    <a:pt x="980" y="2368"/>
+                  </a:lnTo>
+                  <a:lnTo>
+                    <a:pt x="953" y="2419"/>
+                  </a:lnTo>
+                  <a:lnTo>
+                    <a:pt x="926" y="2469"/>
+                  </a:lnTo>
+                  <a:lnTo>
+                    <a:pt x="896" y="2519"/>
+                  </a:lnTo>
+                  <a:lnTo>
+                    <a:pt x="868" y="2568"/>
+                  </a:lnTo>
+                  <a:lnTo>
+                    <a:pt x="841" y="2618"/>
+                  </a:lnTo>
+                  <a:lnTo>
+                    <a:pt x="817" y="2668"/>
+                  </a:lnTo>
+                  <a:lnTo>
+                    <a:pt x="797" y="2718"/>
+                  </a:lnTo>
+                  <a:lnTo>
+                    <a:pt x="784" y="2769"/>
+                  </a:lnTo>
+                  <a:lnTo>
+                    <a:pt x="778" y="2818"/>
+                  </a:lnTo>
+                  <a:lnTo>
+                    <a:pt x="775" y="2868"/>
+                  </a:lnTo>
+                  <a:lnTo>
+                    <a:pt x="778" y="2919"/>
+                  </a:lnTo>
+                  <a:lnTo>
+                    <a:pt x="782" y="2972"/>
+                  </a:lnTo>
+                  <a:lnTo>
+                    <a:pt x="788" y="3025"/>
+                  </a:lnTo>
+                  <a:lnTo>
+                    <a:pt x="796" y="3078"/>
+                  </a:lnTo>
+                  <a:lnTo>
+                    <a:pt x="803" y="3131"/>
+                  </a:lnTo>
+                  <a:lnTo>
+                    <a:pt x="808" y="3184"/>
+                  </a:lnTo>
+                  <a:lnTo>
+                    <a:pt x="812" y="3235"/>
+                  </a:lnTo>
+                  <a:lnTo>
+                    <a:pt x="813" y="3286"/>
+                  </a:lnTo>
+                  <a:lnTo>
+                    <a:pt x="809" y="3334"/>
+                  </a:lnTo>
+                  <a:lnTo>
+                    <a:pt x="800" y="3383"/>
+                  </a:lnTo>
+                  <a:lnTo>
+                    <a:pt x="786" y="3427"/>
+                  </a:lnTo>
+                  <a:lnTo>
+                    <a:pt x="763" y="3472"/>
+                  </a:lnTo>
+                  <a:lnTo>
+                    <a:pt x="736" y="3512"/>
+                  </a:lnTo>
+                  <a:lnTo>
+                    <a:pt x="703" y="3549"/>
+                  </a:lnTo>
+                  <a:lnTo>
+                    <a:pt x="667" y="3586"/>
+                  </a:lnTo>
+                  <a:lnTo>
+                    <a:pt x="628" y="3620"/>
+                  </a:lnTo>
+                  <a:lnTo>
+                    <a:pt x="587" y="3652"/>
+                  </a:lnTo>
+                  <a:lnTo>
+                    <a:pt x="544" y="3685"/>
+                  </a:lnTo>
+                  <a:lnTo>
+                    <a:pt x="502" y="3717"/>
+                  </a:lnTo>
+                  <a:lnTo>
+                    <a:pt x="460" y="3749"/>
+                  </a:lnTo>
+                  <a:lnTo>
+                    <a:pt x="420" y="3783"/>
+                  </a:lnTo>
+                  <a:lnTo>
+                    <a:pt x="382" y="3817"/>
+                  </a:lnTo>
+                  <a:lnTo>
+                    <a:pt x="349" y="3854"/>
+                  </a:lnTo>
+                  <a:lnTo>
+                    <a:pt x="319" y="3893"/>
+                  </a:lnTo>
+                  <a:lnTo>
+                    <a:pt x="292" y="3939"/>
+                  </a:lnTo>
+                  <a:lnTo>
+                    <a:pt x="269" y="3989"/>
+                  </a:lnTo>
+                  <a:lnTo>
+                    <a:pt x="251" y="4042"/>
+                  </a:lnTo>
+                  <a:lnTo>
+                    <a:pt x="234" y="4097"/>
+                  </a:lnTo>
+                  <a:lnTo>
+                    <a:pt x="220" y="4154"/>
+                  </a:lnTo>
+                  <a:lnTo>
+                    <a:pt x="204" y="4210"/>
+                  </a:lnTo>
+                  <a:lnTo>
+                    <a:pt x="188" y="4265"/>
+                  </a:lnTo>
+                  <a:lnTo>
+                    <a:pt x="171" y="4320"/>
+                  </a:lnTo>
+                  <a:lnTo>
+                    <a:pt x="0" y="4320"/>
+                  </a:lnTo>
+                  <a:lnTo>
+                    <a:pt x="17" y="4278"/>
+                  </a:lnTo>
+                  <a:lnTo>
+                    <a:pt x="33" y="4232"/>
+                  </a:lnTo>
+                  <a:lnTo>
+                    <a:pt x="46" y="4183"/>
+                  </a:lnTo>
+                  <a:lnTo>
+                    <a:pt x="60" y="4131"/>
+                  </a:lnTo>
+                  <a:lnTo>
+                    <a:pt x="75" y="4075"/>
+                  </a:lnTo>
+                  <a:lnTo>
+                    <a:pt x="90" y="4019"/>
+                  </a:lnTo>
+                  <a:lnTo>
+                    <a:pt x="109" y="3964"/>
+                  </a:lnTo>
+                  <a:lnTo>
+                    <a:pt x="129" y="3909"/>
+                  </a:lnTo>
+                  <a:lnTo>
+                    <a:pt x="156" y="3855"/>
+                  </a:lnTo>
+                  <a:lnTo>
+                    <a:pt x="186" y="3804"/>
+                  </a:lnTo>
+                  <a:lnTo>
+                    <a:pt x="222" y="3756"/>
+                  </a:lnTo>
+                  <a:lnTo>
+                    <a:pt x="261" y="3713"/>
+                  </a:lnTo>
+                  <a:lnTo>
+                    <a:pt x="303" y="3672"/>
+                  </a:lnTo>
+                  <a:lnTo>
+                    <a:pt x="348" y="3634"/>
+                  </a:lnTo>
+                  <a:lnTo>
+                    <a:pt x="392" y="3599"/>
+                  </a:lnTo>
+                  <a:lnTo>
+                    <a:pt x="438" y="3565"/>
+                  </a:lnTo>
+                  <a:lnTo>
+                    <a:pt x="482" y="3531"/>
+                  </a:lnTo>
+                  <a:lnTo>
+                    <a:pt x="523" y="3499"/>
+                  </a:lnTo>
+                  <a:lnTo>
+                    <a:pt x="561" y="3466"/>
+                  </a:lnTo>
+                  <a:lnTo>
+                    <a:pt x="594" y="3434"/>
+                  </a:lnTo>
+                  <a:lnTo>
+                    <a:pt x="620" y="3400"/>
+                  </a:lnTo>
+                  <a:lnTo>
+                    <a:pt x="638" y="3367"/>
+                  </a:lnTo>
+                  <a:lnTo>
+                    <a:pt x="647" y="3336"/>
+                  </a:lnTo>
+                  <a:lnTo>
+                    <a:pt x="652" y="3302"/>
+                  </a:lnTo>
+                  <a:lnTo>
+                    <a:pt x="654" y="3265"/>
+                  </a:lnTo>
+                  <a:lnTo>
+                    <a:pt x="651" y="3224"/>
+                  </a:lnTo>
+                  <a:lnTo>
+                    <a:pt x="647" y="3181"/>
+                  </a:lnTo>
+                  <a:lnTo>
+                    <a:pt x="642" y="3137"/>
+                  </a:lnTo>
+                  <a:lnTo>
+                    <a:pt x="637" y="3091"/>
+                  </a:lnTo>
+                  <a:lnTo>
+                    <a:pt x="626" y="3021"/>
+                  </a:lnTo>
+                  <a:lnTo>
+                    <a:pt x="620" y="2952"/>
+                  </a:lnTo>
+                  <a:lnTo>
+                    <a:pt x="616" y="2881"/>
+                  </a:lnTo>
+                  <a:lnTo>
+                    <a:pt x="618" y="2809"/>
+                  </a:lnTo>
+                  <a:lnTo>
+                    <a:pt x="628" y="2737"/>
+                  </a:lnTo>
+                  <a:lnTo>
+                    <a:pt x="642" y="2681"/>
+                  </a:lnTo>
+                  <a:lnTo>
+                    <a:pt x="661" y="2626"/>
+                  </a:lnTo>
+                  <a:lnTo>
+                    <a:pt x="685" y="2574"/>
+                  </a:lnTo>
+                  <a:lnTo>
+                    <a:pt x="711" y="2521"/>
+                  </a:lnTo>
+                  <a:lnTo>
+                    <a:pt x="739" y="2472"/>
+                  </a:lnTo>
+                  <a:lnTo>
+                    <a:pt x="767" y="2423"/>
+                  </a:lnTo>
+                  <a:lnTo>
+                    <a:pt x="791" y="2381"/>
+                  </a:lnTo>
+                  <a:lnTo>
+                    <a:pt x="813" y="2342"/>
+                  </a:lnTo>
+                  <a:lnTo>
+                    <a:pt x="834" y="2303"/>
+                  </a:lnTo>
+                  <a:lnTo>
+                    <a:pt x="851" y="2265"/>
+                  </a:lnTo>
+                  <a:lnTo>
+                    <a:pt x="864" y="2228"/>
+                  </a:lnTo>
+                  <a:lnTo>
+                    <a:pt x="873" y="2194"/>
+                  </a:lnTo>
+                  <a:lnTo>
+                    <a:pt x="876" y="2160"/>
+                  </a:lnTo>
+                  <a:lnTo>
+                    <a:pt x="873" y="2126"/>
+                  </a:lnTo>
+                  <a:lnTo>
+                    <a:pt x="864" y="2092"/>
+                  </a:lnTo>
+                  <a:lnTo>
+                    <a:pt x="851" y="2055"/>
+                  </a:lnTo>
+                  <a:lnTo>
+                    <a:pt x="834" y="2017"/>
+                  </a:lnTo>
+                  <a:lnTo>
+                    <a:pt x="813" y="1978"/>
+                  </a:lnTo>
+                  <a:lnTo>
+                    <a:pt x="791" y="1939"/>
+                  </a:lnTo>
+                  <a:lnTo>
+                    <a:pt x="767" y="1897"/>
+                  </a:lnTo>
+                  <a:lnTo>
+                    <a:pt x="739" y="1848"/>
+                  </a:lnTo>
+                  <a:lnTo>
+                    <a:pt x="711" y="1799"/>
+                  </a:lnTo>
+                  <a:lnTo>
+                    <a:pt x="685" y="1746"/>
+                  </a:lnTo>
+                  <a:lnTo>
+                    <a:pt x="661" y="1694"/>
+                  </a:lnTo>
+                  <a:lnTo>
+                    <a:pt x="642" y="1639"/>
+                  </a:lnTo>
+                  <a:lnTo>
+                    <a:pt x="628" y="1583"/>
+                  </a:lnTo>
+                  <a:lnTo>
+                    <a:pt x="618" y="1511"/>
+                  </a:lnTo>
+                  <a:lnTo>
+                    <a:pt x="616" y="1439"/>
+                  </a:lnTo>
+                  <a:lnTo>
+                    <a:pt x="620" y="1368"/>
+                  </a:lnTo>
+                  <a:lnTo>
+                    <a:pt x="626" y="1299"/>
+                  </a:lnTo>
+                  <a:lnTo>
+                    <a:pt x="637" y="1229"/>
+                  </a:lnTo>
+                  <a:lnTo>
+                    <a:pt x="642" y="1183"/>
+                  </a:lnTo>
+                  <a:lnTo>
+                    <a:pt x="647" y="1139"/>
+                  </a:lnTo>
+                  <a:lnTo>
+                    <a:pt x="651" y="1096"/>
+                  </a:lnTo>
+                  <a:lnTo>
+                    <a:pt x="654" y="1055"/>
+                  </a:lnTo>
+                  <a:lnTo>
+                    <a:pt x="652" y="1018"/>
+                  </a:lnTo>
+                  <a:lnTo>
+                    <a:pt x="647" y="984"/>
+                  </a:lnTo>
+                  <a:lnTo>
+                    <a:pt x="638" y="953"/>
+                  </a:lnTo>
+                  <a:lnTo>
+                    <a:pt x="620" y="920"/>
+                  </a:lnTo>
+                  <a:lnTo>
+                    <a:pt x="594" y="886"/>
+                  </a:lnTo>
+                  <a:lnTo>
+                    <a:pt x="561" y="854"/>
+                  </a:lnTo>
+                  <a:lnTo>
+                    <a:pt x="523" y="822"/>
+                  </a:lnTo>
+                  <a:lnTo>
+                    <a:pt x="482" y="789"/>
+                  </a:lnTo>
+                  <a:lnTo>
+                    <a:pt x="438" y="755"/>
+                  </a:lnTo>
+                  <a:lnTo>
+                    <a:pt x="392" y="721"/>
+                  </a:lnTo>
+                  <a:lnTo>
+                    <a:pt x="348" y="686"/>
+                  </a:lnTo>
+                  <a:lnTo>
+                    <a:pt x="303" y="648"/>
+                  </a:lnTo>
+                  <a:lnTo>
+                    <a:pt x="261" y="607"/>
+                  </a:lnTo>
+                  <a:lnTo>
+                    <a:pt x="222" y="564"/>
+                  </a:lnTo>
+                  <a:lnTo>
+                    <a:pt x="186" y="516"/>
+                  </a:lnTo>
+                  <a:lnTo>
+                    <a:pt x="156" y="465"/>
+                  </a:lnTo>
+                  <a:lnTo>
+                    <a:pt x="129" y="411"/>
+                  </a:lnTo>
+                  <a:lnTo>
+                    <a:pt x="109" y="356"/>
+                  </a:lnTo>
+                  <a:lnTo>
+                    <a:pt x="90" y="301"/>
+                  </a:lnTo>
+                  <a:lnTo>
+                    <a:pt x="75" y="245"/>
+                  </a:lnTo>
+                  <a:lnTo>
+                    <a:pt x="60" y="189"/>
+                  </a:lnTo>
+                  <a:lnTo>
+                    <a:pt x="46" y="137"/>
+                  </a:lnTo>
+                  <a:lnTo>
+                    <a:pt x="33" y="88"/>
+                  </a:lnTo>
+                  <a:lnTo>
+                    <a:pt x="17" y="42"/>
+                  </a:lnTo>
+                  <a:lnTo>
+                    <a:pt x="0" y="0"/>
+                  </a:lnTo>
+                  <a:lnTo>
+                    <a:pt x="0" y="0"/>
+                  </a:lnTo>
+                  <a:close/>
+                </a:path>
+              </a:pathLst>
+            </a:custGeom>
+            <a:solidFill>
+              <a:schemeClr val="accent1"/>
+            </a:solidFill>
+            <a:ln w="0">
+              <a:noFill/>
+              <a:prstDash val="solid"/>
+              <a:round/>
+              <a:headEnd/>
+              <a:tailEnd/>
+            </a:ln>
+          </p:spPr>
+        </p:sp>
+      </p:grpSp>
     </p:spTree>
     <p:extLst>
       <p:ext uri="{BB962C8B-B14F-4D97-AF65-F5344CB8AC3E}">
-        <p14:creationId xmlns:p14="http://schemas.microsoft.com/office/powerpoint/2010/main" val="2736783108"/>
+        <p14:creationId xmlns:p14="http://schemas.microsoft.com/office/powerpoint/2010/main" val="3630305068"/>
       </p:ext>
     </p:extLst>
   </p:cSld>
   <p:clrMapOvr>
-    <a:masterClrMapping/>
+    <a:overrideClrMapping bg1="dk1" tx1="lt1" bg2="dk2" tx2="lt2" accent1="accent1" accent2="accent2" accent3="accent3" accent4="accent4" accent5="accent5" accent6="accent6" hlink="hlink" folHlink="folHlink"/>
   </p:clrMapOvr>
 </p:sldLayout>
 </file>
 
 <file path=ppt/slideLayouts/slideLayout4.xml><?xml version="1.0" encoding="utf-8"?>
 <p:sldLayout xmlns:a="http://schemas.openxmlformats.org/drawingml/2006/main" xmlns:r="http://schemas.openxmlformats.org/officeDocument/2006/relationships" xmlns:p="http://schemas.openxmlformats.org/presentationml/2006/main" type="twoObj" preserve="1">
-  <p:cSld name="Two Content">
+  <p:cSld name="Deux contenus">
     <p:spTree>
       <p:nvGrpSpPr>
         <p:cNvPr id="1" name=""/>
@@ -1258,13 +3601,7 @@
       </p:grpSpPr>
       <p:sp>
         <p:nvSpPr>
-          <p:cNvPr id="2" name="Title 1">
-            <a:extLst>
-              <a:ext uri="{FF2B5EF4-FFF2-40B4-BE49-F238E27FC236}">
-                <a16:creationId xmlns:a16="http://schemas.microsoft.com/office/drawing/2014/main" id="{169A49FB-9B43-4D9D-9882-683E884D76E5}"/>
-              </a:ext>
-            </a:extLst>
-          </p:cNvPr>
+          <p:cNvPr id="2" name="Title 1"/>
           <p:cNvSpPr>
             <a:spLocks noGrp="1"/>
           </p:cNvSpPr>
@@ -1278,22 +3615,16 @@
           <a:lstStyle/>
           <a:p>
             <a:r>
-              <a:rPr lang="en-US"/>
-              <a:t>Click to edit Master title style</a:t>
-            </a:r>
-            <a:endParaRPr lang="fr-FR"/>
-          </a:p>
-        </p:txBody>
-      </p:sp>
-      <p:sp>
-        <p:nvSpPr>
-          <p:cNvPr id="3" name="Content Placeholder 2">
-            <a:extLst>
-              <a:ext uri="{FF2B5EF4-FFF2-40B4-BE49-F238E27FC236}">
-                <a16:creationId xmlns:a16="http://schemas.microsoft.com/office/drawing/2014/main" id="{3569DC93-A620-4CD4-9068-818A9E8F047D}"/>
-              </a:ext>
-            </a:extLst>
-          </p:cNvPr>
+              <a:rPr lang="fr-FR" smtClean="0"/>
+              <a:t>Modifiez le style du titre</a:t>
+            </a:r>
+            <a:endParaRPr lang="en-US" dirty="0"/>
+          </a:p>
+        </p:txBody>
+      </p:sp>
+      <p:sp>
+        <p:nvSpPr>
+          <p:cNvPr id="3" name="Content Placeholder 2"/>
           <p:cNvSpPr>
             <a:spLocks noGrp="1"/>
           </p:cNvSpPr>
@@ -1303,8 +3634,8 @@
         </p:nvSpPr>
         <p:spPr>
           <a:xfrm>
-            <a:off x="838200" y="1825625"/>
-            <a:ext cx="5181600" cy="4351338"/>
+            <a:off x="1257300" y="2286000"/>
+            <a:ext cx="4800600" cy="3619500"/>
           </a:xfrm>
         </p:spPr>
         <p:txBody>
@@ -1313,50 +3644,44 @@
           <a:p>
             <a:pPr lvl="0"/>
             <a:r>
-              <a:rPr lang="en-US"/>
-              <a:t>Edit Master text styles</a:t>
+              <a:rPr lang="fr-FR" smtClean="0"/>
+              <a:t>Modifiez les styles du texte du masque</a:t>
             </a:r>
           </a:p>
           <a:p>
             <a:pPr lvl="1"/>
             <a:r>
-              <a:rPr lang="en-US"/>
-              <a:t>Second level</a:t>
+              <a:rPr lang="fr-FR" smtClean="0"/>
+              <a:t>Deuxième niveau</a:t>
             </a:r>
           </a:p>
           <a:p>
             <a:pPr lvl="2"/>
             <a:r>
-              <a:rPr lang="en-US"/>
-              <a:t>Third level</a:t>
+              <a:rPr lang="fr-FR" smtClean="0"/>
+              <a:t>Troisième niveau</a:t>
             </a:r>
           </a:p>
           <a:p>
             <a:pPr lvl="3"/>
             <a:r>
-              <a:rPr lang="en-US"/>
-              <a:t>Fourth level</a:t>
+              <a:rPr lang="fr-FR" smtClean="0"/>
+              <a:t>Quatrième niveau</a:t>
             </a:r>
           </a:p>
           <a:p>
             <a:pPr lvl="4"/>
             <a:r>
-              <a:rPr lang="en-US"/>
-              <a:t>Fifth level</a:t>
-            </a:r>
-            <a:endParaRPr lang="fr-FR"/>
-          </a:p>
-        </p:txBody>
-      </p:sp>
-      <p:sp>
-        <p:nvSpPr>
-          <p:cNvPr id="4" name="Content Placeholder 3">
-            <a:extLst>
-              <a:ext uri="{FF2B5EF4-FFF2-40B4-BE49-F238E27FC236}">
-                <a16:creationId xmlns:a16="http://schemas.microsoft.com/office/drawing/2014/main" id="{1DA511CC-F32A-4370-AC4B-8E3276F3655A}"/>
-              </a:ext>
-            </a:extLst>
-          </p:cNvPr>
+              <a:rPr lang="fr-FR" smtClean="0"/>
+              <a:t>Cinquième niveau</a:t>
+            </a:r>
+            <a:endParaRPr lang="en-US" dirty="0"/>
+          </a:p>
+        </p:txBody>
+      </p:sp>
+      <p:sp>
+        <p:nvSpPr>
+          <p:cNvPr id="4" name="Content Placeholder 3"/>
           <p:cNvSpPr>
             <a:spLocks noGrp="1"/>
           </p:cNvSpPr>
@@ -1366,8 +3691,8 @@
         </p:nvSpPr>
         <p:spPr>
           <a:xfrm>
-            <a:off x="6172200" y="1825625"/>
-            <a:ext cx="5181600" cy="4351338"/>
+            <a:off x="6647796" y="2286000"/>
+            <a:ext cx="4800600" cy="3619500"/>
           </a:xfrm>
         </p:spPr>
         <p:txBody>
@@ -1376,50 +3701,44 @@
           <a:p>
             <a:pPr lvl="0"/>
             <a:r>
-              <a:rPr lang="en-US"/>
-              <a:t>Edit Master text styles</a:t>
+              <a:rPr lang="fr-FR" smtClean="0"/>
+              <a:t>Modifiez les styles du texte du masque</a:t>
             </a:r>
           </a:p>
           <a:p>
             <a:pPr lvl="1"/>
             <a:r>
-              <a:rPr lang="en-US"/>
-              <a:t>Second level</a:t>
+              <a:rPr lang="fr-FR" smtClean="0"/>
+              <a:t>Deuxième niveau</a:t>
             </a:r>
           </a:p>
           <a:p>
             <a:pPr lvl="2"/>
             <a:r>
-              <a:rPr lang="en-US"/>
-              <a:t>Third level</a:t>
+              <a:rPr lang="fr-FR" smtClean="0"/>
+              <a:t>Troisième niveau</a:t>
             </a:r>
           </a:p>
           <a:p>
             <a:pPr lvl="3"/>
             <a:r>
-              <a:rPr lang="en-US"/>
-              <a:t>Fourth level</a:t>
+              <a:rPr lang="fr-FR" smtClean="0"/>
+              <a:t>Quatrième niveau</a:t>
             </a:r>
           </a:p>
           <a:p>
             <a:pPr lvl="4"/>
             <a:r>
-              <a:rPr lang="en-US"/>
-              <a:t>Fifth level</a:t>
-            </a:r>
-            <a:endParaRPr lang="fr-FR"/>
-          </a:p>
-        </p:txBody>
-      </p:sp>
-      <p:sp>
-        <p:nvSpPr>
-          <p:cNvPr id="5" name="Date Placeholder 4">
-            <a:extLst>
-              <a:ext uri="{FF2B5EF4-FFF2-40B4-BE49-F238E27FC236}">
-                <a16:creationId xmlns:a16="http://schemas.microsoft.com/office/drawing/2014/main" id="{FC54032B-65F5-468A-AE50-15F8CBC8A7A5}"/>
-              </a:ext>
-            </a:extLst>
-          </p:cNvPr>
+              <a:rPr lang="fr-FR" smtClean="0"/>
+              <a:t>Cinquième niveau</a:t>
+            </a:r>
+            <a:endParaRPr lang="en-US" dirty="0"/>
+          </a:p>
+        </p:txBody>
+      </p:sp>
+      <p:sp>
+        <p:nvSpPr>
+          <p:cNvPr id="5" name="Date Placeholder 4"/>
           <p:cNvSpPr>
             <a:spLocks noGrp="1"/>
           </p:cNvSpPr>
@@ -1434,7 +3753,7 @@
           <a:p>
             <a:fld id="{C909DD4E-88AE-4B9E-AC59-18F6C8A2744D}" type="datetimeFigureOut">
               <a:rPr lang="fr-FR" smtClean="0"/>
-              <a:t>28/05/2018</a:t>
+              <a:t>30/05/2018</a:t>
             </a:fld>
             <a:endParaRPr lang="fr-FR"/>
           </a:p>
@@ -1442,13 +3761,7 @@
       </p:sp>
       <p:sp>
         <p:nvSpPr>
-          <p:cNvPr id="6" name="Footer Placeholder 5">
-            <a:extLst>
-              <a:ext uri="{FF2B5EF4-FFF2-40B4-BE49-F238E27FC236}">
-                <a16:creationId xmlns:a16="http://schemas.microsoft.com/office/drawing/2014/main" id="{3588E50E-FC4A-44C2-BCB7-93B8F3E71F1C}"/>
-              </a:ext>
-            </a:extLst>
-          </p:cNvPr>
+          <p:cNvPr id="6" name="Footer Placeholder 5"/>
           <p:cNvSpPr>
             <a:spLocks noGrp="1"/>
           </p:cNvSpPr>
@@ -1467,13 +3780,7 @@
       </p:sp>
       <p:sp>
         <p:nvSpPr>
-          <p:cNvPr id="7" name="Slide Number Placeholder 6">
-            <a:extLst>
-              <a:ext uri="{FF2B5EF4-FFF2-40B4-BE49-F238E27FC236}">
-                <a16:creationId xmlns:a16="http://schemas.microsoft.com/office/drawing/2014/main" id="{BDCEF824-2BDC-4B10-B829-55546FFDBF6C}"/>
-              </a:ext>
-            </a:extLst>
-          </p:cNvPr>
+          <p:cNvPr id="7" name="Slide Number Placeholder 6"/>
           <p:cNvSpPr>
             <a:spLocks noGrp="1"/>
           </p:cNvSpPr>
@@ -1488,7 +3795,7 @@
           <a:p>
             <a:fld id="{B680550B-5DE9-41D6-ACEF-8E7B33225DBA}" type="slidenum">
               <a:rPr lang="fr-FR" smtClean="0"/>
-              <a:t>‹#›</a:t>
+              <a:t>‹N°›</a:t>
             </a:fld>
             <a:endParaRPr lang="fr-FR"/>
           </a:p>
@@ -1497,19 +3804,24 @@
     </p:spTree>
     <p:extLst>
       <p:ext uri="{BB962C8B-B14F-4D97-AF65-F5344CB8AC3E}">
-        <p14:creationId xmlns:p14="http://schemas.microsoft.com/office/powerpoint/2010/main" val="3485556746"/>
+        <p14:creationId xmlns:p14="http://schemas.microsoft.com/office/powerpoint/2010/main" val="2025085652"/>
       </p:ext>
     </p:extLst>
   </p:cSld>
   <p:clrMapOvr>
     <a:masterClrMapping/>
   </p:clrMapOvr>
+  <p:extLst mod="1">
+    <p:ext uri="{DCECCB84-F9BA-43D5-87BE-67443E8EF086}">
+      <p15:sldGuideLst xmlns:p15="http://schemas.microsoft.com/office/powerpoint/2012/main"/>
+    </p:ext>
+  </p:extLst>
 </p:sldLayout>
 </file>
 
 <file path=ppt/slideLayouts/slideLayout5.xml><?xml version="1.0" encoding="utf-8"?>
 <p:sldLayout xmlns:a="http://schemas.openxmlformats.org/drawingml/2006/main" xmlns:r="http://schemas.openxmlformats.org/officeDocument/2006/relationships" xmlns:p="http://schemas.openxmlformats.org/presentationml/2006/main" type="twoTxTwoObj" preserve="1">
-  <p:cSld name="Comparison">
+  <p:cSld name="Comparaison">
     <p:spTree>
       <p:nvGrpSpPr>
         <p:cNvPr id="1" name=""/>
@@ -1526,13 +3838,7 @@
       </p:grpSpPr>
       <p:sp>
         <p:nvSpPr>
-          <p:cNvPr id="2" name="Title 1">
-            <a:extLst>
-              <a:ext uri="{FF2B5EF4-FFF2-40B4-BE49-F238E27FC236}">
-                <a16:creationId xmlns:a16="http://schemas.microsoft.com/office/drawing/2014/main" id="{73984224-116E-4B36-9A89-C57AA0D953C3}"/>
-              </a:ext>
-            </a:extLst>
-          </p:cNvPr>
+          <p:cNvPr id="2" name="Title 1"/>
           <p:cNvSpPr>
             <a:spLocks noGrp="1"/>
           </p:cNvSpPr>
@@ -1542,8 +3848,8 @@
         </p:nvSpPr>
         <p:spPr>
           <a:xfrm>
-            <a:off x="839788" y="365125"/>
-            <a:ext cx="10515600" cy="1325563"/>
+            <a:off x="1252728" y="381000"/>
+            <a:ext cx="10172700" cy="1493517"/>
           </a:xfrm>
         </p:spPr>
         <p:txBody>
@@ -1551,22 +3857,16 @@
           <a:lstStyle/>
           <a:p>
             <a:r>
-              <a:rPr lang="en-US"/>
-              <a:t>Click to edit Master title style</a:t>
-            </a:r>
-            <a:endParaRPr lang="fr-FR"/>
-          </a:p>
-        </p:txBody>
-      </p:sp>
-      <p:sp>
-        <p:nvSpPr>
-          <p:cNvPr id="3" name="Text Placeholder 2">
-            <a:extLst>
-              <a:ext uri="{FF2B5EF4-FFF2-40B4-BE49-F238E27FC236}">
-                <a16:creationId xmlns:a16="http://schemas.microsoft.com/office/drawing/2014/main" id="{6FD0C615-57D7-4A06-BC8D-30BEA4F21747}"/>
-              </a:ext>
-            </a:extLst>
-          </p:cNvPr>
+              <a:rPr lang="fr-FR" smtClean="0"/>
+              <a:t>Modifiez le style du titre</a:t>
+            </a:r>
+            <a:endParaRPr lang="en-US" dirty="0"/>
+          </a:p>
+        </p:txBody>
+      </p:sp>
+      <p:sp>
+        <p:nvSpPr>
+          <p:cNvPr id="3" name="Text Placeholder 2"/>
           <p:cNvSpPr>
             <a:spLocks noGrp="1"/>
           </p:cNvSpPr>
@@ -1576,20 +3876,29 @@
         </p:nvSpPr>
         <p:spPr>
           <a:xfrm>
-            <a:off x="839788" y="1681163"/>
-            <a:ext cx="5157787" cy="823912"/>
+            <a:off x="1251678" y="2199633"/>
+            <a:ext cx="4800600" cy="632529"/>
           </a:xfrm>
         </p:spPr>
         <p:txBody>
-          <a:bodyPr anchor="b"/>
+          <a:bodyPr anchor="b">
+            <a:noAutofit/>
+          </a:bodyPr>
           <a:lstStyle>
             <a:lvl1pPr marL="0" indent="0">
+              <a:lnSpc>
+                <a:spcPct val="100000"/>
+              </a:lnSpc>
               <a:buNone/>
-              <a:defRPr sz="2400" b="1"/>
+              <a:defRPr sz="1900" b="1" cap="all" spc="200" baseline="0">
+                <a:solidFill>
+                  <a:schemeClr val="tx2"/>
+                </a:solidFill>
+              </a:defRPr>
             </a:lvl1pPr>
             <a:lvl2pPr marL="457200" indent="0">
               <a:buNone/>
-              <a:defRPr sz="2000" b="1"/>
+              <a:defRPr sz="1900" b="1"/>
             </a:lvl2pPr>
             <a:lvl3pPr marL="914400" indent="0">
               <a:buNone/>
@@ -1623,21 +3932,15 @@
           <a:p>
             <a:pPr lvl="0"/>
             <a:r>
-              <a:rPr lang="en-US"/>
-              <a:t>Edit Master text styles</a:t>
-            </a:r>
-          </a:p>
-        </p:txBody>
-      </p:sp>
-      <p:sp>
-        <p:nvSpPr>
-          <p:cNvPr id="4" name="Content Placeholder 3">
-            <a:extLst>
-              <a:ext uri="{FF2B5EF4-FFF2-40B4-BE49-F238E27FC236}">
-                <a16:creationId xmlns:a16="http://schemas.microsoft.com/office/drawing/2014/main" id="{276B6159-4DB0-43EF-A07F-F1774BC079A6}"/>
-              </a:ext>
-            </a:extLst>
-          </p:cNvPr>
+              <a:rPr lang="fr-FR" smtClean="0"/>
+              <a:t>Modifiez les styles du texte du masque</a:t>
+            </a:r>
+          </a:p>
+        </p:txBody>
+      </p:sp>
+      <p:sp>
+        <p:nvSpPr>
+          <p:cNvPr id="4" name="Content Placeholder 3"/>
           <p:cNvSpPr>
             <a:spLocks noGrp="1"/>
           </p:cNvSpPr>
@@ -1647,8 +3950,8 @@
         </p:nvSpPr>
         <p:spPr>
           <a:xfrm>
-            <a:off x="839788" y="2505075"/>
-            <a:ext cx="5157787" cy="3684588"/>
+            <a:off x="1257300" y="2909102"/>
+            <a:ext cx="4800600" cy="2996398"/>
           </a:xfrm>
         </p:spPr>
         <p:txBody>
@@ -1657,50 +3960,44 @@
           <a:p>
             <a:pPr lvl="0"/>
             <a:r>
-              <a:rPr lang="en-US"/>
-              <a:t>Edit Master text styles</a:t>
+              <a:rPr lang="fr-FR" smtClean="0"/>
+              <a:t>Modifiez les styles du texte du masque</a:t>
             </a:r>
           </a:p>
           <a:p>
             <a:pPr lvl="1"/>
             <a:r>
-              <a:rPr lang="en-US"/>
-              <a:t>Second level</a:t>
+              <a:rPr lang="fr-FR" smtClean="0"/>
+              <a:t>Deuxième niveau</a:t>
             </a:r>
           </a:p>
           <a:p>
             <a:pPr lvl="2"/>
             <a:r>
-              <a:rPr lang="en-US"/>
-              <a:t>Third level</a:t>
+              <a:rPr lang="fr-FR" smtClean="0"/>
+              <a:t>Troisième niveau</a:t>
             </a:r>
           </a:p>
           <a:p>
             <a:pPr lvl="3"/>
             <a:r>
-              <a:rPr lang="en-US"/>
-              <a:t>Fourth level</a:t>
+              <a:rPr lang="fr-FR" smtClean="0"/>
+              <a:t>Quatrième niveau</a:t>
             </a:r>
           </a:p>
           <a:p>
             <a:pPr lvl="4"/>
             <a:r>
-              <a:rPr lang="en-US"/>
-              <a:t>Fifth level</a:t>
-            </a:r>
-            <a:endParaRPr lang="fr-FR"/>
-          </a:p>
-        </p:txBody>
-      </p:sp>
-      <p:sp>
-        <p:nvSpPr>
-          <p:cNvPr id="5" name="Text Placeholder 4">
-            <a:extLst>
-              <a:ext uri="{FF2B5EF4-FFF2-40B4-BE49-F238E27FC236}">
-                <a16:creationId xmlns:a16="http://schemas.microsoft.com/office/drawing/2014/main" id="{4B082EB2-3FB1-42CE-8754-4EB8AAF58AC7}"/>
-              </a:ext>
-            </a:extLst>
-          </p:cNvPr>
+              <a:rPr lang="fr-FR" smtClean="0"/>
+              <a:t>Cinquième niveau</a:t>
+            </a:r>
+            <a:endParaRPr lang="en-US" dirty="0"/>
+          </a:p>
+        </p:txBody>
+      </p:sp>
+      <p:sp>
+        <p:nvSpPr>
+          <p:cNvPr id="5" name="Text Placeholder 4"/>
           <p:cNvSpPr>
             <a:spLocks noGrp="1"/>
           </p:cNvSpPr>
@@ -1710,20 +4007,29 @@
         </p:nvSpPr>
         <p:spPr>
           <a:xfrm>
-            <a:off x="6172200" y="1681163"/>
-            <a:ext cx="5183188" cy="823912"/>
+            <a:off x="6633864" y="2199633"/>
+            <a:ext cx="4800600" cy="632529"/>
           </a:xfrm>
         </p:spPr>
         <p:txBody>
-          <a:bodyPr anchor="b"/>
+          <a:bodyPr anchor="b">
+            <a:noAutofit/>
+          </a:bodyPr>
           <a:lstStyle>
             <a:lvl1pPr marL="0" indent="0">
+              <a:lnSpc>
+                <a:spcPct val="100000"/>
+              </a:lnSpc>
               <a:buNone/>
-              <a:defRPr sz="2400" b="1"/>
+              <a:defRPr sz="1900" b="1" cap="all" spc="200" baseline="0">
+                <a:solidFill>
+                  <a:schemeClr val="tx2"/>
+                </a:solidFill>
+              </a:defRPr>
             </a:lvl1pPr>
             <a:lvl2pPr marL="457200" indent="0">
               <a:buNone/>
-              <a:defRPr sz="2000" b="1"/>
+              <a:defRPr sz="1900" b="1"/>
             </a:lvl2pPr>
             <a:lvl3pPr marL="914400" indent="0">
               <a:buNone/>
@@ -1757,21 +4063,15 @@
           <a:p>
             <a:pPr lvl="0"/>
             <a:r>
-              <a:rPr lang="en-US"/>
-              <a:t>Edit Master text styles</a:t>
-            </a:r>
-          </a:p>
-        </p:txBody>
-      </p:sp>
-      <p:sp>
-        <p:nvSpPr>
-          <p:cNvPr id="6" name="Content Placeholder 5">
-            <a:extLst>
-              <a:ext uri="{FF2B5EF4-FFF2-40B4-BE49-F238E27FC236}">
-                <a16:creationId xmlns:a16="http://schemas.microsoft.com/office/drawing/2014/main" id="{3B2FDC50-6F26-4B9E-ACE3-D257FB4C77A5}"/>
-              </a:ext>
-            </a:extLst>
-          </p:cNvPr>
+              <a:rPr lang="fr-FR" smtClean="0"/>
+              <a:t>Modifiez les styles du texte du masque</a:t>
+            </a:r>
+          </a:p>
+        </p:txBody>
+      </p:sp>
+      <p:sp>
+        <p:nvSpPr>
+          <p:cNvPr id="6" name="Content Placeholder 5"/>
           <p:cNvSpPr>
             <a:spLocks noGrp="1"/>
           </p:cNvSpPr>
@@ -1781,8 +4081,8 @@
         </p:nvSpPr>
         <p:spPr>
           <a:xfrm>
-            <a:off x="6172200" y="2505075"/>
-            <a:ext cx="5183188" cy="3684588"/>
+            <a:off x="6633864" y="2909102"/>
+            <a:ext cx="4800600" cy="2996398"/>
           </a:xfrm>
         </p:spPr>
         <p:txBody>
@@ -1791,50 +4091,44 @@
           <a:p>
             <a:pPr lvl="0"/>
             <a:r>
-              <a:rPr lang="en-US"/>
-              <a:t>Edit Master text styles</a:t>
+              <a:rPr lang="fr-FR" smtClean="0"/>
+              <a:t>Modifiez les styles du texte du masque</a:t>
             </a:r>
           </a:p>
           <a:p>
             <a:pPr lvl="1"/>
             <a:r>
-              <a:rPr lang="en-US"/>
-              <a:t>Second level</a:t>
+              <a:rPr lang="fr-FR" smtClean="0"/>
+              <a:t>Deuxième niveau</a:t>
             </a:r>
           </a:p>
           <a:p>
             <a:pPr lvl="2"/>
             <a:r>
-              <a:rPr lang="en-US"/>
-              <a:t>Third level</a:t>
+              <a:rPr lang="fr-FR" smtClean="0"/>
+              <a:t>Troisième niveau</a:t>
             </a:r>
           </a:p>
           <a:p>
             <a:pPr lvl="3"/>
             <a:r>
-              <a:rPr lang="en-US"/>
-              <a:t>Fourth level</a:t>
+              <a:rPr lang="fr-FR" smtClean="0"/>
+              <a:t>Quatrième niveau</a:t>
             </a:r>
           </a:p>
           <a:p>
             <a:pPr lvl="4"/>
             <a:r>
-              <a:rPr lang="en-US"/>
-              <a:t>Fifth level</a:t>
-            </a:r>
-            <a:endParaRPr lang="fr-FR"/>
-          </a:p>
-        </p:txBody>
-      </p:sp>
-      <p:sp>
-        <p:nvSpPr>
-          <p:cNvPr id="7" name="Date Placeholder 6">
-            <a:extLst>
-              <a:ext uri="{FF2B5EF4-FFF2-40B4-BE49-F238E27FC236}">
-                <a16:creationId xmlns:a16="http://schemas.microsoft.com/office/drawing/2014/main" id="{61DF187D-5A76-4DEE-95F2-9E935416F262}"/>
-              </a:ext>
-            </a:extLst>
-          </p:cNvPr>
+              <a:rPr lang="fr-FR" smtClean="0"/>
+              <a:t>Cinquième niveau</a:t>
+            </a:r>
+            <a:endParaRPr lang="en-US" dirty="0"/>
+          </a:p>
+        </p:txBody>
+      </p:sp>
+      <p:sp>
+        <p:nvSpPr>
+          <p:cNvPr id="7" name="Date Placeholder 6"/>
           <p:cNvSpPr>
             <a:spLocks noGrp="1"/>
           </p:cNvSpPr>
@@ -1849,7 +4143,7 @@
           <a:p>
             <a:fld id="{C909DD4E-88AE-4B9E-AC59-18F6C8A2744D}" type="datetimeFigureOut">
               <a:rPr lang="fr-FR" smtClean="0"/>
-              <a:t>28/05/2018</a:t>
+              <a:t>30/05/2018</a:t>
             </a:fld>
             <a:endParaRPr lang="fr-FR"/>
           </a:p>
@@ -1857,13 +4151,7 @@
       </p:sp>
       <p:sp>
         <p:nvSpPr>
-          <p:cNvPr id="8" name="Footer Placeholder 7">
-            <a:extLst>
-              <a:ext uri="{FF2B5EF4-FFF2-40B4-BE49-F238E27FC236}">
-                <a16:creationId xmlns:a16="http://schemas.microsoft.com/office/drawing/2014/main" id="{81E7F04A-F2FA-45A2-B6C3-56693BA8F482}"/>
-              </a:ext>
-            </a:extLst>
-          </p:cNvPr>
+          <p:cNvPr id="8" name="Footer Placeholder 7"/>
           <p:cNvSpPr>
             <a:spLocks noGrp="1"/>
           </p:cNvSpPr>
@@ -1882,13 +4170,7 @@
       </p:sp>
       <p:sp>
         <p:nvSpPr>
-          <p:cNvPr id="9" name="Slide Number Placeholder 8">
-            <a:extLst>
-              <a:ext uri="{FF2B5EF4-FFF2-40B4-BE49-F238E27FC236}">
-                <a16:creationId xmlns:a16="http://schemas.microsoft.com/office/drawing/2014/main" id="{F6E34154-03B5-4039-9192-3D24B8AD825F}"/>
-              </a:ext>
-            </a:extLst>
-          </p:cNvPr>
+          <p:cNvPr id="9" name="Slide Number Placeholder 8"/>
           <p:cNvSpPr>
             <a:spLocks noGrp="1"/>
           </p:cNvSpPr>
@@ -1903,7 +4185,7 @@
           <a:p>
             <a:fld id="{B680550B-5DE9-41D6-ACEF-8E7B33225DBA}" type="slidenum">
               <a:rPr lang="fr-FR" smtClean="0"/>
-              <a:t>‹#›</a:t>
+              <a:t>‹N°›</a:t>
             </a:fld>
             <a:endParaRPr lang="fr-FR"/>
           </a:p>
@@ -1912,19 +4194,24 @@
     </p:spTree>
     <p:extLst>
       <p:ext uri="{BB962C8B-B14F-4D97-AF65-F5344CB8AC3E}">
-        <p14:creationId xmlns:p14="http://schemas.microsoft.com/office/powerpoint/2010/main" val="4001579303"/>
+        <p14:creationId xmlns:p14="http://schemas.microsoft.com/office/powerpoint/2010/main" val="2874210598"/>
       </p:ext>
     </p:extLst>
   </p:cSld>
   <p:clrMapOvr>
     <a:masterClrMapping/>
   </p:clrMapOvr>
+  <p:extLst mod="1">
+    <p:ext uri="{DCECCB84-F9BA-43D5-87BE-67443E8EF086}">
+      <p15:sldGuideLst xmlns:p15="http://schemas.microsoft.com/office/powerpoint/2012/main"/>
+    </p:ext>
+  </p:extLst>
 </p:sldLayout>
 </file>
 
 <file path=ppt/slideLayouts/slideLayout6.xml><?xml version="1.0" encoding="utf-8"?>
 <p:sldLayout xmlns:a="http://schemas.openxmlformats.org/drawingml/2006/main" xmlns:r="http://schemas.openxmlformats.org/officeDocument/2006/relationships" xmlns:p="http://schemas.openxmlformats.org/presentationml/2006/main" type="titleOnly" preserve="1">
-  <p:cSld name="Title Only">
+  <p:cSld name="Titre seul">
     <p:spTree>
       <p:nvGrpSpPr>
         <p:cNvPr id="1" name=""/>
@@ -1941,13 +4228,7 @@
       </p:grpSpPr>
       <p:sp>
         <p:nvSpPr>
-          <p:cNvPr id="2" name="Title 1">
-            <a:extLst>
-              <a:ext uri="{FF2B5EF4-FFF2-40B4-BE49-F238E27FC236}">
-                <a16:creationId xmlns:a16="http://schemas.microsoft.com/office/drawing/2014/main" id="{DCE26B4F-A5CC-47E0-9589-2EB5FCEC211B}"/>
-              </a:ext>
-            </a:extLst>
-          </p:cNvPr>
+          <p:cNvPr id="2" name="Title 1"/>
           <p:cNvSpPr>
             <a:spLocks noGrp="1"/>
           </p:cNvSpPr>
@@ -1961,22 +4242,16 @@
           <a:lstStyle/>
           <a:p>
             <a:r>
-              <a:rPr lang="en-US"/>
-              <a:t>Click to edit Master title style</a:t>
-            </a:r>
-            <a:endParaRPr lang="fr-FR"/>
-          </a:p>
-        </p:txBody>
-      </p:sp>
-      <p:sp>
-        <p:nvSpPr>
-          <p:cNvPr id="3" name="Date Placeholder 2">
-            <a:extLst>
-              <a:ext uri="{FF2B5EF4-FFF2-40B4-BE49-F238E27FC236}">
-                <a16:creationId xmlns:a16="http://schemas.microsoft.com/office/drawing/2014/main" id="{12CD1468-CD57-44F6-8448-B3410BDB364B}"/>
-              </a:ext>
-            </a:extLst>
-          </p:cNvPr>
+              <a:rPr lang="fr-FR" smtClean="0"/>
+              <a:t>Modifiez le style du titre</a:t>
+            </a:r>
+            <a:endParaRPr lang="en-US" dirty="0"/>
+          </a:p>
+        </p:txBody>
+      </p:sp>
+      <p:sp>
+        <p:nvSpPr>
+          <p:cNvPr id="3" name="Date Placeholder 2"/>
           <p:cNvSpPr>
             <a:spLocks noGrp="1"/>
           </p:cNvSpPr>
@@ -1991,7 +4266,7 @@
           <a:p>
             <a:fld id="{C909DD4E-88AE-4B9E-AC59-18F6C8A2744D}" type="datetimeFigureOut">
               <a:rPr lang="fr-FR" smtClean="0"/>
-              <a:t>28/05/2018</a:t>
+              <a:t>30/05/2018</a:t>
             </a:fld>
             <a:endParaRPr lang="fr-FR"/>
           </a:p>
@@ -1999,13 +4274,7 @@
       </p:sp>
       <p:sp>
         <p:nvSpPr>
-          <p:cNvPr id="4" name="Footer Placeholder 3">
-            <a:extLst>
-              <a:ext uri="{FF2B5EF4-FFF2-40B4-BE49-F238E27FC236}">
-                <a16:creationId xmlns:a16="http://schemas.microsoft.com/office/drawing/2014/main" id="{B0918476-AED2-4D3E-9E55-EF0D6772CCC1}"/>
-              </a:ext>
-            </a:extLst>
-          </p:cNvPr>
+          <p:cNvPr id="4" name="Footer Placeholder 3"/>
           <p:cNvSpPr>
             <a:spLocks noGrp="1"/>
           </p:cNvSpPr>
@@ -2024,13 +4293,7 @@
       </p:sp>
       <p:sp>
         <p:nvSpPr>
-          <p:cNvPr id="5" name="Slide Number Placeholder 4">
-            <a:extLst>
-              <a:ext uri="{FF2B5EF4-FFF2-40B4-BE49-F238E27FC236}">
-                <a16:creationId xmlns:a16="http://schemas.microsoft.com/office/drawing/2014/main" id="{8C55E922-CCFF-42DF-95B2-7D4F07DC8CF2}"/>
-              </a:ext>
-            </a:extLst>
-          </p:cNvPr>
+          <p:cNvPr id="5" name="Slide Number Placeholder 4"/>
           <p:cNvSpPr>
             <a:spLocks noGrp="1"/>
           </p:cNvSpPr>
@@ -2045,7 +4308,7 @@
           <a:p>
             <a:fld id="{B680550B-5DE9-41D6-ACEF-8E7B33225DBA}" type="slidenum">
               <a:rPr lang="fr-FR" smtClean="0"/>
-              <a:t>‹#›</a:t>
+              <a:t>‹N°›</a:t>
             </a:fld>
             <a:endParaRPr lang="fr-FR"/>
           </a:p>
@@ -2054,7 +4317,7 @@
     </p:spTree>
     <p:extLst>
       <p:ext uri="{BB962C8B-B14F-4D97-AF65-F5344CB8AC3E}">
-        <p14:creationId xmlns:p14="http://schemas.microsoft.com/office/powerpoint/2010/main" val="832519650"/>
+        <p14:creationId xmlns:p14="http://schemas.microsoft.com/office/powerpoint/2010/main" val="3304238405"/>
       </p:ext>
     </p:extLst>
   </p:cSld>
@@ -2066,7 +4329,7 @@
 
 <file path=ppt/slideLayouts/slideLayout7.xml><?xml version="1.0" encoding="utf-8"?>
 <p:sldLayout xmlns:a="http://schemas.openxmlformats.org/drawingml/2006/main" xmlns:r="http://schemas.openxmlformats.org/officeDocument/2006/relationships" xmlns:p="http://schemas.openxmlformats.org/presentationml/2006/main" type="blank" preserve="1">
-  <p:cSld name="Blank">
+  <p:cSld name="Vide">
     <p:spTree>
       <p:nvGrpSpPr>
         <p:cNvPr id="1" name=""/>
@@ -2083,13 +4346,7 @@
       </p:grpSpPr>
       <p:sp>
         <p:nvSpPr>
-          <p:cNvPr id="2" name="Date Placeholder 1">
-            <a:extLst>
-              <a:ext uri="{FF2B5EF4-FFF2-40B4-BE49-F238E27FC236}">
-                <a16:creationId xmlns:a16="http://schemas.microsoft.com/office/drawing/2014/main" id="{774F352C-1F95-4C27-89EB-98515C1B6EFE}"/>
-              </a:ext>
-            </a:extLst>
-          </p:cNvPr>
+          <p:cNvPr id="2" name="Date Placeholder 1"/>
           <p:cNvSpPr>
             <a:spLocks noGrp="1"/>
           </p:cNvSpPr>
@@ -2104,7 +4361,7 @@
           <a:p>
             <a:fld id="{C909DD4E-88AE-4B9E-AC59-18F6C8A2744D}" type="datetimeFigureOut">
               <a:rPr lang="fr-FR" smtClean="0"/>
-              <a:t>28/05/2018</a:t>
+              <a:t>30/05/2018</a:t>
             </a:fld>
             <a:endParaRPr lang="fr-FR"/>
           </a:p>
@@ -2112,13 +4369,7 @@
       </p:sp>
       <p:sp>
         <p:nvSpPr>
-          <p:cNvPr id="3" name="Footer Placeholder 2">
-            <a:extLst>
-              <a:ext uri="{FF2B5EF4-FFF2-40B4-BE49-F238E27FC236}">
-                <a16:creationId xmlns:a16="http://schemas.microsoft.com/office/drawing/2014/main" id="{ADD74C8D-D642-48ED-A57E-3E67F59AC4E3}"/>
-              </a:ext>
-            </a:extLst>
-          </p:cNvPr>
+          <p:cNvPr id="3" name="Footer Placeholder 2"/>
           <p:cNvSpPr>
             <a:spLocks noGrp="1"/>
           </p:cNvSpPr>
@@ -2137,13 +4388,7 @@
       </p:sp>
       <p:sp>
         <p:nvSpPr>
-          <p:cNvPr id="4" name="Slide Number Placeholder 3">
-            <a:extLst>
-              <a:ext uri="{FF2B5EF4-FFF2-40B4-BE49-F238E27FC236}">
-                <a16:creationId xmlns:a16="http://schemas.microsoft.com/office/drawing/2014/main" id="{F6D296BB-5776-4B73-9959-18EA72B3A6BB}"/>
-              </a:ext>
-            </a:extLst>
-          </p:cNvPr>
+          <p:cNvPr id="4" name="Slide Number Placeholder 3"/>
           <p:cNvSpPr>
             <a:spLocks noGrp="1"/>
           </p:cNvSpPr>
@@ -2158,7 +4403,7 @@
           <a:p>
             <a:fld id="{B680550B-5DE9-41D6-ACEF-8E7B33225DBA}" type="slidenum">
               <a:rPr lang="fr-FR" smtClean="0"/>
-              <a:t>‹#›</a:t>
+              <a:t>‹N°›</a:t>
             </a:fld>
             <a:endParaRPr lang="fr-FR"/>
           </a:p>
@@ -2167,7 +4412,7 @@
     </p:spTree>
     <p:extLst>
       <p:ext uri="{BB962C8B-B14F-4D97-AF65-F5344CB8AC3E}">
-        <p14:creationId xmlns:p14="http://schemas.microsoft.com/office/powerpoint/2010/main" val="1895053812"/>
+        <p14:creationId xmlns:p14="http://schemas.microsoft.com/office/powerpoint/2010/main" val="2626297271"/>
       </p:ext>
     </p:extLst>
   </p:cSld>
@@ -2178,8 +4423,8 @@
 </file>
 
 <file path=ppt/slideLayouts/slideLayout8.xml><?xml version="1.0" encoding="utf-8"?>
-<p:sldLayout xmlns:a="http://schemas.openxmlformats.org/drawingml/2006/main" xmlns:r="http://schemas.openxmlformats.org/officeDocument/2006/relationships" xmlns:p="http://schemas.openxmlformats.org/presentationml/2006/main" type="objTx" preserve="1">
-  <p:cSld name="Content with Caption">
+<p:sldLayout xmlns:a="http://schemas.openxmlformats.org/drawingml/2006/main" xmlns:r="http://schemas.openxmlformats.org/officeDocument/2006/relationships" xmlns:p="http://schemas.openxmlformats.org/presentationml/2006/main" showMasterSp="0" type="objTx" preserve="1">
+  <p:cSld name="Contenu avec légende">
     <p:spTree>
       <p:nvGrpSpPr>
         <p:cNvPr id="1" name=""/>
@@ -2196,13 +4441,468 @@
       </p:grpSpPr>
       <p:sp>
         <p:nvSpPr>
-          <p:cNvPr id="2" name="Title 1">
-            <a:extLst>
-              <a:ext uri="{FF2B5EF4-FFF2-40B4-BE49-F238E27FC236}">
-                <a16:creationId xmlns:a16="http://schemas.microsoft.com/office/drawing/2014/main" id="{9F5DBE6D-6C31-4497-BAC8-48CFD7E821DB}"/>
-              </a:ext>
-            </a:extLst>
-          </p:cNvPr>
+          <p:cNvPr id="17" name="Freeform 11" title="right scallop background shape"/>
+          <p:cNvSpPr/>
+          <p:nvPr/>
+        </p:nvSpPr>
+        <p:spPr bwMode="auto">
+          <a:xfrm>
+            <a:off x="7389812" y="0"/>
+            <a:ext cx="4802188" cy="6858000"/>
+          </a:xfrm>
+          <a:custGeom>
+            <a:avLst/>
+            <a:gdLst/>
+            <a:ahLst/>
+            <a:cxnLst/>
+            <a:rect l="0" t="0" r="r" b="b"/>
+            <a:pathLst>
+              <a:path w="3025" h="4320">
+                <a:moveTo>
+                  <a:pt x="0" y="0"/>
+                </a:moveTo>
+                <a:lnTo>
+                  <a:pt x="3025" y="0"/>
+                </a:lnTo>
+                <a:lnTo>
+                  <a:pt x="3025" y="4320"/>
+                </a:lnTo>
+                <a:lnTo>
+                  <a:pt x="0" y="4320"/>
+                </a:lnTo>
+                <a:lnTo>
+                  <a:pt x="3" y="4278"/>
+                </a:lnTo>
+                <a:lnTo>
+                  <a:pt x="8" y="4243"/>
+                </a:lnTo>
+                <a:lnTo>
+                  <a:pt x="14" y="4210"/>
+                </a:lnTo>
+                <a:lnTo>
+                  <a:pt x="24" y="4183"/>
+                </a:lnTo>
+                <a:lnTo>
+                  <a:pt x="34" y="4156"/>
+                </a:lnTo>
+                <a:lnTo>
+                  <a:pt x="46" y="4133"/>
+                </a:lnTo>
+                <a:lnTo>
+                  <a:pt x="58" y="4109"/>
+                </a:lnTo>
+                <a:lnTo>
+                  <a:pt x="69" y="4087"/>
+                </a:lnTo>
+                <a:lnTo>
+                  <a:pt x="80" y="4062"/>
+                </a:lnTo>
+                <a:lnTo>
+                  <a:pt x="90" y="4036"/>
+                </a:lnTo>
+                <a:lnTo>
+                  <a:pt x="99" y="4007"/>
+                </a:lnTo>
+                <a:lnTo>
+                  <a:pt x="106" y="3976"/>
+                </a:lnTo>
+                <a:lnTo>
+                  <a:pt x="111" y="3938"/>
+                </a:lnTo>
+                <a:lnTo>
+                  <a:pt x="113" y="3895"/>
+                </a:lnTo>
+                <a:lnTo>
+                  <a:pt x="111" y="3851"/>
+                </a:lnTo>
+                <a:lnTo>
+                  <a:pt x="106" y="3815"/>
+                </a:lnTo>
+                <a:lnTo>
+                  <a:pt x="99" y="3782"/>
+                </a:lnTo>
+                <a:lnTo>
+                  <a:pt x="90" y="3752"/>
+                </a:lnTo>
+                <a:lnTo>
+                  <a:pt x="80" y="3726"/>
+                </a:lnTo>
+                <a:lnTo>
+                  <a:pt x="68" y="3702"/>
+                </a:lnTo>
+                <a:lnTo>
+                  <a:pt x="56" y="3679"/>
+                </a:lnTo>
+                <a:lnTo>
+                  <a:pt x="44" y="3655"/>
+                </a:lnTo>
+                <a:lnTo>
+                  <a:pt x="33" y="3630"/>
+                </a:lnTo>
+                <a:lnTo>
+                  <a:pt x="22" y="3604"/>
+                </a:lnTo>
+                <a:lnTo>
+                  <a:pt x="13" y="3575"/>
+                </a:lnTo>
+                <a:lnTo>
+                  <a:pt x="7" y="3542"/>
+                </a:lnTo>
+                <a:lnTo>
+                  <a:pt x="1" y="3504"/>
+                </a:lnTo>
+                <a:lnTo>
+                  <a:pt x="0" y="3461"/>
+                </a:lnTo>
+                <a:lnTo>
+                  <a:pt x="1" y="3418"/>
+                </a:lnTo>
+                <a:lnTo>
+                  <a:pt x="7" y="3380"/>
+                </a:lnTo>
+                <a:lnTo>
+                  <a:pt x="13" y="3347"/>
+                </a:lnTo>
+                <a:lnTo>
+                  <a:pt x="22" y="3319"/>
+                </a:lnTo>
+                <a:lnTo>
+                  <a:pt x="33" y="3292"/>
+                </a:lnTo>
+                <a:lnTo>
+                  <a:pt x="44" y="3267"/>
+                </a:lnTo>
+                <a:lnTo>
+                  <a:pt x="56" y="3244"/>
+                </a:lnTo>
+                <a:lnTo>
+                  <a:pt x="68" y="3222"/>
+                </a:lnTo>
+                <a:lnTo>
+                  <a:pt x="80" y="3197"/>
+                </a:lnTo>
+                <a:lnTo>
+                  <a:pt x="90" y="3171"/>
+                </a:lnTo>
+                <a:lnTo>
+                  <a:pt x="99" y="3142"/>
+                </a:lnTo>
+                <a:lnTo>
+                  <a:pt x="106" y="3109"/>
+                </a:lnTo>
+                <a:lnTo>
+                  <a:pt x="111" y="3071"/>
+                </a:lnTo>
+                <a:lnTo>
+                  <a:pt x="113" y="3028"/>
+                </a:lnTo>
+                <a:lnTo>
+                  <a:pt x="111" y="2985"/>
+                </a:lnTo>
+                <a:lnTo>
+                  <a:pt x="106" y="2947"/>
+                </a:lnTo>
+                <a:lnTo>
+                  <a:pt x="99" y="2914"/>
+                </a:lnTo>
+                <a:lnTo>
+                  <a:pt x="90" y="2885"/>
+                </a:lnTo>
+                <a:lnTo>
+                  <a:pt x="80" y="2858"/>
+                </a:lnTo>
+                <a:lnTo>
+                  <a:pt x="68" y="2834"/>
+                </a:lnTo>
+                <a:lnTo>
+                  <a:pt x="44" y="2787"/>
+                </a:lnTo>
+                <a:lnTo>
+                  <a:pt x="33" y="2763"/>
+                </a:lnTo>
+                <a:lnTo>
+                  <a:pt x="22" y="2736"/>
+                </a:lnTo>
+                <a:lnTo>
+                  <a:pt x="13" y="2707"/>
+                </a:lnTo>
+                <a:lnTo>
+                  <a:pt x="7" y="2674"/>
+                </a:lnTo>
+                <a:lnTo>
+                  <a:pt x="1" y="2637"/>
+                </a:lnTo>
+                <a:lnTo>
+                  <a:pt x="0" y="2593"/>
+                </a:lnTo>
+                <a:lnTo>
+                  <a:pt x="1" y="2550"/>
+                </a:lnTo>
+                <a:lnTo>
+                  <a:pt x="7" y="2512"/>
+                </a:lnTo>
+                <a:lnTo>
+                  <a:pt x="13" y="2479"/>
+                </a:lnTo>
+                <a:lnTo>
+                  <a:pt x="22" y="2451"/>
+                </a:lnTo>
+                <a:lnTo>
+                  <a:pt x="33" y="2424"/>
+                </a:lnTo>
+                <a:lnTo>
+                  <a:pt x="44" y="2401"/>
+                </a:lnTo>
+                <a:lnTo>
+                  <a:pt x="68" y="2354"/>
+                </a:lnTo>
+                <a:lnTo>
+                  <a:pt x="80" y="2329"/>
+                </a:lnTo>
+                <a:lnTo>
+                  <a:pt x="90" y="2303"/>
+                </a:lnTo>
+                <a:lnTo>
+                  <a:pt x="99" y="2274"/>
+                </a:lnTo>
+                <a:lnTo>
+                  <a:pt x="106" y="2241"/>
+                </a:lnTo>
+                <a:lnTo>
+                  <a:pt x="111" y="2203"/>
+                </a:lnTo>
+                <a:lnTo>
+                  <a:pt x="113" y="2159"/>
+                </a:lnTo>
+                <a:lnTo>
+                  <a:pt x="111" y="2117"/>
+                </a:lnTo>
+                <a:lnTo>
+                  <a:pt x="106" y="2079"/>
+                </a:lnTo>
+                <a:lnTo>
+                  <a:pt x="99" y="2046"/>
+                </a:lnTo>
+                <a:lnTo>
+                  <a:pt x="90" y="2017"/>
+                </a:lnTo>
+                <a:lnTo>
+                  <a:pt x="80" y="1991"/>
+                </a:lnTo>
+                <a:lnTo>
+                  <a:pt x="68" y="1966"/>
+                </a:lnTo>
+                <a:lnTo>
+                  <a:pt x="56" y="1943"/>
+                </a:lnTo>
+                <a:lnTo>
+                  <a:pt x="44" y="1919"/>
+                </a:lnTo>
+                <a:lnTo>
+                  <a:pt x="33" y="1896"/>
+                </a:lnTo>
+                <a:lnTo>
+                  <a:pt x="22" y="1869"/>
+                </a:lnTo>
+                <a:lnTo>
+                  <a:pt x="13" y="1841"/>
+                </a:lnTo>
+                <a:lnTo>
+                  <a:pt x="7" y="1807"/>
+                </a:lnTo>
+                <a:lnTo>
+                  <a:pt x="1" y="1770"/>
+                </a:lnTo>
+                <a:lnTo>
+                  <a:pt x="0" y="1727"/>
+                </a:lnTo>
+                <a:lnTo>
+                  <a:pt x="1" y="1683"/>
+                </a:lnTo>
+                <a:lnTo>
+                  <a:pt x="7" y="1646"/>
+                </a:lnTo>
+                <a:lnTo>
+                  <a:pt x="13" y="1613"/>
+                </a:lnTo>
+                <a:lnTo>
+                  <a:pt x="22" y="1583"/>
+                </a:lnTo>
+                <a:lnTo>
+                  <a:pt x="33" y="1557"/>
+                </a:lnTo>
+                <a:lnTo>
+                  <a:pt x="44" y="1533"/>
+                </a:lnTo>
+                <a:lnTo>
+                  <a:pt x="56" y="1509"/>
+                </a:lnTo>
+                <a:lnTo>
+                  <a:pt x="68" y="1486"/>
+                </a:lnTo>
+                <a:lnTo>
+                  <a:pt x="80" y="1461"/>
+                </a:lnTo>
+                <a:lnTo>
+                  <a:pt x="90" y="1435"/>
+                </a:lnTo>
+                <a:lnTo>
+                  <a:pt x="99" y="1406"/>
+                </a:lnTo>
+                <a:lnTo>
+                  <a:pt x="106" y="1373"/>
+                </a:lnTo>
+                <a:lnTo>
+                  <a:pt x="111" y="1335"/>
+                </a:lnTo>
+                <a:lnTo>
+                  <a:pt x="113" y="1292"/>
+                </a:lnTo>
+                <a:lnTo>
+                  <a:pt x="111" y="1249"/>
+                </a:lnTo>
+                <a:lnTo>
+                  <a:pt x="106" y="1211"/>
+                </a:lnTo>
+                <a:lnTo>
+                  <a:pt x="99" y="1178"/>
+                </a:lnTo>
+                <a:lnTo>
+                  <a:pt x="90" y="1149"/>
+                </a:lnTo>
+                <a:lnTo>
+                  <a:pt x="80" y="1123"/>
+                </a:lnTo>
+                <a:lnTo>
+                  <a:pt x="68" y="1098"/>
+                </a:lnTo>
+                <a:lnTo>
+                  <a:pt x="56" y="1076"/>
+                </a:lnTo>
+                <a:lnTo>
+                  <a:pt x="44" y="1053"/>
+                </a:lnTo>
+                <a:lnTo>
+                  <a:pt x="33" y="1028"/>
+                </a:lnTo>
+                <a:lnTo>
+                  <a:pt x="22" y="1001"/>
+                </a:lnTo>
+                <a:lnTo>
+                  <a:pt x="13" y="973"/>
+                </a:lnTo>
+                <a:lnTo>
+                  <a:pt x="7" y="940"/>
+                </a:lnTo>
+                <a:lnTo>
+                  <a:pt x="1" y="902"/>
+                </a:lnTo>
+                <a:lnTo>
+                  <a:pt x="0" y="859"/>
+                </a:lnTo>
+                <a:lnTo>
+                  <a:pt x="1" y="816"/>
+                </a:lnTo>
+                <a:lnTo>
+                  <a:pt x="7" y="778"/>
+                </a:lnTo>
+                <a:lnTo>
+                  <a:pt x="13" y="745"/>
+                </a:lnTo>
+                <a:lnTo>
+                  <a:pt x="22" y="716"/>
+                </a:lnTo>
+                <a:lnTo>
+                  <a:pt x="33" y="690"/>
+                </a:lnTo>
+                <a:lnTo>
+                  <a:pt x="44" y="665"/>
+                </a:lnTo>
+                <a:lnTo>
+                  <a:pt x="56" y="641"/>
+                </a:lnTo>
+                <a:lnTo>
+                  <a:pt x="68" y="618"/>
+                </a:lnTo>
+                <a:lnTo>
+                  <a:pt x="80" y="594"/>
+                </a:lnTo>
+                <a:lnTo>
+                  <a:pt x="90" y="568"/>
+                </a:lnTo>
+                <a:lnTo>
+                  <a:pt x="99" y="538"/>
+                </a:lnTo>
+                <a:lnTo>
+                  <a:pt x="106" y="505"/>
+                </a:lnTo>
+                <a:lnTo>
+                  <a:pt x="111" y="469"/>
+                </a:lnTo>
+                <a:lnTo>
+                  <a:pt x="113" y="424"/>
+                </a:lnTo>
+                <a:lnTo>
+                  <a:pt x="111" y="382"/>
+                </a:lnTo>
+                <a:lnTo>
+                  <a:pt x="106" y="344"/>
+                </a:lnTo>
+                <a:lnTo>
+                  <a:pt x="99" y="313"/>
+                </a:lnTo>
+                <a:lnTo>
+                  <a:pt x="90" y="284"/>
+                </a:lnTo>
+                <a:lnTo>
+                  <a:pt x="80" y="258"/>
+                </a:lnTo>
+                <a:lnTo>
+                  <a:pt x="69" y="233"/>
+                </a:lnTo>
+                <a:lnTo>
+                  <a:pt x="58" y="211"/>
+                </a:lnTo>
+                <a:lnTo>
+                  <a:pt x="46" y="187"/>
+                </a:lnTo>
+                <a:lnTo>
+                  <a:pt x="34" y="164"/>
+                </a:lnTo>
+                <a:lnTo>
+                  <a:pt x="24" y="137"/>
+                </a:lnTo>
+                <a:lnTo>
+                  <a:pt x="14" y="110"/>
+                </a:lnTo>
+                <a:lnTo>
+                  <a:pt x="8" y="77"/>
+                </a:lnTo>
+                <a:lnTo>
+                  <a:pt x="3" y="42"/>
+                </a:lnTo>
+                <a:lnTo>
+                  <a:pt x="0" y="0"/>
+                </a:lnTo>
+                <a:close/>
+              </a:path>
+            </a:pathLst>
+          </a:custGeom>
+          <a:solidFill>
+            <a:schemeClr val="tx2"/>
+          </a:solidFill>
+          <a:ln w="0">
+            <a:noFill/>
+            <a:prstDash val="solid"/>
+            <a:round/>
+            <a:headEnd/>
+            <a:tailEnd/>
+          </a:ln>
+        </p:spPr>
+      </p:sp>
+      <p:sp>
+        <p:nvSpPr>
+          <p:cNvPr id="2" name="Title 1"/>
           <p:cNvSpPr>
             <a:spLocks noGrp="1"/>
           </p:cNvSpPr>
@@ -2212,35 +4912,39 @@
         </p:nvSpPr>
         <p:spPr>
           <a:xfrm>
-            <a:off x="839788" y="457200"/>
-            <a:ext cx="3932237" cy="1600200"/>
+            <a:off x="8337884" y="457199"/>
+            <a:ext cx="3092115" cy="1196671"/>
           </a:xfrm>
         </p:spPr>
         <p:txBody>
-          <a:bodyPr anchor="b"/>
+          <a:bodyPr anchor="b">
+            <a:normAutofit/>
+          </a:bodyPr>
           <a:lstStyle>
             <a:lvl1pPr>
-              <a:defRPr sz="3200"/>
+              <a:lnSpc>
+                <a:spcPct val="100000"/>
+              </a:lnSpc>
+              <a:defRPr sz="1900" b="1" i="0" cap="all" spc="300" baseline="0">
+                <a:solidFill>
+                  <a:schemeClr val="accent1"/>
+                </a:solidFill>
+                <a:latin typeface="+mn-lt"/>
+              </a:defRPr>
             </a:lvl1pPr>
           </a:lstStyle>
           <a:p>
             <a:r>
-              <a:rPr lang="en-US"/>
-              <a:t>Click to edit Master title style</a:t>
-            </a:r>
-            <a:endParaRPr lang="fr-FR"/>
-          </a:p>
-        </p:txBody>
-      </p:sp>
-      <p:sp>
-        <p:nvSpPr>
-          <p:cNvPr id="3" name="Content Placeholder 2">
-            <a:extLst>
-              <a:ext uri="{FF2B5EF4-FFF2-40B4-BE49-F238E27FC236}">
-                <a16:creationId xmlns:a16="http://schemas.microsoft.com/office/drawing/2014/main" id="{31C5BC9B-6200-4B8E-8002-876E3C8B0091}"/>
-              </a:ext>
-            </a:extLst>
-          </p:cNvPr>
+              <a:rPr lang="fr-FR" smtClean="0"/>
+              <a:t>Modifiez le style du titre</a:t>
+            </a:r>
+            <a:endParaRPr lang="en-US" dirty="0"/>
+          </a:p>
+        </p:txBody>
+      </p:sp>
+      <p:sp>
+        <p:nvSpPr>
+          <p:cNvPr id="3" name="Content Placeholder 2"/>
           <p:cNvSpPr>
             <a:spLocks noGrp="1"/>
           </p:cNvSpPr>
@@ -2250,8 +4954,8 @@
         </p:nvSpPr>
         <p:spPr>
           <a:xfrm>
-            <a:off x="5183188" y="987425"/>
-            <a:ext cx="6172200" cy="4873625"/>
+            <a:off x="765051" y="920377"/>
+            <a:ext cx="6158418" cy="4985124"/>
           </a:xfrm>
         </p:spPr>
         <p:txBody>
@@ -2288,50 +4992,44 @@
           <a:p>
             <a:pPr lvl="0"/>
             <a:r>
-              <a:rPr lang="en-US"/>
-              <a:t>Edit Master text styles</a:t>
+              <a:rPr lang="fr-FR" smtClean="0"/>
+              <a:t>Modifiez les styles du texte du masque</a:t>
             </a:r>
           </a:p>
           <a:p>
             <a:pPr lvl="1"/>
             <a:r>
-              <a:rPr lang="en-US"/>
-              <a:t>Second level</a:t>
+              <a:rPr lang="fr-FR" smtClean="0"/>
+              <a:t>Deuxième niveau</a:t>
             </a:r>
           </a:p>
           <a:p>
             <a:pPr lvl="2"/>
             <a:r>
-              <a:rPr lang="en-US"/>
-              <a:t>Third level</a:t>
+              <a:rPr lang="fr-FR" smtClean="0"/>
+              <a:t>Troisième niveau</a:t>
             </a:r>
           </a:p>
           <a:p>
             <a:pPr lvl="3"/>
             <a:r>
-              <a:rPr lang="en-US"/>
-              <a:t>Fourth level</a:t>
+              <a:rPr lang="fr-FR" smtClean="0"/>
+              <a:t>Quatrième niveau</a:t>
             </a:r>
           </a:p>
           <a:p>
             <a:pPr lvl="4"/>
             <a:r>
-              <a:rPr lang="en-US"/>
-              <a:t>Fifth level</a:t>
-            </a:r>
-            <a:endParaRPr lang="fr-FR"/>
-          </a:p>
-        </p:txBody>
-      </p:sp>
-      <p:sp>
-        <p:nvSpPr>
-          <p:cNvPr id="4" name="Text Placeholder 3">
-            <a:extLst>
-              <a:ext uri="{FF2B5EF4-FFF2-40B4-BE49-F238E27FC236}">
-                <a16:creationId xmlns:a16="http://schemas.microsoft.com/office/drawing/2014/main" id="{7E8D41D4-F8F4-4639-8E8C-C952BDE3EA7C}"/>
-              </a:ext>
-            </a:extLst>
-          </p:cNvPr>
+              <a:rPr lang="fr-FR" smtClean="0"/>
+              <a:t>Cinquième niveau</a:t>
+            </a:r>
+            <a:endParaRPr lang="en-US" dirty="0"/>
+          </a:p>
+        </p:txBody>
+      </p:sp>
+      <p:sp>
+        <p:nvSpPr>
+          <p:cNvPr id="4" name="Text Placeholder 3"/>
           <p:cNvSpPr>
             <a:spLocks noGrp="1"/>
           </p:cNvSpPr>
@@ -2341,16 +5039,26 @@
         </p:nvSpPr>
         <p:spPr>
           <a:xfrm>
-            <a:off x="839788" y="2057400"/>
-            <a:ext cx="3932237" cy="3811588"/>
+            <a:off x="8337885" y="1741336"/>
+            <a:ext cx="3092115" cy="4164164"/>
           </a:xfrm>
         </p:spPr>
         <p:txBody>
           <a:bodyPr/>
           <a:lstStyle>
             <a:lvl1pPr marL="0" indent="0">
+              <a:lnSpc>
+                <a:spcPct val="120000"/>
+              </a:lnSpc>
+              <a:spcBef>
+                <a:spcPts val="1200"/>
+              </a:spcBef>
               <a:buNone/>
-              <a:defRPr sz="1600"/>
+              <a:defRPr sz="1600" baseline="0">
+                <a:solidFill>
+                  <a:schemeClr val="bg2"/>
+                </a:solidFill>
+              </a:defRPr>
             </a:lvl1pPr>
             <a:lvl2pPr marL="457200" indent="0">
               <a:buNone/>
@@ -2388,21 +5096,15 @@
           <a:p>
             <a:pPr lvl="0"/>
             <a:r>
-              <a:rPr lang="en-US"/>
-              <a:t>Edit Master text styles</a:t>
-            </a:r>
-          </a:p>
-        </p:txBody>
-      </p:sp>
-      <p:sp>
-        <p:nvSpPr>
-          <p:cNvPr id="5" name="Date Placeholder 4">
-            <a:extLst>
-              <a:ext uri="{FF2B5EF4-FFF2-40B4-BE49-F238E27FC236}">
-                <a16:creationId xmlns:a16="http://schemas.microsoft.com/office/drawing/2014/main" id="{1CC4F9D1-1705-40EF-8408-ADAE2F8A4693}"/>
-              </a:ext>
-            </a:extLst>
-          </p:cNvPr>
+              <a:rPr lang="fr-FR" smtClean="0"/>
+              <a:t>Modifiez les styles du texte du masque</a:t>
+            </a:r>
+          </a:p>
+        </p:txBody>
+      </p:sp>
+      <p:sp>
+        <p:nvSpPr>
+          <p:cNvPr id="5" name="Date Placeholder 4"/>
           <p:cNvSpPr>
             <a:spLocks noGrp="1"/>
           </p:cNvSpPr>
@@ -2410,14 +5112,19 @@
             <p:ph type="dt" sz="half" idx="10"/>
           </p:nvPr>
         </p:nvSpPr>
-        <p:spPr/>
+        <p:spPr>
+          <a:xfrm>
+            <a:off x="765051" y="6375679"/>
+            <a:ext cx="1233355" cy="348462"/>
+          </a:xfrm>
+        </p:spPr>
         <p:txBody>
           <a:bodyPr/>
           <a:lstStyle/>
           <a:p>
             <a:fld id="{C909DD4E-88AE-4B9E-AC59-18F6C8A2744D}" type="datetimeFigureOut">
               <a:rPr lang="fr-FR" smtClean="0"/>
-              <a:t>28/05/2018</a:t>
+              <a:t>30/05/2018</a:t>
             </a:fld>
             <a:endParaRPr lang="fr-FR"/>
           </a:p>
@@ -2425,13 +5132,7 @@
       </p:sp>
       <p:sp>
         <p:nvSpPr>
-          <p:cNvPr id="6" name="Footer Placeholder 5">
-            <a:extLst>
-              <a:ext uri="{FF2B5EF4-FFF2-40B4-BE49-F238E27FC236}">
-                <a16:creationId xmlns:a16="http://schemas.microsoft.com/office/drawing/2014/main" id="{2E966B43-8AF0-47E5-AD48-6B4C90FCBB99}"/>
-              </a:ext>
-            </a:extLst>
-          </p:cNvPr>
+          <p:cNvPr id="6" name="Footer Placeholder 5"/>
           <p:cNvSpPr>
             <a:spLocks noGrp="1"/>
           </p:cNvSpPr>
@@ -2439,7 +5140,12 @@
             <p:ph type="ftr" sz="quarter" idx="11"/>
           </p:nvPr>
         </p:nvSpPr>
-        <p:spPr/>
+        <p:spPr>
+          <a:xfrm>
+            <a:off x="2103620" y="6375679"/>
+            <a:ext cx="3482179" cy="345796"/>
+          </a:xfrm>
+        </p:spPr>
         <p:txBody>
           <a:bodyPr/>
           <a:lstStyle/>
@@ -2450,13 +5156,7 @@
       </p:sp>
       <p:sp>
         <p:nvSpPr>
-          <p:cNvPr id="7" name="Slide Number Placeholder 6">
-            <a:extLst>
-              <a:ext uri="{FF2B5EF4-FFF2-40B4-BE49-F238E27FC236}">
-                <a16:creationId xmlns:a16="http://schemas.microsoft.com/office/drawing/2014/main" id="{77E60C28-6058-4B34-A0C4-2500C2791440}"/>
-              </a:ext>
-            </a:extLst>
-          </p:cNvPr>
+          <p:cNvPr id="7" name="Slide Number Placeholder 6"/>
           <p:cNvSpPr>
             <a:spLocks noGrp="1"/>
           </p:cNvSpPr>
@@ -2464,35 +5164,89 @@
             <p:ph type="sldNum" sz="quarter" idx="12"/>
           </p:nvPr>
         </p:nvSpPr>
-        <p:spPr/>
+        <p:spPr>
+          <a:xfrm>
+            <a:off x="5691014" y="6375679"/>
+            <a:ext cx="1232456" cy="345796"/>
+          </a:xfrm>
+        </p:spPr>
         <p:txBody>
           <a:bodyPr/>
           <a:lstStyle/>
           <a:p>
             <a:fld id="{B680550B-5DE9-41D6-ACEF-8E7B33225DBA}" type="slidenum">
               <a:rPr lang="fr-FR" smtClean="0"/>
-              <a:t>‹#›</a:t>
+              <a:t>‹N°›</a:t>
             </a:fld>
             <a:endParaRPr lang="fr-FR"/>
           </a:p>
         </p:txBody>
+      </p:sp>
+      <p:sp>
+        <p:nvSpPr>
+          <p:cNvPr id="8" name="Rectangle 7" title="left edge border"/>
+          <p:cNvSpPr/>
+          <p:nvPr/>
+        </p:nvSpPr>
+        <p:spPr>
+          <a:xfrm>
+            <a:off x="0" y="0"/>
+            <a:ext cx="283464" cy="6858000"/>
+          </a:xfrm>
+          <a:prstGeom prst="rect">
+            <a:avLst/>
+          </a:prstGeom>
+          <a:solidFill>
+            <a:schemeClr val="accent1"/>
+          </a:solidFill>
+          <a:ln>
+            <a:noFill/>
+          </a:ln>
+        </p:spPr>
+        <p:style>
+          <a:lnRef idx="2">
+            <a:schemeClr val="accent1">
+              <a:shade val="50000"/>
+            </a:schemeClr>
+          </a:lnRef>
+          <a:fillRef idx="1">
+            <a:schemeClr val="accent1"/>
+          </a:fillRef>
+          <a:effectRef idx="0">
+            <a:schemeClr val="accent1"/>
+          </a:effectRef>
+          <a:fontRef idx="minor">
+            <a:schemeClr val="lt1"/>
+          </a:fontRef>
+        </p:style>
       </p:sp>
     </p:spTree>
     <p:extLst>
       <p:ext uri="{BB962C8B-B14F-4D97-AF65-F5344CB8AC3E}">
-        <p14:creationId xmlns:p14="http://schemas.microsoft.com/office/powerpoint/2010/main" val="3731790450"/>
+        <p14:creationId xmlns:p14="http://schemas.microsoft.com/office/powerpoint/2010/main" val="4010254238"/>
       </p:ext>
     </p:extLst>
   </p:cSld>
   <p:clrMapOvr>
     <a:masterClrMapping/>
   </p:clrMapOvr>
+  <p:extLst mod="1">
+    <p:ext uri="{DCECCB84-F9BA-43D5-87BE-67443E8EF086}">
+      <p15:sldGuideLst xmlns:p15="http://schemas.microsoft.com/office/powerpoint/2012/main">
+        <p15:guide id="4294967295" orient="horz" pos="696">
+          <p15:clr>
+            <a:srgbClr val="FBAE40"/>
+          </p15:clr>
+        </p15:guide>
+      </p15:sldGuideLst>
+    </p:ext>
+  </p:extLst>
 </p:sldLayout>
 </file>
 
 <file path=ppt/slideLayouts/slideLayout9.xml><?xml version="1.0" encoding="utf-8"?>
-<p:sldLayout xmlns:a="http://schemas.openxmlformats.org/drawingml/2006/main" xmlns:r="http://schemas.openxmlformats.org/officeDocument/2006/relationships" xmlns:p="http://schemas.openxmlformats.org/presentationml/2006/main" type="picTx" preserve="1">
-  <p:cSld name="Picture with Caption">
+<p:sldLayout xmlns:a="http://schemas.openxmlformats.org/drawingml/2006/main" xmlns:r="http://schemas.openxmlformats.org/officeDocument/2006/relationships" xmlns:p="http://schemas.openxmlformats.org/presentationml/2006/main" showMasterSp="0" type="picTx" preserve="1">
+  <p:cSld name="Image avec légende">
     <p:spTree>
       <p:nvGrpSpPr>
         <p:cNvPr id="1" name=""/>
@@ -2509,66 +5263,22 @@
       </p:grpSpPr>
       <p:sp>
         <p:nvSpPr>
-          <p:cNvPr id="2" name="Title 1">
-            <a:extLst>
-              <a:ext uri="{FF2B5EF4-FFF2-40B4-BE49-F238E27FC236}">
-                <a16:creationId xmlns:a16="http://schemas.microsoft.com/office/drawing/2014/main" id="{791BBFB0-C402-48AF-9693-B8EA9574B93B}"/>
-              </a:ext>
-            </a:extLst>
-          </p:cNvPr>
-          <p:cNvSpPr>
-            <a:spLocks noGrp="1"/>
-          </p:cNvSpPr>
-          <p:nvPr>
-            <p:ph type="title"/>
+          <p:cNvPr id="3" name="Picture Placeholder 2"/>
+          <p:cNvSpPr>
+            <a:spLocks noGrp="1" noChangeAspect="1"/>
+          </p:cNvSpPr>
+          <p:nvPr>
+            <p:ph type="pic" idx="1"/>
           </p:nvPr>
         </p:nvSpPr>
         <p:spPr>
           <a:xfrm>
-            <a:off x="839788" y="457200"/>
-            <a:ext cx="3932237" cy="1600200"/>
+            <a:off x="283464" y="0"/>
+            <a:ext cx="7355585" cy="6857999"/>
           </a:xfrm>
         </p:spPr>
         <p:txBody>
-          <a:bodyPr anchor="b"/>
-          <a:lstStyle>
-            <a:lvl1pPr>
-              <a:defRPr sz="3200"/>
-            </a:lvl1pPr>
-          </a:lstStyle>
-          <a:p>
-            <a:r>
-              <a:rPr lang="en-US"/>
-              <a:t>Click to edit Master title style</a:t>
-            </a:r>
-            <a:endParaRPr lang="fr-FR"/>
-          </a:p>
-        </p:txBody>
-      </p:sp>
-      <p:sp>
-        <p:nvSpPr>
-          <p:cNvPr id="3" name="Picture Placeholder 2">
-            <a:extLst>
-              <a:ext uri="{FF2B5EF4-FFF2-40B4-BE49-F238E27FC236}">
-                <a16:creationId xmlns:a16="http://schemas.microsoft.com/office/drawing/2014/main" id="{44A2C9F7-C049-44CA-830D-48183EB3AF1B}"/>
-              </a:ext>
-            </a:extLst>
-          </p:cNvPr>
-          <p:cNvSpPr>
-            <a:spLocks noGrp="1"/>
-          </p:cNvSpPr>
-          <p:nvPr>
-            <p:ph type="pic" idx="1"/>
-          </p:nvPr>
-        </p:nvSpPr>
-        <p:spPr>
-          <a:xfrm>
-            <a:off x="5183188" y="987425"/>
-            <a:ext cx="6172200" cy="4873625"/>
-          </a:xfrm>
-        </p:spPr>
-        <p:txBody>
-          <a:bodyPr/>
+          <a:bodyPr anchor="t"/>
           <a:lstStyle>
             <a:lvl1pPr marL="0" indent="0">
               <a:buNone/>
@@ -2608,38 +5318,587 @@
             </a:lvl9pPr>
           </a:lstStyle>
           <a:p>
-            <a:endParaRPr lang="fr-FR"/>
-          </a:p>
-        </p:txBody>
-      </p:sp>
-      <p:sp>
-        <p:nvSpPr>
-          <p:cNvPr id="4" name="Text Placeholder 3">
-            <a:extLst>
-              <a:ext uri="{FF2B5EF4-FFF2-40B4-BE49-F238E27FC236}">
-                <a16:creationId xmlns:a16="http://schemas.microsoft.com/office/drawing/2014/main" id="{4694BF63-1F63-41AD-B526-B146E3F5AAEF}"/>
-              </a:ext>
-            </a:extLst>
-          </p:cNvPr>
-          <p:cNvSpPr>
-            <a:spLocks noGrp="1"/>
-          </p:cNvSpPr>
-          <p:nvPr>
-            <p:ph type="body" sz="half" idx="2"/>
-          </p:nvPr>
+            <a:r>
+              <a:rPr lang="fr-FR" smtClean="0"/>
+              <a:t>Cliquez sur l'icône pour ajouter une image</a:t>
+            </a:r>
+            <a:endParaRPr lang="en-US" dirty="0"/>
+          </a:p>
+        </p:txBody>
+      </p:sp>
+      <p:sp>
+        <p:nvSpPr>
+          <p:cNvPr id="11" name="Freeform 11" title="right scallop background shape"/>
+          <p:cNvSpPr/>
+          <p:nvPr/>
+        </p:nvSpPr>
+        <p:spPr bwMode="auto">
+          <a:xfrm>
+            <a:off x="7389812" y="0"/>
+            <a:ext cx="4802188" cy="6858000"/>
+          </a:xfrm>
+          <a:custGeom>
+            <a:avLst/>
+            <a:gdLst/>
+            <a:ahLst/>
+            <a:cxnLst/>
+            <a:rect l="0" t="0" r="r" b="b"/>
+            <a:pathLst>
+              <a:path w="3025" h="4320">
+                <a:moveTo>
+                  <a:pt x="0" y="0"/>
+                </a:moveTo>
+                <a:lnTo>
+                  <a:pt x="3025" y="0"/>
+                </a:lnTo>
+                <a:lnTo>
+                  <a:pt x="3025" y="4320"/>
+                </a:lnTo>
+                <a:lnTo>
+                  <a:pt x="0" y="4320"/>
+                </a:lnTo>
+                <a:lnTo>
+                  <a:pt x="3" y="4278"/>
+                </a:lnTo>
+                <a:lnTo>
+                  <a:pt x="8" y="4243"/>
+                </a:lnTo>
+                <a:lnTo>
+                  <a:pt x="14" y="4210"/>
+                </a:lnTo>
+                <a:lnTo>
+                  <a:pt x="24" y="4183"/>
+                </a:lnTo>
+                <a:lnTo>
+                  <a:pt x="34" y="4156"/>
+                </a:lnTo>
+                <a:lnTo>
+                  <a:pt x="46" y="4133"/>
+                </a:lnTo>
+                <a:lnTo>
+                  <a:pt x="58" y="4109"/>
+                </a:lnTo>
+                <a:lnTo>
+                  <a:pt x="69" y="4087"/>
+                </a:lnTo>
+                <a:lnTo>
+                  <a:pt x="80" y="4062"/>
+                </a:lnTo>
+                <a:lnTo>
+                  <a:pt x="90" y="4036"/>
+                </a:lnTo>
+                <a:lnTo>
+                  <a:pt x="99" y="4007"/>
+                </a:lnTo>
+                <a:lnTo>
+                  <a:pt x="106" y="3976"/>
+                </a:lnTo>
+                <a:lnTo>
+                  <a:pt x="111" y="3938"/>
+                </a:lnTo>
+                <a:lnTo>
+                  <a:pt x="113" y="3895"/>
+                </a:lnTo>
+                <a:lnTo>
+                  <a:pt x="111" y="3851"/>
+                </a:lnTo>
+                <a:lnTo>
+                  <a:pt x="106" y="3815"/>
+                </a:lnTo>
+                <a:lnTo>
+                  <a:pt x="99" y="3782"/>
+                </a:lnTo>
+                <a:lnTo>
+                  <a:pt x="90" y="3752"/>
+                </a:lnTo>
+                <a:lnTo>
+                  <a:pt x="80" y="3726"/>
+                </a:lnTo>
+                <a:lnTo>
+                  <a:pt x="68" y="3702"/>
+                </a:lnTo>
+                <a:lnTo>
+                  <a:pt x="56" y="3679"/>
+                </a:lnTo>
+                <a:lnTo>
+                  <a:pt x="44" y="3655"/>
+                </a:lnTo>
+                <a:lnTo>
+                  <a:pt x="33" y="3630"/>
+                </a:lnTo>
+                <a:lnTo>
+                  <a:pt x="22" y="3604"/>
+                </a:lnTo>
+                <a:lnTo>
+                  <a:pt x="13" y="3575"/>
+                </a:lnTo>
+                <a:lnTo>
+                  <a:pt x="7" y="3542"/>
+                </a:lnTo>
+                <a:lnTo>
+                  <a:pt x="1" y="3504"/>
+                </a:lnTo>
+                <a:lnTo>
+                  <a:pt x="0" y="3461"/>
+                </a:lnTo>
+                <a:lnTo>
+                  <a:pt x="1" y="3418"/>
+                </a:lnTo>
+                <a:lnTo>
+                  <a:pt x="7" y="3380"/>
+                </a:lnTo>
+                <a:lnTo>
+                  <a:pt x="13" y="3347"/>
+                </a:lnTo>
+                <a:lnTo>
+                  <a:pt x="22" y="3319"/>
+                </a:lnTo>
+                <a:lnTo>
+                  <a:pt x="33" y="3292"/>
+                </a:lnTo>
+                <a:lnTo>
+                  <a:pt x="44" y="3267"/>
+                </a:lnTo>
+                <a:lnTo>
+                  <a:pt x="56" y="3244"/>
+                </a:lnTo>
+                <a:lnTo>
+                  <a:pt x="68" y="3222"/>
+                </a:lnTo>
+                <a:lnTo>
+                  <a:pt x="80" y="3197"/>
+                </a:lnTo>
+                <a:lnTo>
+                  <a:pt x="90" y="3171"/>
+                </a:lnTo>
+                <a:lnTo>
+                  <a:pt x="99" y="3142"/>
+                </a:lnTo>
+                <a:lnTo>
+                  <a:pt x="106" y="3109"/>
+                </a:lnTo>
+                <a:lnTo>
+                  <a:pt x="111" y="3071"/>
+                </a:lnTo>
+                <a:lnTo>
+                  <a:pt x="113" y="3028"/>
+                </a:lnTo>
+                <a:lnTo>
+                  <a:pt x="111" y="2985"/>
+                </a:lnTo>
+                <a:lnTo>
+                  <a:pt x="106" y="2947"/>
+                </a:lnTo>
+                <a:lnTo>
+                  <a:pt x="99" y="2914"/>
+                </a:lnTo>
+                <a:lnTo>
+                  <a:pt x="90" y="2885"/>
+                </a:lnTo>
+                <a:lnTo>
+                  <a:pt x="80" y="2858"/>
+                </a:lnTo>
+                <a:lnTo>
+                  <a:pt x="68" y="2834"/>
+                </a:lnTo>
+                <a:lnTo>
+                  <a:pt x="44" y="2787"/>
+                </a:lnTo>
+                <a:lnTo>
+                  <a:pt x="33" y="2763"/>
+                </a:lnTo>
+                <a:lnTo>
+                  <a:pt x="22" y="2736"/>
+                </a:lnTo>
+                <a:lnTo>
+                  <a:pt x="13" y="2707"/>
+                </a:lnTo>
+                <a:lnTo>
+                  <a:pt x="7" y="2674"/>
+                </a:lnTo>
+                <a:lnTo>
+                  <a:pt x="1" y="2637"/>
+                </a:lnTo>
+                <a:lnTo>
+                  <a:pt x="0" y="2593"/>
+                </a:lnTo>
+                <a:lnTo>
+                  <a:pt x="1" y="2550"/>
+                </a:lnTo>
+                <a:lnTo>
+                  <a:pt x="7" y="2512"/>
+                </a:lnTo>
+                <a:lnTo>
+                  <a:pt x="13" y="2479"/>
+                </a:lnTo>
+                <a:lnTo>
+                  <a:pt x="22" y="2451"/>
+                </a:lnTo>
+                <a:lnTo>
+                  <a:pt x="33" y="2424"/>
+                </a:lnTo>
+                <a:lnTo>
+                  <a:pt x="44" y="2401"/>
+                </a:lnTo>
+                <a:lnTo>
+                  <a:pt x="68" y="2354"/>
+                </a:lnTo>
+                <a:lnTo>
+                  <a:pt x="80" y="2329"/>
+                </a:lnTo>
+                <a:lnTo>
+                  <a:pt x="90" y="2303"/>
+                </a:lnTo>
+                <a:lnTo>
+                  <a:pt x="99" y="2274"/>
+                </a:lnTo>
+                <a:lnTo>
+                  <a:pt x="106" y="2241"/>
+                </a:lnTo>
+                <a:lnTo>
+                  <a:pt x="111" y="2203"/>
+                </a:lnTo>
+                <a:lnTo>
+                  <a:pt x="113" y="2159"/>
+                </a:lnTo>
+                <a:lnTo>
+                  <a:pt x="111" y="2117"/>
+                </a:lnTo>
+                <a:lnTo>
+                  <a:pt x="106" y="2079"/>
+                </a:lnTo>
+                <a:lnTo>
+                  <a:pt x="99" y="2046"/>
+                </a:lnTo>
+                <a:lnTo>
+                  <a:pt x="90" y="2017"/>
+                </a:lnTo>
+                <a:lnTo>
+                  <a:pt x="80" y="1991"/>
+                </a:lnTo>
+                <a:lnTo>
+                  <a:pt x="68" y="1966"/>
+                </a:lnTo>
+                <a:lnTo>
+                  <a:pt x="56" y="1943"/>
+                </a:lnTo>
+                <a:lnTo>
+                  <a:pt x="44" y="1919"/>
+                </a:lnTo>
+                <a:lnTo>
+                  <a:pt x="33" y="1896"/>
+                </a:lnTo>
+                <a:lnTo>
+                  <a:pt x="22" y="1869"/>
+                </a:lnTo>
+                <a:lnTo>
+                  <a:pt x="13" y="1841"/>
+                </a:lnTo>
+                <a:lnTo>
+                  <a:pt x="7" y="1807"/>
+                </a:lnTo>
+                <a:lnTo>
+                  <a:pt x="1" y="1770"/>
+                </a:lnTo>
+                <a:lnTo>
+                  <a:pt x="0" y="1727"/>
+                </a:lnTo>
+                <a:lnTo>
+                  <a:pt x="1" y="1683"/>
+                </a:lnTo>
+                <a:lnTo>
+                  <a:pt x="7" y="1646"/>
+                </a:lnTo>
+                <a:lnTo>
+                  <a:pt x="13" y="1613"/>
+                </a:lnTo>
+                <a:lnTo>
+                  <a:pt x="22" y="1583"/>
+                </a:lnTo>
+                <a:lnTo>
+                  <a:pt x="33" y="1557"/>
+                </a:lnTo>
+                <a:lnTo>
+                  <a:pt x="44" y="1533"/>
+                </a:lnTo>
+                <a:lnTo>
+                  <a:pt x="56" y="1509"/>
+                </a:lnTo>
+                <a:lnTo>
+                  <a:pt x="68" y="1486"/>
+                </a:lnTo>
+                <a:lnTo>
+                  <a:pt x="80" y="1461"/>
+                </a:lnTo>
+                <a:lnTo>
+                  <a:pt x="90" y="1435"/>
+                </a:lnTo>
+                <a:lnTo>
+                  <a:pt x="99" y="1406"/>
+                </a:lnTo>
+                <a:lnTo>
+                  <a:pt x="106" y="1373"/>
+                </a:lnTo>
+                <a:lnTo>
+                  <a:pt x="111" y="1335"/>
+                </a:lnTo>
+                <a:lnTo>
+                  <a:pt x="113" y="1292"/>
+                </a:lnTo>
+                <a:lnTo>
+                  <a:pt x="111" y="1249"/>
+                </a:lnTo>
+                <a:lnTo>
+                  <a:pt x="106" y="1211"/>
+                </a:lnTo>
+                <a:lnTo>
+                  <a:pt x="99" y="1178"/>
+                </a:lnTo>
+                <a:lnTo>
+                  <a:pt x="90" y="1149"/>
+                </a:lnTo>
+                <a:lnTo>
+                  <a:pt x="80" y="1123"/>
+                </a:lnTo>
+                <a:lnTo>
+                  <a:pt x="68" y="1098"/>
+                </a:lnTo>
+                <a:lnTo>
+                  <a:pt x="56" y="1076"/>
+                </a:lnTo>
+                <a:lnTo>
+                  <a:pt x="44" y="1053"/>
+                </a:lnTo>
+                <a:lnTo>
+                  <a:pt x="33" y="1028"/>
+                </a:lnTo>
+                <a:lnTo>
+                  <a:pt x="22" y="1001"/>
+                </a:lnTo>
+                <a:lnTo>
+                  <a:pt x="13" y="973"/>
+                </a:lnTo>
+                <a:lnTo>
+                  <a:pt x="7" y="940"/>
+                </a:lnTo>
+                <a:lnTo>
+                  <a:pt x="1" y="902"/>
+                </a:lnTo>
+                <a:lnTo>
+                  <a:pt x="0" y="859"/>
+                </a:lnTo>
+                <a:lnTo>
+                  <a:pt x="1" y="816"/>
+                </a:lnTo>
+                <a:lnTo>
+                  <a:pt x="7" y="778"/>
+                </a:lnTo>
+                <a:lnTo>
+                  <a:pt x="13" y="745"/>
+                </a:lnTo>
+                <a:lnTo>
+                  <a:pt x="22" y="716"/>
+                </a:lnTo>
+                <a:lnTo>
+                  <a:pt x="33" y="690"/>
+                </a:lnTo>
+                <a:lnTo>
+                  <a:pt x="44" y="665"/>
+                </a:lnTo>
+                <a:lnTo>
+                  <a:pt x="56" y="641"/>
+                </a:lnTo>
+                <a:lnTo>
+                  <a:pt x="68" y="618"/>
+                </a:lnTo>
+                <a:lnTo>
+                  <a:pt x="80" y="594"/>
+                </a:lnTo>
+                <a:lnTo>
+                  <a:pt x="90" y="568"/>
+                </a:lnTo>
+                <a:lnTo>
+                  <a:pt x="99" y="538"/>
+                </a:lnTo>
+                <a:lnTo>
+                  <a:pt x="106" y="505"/>
+                </a:lnTo>
+                <a:lnTo>
+                  <a:pt x="111" y="469"/>
+                </a:lnTo>
+                <a:lnTo>
+                  <a:pt x="113" y="424"/>
+                </a:lnTo>
+                <a:lnTo>
+                  <a:pt x="111" y="382"/>
+                </a:lnTo>
+                <a:lnTo>
+                  <a:pt x="106" y="344"/>
+                </a:lnTo>
+                <a:lnTo>
+                  <a:pt x="99" y="313"/>
+                </a:lnTo>
+                <a:lnTo>
+                  <a:pt x="90" y="284"/>
+                </a:lnTo>
+                <a:lnTo>
+                  <a:pt x="80" y="258"/>
+                </a:lnTo>
+                <a:lnTo>
+                  <a:pt x="69" y="233"/>
+                </a:lnTo>
+                <a:lnTo>
+                  <a:pt x="58" y="211"/>
+                </a:lnTo>
+                <a:lnTo>
+                  <a:pt x="46" y="187"/>
+                </a:lnTo>
+                <a:lnTo>
+                  <a:pt x="34" y="164"/>
+                </a:lnTo>
+                <a:lnTo>
+                  <a:pt x="24" y="137"/>
+                </a:lnTo>
+                <a:lnTo>
+                  <a:pt x="14" y="110"/>
+                </a:lnTo>
+                <a:lnTo>
+                  <a:pt x="8" y="77"/>
+                </a:lnTo>
+                <a:lnTo>
+                  <a:pt x="3" y="42"/>
+                </a:lnTo>
+                <a:lnTo>
+                  <a:pt x="0" y="0"/>
+                </a:lnTo>
+                <a:close/>
+              </a:path>
+            </a:pathLst>
+          </a:custGeom>
+          <a:solidFill>
+            <a:schemeClr val="tx2"/>
+          </a:solidFill>
+          <a:ln w="0">
+            <a:noFill/>
+            <a:prstDash val="solid"/>
+            <a:round/>
+            <a:headEnd/>
+            <a:tailEnd/>
+          </a:ln>
+        </p:spPr>
+      </p:sp>
+      <p:sp>
+        <p:nvSpPr>
+          <p:cNvPr id="12" name="Rectangle 11" title="left edge border"/>
+          <p:cNvSpPr/>
+          <p:nvPr/>
         </p:nvSpPr>
         <p:spPr>
           <a:xfrm>
-            <a:off x="839788" y="2057400"/>
-            <a:ext cx="3932237" cy="3811588"/>
+            <a:off x="0" y="0"/>
+            <a:ext cx="283464" cy="6858000"/>
+          </a:xfrm>
+          <a:prstGeom prst="rect">
+            <a:avLst/>
+          </a:prstGeom>
+          <a:solidFill>
+            <a:schemeClr val="accent1"/>
+          </a:solidFill>
+          <a:ln>
+            <a:noFill/>
+          </a:ln>
+        </p:spPr>
+        <p:style>
+          <a:lnRef idx="2">
+            <a:schemeClr val="accent1">
+              <a:shade val="50000"/>
+            </a:schemeClr>
+          </a:lnRef>
+          <a:fillRef idx="1">
+            <a:schemeClr val="accent1"/>
+          </a:fillRef>
+          <a:effectRef idx="0">
+            <a:schemeClr val="accent1"/>
+          </a:effectRef>
+          <a:fontRef idx="minor">
+            <a:schemeClr val="lt1"/>
+          </a:fontRef>
+        </p:style>
+      </p:sp>
+      <p:sp>
+        <p:nvSpPr>
+          <p:cNvPr id="2" name="Title 1"/>
+          <p:cNvSpPr>
+            <a:spLocks noGrp="1"/>
+          </p:cNvSpPr>
+          <p:nvPr>
+            <p:ph type="title"/>
+          </p:nvPr>
+        </p:nvSpPr>
+        <p:spPr>
+          <a:xfrm>
+            <a:off x="8337883" y="457200"/>
+            <a:ext cx="3092117" cy="1196670"/>
+          </a:xfrm>
+        </p:spPr>
+        <p:txBody>
+          <a:bodyPr anchor="b">
+            <a:normAutofit/>
+          </a:bodyPr>
+          <a:lstStyle>
+            <a:lvl1pPr>
+              <a:lnSpc>
+                <a:spcPct val="100000"/>
+              </a:lnSpc>
+              <a:defRPr sz="1900" b="1" i="0" spc="300" baseline="0">
+                <a:solidFill>
+                  <a:schemeClr val="accent1"/>
+                </a:solidFill>
+                <a:latin typeface="+mn-lt"/>
+              </a:defRPr>
+            </a:lvl1pPr>
+          </a:lstStyle>
+          <a:p>
+            <a:r>
+              <a:rPr lang="fr-FR" smtClean="0"/>
+              <a:t>Modifiez le style du titre</a:t>
+            </a:r>
+            <a:endParaRPr lang="en-US" dirty="0"/>
+          </a:p>
+        </p:txBody>
+      </p:sp>
+      <p:sp>
+        <p:nvSpPr>
+          <p:cNvPr id="4" name="Text Placeholder 3"/>
+          <p:cNvSpPr>
+            <a:spLocks noGrp="1"/>
+          </p:cNvSpPr>
+          <p:nvPr>
+            <p:ph type="body" sz="half" idx="2"/>
+          </p:nvPr>
+        </p:nvSpPr>
+        <p:spPr>
+          <a:xfrm>
+            <a:off x="8337883" y="1741336"/>
+            <a:ext cx="3092117" cy="4164164"/>
           </a:xfrm>
         </p:spPr>
         <p:txBody>
           <a:bodyPr/>
           <a:lstStyle>
             <a:lvl1pPr marL="0" indent="0">
+              <a:lnSpc>
+                <a:spcPct val="120000"/>
+              </a:lnSpc>
+              <a:spcBef>
+                <a:spcPts val="1200"/>
+              </a:spcBef>
               <a:buNone/>
-              <a:defRPr sz="1600"/>
+              <a:defRPr sz="1600" baseline="0">
+                <a:solidFill>
+                  <a:schemeClr val="bg2"/>
+                </a:solidFill>
+              </a:defRPr>
             </a:lvl1pPr>
             <a:lvl2pPr marL="457200" indent="0">
               <a:buNone/>
@@ -2677,21 +5936,15 @@
           <a:p>
             <a:pPr lvl="0"/>
             <a:r>
-              <a:rPr lang="en-US"/>
-              <a:t>Edit Master text styles</a:t>
-            </a:r>
-          </a:p>
-        </p:txBody>
-      </p:sp>
-      <p:sp>
-        <p:nvSpPr>
-          <p:cNvPr id="5" name="Date Placeholder 4">
-            <a:extLst>
-              <a:ext uri="{FF2B5EF4-FFF2-40B4-BE49-F238E27FC236}">
-                <a16:creationId xmlns:a16="http://schemas.microsoft.com/office/drawing/2014/main" id="{0AF5AEDC-5029-45D7-8DC2-E760189B1D58}"/>
-              </a:ext>
-            </a:extLst>
-          </p:cNvPr>
+              <a:rPr lang="fr-FR" smtClean="0"/>
+              <a:t>Modifiez les styles du texte du masque</a:t>
+            </a:r>
+          </a:p>
+        </p:txBody>
+      </p:sp>
+      <p:sp>
+        <p:nvSpPr>
+          <p:cNvPr id="5" name="Date Placeholder 4"/>
           <p:cNvSpPr>
             <a:spLocks noGrp="1"/>
           </p:cNvSpPr>
@@ -2699,14 +5952,19 @@
             <p:ph type="dt" sz="half" idx="10"/>
           </p:nvPr>
         </p:nvSpPr>
-        <p:spPr/>
+        <p:spPr>
+          <a:xfrm>
+            <a:off x="765950" y="6375679"/>
+            <a:ext cx="1232456" cy="348462"/>
+          </a:xfrm>
+        </p:spPr>
         <p:txBody>
           <a:bodyPr/>
           <a:lstStyle/>
           <a:p>
             <a:fld id="{C909DD4E-88AE-4B9E-AC59-18F6C8A2744D}" type="datetimeFigureOut">
               <a:rPr lang="fr-FR" smtClean="0"/>
-              <a:t>28/05/2018</a:t>
+              <a:t>30/05/2018</a:t>
             </a:fld>
             <a:endParaRPr lang="fr-FR"/>
           </a:p>
@@ -2714,13 +5972,7 @@
       </p:sp>
       <p:sp>
         <p:nvSpPr>
-          <p:cNvPr id="6" name="Footer Placeholder 5">
-            <a:extLst>
-              <a:ext uri="{FF2B5EF4-FFF2-40B4-BE49-F238E27FC236}">
-                <a16:creationId xmlns:a16="http://schemas.microsoft.com/office/drawing/2014/main" id="{0604F28C-258C-4943-BB9D-66BA0EBCBA23}"/>
-              </a:ext>
-            </a:extLst>
-          </p:cNvPr>
+          <p:cNvPr id="6" name="Footer Placeholder 5"/>
           <p:cNvSpPr>
             <a:spLocks noGrp="1"/>
           </p:cNvSpPr>
@@ -2728,7 +5980,12 @@
             <p:ph type="ftr" sz="quarter" idx="11"/>
           </p:nvPr>
         </p:nvSpPr>
-        <p:spPr/>
+        <p:spPr>
+          <a:xfrm>
+            <a:off x="2103621" y="6375679"/>
+            <a:ext cx="3482178" cy="345796"/>
+          </a:xfrm>
+        </p:spPr>
         <p:txBody>
           <a:bodyPr/>
           <a:lstStyle/>
@@ -2739,13 +5996,7 @@
       </p:sp>
       <p:sp>
         <p:nvSpPr>
-          <p:cNvPr id="7" name="Slide Number Placeholder 6">
-            <a:extLst>
-              <a:ext uri="{FF2B5EF4-FFF2-40B4-BE49-F238E27FC236}">
-                <a16:creationId xmlns:a16="http://schemas.microsoft.com/office/drawing/2014/main" id="{EF91853E-46C2-49C8-A0CE-772896ED81D2}"/>
-              </a:ext>
-            </a:extLst>
-          </p:cNvPr>
+          <p:cNvPr id="7" name="Slide Number Placeholder 6"/>
           <p:cNvSpPr>
             <a:spLocks noGrp="1"/>
           </p:cNvSpPr>
@@ -2753,14 +6004,19 @@
             <p:ph type="sldNum" sz="quarter" idx="12"/>
           </p:nvPr>
         </p:nvSpPr>
-        <p:spPr/>
+        <p:spPr>
+          <a:xfrm>
+            <a:off x="5687568" y="6375679"/>
+            <a:ext cx="1234440" cy="345796"/>
+          </a:xfrm>
+        </p:spPr>
         <p:txBody>
           <a:bodyPr/>
           <a:lstStyle/>
           <a:p>
             <a:fld id="{B680550B-5DE9-41D6-ACEF-8E7B33225DBA}" type="slidenum">
               <a:rPr lang="fr-FR" smtClean="0"/>
-              <a:t>‹#›</a:t>
+              <a:t>‹N°›</a:t>
             </a:fld>
             <a:endParaRPr lang="fr-FR"/>
           </a:p>
@@ -2769,7 +6025,7 @@
     </p:spTree>
     <p:extLst>
       <p:ext uri="{BB962C8B-B14F-4D97-AF65-F5344CB8AC3E}">
-        <p14:creationId xmlns:p14="http://schemas.microsoft.com/office/powerpoint/2010/main" val="1256230084"/>
+        <p14:creationId xmlns:p14="http://schemas.microsoft.com/office/powerpoint/2010/main" val="4012139887"/>
       </p:ext>
     </p:extLst>
   </p:cSld>
@@ -2783,9 +6039,12 @@
 <p:sldMaster xmlns:a="http://schemas.openxmlformats.org/drawingml/2006/main" xmlns:r="http://schemas.openxmlformats.org/officeDocument/2006/relationships" xmlns:p="http://schemas.openxmlformats.org/presentationml/2006/main">
   <p:cSld>
     <p:bg>
-      <p:bgRef idx="1001">
-        <a:schemeClr val="bg1"/>
-      </p:bgRef>
+      <p:bgPr>
+        <a:solidFill>
+          <a:schemeClr val="bg2"/>
+        </a:solidFill>
+        <a:effectLst/>
+      </p:bgPr>
     </p:bg>
     <p:spTree>
       <p:nvGrpSpPr>
@@ -2803,13 +6062,7 @@
       </p:grpSpPr>
       <p:sp>
         <p:nvSpPr>
-          <p:cNvPr id="2" name="Title Placeholder 1">
-            <a:extLst>
-              <a:ext uri="{FF2B5EF4-FFF2-40B4-BE49-F238E27FC236}">
-                <a16:creationId xmlns:a16="http://schemas.microsoft.com/office/drawing/2014/main" id="{35613A80-436E-41E5-A8EB-6D845906AA81}"/>
-              </a:ext>
-            </a:extLst>
-          </p:cNvPr>
+          <p:cNvPr id="2" name="Title Placeholder 1"/>
           <p:cNvSpPr>
             <a:spLocks noGrp="1"/>
           </p:cNvSpPr>
@@ -2819,36 +6072,30 @@
         </p:nvSpPr>
         <p:spPr>
           <a:xfrm>
-            <a:off x="838200" y="365125"/>
-            <a:ext cx="10515600" cy="1325563"/>
+            <a:off x="1251678" y="382385"/>
+            <a:ext cx="10178322" cy="1492132"/>
           </a:xfrm>
           <a:prstGeom prst="rect">
             <a:avLst/>
           </a:prstGeom>
         </p:spPr>
         <p:txBody>
-          <a:bodyPr vert="horz" lIns="91440" tIns="45720" rIns="91440" bIns="45720" rtlCol="0" anchor="ctr">
+          <a:bodyPr vert="horz" lIns="91440" tIns="45720" rIns="91440" bIns="45720" rtlCol="0" anchor="t">
             <a:normAutofit/>
           </a:bodyPr>
           <a:lstStyle/>
           <a:p>
             <a:r>
-              <a:rPr lang="en-US"/>
-              <a:t>Click to edit Master title style</a:t>
-            </a:r>
-            <a:endParaRPr lang="fr-FR"/>
-          </a:p>
-        </p:txBody>
-      </p:sp>
-      <p:sp>
-        <p:nvSpPr>
-          <p:cNvPr id="3" name="Text Placeholder 2">
-            <a:extLst>
-              <a:ext uri="{FF2B5EF4-FFF2-40B4-BE49-F238E27FC236}">
-                <a16:creationId xmlns:a16="http://schemas.microsoft.com/office/drawing/2014/main" id="{0E799B19-FEE0-4538-8774-3DFB8A6A20FF}"/>
-              </a:ext>
-            </a:extLst>
-          </p:cNvPr>
+              <a:rPr lang="fr-FR" smtClean="0"/>
+              <a:t>Modifiez le style du titre</a:t>
+            </a:r>
+            <a:endParaRPr lang="en-US" dirty="0"/>
+          </a:p>
+        </p:txBody>
+      </p:sp>
+      <p:sp>
+        <p:nvSpPr>
+          <p:cNvPr id="3" name="Text Placeholder 2"/>
           <p:cNvSpPr>
             <a:spLocks noGrp="1"/>
           </p:cNvSpPr>
@@ -2858,8 +6105,8 @@
         </p:nvSpPr>
         <p:spPr>
           <a:xfrm>
-            <a:off x="838200" y="1825625"/>
-            <a:ext cx="10515600" cy="4351338"/>
+            <a:off x="1251678" y="2286001"/>
+            <a:ext cx="10178322" cy="3593591"/>
           </a:xfrm>
           <a:prstGeom prst="rect">
             <a:avLst/>
@@ -2873,50 +6120,44 @@
           <a:p>
             <a:pPr lvl="0"/>
             <a:r>
-              <a:rPr lang="en-US"/>
-              <a:t>Edit Master text styles</a:t>
+              <a:rPr lang="fr-FR" smtClean="0"/>
+              <a:t>Modifiez les styles du texte du masque</a:t>
             </a:r>
           </a:p>
           <a:p>
             <a:pPr lvl="1"/>
             <a:r>
-              <a:rPr lang="en-US"/>
-              <a:t>Second level</a:t>
+              <a:rPr lang="fr-FR" smtClean="0"/>
+              <a:t>Deuxième niveau</a:t>
             </a:r>
           </a:p>
           <a:p>
             <a:pPr lvl="2"/>
             <a:r>
-              <a:rPr lang="en-US"/>
-              <a:t>Third level</a:t>
+              <a:rPr lang="fr-FR" smtClean="0"/>
+              <a:t>Troisième niveau</a:t>
             </a:r>
           </a:p>
           <a:p>
             <a:pPr lvl="3"/>
             <a:r>
-              <a:rPr lang="en-US"/>
-              <a:t>Fourth level</a:t>
+              <a:rPr lang="fr-FR" smtClean="0"/>
+              <a:t>Quatrième niveau</a:t>
             </a:r>
           </a:p>
           <a:p>
             <a:pPr lvl="4"/>
             <a:r>
-              <a:rPr lang="en-US"/>
-              <a:t>Fifth level</a:t>
-            </a:r>
-            <a:endParaRPr lang="fr-FR"/>
-          </a:p>
-        </p:txBody>
-      </p:sp>
-      <p:sp>
-        <p:nvSpPr>
-          <p:cNvPr id="4" name="Date Placeholder 3">
-            <a:extLst>
-              <a:ext uri="{FF2B5EF4-FFF2-40B4-BE49-F238E27FC236}">
-                <a16:creationId xmlns:a16="http://schemas.microsoft.com/office/drawing/2014/main" id="{A6288A3B-E312-46A0-9465-BFB3F8633D1F}"/>
-              </a:ext>
-            </a:extLst>
-          </p:cNvPr>
+              <a:rPr lang="fr-FR" smtClean="0"/>
+              <a:t>Cinquième niveau</a:t>
+            </a:r>
+            <a:endParaRPr lang="en-US" dirty="0"/>
+          </a:p>
+        </p:txBody>
+      </p:sp>
+      <p:sp>
+        <p:nvSpPr>
+          <p:cNvPr id="4" name="Date Placeholder 3"/>
           <p:cNvSpPr>
             <a:spLocks noGrp="1"/>
           </p:cNvSpPr>
@@ -2926,8 +6167,8 @@
         </p:nvSpPr>
         <p:spPr>
           <a:xfrm>
-            <a:off x="838200" y="6356350"/>
-            <a:ext cx="2743200" cy="365125"/>
+            <a:off x="1251678" y="6375679"/>
+            <a:ext cx="2329722" cy="348462"/>
           </a:xfrm>
           <a:prstGeom prst="rect">
             <a:avLst/>
@@ -2940,7 +6181,8 @@
               <a:defRPr sz="1200">
                 <a:solidFill>
                   <a:schemeClr val="tx1">
-                    <a:tint val="75000"/>
+                    <a:lumMod val="65000"/>
+                    <a:lumOff val="35000"/>
                   </a:schemeClr>
                 </a:solidFill>
               </a:defRPr>
@@ -2949,7 +6191,7 @@
           <a:p>
             <a:fld id="{C909DD4E-88AE-4B9E-AC59-18F6C8A2744D}" type="datetimeFigureOut">
               <a:rPr lang="fr-FR" smtClean="0"/>
-              <a:t>28/05/2018</a:t>
+              <a:t>30/05/2018</a:t>
             </a:fld>
             <a:endParaRPr lang="fr-FR"/>
           </a:p>
@@ -2957,13 +6199,7 @@
       </p:sp>
       <p:sp>
         <p:nvSpPr>
-          <p:cNvPr id="5" name="Footer Placeholder 4">
-            <a:extLst>
-              <a:ext uri="{FF2B5EF4-FFF2-40B4-BE49-F238E27FC236}">
-                <a16:creationId xmlns:a16="http://schemas.microsoft.com/office/drawing/2014/main" id="{0D40E8C7-060B-4FB8-8083-531C228ED64C}"/>
-              </a:ext>
-            </a:extLst>
-          </p:cNvPr>
+          <p:cNvPr id="5" name="Footer Placeholder 4"/>
           <p:cNvSpPr>
             <a:spLocks noGrp="1"/>
           </p:cNvSpPr>
@@ -2973,8 +6209,8 @@
         </p:nvSpPr>
         <p:spPr>
           <a:xfrm>
-            <a:off x="4038600" y="6356350"/>
-            <a:ext cx="4114800" cy="365125"/>
+            <a:off x="4038600" y="6375679"/>
+            <a:ext cx="4114800" cy="345796"/>
           </a:xfrm>
           <a:prstGeom prst="rect">
             <a:avLst/>
@@ -2987,7 +6223,8 @@
               <a:defRPr sz="1200">
                 <a:solidFill>
                   <a:schemeClr val="tx1">
-                    <a:tint val="75000"/>
+                    <a:lumMod val="65000"/>
+                    <a:lumOff val="35000"/>
                   </a:schemeClr>
                 </a:solidFill>
               </a:defRPr>
@@ -3000,13 +6237,7 @@
       </p:sp>
       <p:sp>
         <p:nvSpPr>
-          <p:cNvPr id="6" name="Slide Number Placeholder 5">
-            <a:extLst>
-              <a:ext uri="{FF2B5EF4-FFF2-40B4-BE49-F238E27FC236}">
-                <a16:creationId xmlns:a16="http://schemas.microsoft.com/office/drawing/2014/main" id="{DCFBCB82-076C-49DE-AFCC-5589C92A7297}"/>
-              </a:ext>
-            </a:extLst>
-          </p:cNvPr>
+          <p:cNvPr id="6" name="Slide Number Placeholder 5"/>
           <p:cNvSpPr>
             <a:spLocks noGrp="1"/>
           </p:cNvSpPr>
@@ -3016,8 +6247,8 @@
         </p:nvSpPr>
         <p:spPr>
           <a:xfrm>
-            <a:off x="8610600" y="6356350"/>
-            <a:ext cx="2743200" cy="365125"/>
+            <a:off x="8610601" y="6375679"/>
+            <a:ext cx="2819399" cy="345796"/>
           </a:xfrm>
           <a:prstGeom prst="rect">
             <a:avLst/>
@@ -3030,7 +6261,8 @@
               <a:defRPr sz="1200">
                 <a:solidFill>
                   <a:schemeClr val="tx1">
-                    <a:tint val="75000"/>
+                    <a:lumMod val="65000"/>
+                    <a:lumOff val="35000"/>
                   </a:schemeClr>
                 </a:solidFill>
               </a:defRPr>
@@ -3039,33 +6271,148 @@
           <a:p>
             <a:fld id="{B680550B-5DE9-41D6-ACEF-8E7B33225DBA}" type="slidenum">
               <a:rPr lang="fr-FR" smtClean="0"/>
-              <a:t>‹#›</a:t>
+              <a:t>‹N°›</a:t>
             </a:fld>
             <a:endParaRPr lang="fr-FR"/>
           </a:p>
         </p:txBody>
       </p:sp>
+      <p:sp>
+        <p:nvSpPr>
+          <p:cNvPr id="12" name="Rectangle 11" title="right edge border"/>
+          <p:cNvSpPr/>
+          <p:nvPr/>
+        </p:nvSpPr>
+        <p:spPr>
+          <a:xfrm>
+            <a:off x="11908536" y="0"/>
+            <a:ext cx="283464" cy="6858000"/>
+          </a:xfrm>
+          <a:prstGeom prst="rect">
+            <a:avLst/>
+          </a:prstGeom>
+          <a:solidFill>
+            <a:schemeClr val="accent1"/>
+          </a:solidFill>
+          <a:ln>
+            <a:noFill/>
+          </a:ln>
+        </p:spPr>
+        <p:style>
+          <a:lnRef idx="2">
+            <a:schemeClr val="accent1">
+              <a:shade val="50000"/>
+            </a:schemeClr>
+          </a:lnRef>
+          <a:fillRef idx="1">
+            <a:schemeClr val="accent1"/>
+          </a:fillRef>
+          <a:effectRef idx="0">
+            <a:schemeClr val="accent1"/>
+          </a:effectRef>
+          <a:fontRef idx="minor">
+            <a:schemeClr val="lt1"/>
+          </a:fontRef>
+        </p:style>
+      </p:sp>
+      <p:sp>
+        <p:nvSpPr>
+          <p:cNvPr id="7" name="Rectangle 6"/>
+          <p:cNvSpPr/>
+          <p:nvPr userDrawn="1"/>
+        </p:nvSpPr>
+        <p:spPr>
+          <a:xfrm>
+            <a:off x="0" y="0"/>
+            <a:ext cx="773142" cy="6858000"/>
+          </a:xfrm>
+          <a:prstGeom prst="rect">
+            <a:avLst/>
+          </a:prstGeom>
+        </p:spPr>
+        <p:style>
+          <a:lnRef idx="2">
+            <a:schemeClr val="dk1">
+              <a:shade val="50000"/>
+            </a:schemeClr>
+          </a:lnRef>
+          <a:fillRef idx="1">
+            <a:schemeClr val="dk1"/>
+          </a:fillRef>
+          <a:effectRef idx="0">
+            <a:schemeClr val="dk1"/>
+          </a:effectRef>
+          <a:fontRef idx="minor">
+            <a:schemeClr val="lt1"/>
+          </a:fontRef>
+        </p:style>
+        <p:txBody>
+          <a:bodyPr rtlCol="0" anchor="ctr"/>
+          <a:lstStyle/>
+          <a:p>
+            <a:pPr algn="ctr"/>
+            <a:endParaRPr lang="fr-FR"/>
+          </a:p>
+        </p:txBody>
+      </p:sp>
+      <p:pic>
+        <p:nvPicPr>
+          <p:cNvPr id="15" name="Image 14"/>
+          <p:cNvPicPr>
+            <a:picLocks noChangeAspect="1"/>
+          </p:cNvPicPr>
+          <p:nvPr userDrawn="1"/>
+        </p:nvPicPr>
+        <p:blipFill>
+          <a:blip r:embed="rId13" cstate="print">
+            <a:extLst>
+              <a:ext uri="{28A0092B-C50C-407E-A947-70E740481C1C}">
+                <a14:useLocalDpi xmlns:a14="http://schemas.microsoft.com/office/drawing/2010/main" val="0"/>
+              </a:ext>
+            </a:extLst>
+          </a:blip>
+          <a:stretch>
+            <a:fillRect/>
+          </a:stretch>
+        </p:blipFill>
+        <p:spPr>
+          <a:xfrm>
+            <a:off x="11399674" y="6375679"/>
+            <a:ext cx="487527" cy="487527"/>
+          </a:xfrm>
+          <a:prstGeom prst="rect">
+            <a:avLst/>
+          </a:prstGeom>
+        </p:spPr>
+      </p:pic>
     </p:spTree>
     <p:extLst>
       <p:ext uri="{BB962C8B-B14F-4D97-AF65-F5344CB8AC3E}">
-        <p14:creationId xmlns:p14="http://schemas.microsoft.com/office/powerpoint/2010/main" val="2293281510"/>
+        <p14:creationId xmlns:p14="http://schemas.microsoft.com/office/powerpoint/2010/main" val="2971044214"/>
       </p:ext>
     </p:extLst>
   </p:cSld>
   <p:clrMap bg1="lt1" tx1="dk1" bg2="lt2" tx2="dk2" accent1="accent1" accent2="accent2" accent3="accent3" accent4="accent4" accent5="accent5" accent6="accent6" hlink="hlink" folHlink="folHlink"/>
   <p:sldLayoutIdLst>
-    <p:sldLayoutId id="2147483649" r:id="rId1"/>
-    <p:sldLayoutId id="2147483650" r:id="rId2"/>
-    <p:sldLayoutId id="2147483651" r:id="rId3"/>
-    <p:sldLayoutId id="2147483652" r:id="rId4"/>
-    <p:sldLayoutId id="2147483653" r:id="rId5"/>
-    <p:sldLayoutId id="2147483654" r:id="rId6"/>
-    <p:sldLayoutId id="2147483655" r:id="rId7"/>
-    <p:sldLayoutId id="2147483656" r:id="rId8"/>
-    <p:sldLayoutId id="2147483657" r:id="rId9"/>
-    <p:sldLayoutId id="2147483658" r:id="rId10"/>
-    <p:sldLayoutId id="2147483659" r:id="rId11"/>
+    <p:sldLayoutId id="2147483762" r:id="rId1"/>
+    <p:sldLayoutId id="2147483763" r:id="rId2"/>
+    <p:sldLayoutId id="2147483764" r:id="rId3"/>
+    <p:sldLayoutId id="2147483765" r:id="rId4"/>
+    <p:sldLayoutId id="2147483766" r:id="rId5"/>
+    <p:sldLayoutId id="2147483767" r:id="rId6"/>
+    <p:sldLayoutId id="2147483768" r:id="rId7"/>
+    <p:sldLayoutId id="2147483769" r:id="rId8"/>
+    <p:sldLayoutId id="2147483770" r:id="rId9"/>
+    <p:sldLayoutId id="2147483771" r:id="rId10"/>
+    <p:sldLayoutId id="2147483772" r:id="rId11"/>
   </p:sldLayoutIdLst>
+  <p:timing>
+    <p:tnLst>
+      <p:par>
+        <p:cTn id="1" dur="indefinite" restart="never" nodeType="tmRoot"/>
+      </p:par>
+    </p:tnLst>
+  </p:timing>
   <p:txStyles>
     <p:titleStyle>
       <a:lvl1pPr algn="l" defTabSz="914400" rtl="0" eaLnBrk="1" latinLnBrk="0" hangingPunct="1">
@@ -3076,9 +6423,9 @@
           <a:spcPct val="0"/>
         </a:spcBef>
         <a:buNone/>
-        <a:defRPr sz="4400" kern="1200">
+        <a:defRPr sz="5100" kern="1200" cap="all" spc="200" baseline="0">
           <a:solidFill>
-            <a:schemeClr val="tx1"/>
+            <a:schemeClr val="tx2"/>
           </a:solidFill>
           <a:latin typeface="+mj-lt"/>
           <a:ea typeface="+mj-ea"/>
@@ -3089,16 +6436,22 @@
     <p:bodyStyle>
       <a:lvl1pPr marL="228600" indent="-228600" algn="l" defTabSz="914400" rtl="0" eaLnBrk="1" latinLnBrk="0" hangingPunct="1">
         <a:lnSpc>
-          <a:spcPct val="90000"/>
+          <a:spcPct val="110000"/>
         </a:lnSpc>
         <a:spcBef>
-          <a:spcPts val="1000"/>
+          <a:spcPts val="700"/>
         </a:spcBef>
+        <a:buClr>
+          <a:schemeClr val="tx2"/>
+        </a:buClr>
         <a:buFont typeface="Arial" panose="020B0604020202020204" pitchFamily="34" charset="0"/>
         <a:buChar char="•"/>
-        <a:defRPr sz="2800" kern="1200">
+        <a:defRPr sz="2000" kern="1200">
           <a:solidFill>
-            <a:schemeClr val="tx1"/>
+            <a:schemeClr val="tx1">
+              <a:lumMod val="65000"/>
+              <a:lumOff val="35000"/>
+            </a:schemeClr>
           </a:solidFill>
           <a:latin typeface="+mn-lt"/>
           <a:ea typeface="+mn-ea"/>
@@ -3107,16 +6460,22 @@
       </a:lvl1pPr>
       <a:lvl2pPr marL="685800" indent="-228600" algn="l" defTabSz="914400" rtl="0" eaLnBrk="1" latinLnBrk="0" hangingPunct="1">
         <a:lnSpc>
-          <a:spcPct val="90000"/>
+          <a:spcPct val="110000"/>
         </a:lnSpc>
         <a:spcBef>
-          <a:spcPts val="500"/>
+          <a:spcPts val="700"/>
         </a:spcBef>
-        <a:buFont typeface="Arial" panose="020B0604020202020204" pitchFamily="34" charset="0"/>
-        <a:buChar char="•"/>
-        <a:defRPr sz="2400" kern="1200">
+        <a:buClr>
+          <a:schemeClr val="tx2"/>
+        </a:buClr>
+        <a:buFont typeface="Gill Sans MT" panose="020B0502020104020203" pitchFamily="34" charset="0"/>
+        <a:buChar char="–"/>
+        <a:defRPr sz="1800" kern="1200">
           <a:solidFill>
-            <a:schemeClr val="tx1"/>
+            <a:schemeClr val="tx1">
+              <a:lumMod val="65000"/>
+              <a:lumOff val="35000"/>
+            </a:schemeClr>
           </a:solidFill>
           <a:latin typeface="+mn-lt"/>
           <a:ea typeface="+mn-ea"/>
@@ -3125,16 +6484,22 @@
       </a:lvl2pPr>
       <a:lvl3pPr marL="1143000" indent="-228600" algn="l" defTabSz="914400" rtl="0" eaLnBrk="1" latinLnBrk="0" hangingPunct="1">
         <a:lnSpc>
-          <a:spcPct val="90000"/>
+          <a:spcPct val="110000"/>
         </a:lnSpc>
         <a:spcBef>
-          <a:spcPts val="500"/>
+          <a:spcPts val="700"/>
         </a:spcBef>
+        <a:buClr>
+          <a:schemeClr val="tx2"/>
+        </a:buClr>
         <a:buFont typeface="Arial" panose="020B0604020202020204" pitchFamily="34" charset="0"/>
         <a:buChar char="•"/>
-        <a:defRPr sz="2000" kern="1200">
+        <a:defRPr sz="1600" kern="1200">
           <a:solidFill>
-            <a:schemeClr val="tx1"/>
+            <a:schemeClr val="tx1">
+              <a:lumMod val="65000"/>
+              <a:lumOff val="35000"/>
+            </a:schemeClr>
           </a:solidFill>
           <a:latin typeface="+mn-lt"/>
           <a:ea typeface="+mn-ea"/>
@@ -3143,16 +6508,22 @@
       </a:lvl3pPr>
       <a:lvl4pPr marL="1600200" indent="-228600" algn="l" defTabSz="914400" rtl="0" eaLnBrk="1" latinLnBrk="0" hangingPunct="1">
         <a:lnSpc>
-          <a:spcPct val="90000"/>
+          <a:spcPct val="110000"/>
         </a:lnSpc>
         <a:spcBef>
-          <a:spcPts val="500"/>
+          <a:spcPts val="700"/>
         </a:spcBef>
-        <a:buFont typeface="Arial" panose="020B0604020202020204" pitchFamily="34" charset="0"/>
-        <a:buChar char="•"/>
-        <a:defRPr sz="1800" kern="1200">
+        <a:buClr>
+          <a:schemeClr val="tx2"/>
+        </a:buClr>
+        <a:buFont typeface="Gill Sans MT" panose="020B0502020104020203" pitchFamily="34" charset="0"/>
+        <a:buChar char="–"/>
+        <a:defRPr sz="1400" kern="1200">
           <a:solidFill>
-            <a:schemeClr val="tx1"/>
+            <a:schemeClr val="tx1">
+              <a:lumMod val="65000"/>
+              <a:lumOff val="35000"/>
+            </a:schemeClr>
           </a:solidFill>
           <a:latin typeface="+mn-lt"/>
           <a:ea typeface="+mn-ea"/>
@@ -3161,16 +6532,22 @@
       </a:lvl4pPr>
       <a:lvl5pPr marL="2057400" indent="-228600" algn="l" defTabSz="914400" rtl="0" eaLnBrk="1" latinLnBrk="0" hangingPunct="1">
         <a:lnSpc>
-          <a:spcPct val="90000"/>
+          <a:spcPct val="110000"/>
         </a:lnSpc>
         <a:spcBef>
-          <a:spcPts val="500"/>
+          <a:spcPts val="700"/>
         </a:spcBef>
+        <a:buClr>
+          <a:schemeClr val="tx2"/>
+        </a:buClr>
         <a:buFont typeface="Arial" panose="020B0604020202020204" pitchFamily="34" charset="0"/>
         <a:buChar char="•"/>
-        <a:defRPr sz="1800" kern="1200">
+        <a:defRPr sz="1400" kern="1200">
           <a:solidFill>
-            <a:schemeClr val="tx1"/>
+            <a:schemeClr val="tx1">
+              <a:lumMod val="65000"/>
+              <a:lumOff val="35000"/>
+            </a:schemeClr>
           </a:solidFill>
           <a:latin typeface="+mn-lt"/>
           <a:ea typeface="+mn-ea"/>
@@ -3179,16 +6556,22 @@
       </a:lvl5pPr>
       <a:lvl6pPr marL="2514600" indent="-228600" algn="l" defTabSz="914400" rtl="0" eaLnBrk="1" latinLnBrk="0" hangingPunct="1">
         <a:lnSpc>
-          <a:spcPct val="90000"/>
+          <a:spcPct val="110000"/>
         </a:lnSpc>
         <a:spcBef>
-          <a:spcPts val="500"/>
+          <a:spcPts val="700"/>
         </a:spcBef>
-        <a:buFont typeface="Arial" panose="020B0604020202020204" pitchFamily="34" charset="0"/>
-        <a:buChar char="•"/>
-        <a:defRPr sz="1800" kern="1200">
+        <a:buClr>
+          <a:schemeClr val="tx2"/>
+        </a:buClr>
+        <a:buFont typeface="Gill Sans MT" panose="020B0502020104020203" pitchFamily="34" charset="0"/>
+        <a:buChar char="–"/>
+        <a:defRPr sz="1400" kern="1200">
           <a:solidFill>
-            <a:schemeClr val="tx1"/>
+            <a:schemeClr val="tx1">
+              <a:lumMod val="65000"/>
+              <a:lumOff val="35000"/>
+            </a:schemeClr>
           </a:solidFill>
           <a:latin typeface="+mn-lt"/>
           <a:ea typeface="+mn-ea"/>
@@ -3197,16 +6580,22 @@
       </a:lvl6pPr>
       <a:lvl7pPr marL="2971800" indent="-228600" algn="l" defTabSz="914400" rtl="0" eaLnBrk="1" latinLnBrk="0" hangingPunct="1">
         <a:lnSpc>
-          <a:spcPct val="90000"/>
+          <a:spcPct val="110000"/>
         </a:lnSpc>
         <a:spcBef>
-          <a:spcPts val="500"/>
+          <a:spcPts val="700"/>
         </a:spcBef>
+        <a:buClr>
+          <a:schemeClr val="tx2"/>
+        </a:buClr>
         <a:buFont typeface="Arial" panose="020B0604020202020204" pitchFamily="34" charset="0"/>
         <a:buChar char="•"/>
-        <a:defRPr sz="1800" kern="1200">
+        <a:defRPr sz="1400" kern="1200">
           <a:solidFill>
-            <a:schemeClr val="tx1"/>
+            <a:schemeClr val="tx1">
+              <a:lumMod val="65000"/>
+              <a:lumOff val="35000"/>
+            </a:schemeClr>
           </a:solidFill>
           <a:latin typeface="+mn-lt"/>
           <a:ea typeface="+mn-ea"/>
@@ -3215,16 +6604,22 @@
       </a:lvl7pPr>
       <a:lvl8pPr marL="3429000" indent="-228600" algn="l" defTabSz="914400" rtl="0" eaLnBrk="1" latinLnBrk="0" hangingPunct="1">
         <a:lnSpc>
-          <a:spcPct val="90000"/>
+          <a:spcPct val="110000"/>
         </a:lnSpc>
         <a:spcBef>
-          <a:spcPts val="500"/>
+          <a:spcPts val="700"/>
         </a:spcBef>
-        <a:buFont typeface="Arial" panose="020B0604020202020204" pitchFamily="34" charset="0"/>
-        <a:buChar char="•"/>
-        <a:defRPr sz="1800" kern="1200">
+        <a:buClr>
+          <a:schemeClr val="tx2"/>
+        </a:buClr>
+        <a:buFont typeface="Gill Sans MT" panose="020B0502020104020203" pitchFamily="34" charset="0"/>
+        <a:buChar char="–"/>
+        <a:defRPr sz="1400" kern="1200" baseline="0">
           <a:solidFill>
-            <a:schemeClr val="tx1"/>
+            <a:schemeClr val="tx1">
+              <a:lumMod val="65000"/>
+              <a:lumOff val="35000"/>
+            </a:schemeClr>
           </a:solidFill>
           <a:latin typeface="+mn-lt"/>
           <a:ea typeface="+mn-ea"/>
@@ -3233,16 +6628,22 @@
       </a:lvl8pPr>
       <a:lvl9pPr marL="3886200" indent="-228600" algn="l" defTabSz="914400" rtl="0" eaLnBrk="1" latinLnBrk="0" hangingPunct="1">
         <a:lnSpc>
-          <a:spcPct val="90000"/>
+          <a:spcPct val="110000"/>
         </a:lnSpc>
         <a:spcBef>
-          <a:spcPts val="500"/>
+          <a:spcPts val="700"/>
         </a:spcBef>
+        <a:buClr>
+          <a:schemeClr val="tx2"/>
+        </a:buClr>
         <a:buFont typeface="Arial" panose="020B0604020202020204" pitchFamily="34" charset="0"/>
         <a:buChar char="•"/>
-        <a:defRPr sz="1800" kern="1200">
+        <a:defRPr sz="1400" kern="1200" baseline="0">
           <a:solidFill>
-            <a:schemeClr val="tx1"/>
+            <a:schemeClr val="tx1">
+              <a:lumMod val="65000"/>
+              <a:lumOff val="35000"/>
+            </a:schemeClr>
           </a:solidFill>
           <a:latin typeface="+mn-lt"/>
           <a:ea typeface="+mn-ea"/>
@@ -3252,7 +6653,7 @@
     </p:bodyStyle>
     <p:otherStyle>
       <a:defPPr>
-        <a:defRPr lang="fr-FR"/>
+        <a:defRPr lang="en-US"/>
       </a:defPPr>
       <a:lvl1pPr marL="0" algn="l" defTabSz="914400" rtl="0" eaLnBrk="1" latinLnBrk="0" hangingPunct="1">
         <a:defRPr sz="1800" kern="1200">
@@ -3346,6 +6747,42 @@
       </a:lvl9pPr>
     </p:otherStyle>
   </p:txStyles>
+  <p:extLst mod="1">
+    <p:ext uri="{27BBF7A9-308A-43DC-89C8-2F10F3537804}">
+      <p15:sldGuideLst xmlns:p15="http://schemas.microsoft.com/office/powerpoint/2012/main">
+        <p15:guide id="4294967295" pos="792">
+          <p15:clr>
+            <a:srgbClr val="F26B43"/>
+          </p15:clr>
+        </p15:guide>
+        <p15:guide id="4294967295" pos="7200">
+          <p15:clr>
+            <a:srgbClr val="F26B43"/>
+          </p15:clr>
+        </p15:guide>
+        <p15:guide id="4294967295" orient="horz" pos="4008">
+          <p15:clr>
+            <a:srgbClr val="F26B43"/>
+          </p15:clr>
+        </p15:guide>
+        <p15:guide id="4294967295" orient="horz" pos="1440">
+          <p15:clr>
+            <a:srgbClr val="F26B43"/>
+          </p15:clr>
+        </p15:guide>
+        <p15:guide id="4294967295" orient="horz" pos="3720">
+          <p15:clr>
+            <a:srgbClr val="F26B43"/>
+          </p15:clr>
+        </p15:guide>
+        <p15:guide id="4294967295" orient="horz" pos="240">
+          <p15:clr>
+            <a:srgbClr val="F26B43"/>
+          </p15:clr>
+        </p15:guide>
+      </p15:sldGuideLst>
+    </p:ext>
+  </p:extLst>
 </p:sldMaster>
 </file>
 
@@ -3371,7 +6808,7 @@
           <p:cNvPr id="2" name="Title 1">
             <a:extLst>
               <a:ext uri="{FF2B5EF4-FFF2-40B4-BE49-F238E27FC236}">
-                <a16:creationId xmlns:a16="http://schemas.microsoft.com/office/drawing/2014/main" id="{CA2081F7-1F5A-4619-BCC4-5226FB952117}"/>
+                <a16:creationId xmlns:a16="http://schemas.microsoft.com/office/drawing/2014/main" xmlns="" id="{CA2081F7-1F5A-4619-BCC4-5226FB952117}"/>
               </a:ext>
             </a:extLst>
           </p:cNvPr>
@@ -3379,7 +6816,7 @@
             <a:spLocks noGrp="1"/>
           </p:cNvSpPr>
           <p:nvPr>
-            <p:ph type="ctrTitle"/>
+            <p:ph type="title"/>
           </p:nvPr>
         </p:nvSpPr>
         <p:spPr/>
@@ -3388,13 +6825,10 @@
           <a:lstStyle/>
           <a:p>
             <a:r>
-              <a:rPr lang="fr-FR" dirty="0" err="1"/>
-              <a:t>Serious</a:t>
-            </a:r>
-            <a:r>
-              <a:rPr lang="fr-FR" dirty="0"/>
-              <a:t> Game</a:t>
-            </a:r>
+              <a:rPr lang="fr-FR" dirty="0" smtClean="0"/>
+              <a:t>PTUT</a:t>
+            </a:r>
+            <a:endParaRPr lang="fr-FR" dirty="0"/>
           </a:p>
         </p:txBody>
       </p:sp>
@@ -3403,7 +6837,7 @@
           <p:cNvPr id="3" name="Subtitle 2">
             <a:extLst>
               <a:ext uri="{FF2B5EF4-FFF2-40B4-BE49-F238E27FC236}">
-                <a16:creationId xmlns:a16="http://schemas.microsoft.com/office/drawing/2014/main" id="{55351F4F-36DB-4947-A99A-581F55678DB1}"/>
+                <a16:creationId xmlns:a16="http://schemas.microsoft.com/office/drawing/2014/main" xmlns="" id="{55351F4F-36DB-4947-A99A-581F55678DB1}"/>
               </a:ext>
             </a:extLst>
           </p:cNvPr>
@@ -3411,15 +6845,104 @@
             <a:spLocks noGrp="1"/>
           </p:cNvSpPr>
           <p:nvPr>
-            <p:ph type="subTitle" idx="1"/>
+            <p:ph type="body" idx="1"/>
           </p:nvPr>
         </p:nvSpPr>
         <p:spPr/>
         <p:txBody>
-          <a:bodyPr/>
+          <a:bodyPr>
+            <a:normAutofit fontScale="85000" lnSpcReduction="20000"/>
+          </a:bodyPr>
           <a:lstStyle/>
           <a:p>
-            <a:endParaRPr lang="fr-FR"/>
+            <a:r>
+              <a:rPr lang="fr-FR" dirty="0" smtClean="0">
+                <a:latin typeface="Franklin Gothic Book" panose="020B0503020102020204" pitchFamily="34" charset="0"/>
+                <a:cs typeface="Arial" panose="020B0604020202020204" pitchFamily="34" charset="0"/>
+              </a:rPr>
+              <a:t>Grandjean-</a:t>
+            </a:r>
+            <a:r>
+              <a:rPr lang="fr-FR" dirty="0" err="1" smtClean="0">
+                <a:latin typeface="Franklin Gothic Book" panose="020B0503020102020204" pitchFamily="34" charset="0"/>
+                <a:cs typeface="Arial" panose="020B0604020202020204" pitchFamily="34" charset="0"/>
+              </a:rPr>
+              <a:t>maglione</a:t>
+            </a:r>
+            <a:r>
+              <a:rPr lang="fr-FR" dirty="0" smtClean="0">
+                <a:latin typeface="Franklin Gothic Book" panose="020B0503020102020204" pitchFamily="34" charset="0"/>
+                <a:cs typeface="Arial" panose="020B0604020202020204" pitchFamily="34" charset="0"/>
+              </a:rPr>
+              <a:t> tom</a:t>
+            </a:r>
+          </a:p>
+          <a:p>
+            <a:r>
+              <a:rPr lang="fr-FR" dirty="0" err="1" smtClean="0">
+                <a:latin typeface="Franklin Gothic Book" panose="020B0503020102020204" pitchFamily="34" charset="0"/>
+                <a:cs typeface="Arial" panose="020B0604020202020204" pitchFamily="34" charset="0"/>
+              </a:rPr>
+              <a:t>haist</a:t>
+            </a:r>
+            <a:r>
+              <a:rPr lang="fr-FR" dirty="0">
+                <a:latin typeface="Franklin Gothic Book" panose="020B0503020102020204" pitchFamily="34" charset="0"/>
+                <a:cs typeface="Arial" panose="020B0604020202020204" pitchFamily="34" charset="0"/>
+              </a:rPr>
+              <a:t> </a:t>
+            </a:r>
+            <a:r>
+              <a:rPr lang="fr-FR" dirty="0" err="1" smtClean="0">
+                <a:latin typeface="Franklin Gothic Book" panose="020B0503020102020204" pitchFamily="34" charset="0"/>
+                <a:cs typeface="Arial" panose="020B0604020202020204" pitchFamily="34" charset="0"/>
+              </a:rPr>
+              <a:t>loic</a:t>
+            </a:r>
+            <a:endParaRPr lang="fr-FR" dirty="0" smtClean="0">
+              <a:latin typeface="Franklin Gothic Book" panose="020B0503020102020204" pitchFamily="34" charset="0"/>
+              <a:cs typeface="Arial" panose="020B0604020202020204" pitchFamily="34" charset="0"/>
+            </a:endParaRPr>
+          </a:p>
+          <a:p>
+            <a:r>
+              <a:rPr lang="fr-FR" dirty="0" smtClean="0">
+                <a:latin typeface="Franklin Gothic Book" panose="020B0503020102020204" pitchFamily="34" charset="0"/>
+                <a:cs typeface="Arial" panose="020B0604020202020204" pitchFamily="34" charset="0"/>
+              </a:rPr>
+              <a:t>Salah </a:t>
+            </a:r>
+            <a:r>
+              <a:rPr lang="fr-FR" dirty="0" err="1">
+                <a:latin typeface="Franklin Gothic Book" panose="020B0503020102020204" pitchFamily="34" charset="0"/>
+                <a:cs typeface="Arial" panose="020B0604020202020204" pitchFamily="34" charset="0"/>
+              </a:rPr>
+              <a:t>salah</a:t>
+            </a:r>
+            <a:r>
+              <a:rPr lang="fr-FR" dirty="0">
+                <a:latin typeface="Franklin Gothic Book" panose="020B0503020102020204" pitchFamily="34" charset="0"/>
+                <a:cs typeface="Arial" panose="020B0604020202020204" pitchFamily="34" charset="0"/>
+              </a:rPr>
+              <a:t> </a:t>
+            </a:r>
+            <a:r>
+              <a:rPr lang="fr-FR" dirty="0" err="1">
+                <a:latin typeface="Franklin Gothic Book" panose="020B0503020102020204" pitchFamily="34" charset="0"/>
+                <a:cs typeface="Arial" panose="020B0604020202020204" pitchFamily="34" charset="0"/>
+              </a:rPr>
+              <a:t>anuar</a:t>
+            </a:r>
+            <a:endParaRPr lang="fr-FR" dirty="0">
+              <a:latin typeface="Franklin Gothic Book" panose="020B0503020102020204" pitchFamily="34" charset="0"/>
+              <a:cs typeface="Arial" panose="020B0604020202020204" pitchFamily="34" charset="0"/>
+            </a:endParaRPr>
+          </a:p>
+          <a:p>
+            <a:endParaRPr lang="fr-FR" dirty="0">
+              <a:latin typeface="Franklin Gothic Book" panose="020B0503020102020204" pitchFamily="34" charset="0"/>
+              <a:cs typeface="Arial" panose="020B0604020202020204" pitchFamily="34" charset="0"/>
+            </a:endParaRPr>
           </a:p>
         </p:txBody>
       </p:sp>
@@ -3433,6 +6956,13 @@
   <p:clrMapOvr>
     <a:masterClrMapping/>
   </p:clrMapOvr>
+  <p:timing>
+    <p:tnLst>
+      <p:par>
+        <p:cTn id="1" dur="indefinite" restart="never" nodeType="tmRoot"/>
+      </p:par>
+    </p:tnLst>
+  </p:timing>
 </p:sld>
 </file>
 
@@ -3458,7 +6988,7 @@
           <p:cNvPr id="2" name="Title 1">
             <a:extLst>
               <a:ext uri="{FF2B5EF4-FFF2-40B4-BE49-F238E27FC236}">
-                <a16:creationId xmlns:a16="http://schemas.microsoft.com/office/drawing/2014/main" id="{6D792507-2C8E-4E9D-81EC-AE3250860F6D}"/>
+                <a16:creationId xmlns:a16="http://schemas.microsoft.com/office/drawing/2014/main" xmlns="" id="{0B0A5E95-D16B-43B3-A317-15CA1A2BD57C}"/>
               </a:ext>
             </a:extLst>
           </p:cNvPr>
@@ -3469,38 +6999,64 @@
             <p:ph type="title"/>
           </p:nvPr>
         </p:nvSpPr>
-        <p:spPr>
-          <a:xfrm>
-            <a:off x="838200" y="2766218"/>
-            <a:ext cx="10515600" cy="1325563"/>
-          </a:xfrm>
-        </p:spPr>
+        <p:spPr/>
         <p:txBody>
           <a:bodyPr/>
           <a:lstStyle/>
           <a:p>
-            <a:pPr algn="ctr"/>
-            <a:r>
-              <a:rPr lang="fr-FR" dirty="0" err="1"/>
-              <a:t>From</a:t>
-            </a:r>
             <a:r>
               <a:rPr lang="fr-FR" dirty="0"/>
-              <a:t> Hardware</a:t>
-            </a:r>
+              <a:t>Définition du thème et validation</a:t>
+            </a:r>
+          </a:p>
+        </p:txBody>
+      </p:sp>
+      <p:sp>
+        <p:nvSpPr>
+          <p:cNvPr id="3" name="Content Placeholder 2">
+            <a:extLst>
+              <a:ext uri="{FF2B5EF4-FFF2-40B4-BE49-F238E27FC236}">
+                <a16:creationId xmlns:a16="http://schemas.microsoft.com/office/drawing/2014/main" xmlns="" id="{C35A40E6-117A-4F6B-B87B-8D4618820D93}"/>
+              </a:ext>
+            </a:extLst>
+          </p:cNvPr>
+          <p:cNvSpPr>
+            <a:spLocks noGrp="1"/>
+          </p:cNvSpPr>
+          <p:nvPr>
+            <p:ph idx="1"/>
+          </p:nvPr>
+        </p:nvSpPr>
+        <p:spPr/>
+        <p:txBody>
+          <a:bodyPr/>
+          <a:lstStyle/>
+          <a:p>
+            <a:r>
+              <a:rPr lang="fr-FR" dirty="0" smtClean="0"/>
+              <a:t>Gestion de projet</a:t>
+            </a:r>
+            <a:endParaRPr lang="fr-FR" dirty="0"/>
           </a:p>
         </p:txBody>
       </p:sp>
     </p:spTree>
     <p:extLst>
       <p:ext uri="{BB962C8B-B14F-4D97-AF65-F5344CB8AC3E}">
-        <p14:creationId xmlns:p14="http://schemas.microsoft.com/office/powerpoint/2010/main" val="3247048910"/>
+        <p14:creationId xmlns:p14="http://schemas.microsoft.com/office/powerpoint/2010/main" val="1840727255"/>
       </p:ext>
     </p:extLst>
   </p:cSld>
   <p:clrMapOvr>
     <a:masterClrMapping/>
   </p:clrMapOvr>
+  <p:timing>
+    <p:tnLst>
+      <p:par>
+        <p:cTn id="1" dur="indefinite" restart="never" nodeType="tmRoot"/>
+      </p:par>
+    </p:tnLst>
+  </p:timing>
 </p:sld>
 </file>
 
@@ -3526,7 +7082,7 @@
           <p:cNvPr id="2" name="Title 1">
             <a:extLst>
               <a:ext uri="{FF2B5EF4-FFF2-40B4-BE49-F238E27FC236}">
-                <a16:creationId xmlns:a16="http://schemas.microsoft.com/office/drawing/2014/main" id="{81768533-6623-45B0-9CFB-3DE85670D0AE}"/>
+                <a16:creationId xmlns:a16="http://schemas.microsoft.com/office/drawing/2014/main" xmlns="" id="{437A6E0B-79D7-446F-B6BB-C40DFE6043FE}"/>
               </a:ext>
             </a:extLst>
           </p:cNvPr>
@@ -3544,7 +7100,7 @@
           <a:p>
             <a:r>
               <a:rPr lang="fr-FR" dirty="0"/>
-              <a:t>Sommaire</a:t>
+              <a:t>Définition du thème et validation</a:t>
             </a:r>
           </a:p>
         </p:txBody>
@@ -3554,7 +7110,7 @@
           <p:cNvPr id="3" name="Content Placeholder 2">
             <a:extLst>
               <a:ext uri="{FF2B5EF4-FFF2-40B4-BE49-F238E27FC236}">
-                <a16:creationId xmlns:a16="http://schemas.microsoft.com/office/drawing/2014/main" id="{DE19F94A-CB45-4F6F-B21A-68FE1F2780E9}"/>
+                <a16:creationId xmlns:a16="http://schemas.microsoft.com/office/drawing/2014/main" xmlns="" id="{F89257AD-7117-4386-AEC1-FE222FC84C08}"/>
               </a:ext>
             </a:extLst>
           </p:cNvPr>
@@ -3572,25 +7128,7 @@
           <a:p>
             <a:r>
               <a:rPr lang="fr-FR" dirty="0"/>
-              <a:t>Premières idées</a:t>
-            </a:r>
-          </a:p>
-          <a:p>
-            <a:r>
-              <a:rPr lang="fr-FR" dirty="0"/>
-              <a:t>Idée Finale</a:t>
-            </a:r>
-          </a:p>
-          <a:p>
-            <a:r>
-              <a:rPr lang="fr-FR" dirty="0"/>
-              <a:t>Charte graphique</a:t>
-            </a:r>
-          </a:p>
-          <a:p>
-            <a:r>
-              <a:rPr lang="fr-FR" dirty="0"/>
-              <a:t>Vidéo</a:t>
+              <a:t>Explication du pourquoi ce thème</a:t>
             </a:r>
           </a:p>
         </p:txBody>
@@ -3598,13 +7136,20 @@
     </p:spTree>
     <p:extLst>
       <p:ext uri="{BB962C8B-B14F-4D97-AF65-F5344CB8AC3E}">
-        <p14:creationId xmlns:p14="http://schemas.microsoft.com/office/powerpoint/2010/main" val="3031868524"/>
+        <p14:creationId xmlns:p14="http://schemas.microsoft.com/office/powerpoint/2010/main" val="725705122"/>
       </p:ext>
     </p:extLst>
   </p:cSld>
   <p:clrMapOvr>
     <a:masterClrMapping/>
   </p:clrMapOvr>
+  <p:timing>
+    <p:tnLst>
+      <p:par>
+        <p:cTn id="1" dur="indefinite" restart="never" nodeType="tmRoot"/>
+      </p:par>
+    </p:tnLst>
+  </p:timing>
 </p:sld>
 </file>
 
@@ -3630,7 +7175,7 @@
           <p:cNvPr id="2" name="Title 1">
             <a:extLst>
               <a:ext uri="{FF2B5EF4-FFF2-40B4-BE49-F238E27FC236}">
-                <a16:creationId xmlns:a16="http://schemas.microsoft.com/office/drawing/2014/main" id="{CDC8EAB1-352F-4CC4-BDA6-61191780EA86}"/>
+                <a16:creationId xmlns:a16="http://schemas.microsoft.com/office/drawing/2014/main" xmlns="" id="{F283C22D-4F1C-47F6-A2DC-3B429FBB043F}"/>
               </a:ext>
             </a:extLst>
           </p:cNvPr>
@@ -3648,7 +7193,7 @@
           <a:p>
             <a:r>
               <a:rPr lang="fr-FR" dirty="0"/>
-              <a:t>Premières idées</a:t>
+              <a:t>Définition du thème et validation</a:t>
             </a:r>
           </a:p>
         </p:txBody>
@@ -3658,7 +7203,7 @@
           <p:cNvPr id="3" name="Content Placeholder 2">
             <a:extLst>
               <a:ext uri="{FF2B5EF4-FFF2-40B4-BE49-F238E27FC236}">
-                <a16:creationId xmlns:a16="http://schemas.microsoft.com/office/drawing/2014/main" id="{3B97FEB0-DB89-4B49-A34C-AB06EF9EB7F2}"/>
+                <a16:creationId xmlns:a16="http://schemas.microsoft.com/office/drawing/2014/main" xmlns="" id="{4B6C630A-25BB-47D1-B04A-2023E45C3A8E}"/>
               </a:ext>
             </a:extLst>
           </p:cNvPr>
@@ -3676,26 +7221,28 @@
           <a:p>
             <a:r>
               <a:rPr lang="fr-FR" dirty="0"/>
-              <a:t>Explications sur les premières idées + logo Good </a:t>
-            </a:r>
-            <a:r>
-              <a:rPr lang="fr-FR" dirty="0" err="1"/>
-              <a:t>enough</a:t>
-            </a:r>
-            <a:endParaRPr lang="fr-FR" dirty="0"/>
+              <a:t>(insérer maquette)</a:t>
+            </a:r>
           </a:p>
         </p:txBody>
       </p:sp>
     </p:spTree>
     <p:extLst>
       <p:ext uri="{BB962C8B-B14F-4D97-AF65-F5344CB8AC3E}">
-        <p14:creationId xmlns:p14="http://schemas.microsoft.com/office/powerpoint/2010/main" val="1731318478"/>
+        <p14:creationId xmlns:p14="http://schemas.microsoft.com/office/powerpoint/2010/main" val="3260972496"/>
       </p:ext>
     </p:extLst>
   </p:cSld>
   <p:clrMapOvr>
     <a:masterClrMapping/>
   </p:clrMapOvr>
+  <p:timing>
+    <p:tnLst>
+      <p:par>
+        <p:cTn id="1" dur="indefinite" restart="never" nodeType="tmRoot"/>
+      </p:par>
+    </p:tnLst>
+  </p:timing>
 </p:sld>
 </file>
 
@@ -3721,7 +7268,7 @@
           <p:cNvPr id="2" name="Title 1">
             <a:extLst>
               <a:ext uri="{FF2B5EF4-FFF2-40B4-BE49-F238E27FC236}">
-                <a16:creationId xmlns:a16="http://schemas.microsoft.com/office/drawing/2014/main" id="{791589A9-363B-4486-80E8-1100CA0ADD46}"/>
+                <a16:creationId xmlns:a16="http://schemas.microsoft.com/office/drawing/2014/main" xmlns="" id="{6D792507-2C8E-4E9D-81EC-AE3250860F6D}"/>
               </a:ext>
             </a:extLst>
           </p:cNvPr>
@@ -3732,42 +7279,24 @@
             <p:ph type="title"/>
           </p:nvPr>
         </p:nvSpPr>
-        <p:spPr/>
+        <p:spPr>
+          <a:xfrm>
+            <a:off x="838200" y="2766218"/>
+            <a:ext cx="10515600" cy="1325563"/>
+          </a:xfrm>
+        </p:spPr>
         <p:txBody>
           <a:bodyPr/>
           <a:lstStyle/>
           <a:p>
+            <a:pPr algn="ctr"/>
+            <a:r>
+              <a:rPr lang="fr-FR" dirty="0" err="1"/>
+              <a:t>From</a:t>
+            </a:r>
             <a:r>
               <a:rPr lang="fr-FR" dirty="0"/>
-              <a:t>Idée Finale</a:t>
-            </a:r>
-          </a:p>
-        </p:txBody>
-      </p:sp>
-      <p:sp>
-        <p:nvSpPr>
-          <p:cNvPr id="3" name="Content Placeholder 2">
-            <a:extLst>
-              <a:ext uri="{FF2B5EF4-FFF2-40B4-BE49-F238E27FC236}">
-                <a16:creationId xmlns:a16="http://schemas.microsoft.com/office/drawing/2014/main" id="{B47C59F7-7C03-4B7C-9952-995865EDC950}"/>
-              </a:ext>
-            </a:extLst>
-          </p:cNvPr>
-          <p:cNvSpPr>
-            <a:spLocks noGrp="1"/>
-          </p:cNvSpPr>
-          <p:nvPr>
-            <p:ph idx="1"/>
-          </p:nvPr>
-        </p:nvSpPr>
-        <p:spPr/>
-        <p:txBody>
-          <a:bodyPr/>
-          <a:lstStyle/>
-          <a:p>
-            <a:r>
-              <a:rPr lang="fr-FR" dirty="0"/>
-              <a:t>Explication idée finale</a:t>
+              <a:t> Hardware</a:t>
             </a:r>
           </a:p>
         </p:txBody>
@@ -3775,13 +7304,20 @@
     </p:spTree>
     <p:extLst>
       <p:ext uri="{BB962C8B-B14F-4D97-AF65-F5344CB8AC3E}">
-        <p14:creationId xmlns:p14="http://schemas.microsoft.com/office/powerpoint/2010/main" val="4216667554"/>
+        <p14:creationId xmlns:p14="http://schemas.microsoft.com/office/powerpoint/2010/main" val="3247048910"/>
       </p:ext>
     </p:extLst>
   </p:cSld>
   <p:clrMapOvr>
     <a:masterClrMapping/>
   </p:clrMapOvr>
+  <p:timing>
+    <p:tnLst>
+      <p:par>
+        <p:cTn id="1" dur="indefinite" restart="never" nodeType="tmRoot"/>
+      </p:par>
+    </p:tnLst>
+  </p:timing>
 </p:sld>
 </file>
 
@@ -3807,7 +7343,7 @@
           <p:cNvPr id="2" name="Title 1">
             <a:extLst>
               <a:ext uri="{FF2B5EF4-FFF2-40B4-BE49-F238E27FC236}">
-                <a16:creationId xmlns:a16="http://schemas.microsoft.com/office/drawing/2014/main" id="{87B16220-F4EF-42E6-AD6C-2B916BFCD9AA}"/>
+                <a16:creationId xmlns:a16="http://schemas.microsoft.com/office/drawing/2014/main" xmlns="" id="{9AC59272-4F45-46D5-AB7A-E1872746D685}"/>
               </a:ext>
             </a:extLst>
           </p:cNvPr>
@@ -3825,7 +7361,15 @@
           <a:p>
             <a:r>
               <a:rPr lang="fr-FR" dirty="0"/>
-              <a:t>Charte graphique</a:t>
+              <a:t>Roll </a:t>
+            </a:r>
+            <a:r>
+              <a:rPr lang="fr-FR" dirty="0" err="1"/>
+              <a:t>credits</a:t>
+            </a:r>
+            <a:r>
+              <a:rPr lang="fr-FR" dirty="0"/>
+              <a:t>…</a:t>
             </a:r>
           </a:p>
         </p:txBody>
@@ -3835,7 +7379,7 @@
           <p:cNvPr id="3" name="Content Placeholder 2">
             <a:extLst>
               <a:ext uri="{FF2B5EF4-FFF2-40B4-BE49-F238E27FC236}">
-                <a16:creationId xmlns:a16="http://schemas.microsoft.com/office/drawing/2014/main" id="{E2B00E33-5AB1-4E9B-B39B-351B367F0718}"/>
+                <a16:creationId xmlns:a16="http://schemas.microsoft.com/office/drawing/2014/main" xmlns="" id="{2FBDF76E-6A86-44AE-83E9-4E0BE9A62B95}"/>
               </a:ext>
             </a:extLst>
           </p:cNvPr>
@@ -3851,23 +7395,27 @@
           <a:bodyPr/>
           <a:lstStyle/>
           <a:p>
-            <a:r>
-              <a:rPr lang="fr-FR" dirty="0"/>
-              <a:t>Explication charte graphique</a:t>
-            </a:r>
+            <a:endParaRPr lang="fr-FR"/>
           </a:p>
         </p:txBody>
       </p:sp>
     </p:spTree>
     <p:extLst>
       <p:ext uri="{BB962C8B-B14F-4D97-AF65-F5344CB8AC3E}">
-        <p14:creationId xmlns:p14="http://schemas.microsoft.com/office/powerpoint/2010/main" val="3987776306"/>
+        <p14:creationId xmlns:p14="http://schemas.microsoft.com/office/powerpoint/2010/main" val="2098323538"/>
       </p:ext>
     </p:extLst>
   </p:cSld>
   <p:clrMapOvr>
     <a:masterClrMapping/>
   </p:clrMapOvr>
+  <p:timing>
+    <p:tnLst>
+      <p:par>
+        <p:cTn id="1" dur="indefinite" restart="never" nodeType="tmRoot"/>
+      </p:par>
+    </p:tnLst>
+  </p:timing>
 </p:sld>
 </file>
 
@@ -3893,7 +7441,7 @@
           <p:cNvPr id="2" name="Title 1">
             <a:extLst>
               <a:ext uri="{FF2B5EF4-FFF2-40B4-BE49-F238E27FC236}">
-                <a16:creationId xmlns:a16="http://schemas.microsoft.com/office/drawing/2014/main" id="{DF30C273-9950-4E13-AF76-D38D734F1F53}"/>
+                <a16:creationId xmlns:a16="http://schemas.microsoft.com/office/drawing/2014/main" xmlns="" id="{B6A214DB-9701-4408-A453-985FF50CC9C8}"/>
               </a:ext>
             </a:extLst>
           </p:cNvPr>
@@ -3911,7 +7459,7 @@
           <a:p>
             <a:r>
               <a:rPr lang="fr-FR" dirty="0"/>
-              <a:t>Charte graphique</a:t>
+              <a:t>Post générique</a:t>
             </a:r>
           </a:p>
         </p:txBody>
@@ -3921,7 +7469,7 @@
           <p:cNvPr id="3" name="Content Placeholder 2">
             <a:extLst>
               <a:ext uri="{FF2B5EF4-FFF2-40B4-BE49-F238E27FC236}">
-                <a16:creationId xmlns:a16="http://schemas.microsoft.com/office/drawing/2014/main" id="{32C3B5A9-7E20-43CA-A608-A9AC907532D0}"/>
+                <a16:creationId xmlns:a16="http://schemas.microsoft.com/office/drawing/2014/main" xmlns="" id="{EB9DDBC6-5F4D-4A0B-8177-3F5AE00A9828}"/>
               </a:ext>
             </a:extLst>
           </p:cNvPr>
@@ -3937,23 +7485,27 @@
           <a:bodyPr/>
           <a:lstStyle/>
           <a:p>
-            <a:r>
-              <a:rPr lang="fr-FR" dirty="0"/>
-              <a:t>Explication charte graphique encore ?</a:t>
-            </a:r>
+            <a:endParaRPr lang="fr-FR"/>
           </a:p>
         </p:txBody>
       </p:sp>
     </p:spTree>
     <p:extLst>
       <p:ext uri="{BB962C8B-B14F-4D97-AF65-F5344CB8AC3E}">
-        <p14:creationId xmlns:p14="http://schemas.microsoft.com/office/powerpoint/2010/main" val="3367474515"/>
+        <p14:creationId xmlns:p14="http://schemas.microsoft.com/office/powerpoint/2010/main" val="1359937426"/>
       </p:ext>
     </p:extLst>
   </p:cSld>
   <p:clrMapOvr>
     <a:masterClrMapping/>
   </p:clrMapOvr>
+  <p:timing>
+    <p:tnLst>
+      <p:par>
+        <p:cTn id="1" dur="indefinite" restart="never" nodeType="tmRoot"/>
+      </p:par>
+    </p:tnLst>
+  </p:timing>
 </p:sld>
 </file>
 
@@ -3979,7 +7531,7 @@
           <p:cNvPr id="2" name="Title 1">
             <a:extLst>
               <a:ext uri="{FF2B5EF4-FFF2-40B4-BE49-F238E27FC236}">
-                <a16:creationId xmlns:a16="http://schemas.microsoft.com/office/drawing/2014/main" id="{33BB4293-FACD-4576-9CA9-9EA9FE220DE3}"/>
+                <a16:creationId xmlns:a16="http://schemas.microsoft.com/office/drawing/2014/main" xmlns="" id="{A3CA65EF-64CB-485F-9EFD-7BB1A7E23C0F}"/>
               </a:ext>
             </a:extLst>
           </p:cNvPr>
@@ -3997,7 +7549,15 @@
           <a:p>
             <a:r>
               <a:rPr lang="fr-FR" dirty="0"/>
-              <a:t>Charte graphique</a:t>
+              <a:t>Real </a:t>
+            </a:r>
+            <a:r>
+              <a:rPr lang="fr-FR"/>
+              <a:t>credits</a:t>
+            </a:r>
+            <a:r>
+              <a:rPr lang="fr-FR" dirty="0"/>
+              <a:t>.</a:t>
             </a:r>
           </a:p>
         </p:txBody>
@@ -4007,7 +7567,7 @@
           <p:cNvPr id="3" name="Content Placeholder 2">
             <a:extLst>
               <a:ext uri="{FF2B5EF4-FFF2-40B4-BE49-F238E27FC236}">
-                <a16:creationId xmlns:a16="http://schemas.microsoft.com/office/drawing/2014/main" id="{070A7335-68B8-4067-8EF6-DD514470B120}"/>
+                <a16:creationId xmlns:a16="http://schemas.microsoft.com/office/drawing/2014/main" xmlns="" id="{AE8EB3E2-B0C8-492C-BE05-BD59E6A55F99}"/>
               </a:ext>
             </a:extLst>
           </p:cNvPr>
@@ -4023,283 +7583,27 @@
           <a:bodyPr/>
           <a:lstStyle/>
           <a:p>
-            <a:r>
-              <a:rPr lang="fr-FR" dirty="0"/>
-              <a:t>Cheminement logo</a:t>
-            </a:r>
+            <a:endParaRPr lang="fr-FR"/>
           </a:p>
         </p:txBody>
       </p:sp>
     </p:spTree>
     <p:extLst>
       <p:ext uri="{BB962C8B-B14F-4D97-AF65-F5344CB8AC3E}">
-        <p14:creationId xmlns:p14="http://schemas.microsoft.com/office/powerpoint/2010/main" val="150417092"/>
+        <p14:creationId xmlns:p14="http://schemas.microsoft.com/office/powerpoint/2010/main" val="4046090718"/>
       </p:ext>
     </p:extLst>
   </p:cSld>
   <p:clrMapOvr>
     <a:masterClrMapping/>
   </p:clrMapOvr>
-</p:sld>
-</file>
-
-<file path=ppt/slides/slide17.xml><?xml version="1.0" encoding="utf-8"?>
-<p:sld xmlns:a="http://schemas.openxmlformats.org/drawingml/2006/main" xmlns:r="http://schemas.openxmlformats.org/officeDocument/2006/relationships" xmlns:p="http://schemas.openxmlformats.org/presentationml/2006/main">
-  <p:cSld>
-    <p:spTree>
-      <p:nvGrpSpPr>
-        <p:cNvPr id="1" name=""/>
-        <p:cNvGrpSpPr/>
-        <p:nvPr/>
-      </p:nvGrpSpPr>
-      <p:grpSpPr>
-        <a:xfrm>
-          <a:off x="0" y="0"/>
-          <a:ext cx="0" cy="0"/>
-          <a:chOff x="0" y="0"/>
-          <a:chExt cx="0" cy="0"/>
-        </a:xfrm>
-      </p:grpSpPr>
-      <p:sp>
-        <p:nvSpPr>
-          <p:cNvPr id="2" name="Title 1">
-            <a:extLst>
-              <a:ext uri="{FF2B5EF4-FFF2-40B4-BE49-F238E27FC236}">
-                <a16:creationId xmlns:a16="http://schemas.microsoft.com/office/drawing/2014/main" id="{C5F9F1A8-6C9D-405C-A880-FAF17029E71B}"/>
-              </a:ext>
-            </a:extLst>
-          </p:cNvPr>
-          <p:cNvSpPr>
-            <a:spLocks noGrp="1"/>
-          </p:cNvSpPr>
-          <p:nvPr>
-            <p:ph type="title"/>
-          </p:nvPr>
-        </p:nvSpPr>
-        <p:spPr/>
-        <p:txBody>
-          <a:bodyPr/>
-          <a:lstStyle/>
-          <a:p>
-            <a:r>
-              <a:rPr lang="fr-FR" dirty="0"/>
-              <a:t>Vidéo</a:t>
-            </a:r>
-          </a:p>
-        </p:txBody>
-      </p:sp>
-      <p:sp>
-        <p:nvSpPr>
-          <p:cNvPr id="3" name="Content Placeholder 2">
-            <a:extLst>
-              <a:ext uri="{FF2B5EF4-FFF2-40B4-BE49-F238E27FC236}">
-                <a16:creationId xmlns:a16="http://schemas.microsoft.com/office/drawing/2014/main" id="{B363DDEA-9258-4A5A-A4FD-48307C3AB610}"/>
-              </a:ext>
-            </a:extLst>
-          </p:cNvPr>
-          <p:cNvSpPr>
-            <a:spLocks noGrp="1"/>
-          </p:cNvSpPr>
-          <p:nvPr>
-            <p:ph idx="1"/>
-          </p:nvPr>
-        </p:nvSpPr>
-        <p:spPr/>
-        <p:txBody>
-          <a:bodyPr/>
-          <a:lstStyle/>
-          <a:p>
-            <a:r>
-              <a:rPr lang="fr-FR" dirty="0"/>
-              <a:t>Explication vidéo</a:t>
-            </a:r>
-          </a:p>
-        </p:txBody>
-      </p:sp>
-    </p:spTree>
-    <p:extLst>
-      <p:ext uri="{BB962C8B-B14F-4D97-AF65-F5344CB8AC3E}">
-        <p14:creationId xmlns:p14="http://schemas.microsoft.com/office/powerpoint/2010/main" val="28533535"/>
-      </p:ext>
-    </p:extLst>
-  </p:cSld>
-  <p:clrMapOvr>
-    <a:masterClrMapping/>
-  </p:clrMapOvr>
-</p:sld>
-</file>
-
-<file path=ppt/slides/slide18.xml><?xml version="1.0" encoding="utf-8"?>
-<p:sld xmlns:a="http://schemas.openxmlformats.org/drawingml/2006/main" xmlns:r="http://schemas.openxmlformats.org/officeDocument/2006/relationships" xmlns:p="http://schemas.openxmlformats.org/presentationml/2006/main">
-  <p:cSld>
-    <p:spTree>
-      <p:nvGrpSpPr>
-        <p:cNvPr id="1" name=""/>
-        <p:cNvGrpSpPr/>
-        <p:nvPr/>
-      </p:nvGrpSpPr>
-      <p:grpSpPr>
-        <a:xfrm>
-          <a:off x="0" y="0"/>
-          <a:ext cx="0" cy="0"/>
-          <a:chOff x="0" y="0"/>
-          <a:chExt cx="0" cy="0"/>
-        </a:xfrm>
-      </p:grpSpPr>
-      <p:sp>
-        <p:nvSpPr>
-          <p:cNvPr id="2" name="Title 1">
-            <a:extLst>
-              <a:ext uri="{FF2B5EF4-FFF2-40B4-BE49-F238E27FC236}">
-                <a16:creationId xmlns:a16="http://schemas.microsoft.com/office/drawing/2014/main" id="{9AC59272-4F45-46D5-AB7A-E1872746D685}"/>
-              </a:ext>
-            </a:extLst>
-          </p:cNvPr>
-          <p:cNvSpPr>
-            <a:spLocks noGrp="1"/>
-          </p:cNvSpPr>
-          <p:nvPr>
-            <p:ph type="title"/>
-          </p:nvPr>
-        </p:nvSpPr>
-        <p:spPr/>
-        <p:txBody>
-          <a:bodyPr/>
-          <a:lstStyle/>
-          <a:p>
-            <a:r>
-              <a:rPr lang="fr-FR" dirty="0"/>
-              <a:t>Roll </a:t>
-            </a:r>
-            <a:r>
-              <a:rPr lang="fr-FR" dirty="0" err="1"/>
-              <a:t>credits</a:t>
-            </a:r>
-            <a:r>
-              <a:rPr lang="fr-FR" dirty="0"/>
-              <a:t>…</a:t>
-            </a:r>
-          </a:p>
-        </p:txBody>
-      </p:sp>
-      <p:sp>
-        <p:nvSpPr>
-          <p:cNvPr id="3" name="Content Placeholder 2">
-            <a:extLst>
-              <a:ext uri="{FF2B5EF4-FFF2-40B4-BE49-F238E27FC236}">
-                <a16:creationId xmlns:a16="http://schemas.microsoft.com/office/drawing/2014/main" id="{2FBDF76E-6A86-44AE-83E9-4E0BE9A62B95}"/>
-              </a:ext>
-            </a:extLst>
-          </p:cNvPr>
-          <p:cNvSpPr>
-            <a:spLocks noGrp="1"/>
-          </p:cNvSpPr>
-          <p:nvPr>
-            <p:ph idx="1"/>
-          </p:nvPr>
-        </p:nvSpPr>
-        <p:spPr/>
-        <p:txBody>
-          <a:bodyPr/>
-          <a:lstStyle/>
-          <a:p>
-            <a:endParaRPr lang="fr-FR"/>
-          </a:p>
-        </p:txBody>
-      </p:sp>
-    </p:spTree>
-    <p:extLst>
-      <p:ext uri="{BB962C8B-B14F-4D97-AF65-F5344CB8AC3E}">
-        <p14:creationId xmlns:p14="http://schemas.microsoft.com/office/powerpoint/2010/main" val="2098323538"/>
-      </p:ext>
-    </p:extLst>
-  </p:cSld>
-  <p:clrMapOvr>
-    <a:masterClrMapping/>
-  </p:clrMapOvr>
-</p:sld>
-</file>
-
-<file path=ppt/slides/slide19.xml><?xml version="1.0" encoding="utf-8"?>
-<p:sld xmlns:a="http://schemas.openxmlformats.org/drawingml/2006/main" xmlns:r="http://schemas.openxmlformats.org/officeDocument/2006/relationships" xmlns:p="http://schemas.openxmlformats.org/presentationml/2006/main">
-  <p:cSld>
-    <p:spTree>
-      <p:nvGrpSpPr>
-        <p:cNvPr id="1" name=""/>
-        <p:cNvGrpSpPr/>
-        <p:nvPr/>
-      </p:nvGrpSpPr>
-      <p:grpSpPr>
-        <a:xfrm>
-          <a:off x="0" y="0"/>
-          <a:ext cx="0" cy="0"/>
-          <a:chOff x="0" y="0"/>
-          <a:chExt cx="0" cy="0"/>
-        </a:xfrm>
-      </p:grpSpPr>
-      <p:sp>
-        <p:nvSpPr>
-          <p:cNvPr id="2" name="Title 1">
-            <a:extLst>
-              <a:ext uri="{FF2B5EF4-FFF2-40B4-BE49-F238E27FC236}">
-                <a16:creationId xmlns:a16="http://schemas.microsoft.com/office/drawing/2014/main" id="{B6A214DB-9701-4408-A453-985FF50CC9C8}"/>
-              </a:ext>
-            </a:extLst>
-          </p:cNvPr>
-          <p:cNvSpPr>
-            <a:spLocks noGrp="1"/>
-          </p:cNvSpPr>
-          <p:nvPr>
-            <p:ph type="title"/>
-          </p:nvPr>
-        </p:nvSpPr>
-        <p:spPr/>
-        <p:txBody>
-          <a:bodyPr/>
-          <a:lstStyle/>
-          <a:p>
-            <a:r>
-              <a:rPr lang="fr-FR" dirty="0"/>
-              <a:t>Post générique</a:t>
-            </a:r>
-          </a:p>
-        </p:txBody>
-      </p:sp>
-      <p:sp>
-        <p:nvSpPr>
-          <p:cNvPr id="3" name="Content Placeholder 2">
-            <a:extLst>
-              <a:ext uri="{FF2B5EF4-FFF2-40B4-BE49-F238E27FC236}">
-                <a16:creationId xmlns:a16="http://schemas.microsoft.com/office/drawing/2014/main" id="{EB9DDBC6-5F4D-4A0B-8177-3F5AE00A9828}"/>
-              </a:ext>
-            </a:extLst>
-          </p:cNvPr>
-          <p:cNvSpPr>
-            <a:spLocks noGrp="1"/>
-          </p:cNvSpPr>
-          <p:nvPr>
-            <p:ph idx="1"/>
-          </p:nvPr>
-        </p:nvSpPr>
-        <p:spPr/>
-        <p:txBody>
-          <a:bodyPr/>
-          <a:lstStyle/>
-          <a:p>
-            <a:endParaRPr lang="fr-FR"/>
-          </a:p>
-        </p:txBody>
-      </p:sp>
-    </p:spTree>
-    <p:extLst>
-      <p:ext uri="{BB962C8B-B14F-4D97-AF65-F5344CB8AC3E}">
-        <p14:creationId xmlns:p14="http://schemas.microsoft.com/office/powerpoint/2010/main" val="1359937426"/>
-      </p:ext>
-    </p:extLst>
-  </p:cSld>
-  <p:clrMapOvr>
-    <a:masterClrMapping/>
-  </p:clrMapOvr>
+  <p:timing>
+    <p:tnLst>
+      <p:par>
+        <p:cTn id="1" dur="indefinite" restart="never" nodeType="tmRoot"/>
+      </p:par>
+    </p:tnLst>
+  </p:timing>
 </p:sld>
 </file>
 
@@ -4325,7 +7629,7 @@
           <p:cNvPr id="2" name="Title 1">
             <a:extLst>
               <a:ext uri="{FF2B5EF4-FFF2-40B4-BE49-F238E27FC236}">
-                <a16:creationId xmlns:a16="http://schemas.microsoft.com/office/drawing/2014/main" id="{92227FFE-A051-4FD3-85D7-B0E1B33F857E}"/>
+                <a16:creationId xmlns:a16="http://schemas.microsoft.com/office/drawing/2014/main" xmlns="" id="{81768533-6623-45B0-9CFB-3DE85670D0AE}"/>
               </a:ext>
             </a:extLst>
           </p:cNvPr>
@@ -4342,9 +7646,18 @@
           <a:lstStyle/>
           <a:p>
             <a:r>
-              <a:rPr lang="fr-FR" dirty="0"/>
+              <a:rPr lang="fr-FR" dirty="0" smtClean="0"/>
+              <a:t>Site d’</a:t>
+            </a:r>
+            <a:r>
+              <a:rPr lang="fr-FR" dirty="0" smtClean="0"/>
+              <a:t>agence - </a:t>
+            </a:r>
+            <a:r>
+              <a:rPr lang="fr-FR" dirty="0" smtClean="0"/>
               <a:t>Sommaire</a:t>
             </a:r>
+            <a:endParaRPr lang="fr-FR" dirty="0"/>
           </a:p>
         </p:txBody>
       </p:sp>
@@ -4353,7 +7666,7 @@
           <p:cNvPr id="3" name="Content Placeholder 2">
             <a:extLst>
               <a:ext uri="{FF2B5EF4-FFF2-40B4-BE49-F238E27FC236}">
-                <a16:creationId xmlns:a16="http://schemas.microsoft.com/office/drawing/2014/main" id="{A2E43708-BBB8-46B1-B7F5-E5E4877F0618}"/>
+                <a16:creationId xmlns:a16="http://schemas.microsoft.com/office/drawing/2014/main" xmlns="" id="{DE19F94A-CB45-4F6F-B21A-68FE1F2780E9}"/>
               </a:ext>
             </a:extLst>
           </p:cNvPr>
@@ -4369,27 +7682,43 @@
           <a:bodyPr/>
           <a:lstStyle/>
           <a:p>
+            <a:pPr>
+              <a:buFont typeface="Wingdings" panose="05000000000000000000" pitchFamily="2" charset="2"/>
+              <a:buChar char="q"/>
+            </a:pPr>
             <a:r>
               <a:rPr lang="fr-FR" dirty="0"/>
-              <a:t>Analyse du besoin</a:t>
-            </a:r>
-          </a:p>
-          <a:p>
+              <a:t>Premières idées</a:t>
+            </a:r>
+          </a:p>
+          <a:p>
+            <a:pPr>
+              <a:buFont typeface="Wingdings" panose="05000000000000000000" pitchFamily="2" charset="2"/>
+              <a:buChar char="q"/>
+            </a:pPr>
             <a:r>
               <a:rPr lang="fr-FR" dirty="0"/>
-              <a:t>Études des logiciels et choix</a:t>
-            </a:r>
-          </a:p>
-          <a:p>
+              <a:t>Idée Finale</a:t>
+            </a:r>
+          </a:p>
+          <a:p>
+            <a:pPr>
+              <a:buFont typeface="Wingdings" panose="05000000000000000000" pitchFamily="2" charset="2"/>
+              <a:buChar char="q"/>
+            </a:pPr>
             <a:r>
               <a:rPr lang="fr-FR" dirty="0"/>
-              <a:t>Brainstorming</a:t>
-            </a:r>
-          </a:p>
-          <a:p>
+              <a:t>Charte graphique</a:t>
+            </a:r>
+          </a:p>
+          <a:p>
+            <a:pPr>
+              <a:buFont typeface="Wingdings" panose="05000000000000000000" pitchFamily="2" charset="2"/>
+              <a:buChar char="q"/>
+            </a:pPr>
             <a:r>
               <a:rPr lang="fr-FR" dirty="0"/>
-              <a:t>Définition du thème et validation</a:t>
+              <a:t>Vidéo</a:t>
             </a:r>
           </a:p>
         </p:txBody>
@@ -4397,104 +7726,20 @@
     </p:spTree>
     <p:extLst>
       <p:ext uri="{BB962C8B-B14F-4D97-AF65-F5344CB8AC3E}">
-        <p14:creationId xmlns:p14="http://schemas.microsoft.com/office/powerpoint/2010/main" val="1514944264"/>
+        <p14:creationId xmlns:p14="http://schemas.microsoft.com/office/powerpoint/2010/main" val="3031868524"/>
       </p:ext>
     </p:extLst>
   </p:cSld>
   <p:clrMapOvr>
     <a:masterClrMapping/>
   </p:clrMapOvr>
-</p:sld>
-</file>
-
-<file path=ppt/slides/slide20.xml><?xml version="1.0" encoding="utf-8"?>
-<p:sld xmlns:a="http://schemas.openxmlformats.org/drawingml/2006/main" xmlns:r="http://schemas.openxmlformats.org/officeDocument/2006/relationships" xmlns:p="http://schemas.openxmlformats.org/presentationml/2006/main">
-  <p:cSld>
-    <p:spTree>
-      <p:nvGrpSpPr>
-        <p:cNvPr id="1" name=""/>
-        <p:cNvGrpSpPr/>
-        <p:nvPr/>
-      </p:nvGrpSpPr>
-      <p:grpSpPr>
-        <a:xfrm>
-          <a:off x="0" y="0"/>
-          <a:ext cx="0" cy="0"/>
-          <a:chOff x="0" y="0"/>
-          <a:chExt cx="0" cy="0"/>
-        </a:xfrm>
-      </p:grpSpPr>
-      <p:sp>
-        <p:nvSpPr>
-          <p:cNvPr id="2" name="Title 1">
-            <a:extLst>
-              <a:ext uri="{FF2B5EF4-FFF2-40B4-BE49-F238E27FC236}">
-                <a16:creationId xmlns:a16="http://schemas.microsoft.com/office/drawing/2014/main" id="{A3CA65EF-64CB-485F-9EFD-7BB1A7E23C0F}"/>
-              </a:ext>
-            </a:extLst>
-          </p:cNvPr>
-          <p:cNvSpPr>
-            <a:spLocks noGrp="1"/>
-          </p:cNvSpPr>
-          <p:nvPr>
-            <p:ph type="title"/>
-          </p:nvPr>
-        </p:nvSpPr>
-        <p:spPr/>
-        <p:txBody>
-          <a:bodyPr/>
-          <a:lstStyle/>
-          <a:p>
-            <a:r>
-              <a:rPr lang="fr-FR" dirty="0"/>
-              <a:t>Real </a:t>
-            </a:r>
-            <a:r>
-              <a:rPr lang="fr-FR"/>
-              <a:t>credits</a:t>
-            </a:r>
-            <a:r>
-              <a:rPr lang="fr-FR" dirty="0"/>
-              <a:t>.</a:t>
-            </a:r>
-          </a:p>
-        </p:txBody>
-      </p:sp>
-      <p:sp>
-        <p:nvSpPr>
-          <p:cNvPr id="3" name="Content Placeholder 2">
-            <a:extLst>
-              <a:ext uri="{FF2B5EF4-FFF2-40B4-BE49-F238E27FC236}">
-                <a16:creationId xmlns:a16="http://schemas.microsoft.com/office/drawing/2014/main" id="{AE8EB3E2-B0C8-492C-BE05-BD59E6A55F99}"/>
-              </a:ext>
-            </a:extLst>
-          </p:cNvPr>
-          <p:cNvSpPr>
-            <a:spLocks noGrp="1"/>
-          </p:cNvSpPr>
-          <p:nvPr>
-            <p:ph idx="1"/>
-          </p:nvPr>
-        </p:nvSpPr>
-        <p:spPr/>
-        <p:txBody>
-          <a:bodyPr/>
-          <a:lstStyle/>
-          <a:p>
-            <a:endParaRPr lang="fr-FR"/>
-          </a:p>
-        </p:txBody>
-      </p:sp>
-    </p:spTree>
-    <p:extLst>
-      <p:ext uri="{BB962C8B-B14F-4D97-AF65-F5344CB8AC3E}">
-        <p14:creationId xmlns:p14="http://schemas.microsoft.com/office/powerpoint/2010/main" val="4046090718"/>
-      </p:ext>
-    </p:extLst>
-  </p:cSld>
-  <p:clrMapOvr>
-    <a:masterClrMapping/>
-  </p:clrMapOvr>
+  <p:timing>
+    <p:tnLst>
+      <p:par>
+        <p:cTn id="1" dur="indefinite" restart="never" nodeType="tmRoot"/>
+      </p:par>
+    </p:tnLst>
+  </p:timing>
 </p:sld>
 </file>
 
@@ -4520,7 +7765,7 @@
           <p:cNvPr id="2" name="Title 1">
             <a:extLst>
               <a:ext uri="{FF2B5EF4-FFF2-40B4-BE49-F238E27FC236}">
-                <a16:creationId xmlns:a16="http://schemas.microsoft.com/office/drawing/2014/main" id="{9BBFD4D0-8F48-4108-9EE7-1DBAAFEE04E6}"/>
+                <a16:creationId xmlns:a16="http://schemas.microsoft.com/office/drawing/2014/main" xmlns="" id="{CDC8EAB1-352F-4CC4-BDA6-61191780EA86}"/>
               </a:ext>
             </a:extLst>
           </p:cNvPr>
@@ -4538,69 +7783,197 @@
           <a:p>
             <a:r>
               <a:rPr lang="fr-FR" dirty="0"/>
-              <a:t>Analyse du besoin</a:t>
-            </a:r>
-          </a:p>
-        </p:txBody>
-      </p:sp>
-      <p:sp>
-        <p:nvSpPr>
-          <p:cNvPr id="3" name="Content Placeholder 2">
+              <a:t>Premières idées</a:t>
+            </a:r>
+          </a:p>
+        </p:txBody>
+      </p:sp>
+      <p:sp>
+        <p:nvSpPr>
+          <p:cNvPr id="11" name="Espace réservé du contenu 10"/>
+          <p:cNvSpPr>
+            <a:spLocks noGrp="1"/>
+          </p:cNvSpPr>
+          <p:nvPr>
+            <p:ph idx="1"/>
+          </p:nvPr>
+        </p:nvSpPr>
+        <p:spPr/>
+        <p:txBody>
+          <a:bodyPr/>
+          <a:lstStyle/>
+          <a:p>
+            <a:endParaRPr lang="fr-FR"/>
+          </a:p>
+        </p:txBody>
+      </p:sp>
+      <p:pic>
+        <p:nvPicPr>
+          <p:cNvPr id="12" name="Espace réservé du contenu 4"/>
+          <p:cNvPicPr>
+            <a:picLocks noChangeAspect="1"/>
+          </p:cNvPicPr>
+          <p:nvPr/>
+        </p:nvPicPr>
+        <p:blipFill>
+          <a:blip r:embed="rId3" cstate="print">
             <a:extLst>
-              <a:ext uri="{FF2B5EF4-FFF2-40B4-BE49-F238E27FC236}">
-                <a16:creationId xmlns:a16="http://schemas.microsoft.com/office/drawing/2014/main" id="{BAF5B6E3-0AA9-49ED-AC42-D40105A6DAC5}"/>
+              <a:ext uri="{28A0092B-C50C-407E-A947-70E740481C1C}">
+                <a14:useLocalDpi xmlns:a14="http://schemas.microsoft.com/office/drawing/2010/main" val="0"/>
               </a:ext>
             </a:extLst>
-          </p:cNvPr>
-          <p:cNvSpPr>
-            <a:spLocks noGrp="1"/>
-          </p:cNvSpPr>
-          <p:nvPr>
-            <p:ph idx="1"/>
-          </p:nvPr>
-        </p:nvSpPr>
-        <p:spPr/>
-        <p:txBody>
-          <a:bodyPr/>
-          <a:lstStyle/>
-          <a:p>
-            <a:r>
-              <a:rPr lang="fr-FR" dirty="0"/>
-              <a:t>5 </a:t>
-            </a:r>
-            <a:r>
-              <a:rPr lang="fr-FR" dirty="0" err="1"/>
-              <a:t>pourquois</a:t>
-            </a:r>
-            <a:endParaRPr lang="fr-FR" dirty="0"/>
-          </a:p>
-          <a:p>
-            <a:pPr lvl="1"/>
-            <a:r>
-              <a:rPr lang="fr-FR" dirty="0"/>
-              <a:t>(insérer 5 </a:t>
-            </a:r>
-            <a:r>
-              <a:rPr lang="fr-FR" dirty="0" err="1"/>
-              <a:t>pourquois</a:t>
-            </a:r>
-            <a:r>
-              <a:rPr lang="fr-FR" dirty="0"/>
-              <a:t>)</a:t>
-            </a:r>
-          </a:p>
-        </p:txBody>
-      </p:sp>
+          </a:blip>
+          <a:stretch>
+            <a:fillRect/>
+          </a:stretch>
+        </p:blipFill>
+        <p:spPr>
+          <a:xfrm>
+            <a:off x="2513351" y="5462296"/>
+            <a:ext cx="7136267" cy="905972"/>
+          </a:xfrm>
+          <a:prstGeom prst="rect">
+            <a:avLst/>
+          </a:prstGeom>
+        </p:spPr>
+      </p:pic>
+      <p:pic>
+        <p:nvPicPr>
+          <p:cNvPr id="13" name="Image 12"/>
+          <p:cNvPicPr>
+            <a:picLocks noChangeAspect="1"/>
+          </p:cNvPicPr>
+          <p:nvPr/>
+        </p:nvPicPr>
+        <p:blipFill>
+          <a:blip r:embed="rId4" cstate="print">
+            <a:extLst>
+              <a:ext uri="{28A0092B-C50C-407E-A947-70E740481C1C}">
+                <a14:useLocalDpi xmlns:a14="http://schemas.microsoft.com/office/drawing/2010/main" val="0"/>
+              </a:ext>
+            </a:extLst>
+          </a:blip>
+          <a:stretch>
+            <a:fillRect/>
+          </a:stretch>
+        </p:blipFill>
+        <p:spPr>
+          <a:xfrm>
+            <a:off x="8191576" y="406365"/>
+            <a:ext cx="3693886" cy="3693886"/>
+          </a:xfrm>
+          <a:prstGeom prst="rect">
+            <a:avLst/>
+          </a:prstGeom>
+        </p:spPr>
+      </p:pic>
+      <p:pic>
+        <p:nvPicPr>
+          <p:cNvPr id="14" name="Image 13"/>
+          <p:cNvPicPr>
+            <a:picLocks noChangeAspect="1"/>
+          </p:cNvPicPr>
+          <p:nvPr/>
+        </p:nvPicPr>
+        <p:blipFill>
+          <a:blip r:embed="rId5" cstate="print">
+            <a:extLst>
+              <a:ext uri="{28A0092B-C50C-407E-A947-70E740481C1C}">
+                <a14:useLocalDpi xmlns:a14="http://schemas.microsoft.com/office/drawing/2010/main" val="0"/>
+              </a:ext>
+            </a:extLst>
+          </a:blip>
+          <a:stretch>
+            <a:fillRect/>
+          </a:stretch>
+        </p:blipFill>
+        <p:spPr>
+          <a:xfrm>
+            <a:off x="1251678" y="1128451"/>
+            <a:ext cx="2249714" cy="2249714"/>
+          </a:xfrm>
+          <a:prstGeom prst="rect">
+            <a:avLst/>
+          </a:prstGeom>
+        </p:spPr>
+      </p:pic>
+      <p:pic>
+        <p:nvPicPr>
+          <p:cNvPr id="15" name="Image 14"/>
+          <p:cNvPicPr>
+            <a:picLocks noChangeAspect="1"/>
+          </p:cNvPicPr>
+          <p:nvPr/>
+        </p:nvPicPr>
+        <p:blipFill>
+          <a:blip r:embed="rId6">
+            <a:extLst>
+              <a:ext uri="{28A0092B-C50C-407E-A947-70E740481C1C}">
+                <a14:useLocalDpi xmlns:a14="http://schemas.microsoft.com/office/drawing/2010/main" val="0"/>
+              </a:ext>
+            </a:extLst>
+          </a:blip>
+          <a:stretch>
+            <a:fillRect/>
+          </a:stretch>
+        </p:blipFill>
+        <p:spPr>
+          <a:xfrm>
+            <a:off x="5624343" y="1916800"/>
+            <a:ext cx="914286" cy="673016"/>
+          </a:xfrm>
+          <a:prstGeom prst="rect">
+            <a:avLst/>
+          </a:prstGeom>
+        </p:spPr>
+      </p:pic>
+      <p:pic>
+        <p:nvPicPr>
+          <p:cNvPr id="16" name="Image 15"/>
+          <p:cNvPicPr>
+            <a:picLocks noChangeAspect="1"/>
+          </p:cNvPicPr>
+          <p:nvPr/>
+        </p:nvPicPr>
+        <p:blipFill>
+          <a:blip r:embed="rId7">
+            <a:extLst>
+              <a:ext uri="{28A0092B-C50C-407E-A947-70E740481C1C}">
+                <a14:useLocalDpi xmlns:a14="http://schemas.microsoft.com/office/drawing/2010/main" val="0"/>
+              </a:ext>
+            </a:extLst>
+          </a:blip>
+          <a:stretch>
+            <a:fillRect/>
+          </a:stretch>
+        </p:blipFill>
+        <p:spPr>
+          <a:xfrm>
+            <a:off x="2583073" y="4142534"/>
+            <a:ext cx="6996825" cy="673016"/>
+          </a:xfrm>
+          <a:prstGeom prst="rect">
+            <a:avLst/>
+          </a:prstGeom>
+        </p:spPr>
+      </p:pic>
     </p:spTree>
     <p:extLst>
       <p:ext uri="{BB962C8B-B14F-4D97-AF65-F5344CB8AC3E}">
-        <p14:creationId xmlns:p14="http://schemas.microsoft.com/office/powerpoint/2010/main" val="2427210148"/>
+        <p14:creationId xmlns:p14="http://schemas.microsoft.com/office/powerpoint/2010/main" val="1731318478"/>
       </p:ext>
     </p:extLst>
   </p:cSld>
   <p:clrMapOvr>
     <a:masterClrMapping/>
   </p:clrMapOvr>
+  <p:timing>
+    <p:tnLst>
+      <p:par>
+        <p:cTn id="1" dur="indefinite" restart="never" nodeType="tmRoot"/>
+      </p:par>
+    </p:tnLst>
+  </p:timing>
 </p:sld>
 </file>
 
@@ -4626,7 +7999,7 @@
           <p:cNvPr id="2" name="Title 1">
             <a:extLst>
               <a:ext uri="{FF2B5EF4-FFF2-40B4-BE49-F238E27FC236}">
-                <a16:creationId xmlns:a16="http://schemas.microsoft.com/office/drawing/2014/main" id="{1FEAF890-0E41-4B36-891A-C4F8913397F2}"/>
+                <a16:creationId xmlns:a16="http://schemas.microsoft.com/office/drawing/2014/main" xmlns="" id="{791589A9-363B-4486-80E8-1100CA0ADD46}"/>
               </a:ext>
             </a:extLst>
           </p:cNvPr>
@@ -4643,70 +8016,59 @@
           <a:lstStyle/>
           <a:p>
             <a:r>
-              <a:rPr lang="fr-FR" dirty="0"/>
-              <a:t>Analyse du besoin</a:t>
-            </a:r>
-          </a:p>
-        </p:txBody>
-      </p:sp>
-      <p:sp>
-        <p:nvSpPr>
-          <p:cNvPr id="3" name="Content Placeholder 2">
+              <a:rPr lang="fr-FR" smtClean="0"/>
+              <a:t>Idée Finale</a:t>
+            </a:r>
+            <a:endParaRPr lang="fr-FR" dirty="0"/>
+          </a:p>
+        </p:txBody>
+      </p:sp>
+      <p:pic>
+        <p:nvPicPr>
+          <p:cNvPr id="8" name="Espace réservé du contenu 7"/>
+          <p:cNvPicPr>
+            <a:picLocks noGrp="1" noChangeAspect="1"/>
+          </p:cNvPicPr>
+          <p:nvPr>
+            <p:ph idx="1"/>
+          </p:nvPr>
+        </p:nvPicPr>
+        <p:blipFill>
+          <a:blip r:embed="rId3">
             <a:extLst>
-              <a:ext uri="{FF2B5EF4-FFF2-40B4-BE49-F238E27FC236}">
-                <a16:creationId xmlns:a16="http://schemas.microsoft.com/office/drawing/2014/main" id="{F356F574-C362-4239-8448-9ABB5BB00636}"/>
+              <a:ext uri="{28A0092B-C50C-407E-A947-70E740481C1C}">
+                <a14:useLocalDpi xmlns:a14="http://schemas.microsoft.com/office/drawing/2010/main" val="0"/>
               </a:ext>
             </a:extLst>
-          </p:cNvPr>
-          <p:cNvSpPr>
-            <a:spLocks noGrp="1"/>
-          </p:cNvSpPr>
-          <p:nvPr>
-            <p:ph idx="1"/>
-          </p:nvPr>
-        </p:nvSpPr>
-        <p:spPr/>
-        <p:txBody>
-          <a:bodyPr/>
-          <a:lstStyle/>
-          <a:p>
-            <a:r>
-              <a:rPr lang="fr-FR" dirty="0"/>
-              <a:t>Pyramide de </a:t>
-            </a:r>
-            <a:r>
-              <a:rPr lang="fr-FR" dirty="0" err="1"/>
-              <a:t>Masleau</a:t>
-            </a:r>
-            <a:endParaRPr lang="fr-FR" dirty="0"/>
-          </a:p>
-          <a:p>
-            <a:pPr lvl="1"/>
-            <a:r>
-              <a:rPr lang="fr-FR" dirty="0"/>
-              <a:t>(insérer </a:t>
-            </a:r>
-            <a:r>
-              <a:rPr lang="fr-FR" dirty="0" err="1"/>
-              <a:t>illuminati</a:t>
-            </a:r>
-            <a:r>
-              <a:rPr lang="fr-FR" dirty="0"/>
-              <a:t>)</a:t>
-            </a:r>
-          </a:p>
-        </p:txBody>
-      </p:sp>
+          </a:blip>
+          <a:stretch>
+            <a:fillRect/>
+          </a:stretch>
+        </p:blipFill>
+        <p:spPr>
+          <a:xfrm>
+            <a:off x="2710071" y="2286000"/>
+            <a:ext cx="7260808" cy="3594100"/>
+          </a:xfrm>
+        </p:spPr>
+      </p:pic>
     </p:spTree>
     <p:extLst>
       <p:ext uri="{BB962C8B-B14F-4D97-AF65-F5344CB8AC3E}">
-        <p14:creationId xmlns:p14="http://schemas.microsoft.com/office/powerpoint/2010/main" val="2600286061"/>
+        <p14:creationId xmlns:p14="http://schemas.microsoft.com/office/powerpoint/2010/main" val="4216667554"/>
       </p:ext>
     </p:extLst>
   </p:cSld>
   <p:clrMapOvr>
     <a:masterClrMapping/>
   </p:clrMapOvr>
+  <p:timing>
+    <p:tnLst>
+      <p:par>
+        <p:cTn id="1" dur="indefinite" restart="never" nodeType="tmRoot"/>
+      </p:par>
+    </p:tnLst>
+  </p:timing>
 </p:sld>
 </file>
 
@@ -4732,7 +8094,7 @@
           <p:cNvPr id="2" name="Title 1">
             <a:extLst>
               <a:ext uri="{FF2B5EF4-FFF2-40B4-BE49-F238E27FC236}">
-                <a16:creationId xmlns:a16="http://schemas.microsoft.com/office/drawing/2014/main" id="{E8058934-11C6-443A-82F0-A8D82D3B2A3F}"/>
+                <a16:creationId xmlns:a16="http://schemas.microsoft.com/office/drawing/2014/main" xmlns="" id="{87B16220-F4EF-42E6-AD6C-2B916BFCD9AA}"/>
               </a:ext>
             </a:extLst>
           </p:cNvPr>
@@ -4750,20 +8112,14 @@
           <a:p>
             <a:r>
               <a:rPr lang="fr-FR" dirty="0"/>
-              <a:t>Analyse du besoin</a:t>
-            </a:r>
-          </a:p>
-        </p:txBody>
-      </p:sp>
-      <p:sp>
-        <p:nvSpPr>
-          <p:cNvPr id="3" name="Content Placeholder 2">
-            <a:extLst>
-              <a:ext uri="{FF2B5EF4-FFF2-40B4-BE49-F238E27FC236}">
-                <a16:creationId xmlns:a16="http://schemas.microsoft.com/office/drawing/2014/main" id="{BFDDDEB0-0F68-40A0-8926-625A323CF2E4}"/>
-              </a:ext>
-            </a:extLst>
-          </p:cNvPr>
+              <a:t>Charte graphique</a:t>
+            </a:r>
+          </a:p>
+        </p:txBody>
+      </p:sp>
+      <p:sp>
+        <p:nvSpPr>
+          <p:cNvPr id="4" name="Espace réservé du contenu 3"/>
           <p:cNvSpPr>
             <a:spLocks noGrp="1"/>
           </p:cNvSpPr>
@@ -4776,30 +8132,50 @@
           <a:bodyPr/>
           <a:lstStyle/>
           <a:p>
-            <a:r>
-              <a:rPr lang="fr-FR" dirty="0"/>
-              <a:t>QQOQCP-C</a:t>
-            </a:r>
-          </a:p>
-          <a:p>
-            <a:pPr lvl="1"/>
-            <a:r>
-              <a:rPr lang="fr-FR" dirty="0"/>
-              <a:t>(insérer Q)</a:t>
-            </a:r>
-          </a:p>
-        </p:txBody>
-      </p:sp>
+            <a:endParaRPr lang="fr-FR"/>
+          </a:p>
+        </p:txBody>
+      </p:sp>
+      <p:pic>
+        <p:nvPicPr>
+          <p:cNvPr id="5" name="Image 4"/>
+          <p:cNvPicPr>
+            <a:picLocks noChangeAspect="1"/>
+          </p:cNvPicPr>
+          <p:nvPr/>
+        </p:nvPicPr>
+        <p:blipFill rotWithShape="1">
+          <a:blip r:embed="rId3"/>
+          <a:srcRect l="237" t="12252" r="1301" b="3628"/>
+          <a:stretch/>
+        </p:blipFill>
+        <p:spPr>
+          <a:xfrm>
+            <a:off x="1320381" y="1145687"/>
+            <a:ext cx="10062225" cy="4835566"/>
+          </a:xfrm>
+          <a:prstGeom prst="rect">
+            <a:avLst/>
+          </a:prstGeom>
+        </p:spPr>
+      </p:pic>
     </p:spTree>
     <p:extLst>
       <p:ext uri="{BB962C8B-B14F-4D97-AF65-F5344CB8AC3E}">
-        <p14:creationId xmlns:p14="http://schemas.microsoft.com/office/powerpoint/2010/main" val="1755368459"/>
+        <p14:creationId xmlns:p14="http://schemas.microsoft.com/office/powerpoint/2010/main" val="3987776306"/>
       </p:ext>
     </p:extLst>
   </p:cSld>
   <p:clrMapOvr>
     <a:masterClrMapping/>
   </p:clrMapOvr>
+  <p:timing>
+    <p:tnLst>
+      <p:par>
+        <p:cTn id="1" dur="indefinite" restart="never" nodeType="tmRoot"/>
+      </p:par>
+    </p:tnLst>
+  </p:timing>
 </p:sld>
 </file>
 
@@ -4825,7 +8201,7 @@
           <p:cNvPr id="2" name="Title 1">
             <a:extLst>
               <a:ext uri="{FF2B5EF4-FFF2-40B4-BE49-F238E27FC236}">
-                <a16:creationId xmlns:a16="http://schemas.microsoft.com/office/drawing/2014/main" id="{96F14647-22CF-4391-B119-A642CC7C2197}"/>
+                <a16:creationId xmlns:a16="http://schemas.microsoft.com/office/drawing/2014/main" xmlns="" id="{C5F9F1A8-6C9D-405C-A880-FAF17029E71B}"/>
               </a:ext>
             </a:extLst>
           </p:cNvPr>
@@ -4843,7 +8219,7 @@
           <a:p>
             <a:r>
               <a:rPr lang="fr-FR" dirty="0"/>
-              <a:t>Brainstorming</a:t>
+              <a:t>Vidéo</a:t>
             </a:r>
           </a:p>
         </p:txBody>
@@ -4853,7 +8229,7 @@
           <p:cNvPr id="3" name="Content Placeholder 2">
             <a:extLst>
               <a:ext uri="{FF2B5EF4-FFF2-40B4-BE49-F238E27FC236}">
-                <a16:creationId xmlns:a16="http://schemas.microsoft.com/office/drawing/2014/main" id="{73EDCFE0-F35E-4604-A2D4-141CEE82C078}"/>
+                <a16:creationId xmlns:a16="http://schemas.microsoft.com/office/drawing/2014/main" xmlns="" id="{B363DDEA-9258-4A5A-A4FD-48307C3AB610}"/>
               </a:ext>
             </a:extLst>
           </p:cNvPr>
@@ -4869,23 +8245,27 @@
           <a:bodyPr/>
           <a:lstStyle/>
           <a:p>
-            <a:r>
-              <a:rPr lang="fr-FR" dirty="0"/>
-              <a:t>Insérer divers idées</a:t>
-            </a:r>
+            <a:endParaRPr lang="fr-FR" dirty="0"/>
           </a:p>
         </p:txBody>
       </p:sp>
     </p:spTree>
     <p:extLst>
       <p:ext uri="{BB962C8B-B14F-4D97-AF65-F5344CB8AC3E}">
-        <p14:creationId xmlns:p14="http://schemas.microsoft.com/office/powerpoint/2010/main" val="2660014786"/>
+        <p14:creationId xmlns:p14="http://schemas.microsoft.com/office/powerpoint/2010/main" val="28533535"/>
       </p:ext>
     </p:extLst>
   </p:cSld>
   <p:clrMapOvr>
     <a:masterClrMapping/>
   </p:clrMapOvr>
+  <p:timing>
+    <p:tnLst>
+      <p:par>
+        <p:cTn id="1" dur="indefinite" restart="never" nodeType="tmRoot"/>
+      </p:par>
+    </p:tnLst>
+  </p:timing>
 </p:sld>
 </file>
 
@@ -4911,7 +8291,7 @@
           <p:cNvPr id="2" name="Title 1">
             <a:extLst>
               <a:ext uri="{FF2B5EF4-FFF2-40B4-BE49-F238E27FC236}">
-                <a16:creationId xmlns:a16="http://schemas.microsoft.com/office/drawing/2014/main" id="{0B0A5E95-D16B-43B3-A317-15CA1A2BD57C}"/>
+                <a16:creationId xmlns:a16="http://schemas.microsoft.com/office/drawing/2014/main" xmlns="" id="{92227FFE-A051-4FD3-85D7-B0E1B33F857E}"/>
               </a:ext>
             </a:extLst>
           </p:cNvPr>
@@ -4928,9 +8308,18 @@
           <a:lstStyle/>
           <a:p>
             <a:r>
-              <a:rPr lang="fr-FR" dirty="0"/>
-              <a:t>Définition du thème et validation</a:t>
-            </a:r>
+              <a:rPr lang="fr-FR" dirty="0" smtClean="0"/>
+              <a:t>SERIOUS </a:t>
+            </a:r>
+            <a:r>
+              <a:rPr lang="fr-FR" dirty="0" smtClean="0"/>
+              <a:t>GAME - </a:t>
+            </a:r>
+            <a:r>
+              <a:rPr lang="fr-FR" dirty="0" smtClean="0"/>
+              <a:t>Sommaire</a:t>
+            </a:r>
+            <a:endParaRPr lang="fr-FR" dirty="0"/>
           </a:p>
         </p:txBody>
       </p:sp>
@@ -4939,7 +8328,7 @@
           <p:cNvPr id="3" name="Content Placeholder 2">
             <a:extLst>
               <a:ext uri="{FF2B5EF4-FFF2-40B4-BE49-F238E27FC236}">
-                <a16:creationId xmlns:a16="http://schemas.microsoft.com/office/drawing/2014/main" id="{C35A40E6-117A-4F6B-B87B-8D4618820D93}"/>
+                <a16:creationId xmlns:a16="http://schemas.microsoft.com/office/drawing/2014/main" xmlns="" id="{A2E43708-BBB8-46B1-B7F5-E5E4877F0618}"/>
               </a:ext>
             </a:extLst>
           </p:cNvPr>
@@ -4955,26 +8344,64 @@
           <a:bodyPr/>
           <a:lstStyle/>
           <a:p>
+            <a:pPr>
+              <a:buFont typeface="Wingdings" panose="05000000000000000000" pitchFamily="2" charset="2"/>
+              <a:buChar char="q"/>
+            </a:pPr>
             <a:r>
               <a:rPr lang="fr-FR" dirty="0"/>
-              <a:t>Explication du thème du jeu</a:t>
-            </a:r>
-          </a:p>
-          <a:p>
-            <a:endParaRPr lang="fr-FR" dirty="0"/>
+              <a:t>Analyse du besoin</a:t>
+            </a:r>
+          </a:p>
+          <a:p>
+            <a:pPr>
+              <a:buFont typeface="Wingdings" panose="05000000000000000000" pitchFamily="2" charset="2"/>
+              <a:buChar char="q"/>
+            </a:pPr>
+            <a:r>
+              <a:rPr lang="fr-FR" dirty="0"/>
+              <a:t>Études des logiciels et choix</a:t>
+            </a:r>
+          </a:p>
+          <a:p>
+            <a:pPr>
+              <a:buFont typeface="Wingdings" panose="05000000000000000000" pitchFamily="2" charset="2"/>
+              <a:buChar char="q"/>
+            </a:pPr>
+            <a:r>
+              <a:rPr lang="fr-FR" dirty="0"/>
+              <a:t>Brainstorming</a:t>
+            </a:r>
+          </a:p>
+          <a:p>
+            <a:pPr>
+              <a:buFont typeface="Wingdings" panose="05000000000000000000" pitchFamily="2" charset="2"/>
+              <a:buChar char="q"/>
+            </a:pPr>
+            <a:r>
+              <a:rPr lang="fr-FR" dirty="0"/>
+              <a:t>Définition du thème et validation</a:t>
+            </a:r>
           </a:p>
         </p:txBody>
       </p:sp>
     </p:spTree>
     <p:extLst>
       <p:ext uri="{BB962C8B-B14F-4D97-AF65-F5344CB8AC3E}">
-        <p14:creationId xmlns:p14="http://schemas.microsoft.com/office/powerpoint/2010/main" val="1840727255"/>
+        <p14:creationId xmlns:p14="http://schemas.microsoft.com/office/powerpoint/2010/main" val="1514944264"/>
       </p:ext>
     </p:extLst>
   </p:cSld>
   <p:clrMapOvr>
     <a:masterClrMapping/>
   </p:clrMapOvr>
+  <p:timing>
+    <p:tnLst>
+      <p:par>
+        <p:cTn id="1" dur="indefinite" restart="never" nodeType="tmRoot"/>
+      </p:par>
+    </p:tnLst>
+  </p:timing>
 </p:sld>
 </file>
 
@@ -5000,7 +8427,7 @@
           <p:cNvPr id="2" name="Title 1">
             <a:extLst>
               <a:ext uri="{FF2B5EF4-FFF2-40B4-BE49-F238E27FC236}">
-                <a16:creationId xmlns:a16="http://schemas.microsoft.com/office/drawing/2014/main" id="{437A6E0B-79D7-446F-B6BB-C40DFE6043FE}"/>
+                <a16:creationId xmlns:a16="http://schemas.microsoft.com/office/drawing/2014/main" xmlns="" id="{9BBFD4D0-8F48-4108-9EE7-1DBAAFEE04E6}"/>
               </a:ext>
             </a:extLst>
           </p:cNvPr>
@@ -5018,7 +8445,7 @@
           <a:p>
             <a:r>
               <a:rPr lang="fr-FR" dirty="0"/>
-              <a:t>Définition du thème et validation</a:t>
+              <a:t>Analyse du besoin</a:t>
             </a:r>
           </a:p>
         </p:txBody>
@@ -5028,7 +8455,7 @@
           <p:cNvPr id="3" name="Content Placeholder 2">
             <a:extLst>
               <a:ext uri="{FF2B5EF4-FFF2-40B4-BE49-F238E27FC236}">
-                <a16:creationId xmlns:a16="http://schemas.microsoft.com/office/drawing/2014/main" id="{F89257AD-7117-4386-AEC1-FE222FC84C08}"/>
+                <a16:creationId xmlns:a16="http://schemas.microsoft.com/office/drawing/2014/main" xmlns="" id="{BAF5B6E3-0AA9-49ED-AC42-D40105A6DAC5}"/>
               </a:ext>
             </a:extLst>
           </p:cNvPr>
@@ -5045,22 +8472,63 @@
           <a:lstStyle/>
           <a:p>
             <a:r>
-              <a:rPr lang="fr-FR" dirty="0"/>
-              <a:t>Explication du pourquoi ce thème</a:t>
-            </a:r>
+              <a:rPr lang="fr-FR" dirty="0" err="1" smtClean="0"/>
+              <a:t>Serious</a:t>
+            </a:r>
+            <a:r>
+              <a:rPr lang="fr-FR" dirty="0" smtClean="0"/>
+              <a:t> </a:t>
+            </a:r>
+            <a:r>
+              <a:rPr lang="fr-FR" dirty="0" err="1" smtClean="0"/>
+              <a:t>game</a:t>
+            </a:r>
+            <a:r>
+              <a:rPr lang="fr-FR" dirty="0" smtClean="0"/>
+              <a:t> :</a:t>
+            </a:r>
+          </a:p>
+          <a:p>
+            <a:pPr lvl="1"/>
+            <a:r>
+              <a:rPr lang="fr-FR" dirty="0" smtClean="0"/>
+              <a:t>Jeu sérieux</a:t>
+            </a:r>
+          </a:p>
+          <a:p>
+            <a:pPr lvl="1"/>
+            <a:r>
+              <a:rPr lang="fr-FR" dirty="0" smtClean="0"/>
+              <a:t>DUT MMI</a:t>
+            </a:r>
+          </a:p>
+          <a:p>
+            <a:pPr lvl="1"/>
+            <a:r>
+              <a:rPr lang="fr-FR" dirty="0" smtClean="0"/>
+              <a:t>Ludique et éducatif</a:t>
+            </a:r>
+            <a:endParaRPr lang="fr-FR" dirty="0"/>
           </a:p>
         </p:txBody>
       </p:sp>
     </p:spTree>
     <p:extLst>
       <p:ext uri="{BB962C8B-B14F-4D97-AF65-F5344CB8AC3E}">
-        <p14:creationId xmlns:p14="http://schemas.microsoft.com/office/powerpoint/2010/main" val="725705122"/>
+        <p14:creationId xmlns:p14="http://schemas.microsoft.com/office/powerpoint/2010/main" val="2427210148"/>
       </p:ext>
     </p:extLst>
   </p:cSld>
   <p:clrMapOvr>
     <a:masterClrMapping/>
   </p:clrMapOvr>
+  <p:timing>
+    <p:tnLst>
+      <p:par>
+        <p:cTn id="1" dur="indefinite" restart="never" nodeType="tmRoot"/>
+      </p:par>
+    </p:tnLst>
+  </p:timing>
 </p:sld>
 </file>
 
@@ -5086,7 +8554,7 @@
           <p:cNvPr id="2" name="Title 1">
             <a:extLst>
               <a:ext uri="{FF2B5EF4-FFF2-40B4-BE49-F238E27FC236}">
-                <a16:creationId xmlns:a16="http://schemas.microsoft.com/office/drawing/2014/main" id="{F283C22D-4F1C-47F6-A2DC-3B429FBB043F}"/>
+                <a16:creationId xmlns:a16="http://schemas.microsoft.com/office/drawing/2014/main" xmlns="" id="{96F14647-22CF-4391-B119-A642CC7C2197}"/>
               </a:ext>
             </a:extLst>
           </p:cNvPr>
@@ -5104,7 +8572,7 @@
           <a:p>
             <a:r>
               <a:rPr lang="fr-FR" dirty="0"/>
-              <a:t>Définition du thème et validation</a:t>
+              <a:t>Brainstorming</a:t>
             </a:r>
           </a:p>
         </p:txBody>
@@ -5114,7 +8582,7 @@
           <p:cNvPr id="3" name="Content Placeholder 2">
             <a:extLst>
               <a:ext uri="{FF2B5EF4-FFF2-40B4-BE49-F238E27FC236}">
-                <a16:creationId xmlns:a16="http://schemas.microsoft.com/office/drawing/2014/main" id="{4B6C630A-25BB-47D1-B04A-2023E45C3A8E}"/>
+                <a16:creationId xmlns:a16="http://schemas.microsoft.com/office/drawing/2014/main" xmlns="" id="{73EDCFE0-F35E-4604-A2D4-141CEE82C078}"/>
               </a:ext>
             </a:extLst>
           </p:cNvPr>
@@ -5132,7 +8600,7 @@
           <a:p>
             <a:r>
               <a:rPr lang="fr-FR" dirty="0"/>
-              <a:t>(insérer maquette)</a:t>
+              <a:t>Insérer divers idées</a:t>
             </a:r>
           </a:p>
         </p:txBody>
@@ -5140,18 +8608,285 @@
     </p:spTree>
     <p:extLst>
       <p:ext uri="{BB962C8B-B14F-4D97-AF65-F5344CB8AC3E}">
-        <p14:creationId xmlns:p14="http://schemas.microsoft.com/office/powerpoint/2010/main" val="3260972496"/>
+        <p14:creationId xmlns:p14="http://schemas.microsoft.com/office/powerpoint/2010/main" val="2660014786"/>
       </p:ext>
     </p:extLst>
   </p:cSld>
   <p:clrMapOvr>
     <a:masterClrMapping/>
   </p:clrMapOvr>
+  <p:timing>
+    <p:tnLst>
+      <p:par>
+        <p:cTn id="1" dur="indefinite" restart="never" nodeType="tmRoot"/>
+      </p:par>
+    </p:tnLst>
+  </p:timing>
 </p:sld>
 </file>
 
 <file path=ppt/theme/theme1.xml><?xml version="1.0" encoding="utf-8"?>
-<a:theme xmlns:a="http://schemas.openxmlformats.org/drawingml/2006/main" name="Office Theme">
+<a:theme xmlns:a="http://schemas.openxmlformats.org/drawingml/2006/main" name="Badge">
+  <a:themeElements>
+    <a:clrScheme name="Nuances de gris">
+      <a:dk1>
+        <a:sysClr val="windowText" lastClr="000000"/>
+      </a:dk1>
+      <a:lt1>
+        <a:sysClr val="window" lastClr="FFFFFF"/>
+      </a:lt1>
+      <a:dk2>
+        <a:srgbClr val="000000"/>
+      </a:dk2>
+      <a:lt2>
+        <a:srgbClr val="F8F8F8"/>
+      </a:lt2>
+      <a:accent1>
+        <a:srgbClr val="DDDDDD"/>
+      </a:accent1>
+      <a:accent2>
+        <a:srgbClr val="B2B2B2"/>
+      </a:accent2>
+      <a:accent3>
+        <a:srgbClr val="969696"/>
+      </a:accent3>
+      <a:accent4>
+        <a:srgbClr val="808080"/>
+      </a:accent4>
+      <a:accent5>
+        <a:srgbClr val="5F5F5F"/>
+      </a:accent5>
+      <a:accent6>
+        <a:srgbClr val="4D4D4D"/>
+      </a:accent6>
+      <a:hlink>
+        <a:srgbClr val="5F5F5F"/>
+      </a:hlink>
+      <a:folHlink>
+        <a:srgbClr val="919191"/>
+      </a:folHlink>
+    </a:clrScheme>
+    <a:fontScheme name="Badge">
+      <a:majorFont>
+        <a:latin typeface="Impact" panose="020B0806030902050204"/>
+        <a:ea typeface=""/>
+        <a:cs typeface=""/>
+        <a:font script="Jpan" typeface="メイリオ"/>
+        <a:font script="Hang" typeface="맑은 고딕"/>
+        <a:font script="Hans" typeface="宋体"/>
+        <a:font script="Hant" typeface="新細明體"/>
+        <a:font script="Arab" typeface="Arial"/>
+        <a:font script="Hebr" typeface="Arial"/>
+        <a:font script="Thai" typeface="Cordia New"/>
+        <a:font script="Ethi" typeface="Nyala"/>
+        <a:font script="Beng" typeface="Vrinda"/>
+        <a:font script="Gujr" typeface="Shruti"/>
+        <a:font script="Khmr" typeface="DaunPenh"/>
+        <a:font script="Knda" typeface="Tunga"/>
+        <a:font script="Guru" typeface="Raavi"/>
+        <a:font script="Cans" typeface="Euphemia"/>
+        <a:font script="Cher" typeface="Plantagenet Cherokee"/>
+        <a:font script="Yiii" typeface="Microsoft Yi Baiti"/>
+        <a:font script="Tibt" typeface="Microsoft Himalaya"/>
+        <a:font script="Thaa" typeface="MV Boli"/>
+        <a:font script="Deva" typeface="Mangal"/>
+        <a:font script="Telu" typeface="Gautami"/>
+        <a:font script="Taml" typeface="Latha"/>
+        <a:font script="Syrc" typeface="Estrangelo Edessa"/>
+        <a:font script="Orya" typeface="Kalinga"/>
+        <a:font script="Mlym" typeface="Kartika"/>
+        <a:font script="Laoo" typeface="DokChampa"/>
+        <a:font script="Sinh" typeface="Iskoola Pota"/>
+        <a:font script="Mong" typeface="Mongolian Baiti"/>
+        <a:font script="Viet" typeface="Arial"/>
+        <a:font script="Uigh" typeface="Microsoft Uighur"/>
+        <a:font script="Geor" typeface="Sylfaen"/>
+      </a:majorFont>
+      <a:minorFont>
+        <a:latin typeface="Gill Sans MT" panose="020B0502020104020203"/>
+        <a:ea typeface=""/>
+        <a:cs typeface=""/>
+        <a:font script="Grek" typeface="Corbel"/>
+        <a:font script="Cyrl" typeface="Corbel"/>
+        <a:font script="Jpan" typeface="メイリオ"/>
+        <a:font script="Hang" typeface="휴먼매직체"/>
+        <a:font script="Hans" typeface="华文中宋"/>
+        <a:font script="Hant" typeface="微軟正黑體"/>
+        <a:font script="Arab" typeface="Majalla UI"/>
+        <a:font script="Hebr" typeface="Arial"/>
+        <a:font script="Thai" typeface="Cordia New"/>
+        <a:font script="Ethi" typeface="Nyala"/>
+        <a:font script="Beng" typeface="Vrinda"/>
+        <a:font script="Gujr" typeface="Shruti"/>
+        <a:font script="Khmr" typeface="DaunPenh"/>
+        <a:font script="Knda" typeface="Tunga"/>
+        <a:font script="Guru" typeface="Raavi"/>
+        <a:font script="Cans" typeface="Euphemia"/>
+        <a:font script="Cher" typeface="Plantagenet Cherokee"/>
+        <a:font script="Yiii" typeface="Microsoft Yi Baiti"/>
+        <a:font script="Tibt" typeface="Microsoft Himalaya"/>
+        <a:font script="Thaa" typeface="MV Boli"/>
+        <a:font script="Deva" typeface="Mangal"/>
+        <a:font script="Telu" typeface="Gautami"/>
+        <a:font script="Taml" typeface="Latha"/>
+        <a:font script="Syrc" typeface="Estrangelo Edessa"/>
+        <a:font script="Orya" typeface="Kalinga"/>
+        <a:font script="Mlym" typeface="Kartika"/>
+        <a:font script="Laoo" typeface="DokChampa"/>
+        <a:font script="Sinh" typeface="Iskoola Pota"/>
+        <a:font script="Mong" typeface="Mongolian Baiti"/>
+        <a:font script="Viet" typeface="Tahoma"/>
+        <a:font script="Uigh" typeface="Microsoft Uighur"/>
+        <a:font script="Geor" typeface="Sylfaen"/>
+      </a:minorFont>
+    </a:fontScheme>
+    <a:fmtScheme name="Badge">
+      <a:fillStyleLst>
+        <a:solidFill>
+          <a:schemeClr val="phClr"/>
+        </a:solidFill>
+        <a:gradFill rotWithShape="1">
+          <a:gsLst>
+            <a:gs pos="0">
+              <a:schemeClr val="phClr">
+                <a:tint val="67000"/>
+                <a:satMod val="105000"/>
+                <a:lumMod val="110000"/>
+              </a:schemeClr>
+            </a:gs>
+            <a:gs pos="50000">
+              <a:schemeClr val="phClr">
+                <a:tint val="73000"/>
+                <a:satMod val="103000"/>
+                <a:lumMod val="105000"/>
+              </a:schemeClr>
+            </a:gs>
+            <a:gs pos="100000">
+              <a:schemeClr val="phClr">
+                <a:tint val="81000"/>
+                <a:satMod val="109000"/>
+                <a:lumMod val="105000"/>
+              </a:schemeClr>
+            </a:gs>
+          </a:gsLst>
+          <a:lin ang="5400000" scaled="0"/>
+        </a:gradFill>
+        <a:gradFill rotWithShape="1">
+          <a:gsLst>
+            <a:gs pos="0">
+              <a:schemeClr val="phClr">
+                <a:tint val="94000"/>
+                <a:satMod val="103000"/>
+                <a:lumMod val="102000"/>
+              </a:schemeClr>
+            </a:gs>
+            <a:gs pos="50000">
+              <a:schemeClr val="phClr">
+                <a:shade val="100000"/>
+                <a:satMod val="110000"/>
+                <a:lumMod val="100000"/>
+              </a:schemeClr>
+            </a:gs>
+            <a:gs pos="100000">
+              <a:schemeClr val="phClr">
+                <a:shade val="78000"/>
+                <a:satMod val="120000"/>
+                <a:lumMod val="99000"/>
+              </a:schemeClr>
+            </a:gs>
+          </a:gsLst>
+          <a:lin ang="5400000" scaled="0"/>
+        </a:gradFill>
+      </a:fillStyleLst>
+      <a:lnStyleLst>
+        <a:ln w="6350" cap="flat" cmpd="sng" algn="in">
+          <a:solidFill>
+            <a:schemeClr val="phClr"/>
+          </a:solidFill>
+          <a:prstDash val="solid"/>
+        </a:ln>
+        <a:ln w="12700" cap="flat" cmpd="sng" algn="in">
+          <a:solidFill>
+            <a:schemeClr val="phClr"/>
+          </a:solidFill>
+          <a:prstDash val="solid"/>
+        </a:ln>
+        <a:ln w="50800" cap="flat" cmpd="sng" algn="in">
+          <a:solidFill>
+            <a:schemeClr val="phClr"/>
+          </a:solidFill>
+          <a:prstDash val="solid"/>
+        </a:ln>
+      </a:lnStyleLst>
+      <a:effectStyleLst>
+        <a:effectStyle>
+          <a:effectLst/>
+        </a:effectStyle>
+        <a:effectStyle>
+          <a:effectLst/>
+        </a:effectStyle>
+        <a:effectStyle>
+          <a:effectLst>
+            <a:outerShdw blurRad="38100" dist="25400" dir="5400000" algn="ctr" rotWithShape="0">
+              <a:srgbClr val="000000">
+                <a:alpha val="25000"/>
+              </a:srgbClr>
+            </a:outerShdw>
+          </a:effectLst>
+        </a:effectStyle>
+      </a:effectStyleLst>
+      <a:bgFillStyleLst>
+        <a:solidFill>
+          <a:schemeClr val="phClr"/>
+        </a:solidFill>
+        <a:solidFill>
+          <a:schemeClr val="phClr">
+            <a:tint val="95000"/>
+            <a:satMod val="170000"/>
+          </a:schemeClr>
+        </a:solidFill>
+        <a:gradFill rotWithShape="1">
+          <a:gsLst>
+            <a:gs pos="0">
+              <a:schemeClr val="phClr">
+                <a:tint val="93000"/>
+                <a:shade val="98000"/>
+                <a:satMod val="150000"/>
+                <a:lumMod val="102000"/>
+              </a:schemeClr>
+            </a:gs>
+            <a:gs pos="50000">
+              <a:schemeClr val="phClr">
+                <a:tint val="98000"/>
+                <a:shade val="90000"/>
+                <a:satMod val="130000"/>
+                <a:lumMod val="103000"/>
+              </a:schemeClr>
+            </a:gs>
+            <a:gs pos="100000">
+              <a:schemeClr val="phClr">
+                <a:shade val="63000"/>
+                <a:satMod val="120000"/>
+              </a:schemeClr>
+            </a:gs>
+          </a:gsLst>
+          <a:lin ang="5400000" scaled="0"/>
+        </a:gradFill>
+      </a:bgFillStyleLst>
+    </a:fmtScheme>
+  </a:themeElements>
+  <a:objectDefaults/>
+  <a:extraClrSchemeLst/>
+  <a:extLst>
+    <a:ext uri="{05A4C25C-085E-4340-85A3-A5531E510DB2}">
+      <thm15:themeFamily xmlns:thm15="http://schemas.microsoft.com/office/thememl/2012/main" name="Badge" id="{71A07785-5930-41D4-9A83-E23602B48E98}" vid="{771EA782-DFA6-45B1-AEA3-661F1715B310}"/>
+    </a:ext>
+  </a:extLst>
+</a:theme>
+</file>
+
+<file path=ppt/theme/theme2.xml><?xml version="1.0" encoding="utf-8"?>
+<a:theme xmlns:a="http://schemas.openxmlformats.org/drawingml/2006/main" name="Thème Office">
   <a:themeElements>
     <a:clrScheme name="Office">
       <a:dk1>
@@ -5167,7 +8902,7 @@
         <a:srgbClr val="E7E6E6"/>
       </a:lt2>
       <a:accent1>
-        <a:srgbClr val="4472C4"/>
+        <a:srgbClr val="5B9BD5"/>
       </a:accent1>
       <a:accent2>
         <a:srgbClr val="ED7D31"/>
@@ -5179,7 +8914,7 @@
         <a:srgbClr val="FFC000"/>
       </a:accent4>
       <a:accent5>
-        <a:srgbClr val="5B9BD5"/>
+        <a:srgbClr val="4472C4"/>
       </a:accent5>
       <a:accent6>
         <a:srgbClr val="70AD47"/>
@@ -5196,9 +8931,9 @@
         <a:latin typeface="Calibri Light" panose="020F0302020204030204"/>
         <a:ea typeface=""/>
         <a:cs typeface=""/>
-        <a:font script="Jpan" typeface="游ゴシック Light"/>
+        <a:font script="Jpan" typeface="ＭＳ Ｐゴシック"/>
         <a:font script="Hang" typeface="맑은 고딕"/>
-        <a:font script="Hans" typeface="等线 Light"/>
+        <a:font script="Hans" typeface="宋体"/>
         <a:font script="Hant" typeface="新細明體"/>
         <a:font script="Arab" typeface="Times New Roman"/>
         <a:font script="Hebr" typeface="Times New Roman"/>
@@ -5226,31 +8961,14 @@
         <a:font script="Viet" typeface="Times New Roman"/>
         <a:font script="Uigh" typeface="Microsoft Uighur"/>
         <a:font script="Geor" typeface="Sylfaen"/>
-        <a:font script="Armn" typeface="Arial"/>
-        <a:font script="Bugi" typeface="Leelawadee UI"/>
-        <a:font script="Bopo" typeface="Microsoft JhengHei"/>
-        <a:font script="Java" typeface="Javanese Text"/>
-        <a:font script="Lisu" typeface="Segoe UI"/>
-        <a:font script="Mymr" typeface="Myanmar Text"/>
-        <a:font script="Nkoo" typeface="Ebrima"/>
-        <a:font script="Olck" typeface="Nirmala UI"/>
-        <a:font script="Osma" typeface="Ebrima"/>
-        <a:font script="Phag" typeface="Phagspa"/>
-        <a:font script="Syrn" typeface="Estrangelo Edessa"/>
-        <a:font script="Syrj" typeface="Estrangelo Edessa"/>
-        <a:font script="Syre" typeface="Estrangelo Edessa"/>
-        <a:font script="Sora" typeface="Nirmala UI"/>
-        <a:font script="Tale" typeface="Microsoft Tai Le"/>
-        <a:font script="Talu" typeface="Microsoft New Tai Lue"/>
-        <a:font script="Tfng" typeface="Ebrima"/>
       </a:majorFont>
       <a:minorFont>
         <a:latin typeface="Calibri" panose="020F0502020204030204"/>
         <a:ea typeface=""/>
         <a:cs typeface=""/>
-        <a:font script="Jpan" typeface="游ゴシック"/>
+        <a:font script="Jpan" typeface="ＭＳ Ｐゴシック"/>
         <a:font script="Hang" typeface="맑은 고딕"/>
-        <a:font script="Hans" typeface="等线"/>
+        <a:font script="Hans" typeface="宋体"/>
         <a:font script="Hant" typeface="新細明體"/>
         <a:font script="Arab" typeface="Arial"/>
         <a:font script="Hebr" typeface="Arial"/>
@@ -5278,23 +8996,267 @@
         <a:font script="Viet" typeface="Arial"/>
         <a:font script="Uigh" typeface="Microsoft Uighur"/>
         <a:font script="Geor" typeface="Sylfaen"/>
-        <a:font script="Armn" typeface="Arial"/>
-        <a:font script="Bugi" typeface="Leelawadee UI"/>
-        <a:font script="Bopo" typeface="Microsoft JhengHei"/>
-        <a:font script="Java" typeface="Javanese Text"/>
-        <a:font script="Lisu" typeface="Segoe UI"/>
-        <a:font script="Mymr" typeface="Myanmar Text"/>
-        <a:font script="Nkoo" typeface="Ebrima"/>
-        <a:font script="Olck" typeface="Nirmala UI"/>
-        <a:font script="Osma" typeface="Ebrima"/>
-        <a:font script="Phag" typeface="Phagspa"/>
-        <a:font script="Syrn" typeface="Estrangelo Edessa"/>
-        <a:font script="Syrj" typeface="Estrangelo Edessa"/>
-        <a:font script="Syre" typeface="Estrangelo Edessa"/>
-        <a:font script="Sora" typeface="Nirmala UI"/>
-        <a:font script="Tale" typeface="Microsoft Tai Le"/>
-        <a:font script="Talu" typeface="Microsoft New Tai Lue"/>
-        <a:font script="Tfng" typeface="Ebrima"/>
+      </a:minorFont>
+    </a:fontScheme>
+    <a:fmtScheme name="Office">
+      <a:fillStyleLst>
+        <a:solidFill>
+          <a:schemeClr val="phClr"/>
+        </a:solidFill>
+        <a:gradFill rotWithShape="1">
+          <a:gsLst>
+            <a:gs pos="0">
+              <a:schemeClr val="phClr">
+                <a:lumMod val="110000"/>
+                <a:satMod val="105000"/>
+                <a:tint val="67000"/>
+              </a:schemeClr>
+            </a:gs>
+            <a:gs pos="50000">
+              <a:schemeClr val="phClr">
+                <a:lumMod val="105000"/>
+                <a:satMod val="103000"/>
+                <a:tint val="73000"/>
+              </a:schemeClr>
+            </a:gs>
+            <a:gs pos="100000">
+              <a:schemeClr val="phClr">
+                <a:lumMod val="105000"/>
+                <a:satMod val="109000"/>
+                <a:tint val="81000"/>
+              </a:schemeClr>
+            </a:gs>
+          </a:gsLst>
+          <a:lin ang="5400000" scaled="0"/>
+        </a:gradFill>
+        <a:gradFill rotWithShape="1">
+          <a:gsLst>
+            <a:gs pos="0">
+              <a:schemeClr val="phClr">
+                <a:satMod val="103000"/>
+                <a:lumMod val="102000"/>
+                <a:tint val="94000"/>
+              </a:schemeClr>
+            </a:gs>
+            <a:gs pos="50000">
+              <a:schemeClr val="phClr">
+                <a:satMod val="110000"/>
+                <a:lumMod val="100000"/>
+                <a:shade val="100000"/>
+              </a:schemeClr>
+            </a:gs>
+            <a:gs pos="100000">
+              <a:schemeClr val="phClr">
+                <a:lumMod val="99000"/>
+                <a:satMod val="120000"/>
+                <a:shade val="78000"/>
+              </a:schemeClr>
+            </a:gs>
+          </a:gsLst>
+          <a:lin ang="5400000" scaled="0"/>
+        </a:gradFill>
+      </a:fillStyleLst>
+      <a:lnStyleLst>
+        <a:ln w="6350" cap="flat" cmpd="sng" algn="ctr">
+          <a:solidFill>
+            <a:schemeClr val="phClr"/>
+          </a:solidFill>
+          <a:prstDash val="solid"/>
+          <a:miter lim="800000"/>
+        </a:ln>
+        <a:ln w="12700" cap="flat" cmpd="sng" algn="ctr">
+          <a:solidFill>
+            <a:schemeClr val="phClr"/>
+          </a:solidFill>
+          <a:prstDash val="solid"/>
+          <a:miter lim="800000"/>
+        </a:ln>
+        <a:ln w="19050" cap="flat" cmpd="sng" algn="ctr">
+          <a:solidFill>
+            <a:schemeClr val="phClr"/>
+          </a:solidFill>
+          <a:prstDash val="solid"/>
+          <a:miter lim="800000"/>
+        </a:ln>
+      </a:lnStyleLst>
+      <a:effectStyleLst>
+        <a:effectStyle>
+          <a:effectLst/>
+        </a:effectStyle>
+        <a:effectStyle>
+          <a:effectLst/>
+        </a:effectStyle>
+        <a:effectStyle>
+          <a:effectLst>
+            <a:outerShdw blurRad="57150" dist="19050" dir="5400000" algn="ctr" rotWithShape="0">
+              <a:srgbClr val="000000">
+                <a:alpha val="63000"/>
+              </a:srgbClr>
+            </a:outerShdw>
+          </a:effectLst>
+        </a:effectStyle>
+      </a:effectStyleLst>
+      <a:bgFillStyleLst>
+        <a:solidFill>
+          <a:schemeClr val="phClr"/>
+        </a:solidFill>
+        <a:solidFill>
+          <a:schemeClr val="phClr">
+            <a:tint val="95000"/>
+            <a:satMod val="170000"/>
+          </a:schemeClr>
+        </a:solidFill>
+        <a:gradFill rotWithShape="1">
+          <a:gsLst>
+            <a:gs pos="0">
+              <a:schemeClr val="phClr">
+                <a:tint val="93000"/>
+                <a:satMod val="150000"/>
+                <a:shade val="98000"/>
+                <a:lumMod val="102000"/>
+              </a:schemeClr>
+            </a:gs>
+            <a:gs pos="50000">
+              <a:schemeClr val="phClr">
+                <a:tint val="98000"/>
+                <a:satMod val="130000"/>
+                <a:shade val="90000"/>
+                <a:lumMod val="103000"/>
+              </a:schemeClr>
+            </a:gs>
+            <a:gs pos="100000">
+              <a:schemeClr val="phClr">
+                <a:shade val="63000"/>
+                <a:satMod val="120000"/>
+              </a:schemeClr>
+            </a:gs>
+          </a:gsLst>
+          <a:lin ang="5400000" scaled="0"/>
+        </a:gradFill>
+      </a:bgFillStyleLst>
+    </a:fmtScheme>
+  </a:themeElements>
+  <a:objectDefaults/>
+  <a:extraClrSchemeLst/>
+  <a:extLst>
+    <a:ext uri="{05A4C25C-085E-4340-85A3-A5531E510DB2}">
+      <thm15:themeFamily xmlns:thm15="http://schemas.microsoft.com/office/thememl/2012/main" name="Office Theme" id="{62F939B6-93AF-4DB8-9C6B-D6C7DFDC589F}" vid="{4A3C46E8-61CC-4603-A589-7422A47A8E4A}"/>
+    </a:ext>
+  </a:extLst>
+</a:theme>
+</file>
+
+<file path=ppt/theme/theme3.xml><?xml version="1.0" encoding="utf-8"?>
+<a:theme xmlns:a="http://schemas.openxmlformats.org/drawingml/2006/main" name="Thème Office">
+  <a:themeElements>
+    <a:clrScheme name="Office">
+      <a:dk1>
+        <a:sysClr val="windowText" lastClr="000000"/>
+      </a:dk1>
+      <a:lt1>
+        <a:sysClr val="window" lastClr="FFFFFF"/>
+      </a:lt1>
+      <a:dk2>
+        <a:srgbClr val="44546A"/>
+      </a:dk2>
+      <a:lt2>
+        <a:srgbClr val="E7E6E6"/>
+      </a:lt2>
+      <a:accent1>
+        <a:srgbClr val="5B9BD5"/>
+      </a:accent1>
+      <a:accent2>
+        <a:srgbClr val="ED7D31"/>
+      </a:accent2>
+      <a:accent3>
+        <a:srgbClr val="A5A5A5"/>
+      </a:accent3>
+      <a:accent4>
+        <a:srgbClr val="FFC000"/>
+      </a:accent4>
+      <a:accent5>
+        <a:srgbClr val="4472C4"/>
+      </a:accent5>
+      <a:accent6>
+        <a:srgbClr val="70AD47"/>
+      </a:accent6>
+      <a:hlink>
+        <a:srgbClr val="0563C1"/>
+      </a:hlink>
+      <a:folHlink>
+        <a:srgbClr val="954F72"/>
+      </a:folHlink>
+    </a:clrScheme>
+    <a:fontScheme name="Office">
+      <a:majorFont>
+        <a:latin typeface="Calibri Light" panose="020F0302020204030204"/>
+        <a:ea typeface=""/>
+        <a:cs typeface=""/>
+        <a:font script="Jpan" typeface="ＭＳ Ｐゴシック"/>
+        <a:font script="Hang" typeface="맑은 고딕"/>
+        <a:font script="Hans" typeface="宋体"/>
+        <a:font script="Hant" typeface="新細明體"/>
+        <a:font script="Arab" typeface="Times New Roman"/>
+        <a:font script="Hebr" typeface="Times New Roman"/>
+        <a:font script="Thai" typeface="Angsana New"/>
+        <a:font script="Ethi" typeface="Nyala"/>
+        <a:font script="Beng" typeface="Vrinda"/>
+        <a:font script="Gujr" typeface="Shruti"/>
+        <a:font script="Khmr" typeface="MoolBoran"/>
+        <a:font script="Knda" typeface="Tunga"/>
+        <a:font script="Guru" typeface="Raavi"/>
+        <a:font script="Cans" typeface="Euphemia"/>
+        <a:font script="Cher" typeface="Plantagenet Cherokee"/>
+        <a:font script="Yiii" typeface="Microsoft Yi Baiti"/>
+        <a:font script="Tibt" typeface="Microsoft Himalaya"/>
+        <a:font script="Thaa" typeface="MV Boli"/>
+        <a:font script="Deva" typeface="Mangal"/>
+        <a:font script="Telu" typeface="Gautami"/>
+        <a:font script="Taml" typeface="Latha"/>
+        <a:font script="Syrc" typeface="Estrangelo Edessa"/>
+        <a:font script="Orya" typeface="Kalinga"/>
+        <a:font script="Mlym" typeface="Kartika"/>
+        <a:font script="Laoo" typeface="DokChampa"/>
+        <a:font script="Sinh" typeface="Iskoola Pota"/>
+        <a:font script="Mong" typeface="Mongolian Baiti"/>
+        <a:font script="Viet" typeface="Times New Roman"/>
+        <a:font script="Uigh" typeface="Microsoft Uighur"/>
+        <a:font script="Geor" typeface="Sylfaen"/>
+      </a:majorFont>
+      <a:minorFont>
+        <a:latin typeface="Calibri" panose="020F0502020204030204"/>
+        <a:ea typeface=""/>
+        <a:cs typeface=""/>
+        <a:font script="Jpan" typeface="ＭＳ Ｐゴシック"/>
+        <a:font script="Hang" typeface="맑은 고딕"/>
+        <a:font script="Hans" typeface="宋体"/>
+        <a:font script="Hant" typeface="新細明體"/>
+        <a:font script="Arab" typeface="Arial"/>
+        <a:font script="Hebr" typeface="Arial"/>
+        <a:font script="Thai" typeface="Cordia New"/>
+        <a:font script="Ethi" typeface="Nyala"/>
+        <a:font script="Beng" typeface="Vrinda"/>
+        <a:font script="Gujr" typeface="Shruti"/>
+        <a:font script="Khmr" typeface="DaunPenh"/>
+        <a:font script="Knda" typeface="Tunga"/>
+        <a:font script="Guru" typeface="Raavi"/>
+        <a:font script="Cans" typeface="Euphemia"/>
+        <a:font script="Cher" typeface="Plantagenet Cherokee"/>
+        <a:font script="Yiii" typeface="Microsoft Yi Baiti"/>
+        <a:font script="Tibt" typeface="Microsoft Himalaya"/>
+        <a:font script="Thaa" typeface="MV Boli"/>
+        <a:font script="Deva" typeface="Mangal"/>
+        <a:font script="Telu" typeface="Gautami"/>
+        <a:font script="Taml" typeface="Latha"/>
+        <a:font script="Syrc" typeface="Estrangelo Edessa"/>
+        <a:font script="Orya" typeface="Kalinga"/>
+        <a:font script="Mlym" typeface="Kartika"/>
+        <a:font script="Laoo" typeface="DokChampa"/>
+        <a:font script="Sinh" typeface="Iskoola Pota"/>
+        <a:font script="Mong" typeface="Mongolian Baiti"/>
+        <a:font script="Viet" typeface="Arial"/>
+        <a:font script="Uigh" typeface="Microsoft Uighur"/>
+        <a:font script="Geor" typeface="Sylfaen"/>
       </a:minorFont>
     </a:fontScheme>
     <a:fmtScheme name="Office">

--- a/presentation.pptx
+++ b/presentation.pptx
@@ -129,6 +129,9 @@
     <p:ext uri="{EFAFB233-063F-42B5-8137-9DF3F51BA10A}">
       <p15:sldGuideLst xmlns:p15="http://schemas.microsoft.com/office/powerpoint/2012/main"/>
     </p:ext>
+    <p:ext uri="{2D200454-40CA-4A62-9FC3-DE9A4176ACB9}">
+      <p15:notesGuideLst xmlns:p15="http://schemas.microsoft.com/office/powerpoint/2012/main"/>
+    </p:ext>
   </p:extLst>
 </p:presentation>
 </file>
@@ -215,7 +218,7 @@
           <a:p>
             <a:fld id="{0C1B054F-F1C7-4390-BA67-25B9ECAC0932}" type="datetimeFigureOut">
               <a:rPr lang="fr-FR" smtClean="0"/>
-              <a:t>30/05/2018</a:t>
+              <a:t>31/05/2018</a:t>
             </a:fld>
             <a:endParaRPr lang="fr-FR"/>
           </a:p>
@@ -380,7 +383,7 @@
           <a:p>
             <a:fld id="{7F2353E4-F211-4D92-A9C2-88B27EAE0D86}" type="datetimeFigureOut">
               <a:rPr lang="fr-FR" smtClean="0"/>
-              <a:t>30/05/2018</a:t>
+              <a:t>31/05/2018</a:t>
             </a:fld>
             <a:endParaRPr lang="fr-FR"/>
           </a:p>
@@ -444,38 +447,37 @@
           <a:p>
             <a:pPr lvl="0"/>
             <a:r>
-              <a:rPr lang="fr-FR" smtClean="0"/>
+              <a:rPr lang="fr-FR"/>
               <a:t>Modifiez les styles du texte du masque</a:t>
             </a:r>
           </a:p>
           <a:p>
             <a:pPr lvl="1"/>
             <a:r>
-              <a:rPr lang="fr-FR" smtClean="0"/>
+              <a:rPr lang="fr-FR"/>
               <a:t>Deuxième niveau</a:t>
             </a:r>
           </a:p>
           <a:p>
             <a:pPr lvl="2"/>
             <a:r>
-              <a:rPr lang="fr-FR" smtClean="0"/>
+              <a:rPr lang="fr-FR"/>
               <a:t>Troisième niveau</a:t>
             </a:r>
           </a:p>
           <a:p>
             <a:pPr lvl="3"/>
             <a:r>
-              <a:rPr lang="fr-FR" smtClean="0"/>
+              <a:rPr lang="fr-FR"/>
               <a:t>Quatrième niveau</a:t>
             </a:r>
           </a:p>
           <a:p>
             <a:pPr lvl="4"/>
             <a:r>
-              <a:rPr lang="fr-FR" smtClean="0"/>
+              <a:rPr lang="fr-FR"/>
               <a:t>Cinquième niveau</a:t>
             </a:r>
-            <a:endParaRPr lang="fr-FR"/>
           </a:p>
         </p:txBody>
       </p:sp>
@@ -710,14 +712,14 @@
               <a:defRPr/>
             </a:pPr>
             <a:r>
-              <a:rPr lang="fr-FR" dirty="0" smtClean="0"/>
+              <a:rPr lang="fr-FR" dirty="0"/>
               <a:t>Explications sur les premières idées + logo Good </a:t>
             </a:r>
             <a:r>
-              <a:rPr lang="fr-FR" dirty="0" err="1" smtClean="0"/>
+              <a:rPr lang="fr-FR" dirty="0" err="1"/>
               <a:t>enough</a:t>
             </a:r>
-            <a:endParaRPr lang="fr-FR" dirty="0" smtClean="0"/>
+            <a:endParaRPr lang="fr-FR" dirty="0"/>
           </a:p>
           <a:p>
             <a:pPr marL="0" marR="0" lvl="0" indent="0" algn="l" defTabSz="914400" rtl="0" eaLnBrk="1" fontAlgn="auto" latinLnBrk="0" hangingPunct="1">
@@ -738,26 +740,26 @@
               <a:defRPr/>
             </a:pPr>
             <a:r>
-              <a:rPr lang="fr-FR" dirty="0" smtClean="0"/>
+              <a:rPr lang="fr-FR" dirty="0"/>
               <a:t>On voulait faire</a:t>
             </a:r>
             <a:r>
-              <a:rPr lang="fr-FR" baseline="0" dirty="0" smtClean="0"/>
+              <a:rPr lang="fr-FR" baseline="0" dirty="0"/>
               <a:t> un site sur l’informatique, plus </a:t>
             </a:r>
             <a:r>
-              <a:rPr lang="fr-FR" baseline="0" dirty="0" err="1" smtClean="0"/>
+              <a:rPr lang="fr-FR" baseline="0" dirty="0" err="1"/>
               <a:t>précisement</a:t>
             </a:r>
             <a:r>
-              <a:rPr lang="fr-FR" baseline="0" dirty="0" smtClean="0"/>
+              <a:rPr lang="fr-FR" baseline="0" dirty="0"/>
               <a:t> de la vente de matériel informatique, sauf que ce n’était pas possible. On est donc passés a une agence de </a:t>
             </a:r>
             <a:r>
-              <a:rPr lang="fr-FR" baseline="0" dirty="0" err="1" smtClean="0"/>
+              <a:rPr lang="fr-FR" baseline="0" dirty="0" err="1"/>
               <a:t>programmatiob</a:t>
             </a:r>
-            <a:endParaRPr lang="fr-FR" dirty="0" smtClean="0"/>
+            <a:endParaRPr lang="fr-FR" dirty="0"/>
           </a:p>
           <a:p>
             <a:pPr marL="0" marR="0" lvl="0" indent="0" algn="l" defTabSz="914400" rtl="0" eaLnBrk="1" fontAlgn="auto" latinLnBrk="0" hangingPunct="1">
@@ -777,7 +779,7 @@
               <a:tabLst/>
               <a:defRPr/>
             </a:pPr>
-            <a:endParaRPr lang="fr-FR" dirty="0" smtClean="0"/>
+            <a:endParaRPr lang="fr-FR" dirty="0"/>
           </a:p>
           <a:p>
             <a:pPr marL="0" marR="0" lvl="0" indent="0" algn="l" defTabSz="914400" rtl="0" eaLnBrk="1" fontAlgn="auto" latinLnBrk="0" hangingPunct="1">
@@ -798,11 +800,11 @@
               <a:defRPr/>
             </a:pPr>
             <a:r>
-              <a:rPr lang="fr-FR" dirty="0" smtClean="0"/>
+              <a:rPr lang="fr-FR" dirty="0"/>
               <a:t>Idées pour le logo : rappel du monde de l’internet, rapport avec la programmation</a:t>
             </a:r>
             <a:r>
-              <a:rPr lang="fr-FR" baseline="0" dirty="0" smtClean="0"/>
+              <a:rPr lang="fr-FR" baseline="0" dirty="0"/>
               <a:t> ou science</a:t>
             </a:r>
           </a:p>
@@ -825,7 +827,7 @@
               <a:defRPr/>
             </a:pPr>
             <a:r>
-              <a:rPr lang="fr-FR" baseline="0" dirty="0" smtClean="0"/>
+              <a:rPr lang="fr-FR" baseline="0" dirty="0"/>
               <a:t>Ensuite juste logo = titre de l’agence</a:t>
             </a:r>
           </a:p>
@@ -847,7 +849,7 @@
               <a:tabLst/>
               <a:defRPr/>
             </a:pPr>
-            <a:endParaRPr lang="fr-FR" dirty="0" smtClean="0"/>
+            <a:endParaRPr lang="fr-FR" dirty="0"/>
           </a:p>
         </p:txBody>
       </p:sp>
@@ -949,15 +951,15 @@
               <a:defRPr/>
             </a:pPr>
             <a:r>
-              <a:rPr lang="fr-FR" baseline="0" dirty="0" smtClean="0"/>
+              <a:rPr lang="fr-FR" baseline="0" dirty="0"/>
               <a:t>Et pour finir I/0 = idée du rapport avec l’informatique qui unit l’hardware et le software, et nous en tant que programmeurs, on passe du hardware (</a:t>
             </a:r>
             <a:r>
-              <a:rPr lang="fr-FR" baseline="0" dirty="0" err="1" smtClean="0"/>
+              <a:rPr lang="fr-FR" baseline="0" dirty="0" err="1"/>
               <a:t>fromhardware</a:t>
             </a:r>
             <a:r>
-              <a:rPr lang="fr-FR" baseline="0" dirty="0" smtClean="0"/>
+              <a:rPr lang="fr-FR" baseline="0" dirty="0"/>
               <a:t>) au software</a:t>
             </a:r>
           </a:p>
@@ -980,11 +982,11 @@
               <a:defRPr/>
             </a:pPr>
             <a:r>
-              <a:rPr lang="fr-FR" dirty="0" smtClean="0"/>
+              <a:rPr lang="fr-FR" dirty="0"/>
               <a:t>De plus,</a:t>
             </a:r>
             <a:r>
-              <a:rPr lang="fr-FR" baseline="0" dirty="0" smtClean="0"/>
+              <a:rPr lang="fr-FR" baseline="0" dirty="0"/>
               <a:t> le input et output, est utilisé en informatique, et ca rappelle les bits 1 et 0</a:t>
             </a:r>
           </a:p>
@@ -1007,16 +1009,16 @@
               <a:defRPr/>
             </a:pPr>
             <a:r>
-              <a:rPr lang="fr-FR" baseline="0" dirty="0" smtClean="0"/>
+              <a:rPr lang="fr-FR" baseline="0" dirty="0"/>
               <a:t>		</a:t>
             </a:r>
             <a:r>
-              <a:rPr lang="fr-FR" baseline="0" dirty="0" smtClean="0">
+              <a:rPr lang="fr-FR" baseline="0" dirty="0">
                 <a:sym typeface="Wingdings" panose="05000000000000000000" pitchFamily="2" charset="2"/>
               </a:rPr>
               <a:t> on exploite les capacités techniques d’une machine pour créer un produit numérique, mais l’hardware est la source de tout</a:t>
             </a:r>
-            <a:endParaRPr lang="fr-FR" dirty="0" smtClean="0"/>
+            <a:endParaRPr lang="fr-FR" dirty="0"/>
           </a:p>
         </p:txBody>
       </p:sp>
@@ -1101,17 +1103,17 @@
           <a:lstStyle/>
           <a:p>
             <a:r>
-              <a:rPr lang="fr-FR" dirty="0" smtClean="0"/>
+              <a:rPr lang="fr-FR" dirty="0"/>
               <a:t>Explication charte graphique : juste style très</a:t>
             </a:r>
             <a:r>
-              <a:rPr lang="fr-FR" baseline="0" dirty="0" smtClean="0"/>
+              <a:rPr lang="fr-FR" baseline="0" dirty="0"/>
               <a:t> simple et sombre, qui va droit à l’essentiel, comme beaucoup de sites actuels</a:t>
             </a:r>
           </a:p>
           <a:p>
             <a:r>
-              <a:rPr lang="fr-FR" baseline="0" dirty="0" smtClean="0"/>
+              <a:rPr lang="fr-FR" baseline="0" dirty="0"/>
               <a:t>Cheminement logo</a:t>
             </a:r>
             <a:endParaRPr lang="fr-FR" dirty="0"/>
@@ -1216,11 +1218,11 @@
               <a:defRPr/>
             </a:pPr>
             <a:r>
-              <a:rPr lang="fr-FR" dirty="0" smtClean="0"/>
+              <a:rPr lang="fr-FR" dirty="0"/>
               <a:t>Explication vidéo</a:t>
             </a:r>
             <a:r>
-              <a:rPr lang="fr-FR" baseline="0" dirty="0" smtClean="0"/>
+              <a:rPr lang="fr-FR" baseline="0" dirty="0"/>
               <a:t> :</a:t>
             </a:r>
           </a:p>
@@ -1243,14 +1245,14 @@
               <a:defRPr/>
             </a:pPr>
             <a:r>
-              <a:rPr lang="fr-FR" baseline="0" dirty="0" smtClean="0"/>
+              <a:rPr lang="fr-FR" baseline="0" dirty="0"/>
               <a:t>Ton décalé </a:t>
             </a:r>
             <a:r>
-              <a:rPr lang="fr-FR" baseline="0" dirty="0" err="1" smtClean="0"/>
+              <a:rPr lang="fr-FR" baseline="0" dirty="0" err="1"/>
               <a:t>humouristique</a:t>
             </a:r>
-            <a:endParaRPr lang="fr-FR" baseline="0" dirty="0" smtClean="0"/>
+            <a:endParaRPr lang="fr-FR" baseline="0" dirty="0"/>
           </a:p>
           <a:p>
             <a:pPr marL="171450" marR="0" lvl="0" indent="-171450" algn="l" defTabSz="914400" rtl="0" eaLnBrk="1" fontAlgn="auto" latinLnBrk="0" hangingPunct="1">
@@ -1271,19 +1273,19 @@
               <a:defRPr/>
             </a:pPr>
             <a:r>
-              <a:rPr lang="fr-FR" dirty="0" smtClean="0"/>
+              <a:rPr lang="fr-FR" dirty="0"/>
               <a:t>On</a:t>
             </a:r>
             <a:r>
-              <a:rPr lang="fr-FR" baseline="0" dirty="0" smtClean="0"/>
+              <a:rPr lang="fr-FR" baseline="0" dirty="0"/>
               <a:t> a pensé à des hackers car ils sont associés à des </a:t>
             </a:r>
             <a:r>
-              <a:rPr lang="fr-FR" baseline="0" dirty="0" err="1" smtClean="0"/>
+              <a:rPr lang="fr-FR" baseline="0" dirty="0" err="1"/>
               <a:t>personens</a:t>
             </a:r>
             <a:r>
-              <a:rPr lang="fr-FR" baseline="0" dirty="0" smtClean="0"/>
+              <a:rPr lang="fr-FR" baseline="0" dirty="0"/>
               <a:t> qui codent très vite et se connaissent énormément en informatique</a:t>
             </a:r>
           </a:p>
@@ -1306,30 +1308,30 @@
               <a:defRPr/>
             </a:pPr>
             <a:r>
-              <a:rPr lang="fr-FR" baseline="0" dirty="0" smtClean="0"/>
+              <a:rPr lang="fr-FR" baseline="0" dirty="0"/>
               <a:t>On voulait </a:t>
             </a:r>
             <a:r>
-              <a:rPr lang="fr-FR" baseline="0" dirty="0" err="1" smtClean="0"/>
+              <a:rPr lang="fr-FR" baseline="0" dirty="0" err="1"/>
               <a:t>relféter</a:t>
             </a:r>
             <a:r>
-              <a:rPr lang="fr-FR" baseline="0" dirty="0" smtClean="0"/>
+              <a:rPr lang="fr-FR" baseline="0" dirty="0"/>
               <a:t> l’</a:t>
             </a:r>
             <a:r>
-              <a:rPr lang="fr-FR" baseline="0" dirty="0" err="1" smtClean="0"/>
+              <a:rPr lang="fr-FR" baseline="0" dirty="0" err="1"/>
               <a:t>hambiance</a:t>
             </a:r>
             <a:r>
-              <a:rPr lang="fr-FR" baseline="0" dirty="0" smtClean="0"/>
+              <a:rPr lang="fr-FR" baseline="0" dirty="0"/>
               <a:t> conviviale de l’agence, on est toujours </a:t>
             </a:r>
             <a:r>
-              <a:rPr lang="fr-FR" baseline="0" dirty="0" err="1" smtClean="0"/>
+              <a:rPr lang="fr-FR" baseline="0" dirty="0" err="1"/>
               <a:t>décompréssé</a:t>
             </a:r>
-            <a:endParaRPr lang="fr-FR" dirty="0" smtClean="0"/>
+            <a:endParaRPr lang="fr-FR" dirty="0"/>
           </a:p>
         </p:txBody>
       </p:sp>
@@ -1414,12 +1416,12 @@
           <a:lstStyle/>
           <a:p>
             <a:r>
-              <a:rPr lang="fr-FR" dirty="0" smtClean="0"/>
+              <a:rPr lang="fr-FR" dirty="0"/>
               <a:t>Explication du thème du jeu</a:t>
             </a:r>
           </a:p>
           <a:p>
-            <a:endParaRPr lang="fr-FR" dirty="0" smtClean="0"/>
+            <a:endParaRPr lang="fr-FR" dirty="0"/>
           </a:p>
           <a:p>
             <a:endParaRPr lang="fr-FR" dirty="0"/>
@@ -1561,7 +1563,7 @@
           </a:lstStyle>
           <a:p>
             <a:r>
-              <a:rPr lang="fr-FR" smtClean="0"/>
+              <a:rPr lang="fr-FR"/>
               <a:t>Modifiez le style du titre</a:t>
             </a:r>
             <a:endParaRPr lang="en-US" dirty="0"/>
@@ -1635,7 +1637,7 @@
           </a:lstStyle>
           <a:p>
             <a:r>
-              <a:rPr lang="fr-FR" smtClean="0"/>
+              <a:rPr lang="fr-FR"/>
               <a:t>Modifiez le style des sous-titres du masque</a:t>
             </a:r>
             <a:endParaRPr lang="en-US" dirty="0"/>
@@ -1674,7 +1676,7 @@
           <a:p>
             <a:fld id="{C909DD4E-88AE-4B9E-AC59-18F6C8A2744D}" type="datetimeFigureOut">
               <a:rPr lang="fr-FR" smtClean="0"/>
-              <a:t>30/05/2018</a:t>
+              <a:t>31/05/2018</a:t>
             </a:fld>
             <a:endParaRPr lang="fr-FR"/>
           </a:p>
@@ -1800,13 +1802,6 @@
   <p:clrMapOvr>
     <a:masterClrMapping/>
   </p:clrMapOvr>
-  <p:timing>
-    <p:tnLst>
-      <p:par>
-        <p:cTn id="1" dur="indefinite" restart="never" nodeType="tmRoot"/>
-      </p:par>
-    </p:tnLst>
-  </p:timing>
 </p:sldLayout>
 </file>
 
@@ -1843,7 +1838,7 @@
           <a:lstStyle/>
           <a:p>
             <a:r>
-              <a:rPr lang="fr-FR" smtClean="0"/>
+              <a:rPr lang="fr-FR"/>
               <a:t>Modifiez le style du titre</a:t>
             </a:r>
             <a:endParaRPr lang="en-US" dirty="0"/>
@@ -1867,35 +1862,35 @@
           <a:p>
             <a:pPr lvl="0"/>
             <a:r>
-              <a:rPr lang="fr-FR" smtClean="0"/>
+              <a:rPr lang="fr-FR"/>
               <a:t>Modifiez les styles du texte du masque</a:t>
             </a:r>
           </a:p>
           <a:p>
             <a:pPr lvl="1"/>
             <a:r>
-              <a:rPr lang="fr-FR" smtClean="0"/>
+              <a:rPr lang="fr-FR"/>
               <a:t>Deuxième niveau</a:t>
             </a:r>
           </a:p>
           <a:p>
             <a:pPr lvl="2"/>
             <a:r>
-              <a:rPr lang="fr-FR" smtClean="0"/>
+              <a:rPr lang="fr-FR"/>
               <a:t>Troisième niveau</a:t>
             </a:r>
           </a:p>
           <a:p>
             <a:pPr lvl="3"/>
             <a:r>
-              <a:rPr lang="fr-FR" smtClean="0"/>
+              <a:rPr lang="fr-FR"/>
               <a:t>Quatrième niveau</a:t>
             </a:r>
           </a:p>
           <a:p>
             <a:pPr lvl="4"/>
             <a:r>
-              <a:rPr lang="fr-FR" smtClean="0"/>
+              <a:rPr lang="fr-FR"/>
               <a:t>Cinquième niveau</a:t>
             </a:r>
             <a:endParaRPr lang="en-US" dirty="0"/>
@@ -1919,7 +1914,7 @@
           <a:p>
             <a:fld id="{C909DD4E-88AE-4B9E-AC59-18F6C8A2744D}" type="datetimeFigureOut">
               <a:rPr lang="fr-FR" smtClean="0"/>
-              <a:t>30/05/2018</a:t>
+              <a:t>31/05/2018</a:t>
             </a:fld>
             <a:endParaRPr lang="fr-FR"/>
           </a:p>
@@ -2018,7 +2013,7 @@
           <a:lstStyle/>
           <a:p>
             <a:r>
-              <a:rPr lang="fr-FR" smtClean="0"/>
+              <a:rPr lang="fr-FR"/>
               <a:t>Modifiez le style du titre</a:t>
             </a:r>
             <a:endParaRPr lang="en-US" dirty="0"/>
@@ -2047,35 +2042,35 @@
           <a:p>
             <a:pPr lvl="0"/>
             <a:r>
-              <a:rPr lang="fr-FR" smtClean="0"/>
+              <a:rPr lang="fr-FR"/>
               <a:t>Modifiez les styles du texte du masque</a:t>
             </a:r>
           </a:p>
           <a:p>
             <a:pPr lvl="1"/>
             <a:r>
-              <a:rPr lang="fr-FR" smtClean="0"/>
+              <a:rPr lang="fr-FR"/>
               <a:t>Deuxième niveau</a:t>
             </a:r>
           </a:p>
           <a:p>
             <a:pPr lvl="2"/>
             <a:r>
-              <a:rPr lang="fr-FR" smtClean="0"/>
+              <a:rPr lang="fr-FR"/>
               <a:t>Troisième niveau</a:t>
             </a:r>
           </a:p>
           <a:p>
             <a:pPr lvl="3"/>
             <a:r>
-              <a:rPr lang="fr-FR" smtClean="0"/>
+              <a:rPr lang="fr-FR"/>
               <a:t>Quatrième niveau</a:t>
             </a:r>
           </a:p>
           <a:p>
             <a:pPr lvl="4"/>
             <a:r>
-              <a:rPr lang="fr-FR" smtClean="0"/>
+              <a:rPr lang="fr-FR"/>
               <a:t>Cinquième niveau</a:t>
             </a:r>
             <a:endParaRPr lang="en-US" dirty="0"/>
@@ -2099,7 +2094,7 @@
           <a:p>
             <a:fld id="{C909DD4E-88AE-4B9E-AC59-18F6C8A2744D}" type="datetimeFigureOut">
               <a:rPr lang="fr-FR" smtClean="0"/>
-              <a:t>30/05/2018</a:t>
+              <a:t>31/05/2018</a:t>
             </a:fld>
             <a:endParaRPr lang="fr-FR"/>
           </a:p>
@@ -2193,7 +2188,7 @@
           <a:lstStyle/>
           <a:p>
             <a:r>
-              <a:rPr lang="fr-FR" smtClean="0"/>
+              <a:rPr lang="fr-FR"/>
               <a:t>Modifiez le style du titre</a:t>
             </a:r>
             <a:endParaRPr lang="en-US" dirty="0"/>
@@ -2217,35 +2212,35 @@
           <a:p>
             <a:pPr lvl="0"/>
             <a:r>
-              <a:rPr lang="fr-FR" smtClean="0"/>
+              <a:rPr lang="fr-FR"/>
               <a:t>Modifiez les styles du texte du masque</a:t>
             </a:r>
           </a:p>
           <a:p>
             <a:pPr lvl="1"/>
             <a:r>
-              <a:rPr lang="fr-FR" smtClean="0"/>
+              <a:rPr lang="fr-FR"/>
               <a:t>Deuxième niveau</a:t>
             </a:r>
           </a:p>
           <a:p>
             <a:pPr lvl="2"/>
             <a:r>
-              <a:rPr lang="fr-FR" smtClean="0"/>
+              <a:rPr lang="fr-FR"/>
               <a:t>Troisième niveau</a:t>
             </a:r>
           </a:p>
           <a:p>
             <a:pPr lvl="3"/>
             <a:r>
-              <a:rPr lang="fr-FR" smtClean="0"/>
+              <a:rPr lang="fr-FR"/>
               <a:t>Quatrième niveau</a:t>
             </a:r>
           </a:p>
           <a:p>
             <a:pPr lvl="4"/>
             <a:r>
-              <a:rPr lang="fr-FR" smtClean="0"/>
+              <a:rPr lang="fr-FR"/>
               <a:t>Cinquième niveau</a:t>
             </a:r>
             <a:endParaRPr lang="en-US" dirty="0"/>
@@ -2269,7 +2264,7 @@
           <a:p>
             <a:fld id="{C909DD4E-88AE-4B9E-AC59-18F6C8A2744D}" type="datetimeFigureOut">
               <a:rPr lang="fr-FR" smtClean="0"/>
-              <a:t>30/05/2018</a:t>
+              <a:t>31/05/2018</a:t>
             </a:fld>
             <a:endParaRPr lang="fr-FR"/>
           </a:p>
@@ -2327,13 +2322,6 @@
   <p:clrMapOvr>
     <a:masterClrMapping/>
   </p:clrMapOvr>
-  <p:timing>
-    <p:tnLst>
-      <p:par>
-        <p:cTn id="1" dur="indefinite" restart="never" nodeType="tmRoot"/>
-      </p:par>
-    </p:tnLst>
-  </p:timing>
 </p:sldLayout>
 </file>
 
@@ -2393,7 +2381,7 @@
           </a:lstStyle>
           <a:p>
             <a:r>
-              <a:rPr lang="fr-FR" smtClean="0"/>
+              <a:rPr lang="fr-FR"/>
               <a:t>Modifiez le style du titre</a:t>
             </a:r>
             <a:endParaRPr lang="en-US" dirty="0"/>
@@ -2516,7 +2504,7 @@
           <a:p>
             <a:pPr lvl="0"/>
             <a:r>
-              <a:rPr lang="fr-FR" smtClean="0"/>
+              <a:rPr lang="fr-FR"/>
               <a:t>Modifiez les styles du texte du masque</a:t>
             </a:r>
           </a:p>
@@ -2552,7 +2540,7 @@
           <a:p>
             <a:fld id="{C909DD4E-88AE-4B9E-AC59-18F6C8A2744D}" type="datetimeFigureOut">
               <a:rPr lang="fr-FR" smtClean="0"/>
-              <a:t>30/05/2018</a:t>
+              <a:t>31/05/2018</a:t>
             </a:fld>
             <a:endParaRPr lang="fr-FR"/>
           </a:p>
@@ -3615,7 +3603,7 @@
           <a:lstStyle/>
           <a:p>
             <a:r>
-              <a:rPr lang="fr-FR" smtClean="0"/>
+              <a:rPr lang="fr-FR"/>
               <a:t>Modifiez le style du titre</a:t>
             </a:r>
             <a:endParaRPr lang="en-US" dirty="0"/>
@@ -3644,35 +3632,35 @@
           <a:p>
             <a:pPr lvl="0"/>
             <a:r>
-              <a:rPr lang="fr-FR" smtClean="0"/>
+              <a:rPr lang="fr-FR"/>
               <a:t>Modifiez les styles du texte du masque</a:t>
             </a:r>
           </a:p>
           <a:p>
             <a:pPr lvl="1"/>
             <a:r>
-              <a:rPr lang="fr-FR" smtClean="0"/>
+              <a:rPr lang="fr-FR"/>
               <a:t>Deuxième niveau</a:t>
             </a:r>
           </a:p>
           <a:p>
             <a:pPr lvl="2"/>
             <a:r>
-              <a:rPr lang="fr-FR" smtClean="0"/>
+              <a:rPr lang="fr-FR"/>
               <a:t>Troisième niveau</a:t>
             </a:r>
           </a:p>
           <a:p>
             <a:pPr lvl="3"/>
             <a:r>
-              <a:rPr lang="fr-FR" smtClean="0"/>
+              <a:rPr lang="fr-FR"/>
               <a:t>Quatrième niveau</a:t>
             </a:r>
           </a:p>
           <a:p>
             <a:pPr lvl="4"/>
             <a:r>
-              <a:rPr lang="fr-FR" smtClean="0"/>
+              <a:rPr lang="fr-FR"/>
               <a:t>Cinquième niveau</a:t>
             </a:r>
             <a:endParaRPr lang="en-US" dirty="0"/>
@@ -3701,35 +3689,35 @@
           <a:p>
             <a:pPr lvl="0"/>
             <a:r>
-              <a:rPr lang="fr-FR" smtClean="0"/>
+              <a:rPr lang="fr-FR"/>
               <a:t>Modifiez les styles du texte du masque</a:t>
             </a:r>
           </a:p>
           <a:p>
             <a:pPr lvl="1"/>
             <a:r>
-              <a:rPr lang="fr-FR" smtClean="0"/>
+              <a:rPr lang="fr-FR"/>
               <a:t>Deuxième niveau</a:t>
             </a:r>
           </a:p>
           <a:p>
             <a:pPr lvl="2"/>
             <a:r>
-              <a:rPr lang="fr-FR" smtClean="0"/>
+              <a:rPr lang="fr-FR"/>
               <a:t>Troisième niveau</a:t>
             </a:r>
           </a:p>
           <a:p>
             <a:pPr lvl="3"/>
             <a:r>
-              <a:rPr lang="fr-FR" smtClean="0"/>
+              <a:rPr lang="fr-FR"/>
               <a:t>Quatrième niveau</a:t>
             </a:r>
           </a:p>
           <a:p>
             <a:pPr lvl="4"/>
             <a:r>
-              <a:rPr lang="fr-FR" smtClean="0"/>
+              <a:rPr lang="fr-FR"/>
               <a:t>Cinquième niveau</a:t>
             </a:r>
             <a:endParaRPr lang="en-US" dirty="0"/>
@@ -3753,7 +3741,7 @@
           <a:p>
             <a:fld id="{C909DD4E-88AE-4B9E-AC59-18F6C8A2744D}" type="datetimeFigureOut">
               <a:rPr lang="fr-FR" smtClean="0"/>
-              <a:t>30/05/2018</a:t>
+              <a:t>31/05/2018</a:t>
             </a:fld>
             <a:endParaRPr lang="fr-FR"/>
           </a:p>
@@ -3857,7 +3845,7 @@
           <a:lstStyle/>
           <a:p>
             <a:r>
-              <a:rPr lang="fr-FR" smtClean="0"/>
+              <a:rPr lang="fr-FR"/>
               <a:t>Modifiez le style du titre</a:t>
             </a:r>
             <a:endParaRPr lang="en-US" dirty="0"/>
@@ -3932,7 +3920,7 @@
           <a:p>
             <a:pPr lvl="0"/>
             <a:r>
-              <a:rPr lang="fr-FR" smtClean="0"/>
+              <a:rPr lang="fr-FR"/>
               <a:t>Modifiez les styles du texte du masque</a:t>
             </a:r>
           </a:p>
@@ -3960,35 +3948,35 @@
           <a:p>
             <a:pPr lvl="0"/>
             <a:r>
-              <a:rPr lang="fr-FR" smtClean="0"/>
+              <a:rPr lang="fr-FR"/>
               <a:t>Modifiez les styles du texte du masque</a:t>
             </a:r>
           </a:p>
           <a:p>
             <a:pPr lvl="1"/>
             <a:r>
-              <a:rPr lang="fr-FR" smtClean="0"/>
+              <a:rPr lang="fr-FR"/>
               <a:t>Deuxième niveau</a:t>
             </a:r>
           </a:p>
           <a:p>
             <a:pPr lvl="2"/>
             <a:r>
-              <a:rPr lang="fr-FR" smtClean="0"/>
+              <a:rPr lang="fr-FR"/>
               <a:t>Troisième niveau</a:t>
             </a:r>
           </a:p>
           <a:p>
             <a:pPr lvl="3"/>
             <a:r>
-              <a:rPr lang="fr-FR" smtClean="0"/>
+              <a:rPr lang="fr-FR"/>
               <a:t>Quatrième niveau</a:t>
             </a:r>
           </a:p>
           <a:p>
             <a:pPr lvl="4"/>
             <a:r>
-              <a:rPr lang="fr-FR" smtClean="0"/>
+              <a:rPr lang="fr-FR"/>
               <a:t>Cinquième niveau</a:t>
             </a:r>
             <a:endParaRPr lang="en-US" dirty="0"/>
@@ -4063,7 +4051,7 @@
           <a:p>
             <a:pPr lvl="0"/>
             <a:r>
-              <a:rPr lang="fr-FR" smtClean="0"/>
+              <a:rPr lang="fr-FR"/>
               <a:t>Modifiez les styles du texte du masque</a:t>
             </a:r>
           </a:p>
@@ -4091,35 +4079,35 @@
           <a:p>
             <a:pPr lvl="0"/>
             <a:r>
-              <a:rPr lang="fr-FR" smtClean="0"/>
+              <a:rPr lang="fr-FR"/>
               <a:t>Modifiez les styles du texte du masque</a:t>
             </a:r>
           </a:p>
           <a:p>
             <a:pPr lvl="1"/>
             <a:r>
-              <a:rPr lang="fr-FR" smtClean="0"/>
+              <a:rPr lang="fr-FR"/>
               <a:t>Deuxième niveau</a:t>
             </a:r>
           </a:p>
           <a:p>
             <a:pPr lvl="2"/>
             <a:r>
-              <a:rPr lang="fr-FR" smtClean="0"/>
+              <a:rPr lang="fr-FR"/>
               <a:t>Troisième niveau</a:t>
             </a:r>
           </a:p>
           <a:p>
             <a:pPr lvl="3"/>
             <a:r>
-              <a:rPr lang="fr-FR" smtClean="0"/>
+              <a:rPr lang="fr-FR"/>
               <a:t>Quatrième niveau</a:t>
             </a:r>
           </a:p>
           <a:p>
             <a:pPr lvl="4"/>
             <a:r>
-              <a:rPr lang="fr-FR" smtClean="0"/>
+              <a:rPr lang="fr-FR"/>
               <a:t>Cinquième niveau</a:t>
             </a:r>
             <a:endParaRPr lang="en-US" dirty="0"/>
@@ -4143,7 +4131,7 @@
           <a:p>
             <a:fld id="{C909DD4E-88AE-4B9E-AC59-18F6C8A2744D}" type="datetimeFigureOut">
               <a:rPr lang="fr-FR" smtClean="0"/>
-              <a:t>30/05/2018</a:t>
+              <a:t>31/05/2018</a:t>
             </a:fld>
             <a:endParaRPr lang="fr-FR"/>
           </a:p>
@@ -4242,7 +4230,7 @@
           <a:lstStyle/>
           <a:p>
             <a:r>
-              <a:rPr lang="fr-FR" smtClean="0"/>
+              <a:rPr lang="fr-FR"/>
               <a:t>Modifiez le style du titre</a:t>
             </a:r>
             <a:endParaRPr lang="en-US" dirty="0"/>
@@ -4266,7 +4254,7 @@
           <a:p>
             <a:fld id="{C909DD4E-88AE-4B9E-AC59-18F6C8A2744D}" type="datetimeFigureOut">
               <a:rPr lang="fr-FR" smtClean="0"/>
-              <a:t>30/05/2018</a:t>
+              <a:t>31/05/2018</a:t>
             </a:fld>
             <a:endParaRPr lang="fr-FR"/>
           </a:p>
@@ -4361,7 +4349,7 @@
           <a:p>
             <a:fld id="{C909DD4E-88AE-4B9E-AC59-18F6C8A2744D}" type="datetimeFigureOut">
               <a:rPr lang="fr-FR" smtClean="0"/>
-              <a:t>30/05/2018</a:t>
+              <a:t>31/05/2018</a:t>
             </a:fld>
             <a:endParaRPr lang="fr-FR"/>
           </a:p>
@@ -4935,7 +4923,7 @@
           </a:lstStyle>
           <a:p>
             <a:r>
-              <a:rPr lang="fr-FR" smtClean="0"/>
+              <a:rPr lang="fr-FR"/>
               <a:t>Modifiez le style du titre</a:t>
             </a:r>
             <a:endParaRPr lang="en-US" dirty="0"/>
@@ -4992,35 +4980,35 @@
           <a:p>
             <a:pPr lvl="0"/>
             <a:r>
-              <a:rPr lang="fr-FR" smtClean="0"/>
+              <a:rPr lang="fr-FR"/>
               <a:t>Modifiez les styles du texte du masque</a:t>
             </a:r>
           </a:p>
           <a:p>
             <a:pPr lvl="1"/>
             <a:r>
-              <a:rPr lang="fr-FR" smtClean="0"/>
+              <a:rPr lang="fr-FR"/>
               <a:t>Deuxième niveau</a:t>
             </a:r>
           </a:p>
           <a:p>
             <a:pPr lvl="2"/>
             <a:r>
-              <a:rPr lang="fr-FR" smtClean="0"/>
+              <a:rPr lang="fr-FR"/>
               <a:t>Troisième niveau</a:t>
             </a:r>
           </a:p>
           <a:p>
             <a:pPr lvl="3"/>
             <a:r>
-              <a:rPr lang="fr-FR" smtClean="0"/>
+              <a:rPr lang="fr-FR"/>
               <a:t>Quatrième niveau</a:t>
             </a:r>
           </a:p>
           <a:p>
             <a:pPr lvl="4"/>
             <a:r>
-              <a:rPr lang="fr-FR" smtClean="0"/>
+              <a:rPr lang="fr-FR"/>
               <a:t>Cinquième niveau</a:t>
             </a:r>
             <a:endParaRPr lang="en-US" dirty="0"/>
@@ -5096,7 +5084,7 @@
           <a:p>
             <a:pPr lvl="0"/>
             <a:r>
-              <a:rPr lang="fr-FR" smtClean="0"/>
+              <a:rPr lang="fr-FR"/>
               <a:t>Modifiez les styles du texte du masque</a:t>
             </a:r>
           </a:p>
@@ -5124,7 +5112,7 @@
           <a:p>
             <a:fld id="{C909DD4E-88AE-4B9E-AC59-18F6C8A2744D}" type="datetimeFigureOut">
               <a:rPr lang="fr-FR" smtClean="0"/>
-              <a:t>30/05/2018</a:t>
+              <a:t>31/05/2018</a:t>
             </a:fld>
             <a:endParaRPr lang="fr-FR"/>
           </a:p>
@@ -5233,7 +5221,7 @@
   <p:extLst mod="1">
     <p:ext uri="{DCECCB84-F9BA-43D5-87BE-67443E8EF086}">
       <p15:sldGuideLst xmlns:p15="http://schemas.microsoft.com/office/powerpoint/2012/main">
-        <p15:guide id="4294967295" orient="horz" pos="696">
+        <p15:guide id="1" orient="horz" pos="696">
           <p15:clr>
             <a:srgbClr val="FBAE40"/>
           </p15:clr>
@@ -5319,7 +5307,7 @@
           </a:lstStyle>
           <a:p>
             <a:r>
-              <a:rPr lang="fr-FR" smtClean="0"/>
+              <a:rPr lang="fr-FR"/>
               <a:t>Cliquez sur l'icône pour ajouter une image</a:t>
             </a:r>
             <a:endParaRPr lang="en-US" dirty="0"/>
@@ -5860,7 +5848,7 @@
           </a:lstStyle>
           <a:p>
             <a:r>
-              <a:rPr lang="fr-FR" smtClean="0"/>
+              <a:rPr lang="fr-FR"/>
               <a:t>Modifiez le style du titre</a:t>
             </a:r>
             <a:endParaRPr lang="en-US" dirty="0"/>
@@ -5936,7 +5924,7 @@
           <a:p>
             <a:pPr lvl="0"/>
             <a:r>
-              <a:rPr lang="fr-FR" smtClean="0"/>
+              <a:rPr lang="fr-FR"/>
               <a:t>Modifiez les styles du texte du masque</a:t>
             </a:r>
           </a:p>
@@ -5964,7 +5952,7 @@
           <a:p>
             <a:fld id="{C909DD4E-88AE-4B9E-AC59-18F6C8A2744D}" type="datetimeFigureOut">
               <a:rPr lang="fr-FR" smtClean="0"/>
-              <a:t>30/05/2018</a:t>
+              <a:t>31/05/2018</a:t>
             </a:fld>
             <a:endParaRPr lang="fr-FR"/>
           </a:p>
@@ -6086,7 +6074,7 @@
           <a:lstStyle/>
           <a:p>
             <a:r>
-              <a:rPr lang="fr-FR" smtClean="0"/>
+              <a:rPr lang="fr-FR"/>
               <a:t>Modifiez le style du titre</a:t>
             </a:r>
             <a:endParaRPr lang="en-US" dirty="0"/>
@@ -6120,35 +6108,35 @@
           <a:p>
             <a:pPr lvl="0"/>
             <a:r>
-              <a:rPr lang="fr-FR" smtClean="0"/>
+              <a:rPr lang="fr-FR"/>
               <a:t>Modifiez les styles du texte du masque</a:t>
             </a:r>
           </a:p>
           <a:p>
             <a:pPr lvl="1"/>
             <a:r>
-              <a:rPr lang="fr-FR" smtClean="0"/>
+              <a:rPr lang="fr-FR"/>
               <a:t>Deuxième niveau</a:t>
             </a:r>
           </a:p>
           <a:p>
             <a:pPr lvl="2"/>
             <a:r>
-              <a:rPr lang="fr-FR" smtClean="0"/>
+              <a:rPr lang="fr-FR"/>
               <a:t>Troisième niveau</a:t>
             </a:r>
           </a:p>
           <a:p>
             <a:pPr lvl="3"/>
             <a:r>
-              <a:rPr lang="fr-FR" smtClean="0"/>
+              <a:rPr lang="fr-FR"/>
               <a:t>Quatrième niveau</a:t>
             </a:r>
           </a:p>
           <a:p>
             <a:pPr lvl="4"/>
             <a:r>
-              <a:rPr lang="fr-FR" smtClean="0"/>
+              <a:rPr lang="fr-FR"/>
               <a:t>Cinquième niveau</a:t>
             </a:r>
             <a:endParaRPr lang="en-US" dirty="0"/>
@@ -6191,7 +6179,7 @@
           <a:p>
             <a:fld id="{C909DD4E-88AE-4B9E-AC59-18F6C8A2744D}" type="datetimeFigureOut">
               <a:rPr lang="fr-FR" smtClean="0"/>
-              <a:t>30/05/2018</a:t>
+              <a:t>31/05/2018</a:t>
             </a:fld>
             <a:endParaRPr lang="fr-FR"/>
           </a:p>
@@ -6406,13 +6394,6 @@
     <p:sldLayoutId id="2147483771" r:id="rId10"/>
     <p:sldLayoutId id="2147483772" r:id="rId11"/>
   </p:sldLayoutIdLst>
-  <p:timing>
-    <p:tnLst>
-      <p:par>
-        <p:cTn id="1" dur="indefinite" restart="never" nodeType="tmRoot"/>
-      </p:par>
-    </p:tnLst>
-  </p:timing>
   <p:txStyles>
     <p:titleStyle>
       <a:lvl1pPr algn="l" defTabSz="914400" rtl="0" eaLnBrk="1" latinLnBrk="0" hangingPunct="1">
@@ -6750,32 +6731,32 @@
   <p:extLst mod="1">
     <p:ext uri="{27BBF7A9-308A-43DC-89C8-2F10F3537804}">
       <p15:sldGuideLst xmlns:p15="http://schemas.microsoft.com/office/powerpoint/2012/main">
-        <p15:guide id="4294967295" pos="792">
+        <p15:guide id="1" pos="792">
           <p15:clr>
             <a:srgbClr val="F26B43"/>
           </p15:clr>
         </p15:guide>
-        <p15:guide id="4294967295" pos="7200">
+        <p15:guide id="2" pos="7200">
           <p15:clr>
             <a:srgbClr val="F26B43"/>
           </p15:clr>
         </p15:guide>
-        <p15:guide id="4294967295" orient="horz" pos="4008">
+        <p15:guide id="3" orient="horz" pos="4008">
           <p15:clr>
             <a:srgbClr val="F26B43"/>
           </p15:clr>
         </p15:guide>
-        <p15:guide id="4294967295" orient="horz" pos="1440">
+        <p15:guide id="4" orient="horz" pos="1440">
           <p15:clr>
             <a:srgbClr val="F26B43"/>
           </p15:clr>
         </p15:guide>
-        <p15:guide id="4294967295" orient="horz" pos="3720">
+        <p15:guide id="5" orient="horz" pos="3720">
           <p15:clr>
             <a:srgbClr val="F26B43"/>
           </p15:clr>
         </p15:guide>
-        <p15:guide id="4294967295" orient="horz" pos="240">
+        <p15:guide id="6" orient="horz" pos="240">
           <p15:clr>
             <a:srgbClr val="F26B43"/>
           </p15:clr>
@@ -6808,7 +6789,7 @@
           <p:cNvPr id="2" name="Title 1">
             <a:extLst>
               <a:ext uri="{FF2B5EF4-FFF2-40B4-BE49-F238E27FC236}">
-                <a16:creationId xmlns:a16="http://schemas.microsoft.com/office/drawing/2014/main" xmlns="" id="{CA2081F7-1F5A-4619-BCC4-5226FB952117}"/>
+                <a16:creationId xmlns:a16="http://schemas.microsoft.com/office/drawing/2014/main" id="{CA2081F7-1F5A-4619-BCC4-5226FB952117}"/>
               </a:ext>
             </a:extLst>
           </p:cNvPr>
@@ -6825,10 +6806,9 @@
           <a:lstStyle/>
           <a:p>
             <a:r>
-              <a:rPr lang="fr-FR" dirty="0" smtClean="0"/>
+              <a:rPr lang="fr-FR" dirty="0"/>
               <a:t>PTUT</a:t>
             </a:r>
-            <a:endParaRPr lang="fr-FR" dirty="0"/>
           </a:p>
         </p:txBody>
       </p:sp>
@@ -6837,7 +6817,7 @@
           <p:cNvPr id="3" name="Subtitle 2">
             <a:extLst>
               <a:ext uri="{FF2B5EF4-FFF2-40B4-BE49-F238E27FC236}">
-                <a16:creationId xmlns:a16="http://schemas.microsoft.com/office/drawing/2014/main" xmlns="" id="{55351F4F-36DB-4947-A99A-581F55678DB1}"/>
+                <a16:creationId xmlns:a16="http://schemas.microsoft.com/office/drawing/2014/main" id="{55351F4F-36DB-4947-A99A-581F55678DB1}"/>
               </a:ext>
             </a:extLst>
           </p:cNvPr>
@@ -6856,21 +6836,21 @@
           <a:lstStyle/>
           <a:p>
             <a:r>
-              <a:rPr lang="fr-FR" dirty="0" smtClean="0">
+              <a:rPr lang="fr-FR" dirty="0">
                 <a:latin typeface="Franklin Gothic Book" panose="020B0503020102020204" pitchFamily="34" charset="0"/>
                 <a:cs typeface="Arial" panose="020B0604020202020204" pitchFamily="34" charset="0"/>
               </a:rPr>
               <a:t>Grandjean-</a:t>
             </a:r>
             <a:r>
-              <a:rPr lang="fr-FR" dirty="0" err="1" smtClean="0">
+              <a:rPr lang="fr-FR" dirty="0" err="1">
                 <a:latin typeface="Franklin Gothic Book" panose="020B0503020102020204" pitchFamily="34" charset="0"/>
                 <a:cs typeface="Arial" panose="020B0604020202020204" pitchFamily="34" charset="0"/>
               </a:rPr>
               <a:t>maglione</a:t>
             </a:r>
             <a:r>
-              <a:rPr lang="fr-FR" dirty="0" smtClean="0">
+              <a:rPr lang="fr-FR" dirty="0">
                 <a:latin typeface="Franklin Gothic Book" panose="020B0503020102020204" pitchFamily="34" charset="0"/>
                 <a:cs typeface="Arial" panose="020B0604020202020204" pitchFamily="34" charset="0"/>
               </a:rPr>
@@ -6879,7 +6859,7 @@
           </a:p>
           <a:p>
             <a:r>
-              <a:rPr lang="fr-FR" dirty="0" err="1" smtClean="0">
+              <a:rPr lang="fr-FR" dirty="0" err="1">
                 <a:latin typeface="Franklin Gothic Book" panose="020B0503020102020204" pitchFamily="34" charset="0"/>
                 <a:cs typeface="Arial" panose="020B0604020202020204" pitchFamily="34" charset="0"/>
               </a:rPr>
@@ -6893,20 +6873,20 @@
               <a:t> </a:t>
             </a:r>
             <a:r>
-              <a:rPr lang="fr-FR" dirty="0" err="1" smtClean="0">
+              <a:rPr lang="fr-FR" dirty="0" err="1">
                 <a:latin typeface="Franklin Gothic Book" panose="020B0503020102020204" pitchFamily="34" charset="0"/>
                 <a:cs typeface="Arial" panose="020B0604020202020204" pitchFamily="34" charset="0"/>
               </a:rPr>
               <a:t>loic</a:t>
             </a:r>
-            <a:endParaRPr lang="fr-FR" dirty="0" smtClean="0">
+            <a:endParaRPr lang="fr-FR" dirty="0">
               <a:latin typeface="Franklin Gothic Book" panose="020B0503020102020204" pitchFamily="34" charset="0"/>
               <a:cs typeface="Arial" panose="020B0604020202020204" pitchFamily="34" charset="0"/>
             </a:endParaRPr>
           </a:p>
           <a:p>
             <a:r>
-              <a:rPr lang="fr-FR" dirty="0" smtClean="0">
+              <a:rPr lang="fr-FR" dirty="0">
                 <a:latin typeface="Franklin Gothic Book" panose="020B0503020102020204" pitchFamily="34" charset="0"/>
                 <a:cs typeface="Arial" panose="020B0604020202020204" pitchFamily="34" charset="0"/>
               </a:rPr>
@@ -6956,13 +6936,6 @@
   <p:clrMapOvr>
     <a:masterClrMapping/>
   </p:clrMapOvr>
-  <p:timing>
-    <p:tnLst>
-      <p:par>
-        <p:cTn id="1" dur="indefinite" restart="never" nodeType="tmRoot"/>
-      </p:par>
-    </p:tnLst>
-  </p:timing>
 </p:sld>
 </file>
 
@@ -6988,7 +6961,7 @@
           <p:cNvPr id="2" name="Title 1">
             <a:extLst>
               <a:ext uri="{FF2B5EF4-FFF2-40B4-BE49-F238E27FC236}">
-                <a16:creationId xmlns:a16="http://schemas.microsoft.com/office/drawing/2014/main" xmlns="" id="{0B0A5E95-D16B-43B3-A317-15CA1A2BD57C}"/>
+                <a16:creationId xmlns:a16="http://schemas.microsoft.com/office/drawing/2014/main" id="{0B0A5E95-D16B-43B3-A317-15CA1A2BD57C}"/>
               </a:ext>
             </a:extLst>
           </p:cNvPr>
@@ -7016,7 +6989,7 @@
           <p:cNvPr id="3" name="Content Placeholder 2">
             <a:extLst>
               <a:ext uri="{FF2B5EF4-FFF2-40B4-BE49-F238E27FC236}">
-                <a16:creationId xmlns:a16="http://schemas.microsoft.com/office/drawing/2014/main" xmlns="" id="{C35A40E6-117A-4F6B-B87B-8D4618820D93}"/>
+                <a16:creationId xmlns:a16="http://schemas.microsoft.com/office/drawing/2014/main" id="{C35A40E6-117A-4F6B-B87B-8D4618820D93}"/>
               </a:ext>
             </a:extLst>
           </p:cNvPr>
@@ -7033,10 +7006,9 @@
           <a:lstStyle/>
           <a:p>
             <a:r>
-              <a:rPr lang="fr-FR" dirty="0" smtClean="0"/>
+              <a:rPr lang="fr-FR" dirty="0"/>
               <a:t>Gestion de projet</a:t>
             </a:r>
-            <a:endParaRPr lang="fr-FR" dirty="0"/>
           </a:p>
         </p:txBody>
       </p:sp>
@@ -7050,13 +7022,6 @@
   <p:clrMapOvr>
     <a:masterClrMapping/>
   </p:clrMapOvr>
-  <p:timing>
-    <p:tnLst>
-      <p:par>
-        <p:cTn id="1" dur="indefinite" restart="never" nodeType="tmRoot"/>
-      </p:par>
-    </p:tnLst>
-  </p:timing>
 </p:sld>
 </file>
 
@@ -7082,7 +7047,7 @@
           <p:cNvPr id="2" name="Title 1">
             <a:extLst>
               <a:ext uri="{FF2B5EF4-FFF2-40B4-BE49-F238E27FC236}">
-                <a16:creationId xmlns:a16="http://schemas.microsoft.com/office/drawing/2014/main" xmlns="" id="{437A6E0B-79D7-446F-B6BB-C40DFE6043FE}"/>
+                <a16:creationId xmlns:a16="http://schemas.microsoft.com/office/drawing/2014/main" id="{437A6E0B-79D7-446F-B6BB-C40DFE6043FE}"/>
               </a:ext>
             </a:extLst>
           </p:cNvPr>
@@ -7110,7 +7075,7 @@
           <p:cNvPr id="3" name="Content Placeholder 2">
             <a:extLst>
               <a:ext uri="{FF2B5EF4-FFF2-40B4-BE49-F238E27FC236}">
-                <a16:creationId xmlns:a16="http://schemas.microsoft.com/office/drawing/2014/main" xmlns="" id="{F89257AD-7117-4386-AEC1-FE222FC84C08}"/>
+                <a16:creationId xmlns:a16="http://schemas.microsoft.com/office/drawing/2014/main" id="{F89257AD-7117-4386-AEC1-FE222FC84C08}"/>
               </a:ext>
             </a:extLst>
           </p:cNvPr>
@@ -7143,13 +7108,6 @@
   <p:clrMapOvr>
     <a:masterClrMapping/>
   </p:clrMapOvr>
-  <p:timing>
-    <p:tnLst>
-      <p:par>
-        <p:cTn id="1" dur="indefinite" restart="never" nodeType="tmRoot"/>
-      </p:par>
-    </p:tnLst>
-  </p:timing>
 </p:sld>
 </file>
 
@@ -7175,7 +7133,7 @@
           <p:cNvPr id="2" name="Title 1">
             <a:extLst>
               <a:ext uri="{FF2B5EF4-FFF2-40B4-BE49-F238E27FC236}">
-                <a16:creationId xmlns:a16="http://schemas.microsoft.com/office/drawing/2014/main" xmlns="" id="{F283C22D-4F1C-47F6-A2DC-3B429FBB043F}"/>
+                <a16:creationId xmlns:a16="http://schemas.microsoft.com/office/drawing/2014/main" id="{F283C22D-4F1C-47F6-A2DC-3B429FBB043F}"/>
               </a:ext>
             </a:extLst>
           </p:cNvPr>
@@ -7198,31 +7156,259 @@
           </a:p>
         </p:txBody>
       </p:sp>
-      <p:sp>
-        <p:nvSpPr>
-          <p:cNvPr id="3" name="Content Placeholder 2">
+      <p:pic>
+        <p:nvPicPr>
+          <p:cNvPr id="7" name="Image 6">
             <a:extLst>
               <a:ext uri="{FF2B5EF4-FFF2-40B4-BE49-F238E27FC236}">
-                <a16:creationId xmlns:a16="http://schemas.microsoft.com/office/drawing/2014/main" xmlns="" id="{4B6C630A-25BB-47D1-B04A-2023E45C3A8E}"/>
+                <a16:creationId xmlns:a16="http://schemas.microsoft.com/office/drawing/2014/main" id="{0BDC9AF7-D36C-441C-BA11-786C43ADFD05}"/>
               </a:ext>
             </a:extLst>
           </p:cNvPr>
-          <p:cNvSpPr>
-            <a:spLocks noGrp="1"/>
-          </p:cNvSpPr>
-          <p:nvPr>
-            <p:ph idx="1"/>
-          </p:nvPr>
-        </p:nvSpPr>
-        <p:spPr/>
-        <p:txBody>
-          <a:bodyPr/>
+          <p:cNvPicPr>
+            <a:picLocks noChangeAspect="1"/>
+          </p:cNvPicPr>
+          <p:nvPr/>
+        </p:nvPicPr>
+        <p:blipFill>
+          <a:blip r:embed="rId2">
+            <a:extLst>
+              <a:ext uri="{28A0092B-C50C-407E-A947-70E740481C1C}">
+                <a14:useLocalDpi xmlns:a14="http://schemas.microsoft.com/office/drawing/2010/main" val="0"/>
+              </a:ext>
+            </a:extLst>
+          </a:blip>
+          <a:stretch>
+            <a:fillRect/>
+          </a:stretch>
+        </p:blipFill>
+        <p:spPr>
+          <a:xfrm>
+            <a:off x="2409310" y="1218392"/>
+            <a:ext cx="7863058" cy="5165046"/>
+          </a:xfrm>
+          <a:prstGeom prst="rect">
+            <a:avLst/>
+          </a:prstGeom>
+        </p:spPr>
+      </p:pic>
+      <p:sp>
+        <p:nvSpPr>
+          <p:cNvPr id="8" name="ZoneTexte 7">
+            <a:extLst>
+              <a:ext uri="{FF2B5EF4-FFF2-40B4-BE49-F238E27FC236}">
+                <a16:creationId xmlns:a16="http://schemas.microsoft.com/office/drawing/2014/main" id="{CF7ECA87-A176-44C2-91A3-3533609B697C}"/>
+              </a:ext>
+            </a:extLst>
+          </p:cNvPr>
+          <p:cNvSpPr txBox="1"/>
+          <p:nvPr/>
+        </p:nvSpPr>
+        <p:spPr>
+          <a:xfrm>
+            <a:off x="4993558" y="2448914"/>
+            <a:ext cx="2694562" cy="523220"/>
+          </a:xfrm>
+          <a:prstGeom prst="rect">
+            <a:avLst/>
+          </a:prstGeom>
+        </p:spPr>
+        <p:style>
+          <a:lnRef idx="2">
+            <a:schemeClr val="accent6"/>
+          </a:lnRef>
+          <a:fillRef idx="1">
+            <a:schemeClr val="lt1"/>
+          </a:fillRef>
+          <a:effectRef idx="0">
+            <a:schemeClr val="accent6"/>
+          </a:effectRef>
+          <a:fontRef idx="minor">
+            <a:schemeClr val="dk1"/>
+          </a:fontRef>
+        </p:style>
+        <p:txBody>
+          <a:bodyPr wrap="square" rtlCol="0">
+            <a:spAutoFit/>
+          </a:bodyPr>
           <a:lstStyle/>
           <a:p>
-            <a:r>
-              <a:rPr lang="fr-FR" dirty="0"/>
-              <a:t>(insérer maquette)</a:t>
-            </a:r>
+            <a:pPr algn="ctr"/>
+            <a:r>
+              <a:rPr lang="fr-FR" sz="2800" b="1" dirty="0">
+                <a:ln w="13462">
+                  <a:solidFill>
+                    <a:schemeClr val="bg1"/>
+                  </a:solidFill>
+                  <a:prstDash val="solid"/>
+                </a:ln>
+                <a:solidFill>
+                  <a:schemeClr val="tx1">
+                    <a:lumMod val="85000"/>
+                    <a:lumOff val="15000"/>
+                  </a:schemeClr>
+                </a:solidFill>
+                <a:effectLst>
+                  <a:outerShdw dist="38100" dir="2700000" algn="bl" rotWithShape="0">
+                    <a:schemeClr val="accent5"/>
+                  </a:outerShdw>
+                </a:effectLst>
+              </a:rPr>
+              <a:t>Avant-Projet</a:t>
+            </a:r>
+          </a:p>
+        </p:txBody>
+      </p:sp>
+      <p:sp>
+        <p:nvSpPr>
+          <p:cNvPr id="9" name="ZoneTexte 8">
+            <a:extLst>
+              <a:ext uri="{FF2B5EF4-FFF2-40B4-BE49-F238E27FC236}">
+                <a16:creationId xmlns:a16="http://schemas.microsoft.com/office/drawing/2014/main" id="{6BD88FB9-98FD-4559-BFDD-FF77B5773D3E}"/>
+              </a:ext>
+            </a:extLst>
+          </p:cNvPr>
+          <p:cNvSpPr txBox="1"/>
+          <p:nvPr/>
+        </p:nvSpPr>
+        <p:spPr>
+          <a:xfrm>
+            <a:off x="4993558" y="1769301"/>
+            <a:ext cx="2694562" cy="523220"/>
+          </a:xfrm>
+          <a:prstGeom prst="rect">
+            <a:avLst/>
+          </a:prstGeom>
+        </p:spPr>
+        <p:style>
+          <a:lnRef idx="2">
+            <a:schemeClr val="accent6"/>
+          </a:lnRef>
+          <a:fillRef idx="1">
+            <a:schemeClr val="lt1"/>
+          </a:fillRef>
+          <a:effectRef idx="0">
+            <a:schemeClr val="accent6"/>
+          </a:effectRef>
+          <a:fontRef idx="minor">
+            <a:schemeClr val="dk1"/>
+          </a:fontRef>
+        </p:style>
+        <p:txBody>
+          <a:bodyPr wrap="square" rtlCol="0">
+            <a:spAutoFit/>
+          </a:bodyPr>
+          <a:lstStyle/>
+          <a:p>
+            <a:pPr algn="ctr"/>
+            <a:r>
+              <a:rPr lang="fr-FR" sz="2800" b="1" dirty="0">
+                <a:ln w="13462">
+                  <a:solidFill>
+                    <a:schemeClr val="bg1"/>
+                  </a:solidFill>
+                  <a:prstDash val="solid"/>
+                </a:ln>
+                <a:solidFill>
+                  <a:schemeClr val="tx1">
+                    <a:lumMod val="85000"/>
+                    <a:lumOff val="15000"/>
+                  </a:schemeClr>
+                </a:solidFill>
+                <a:effectLst>
+                  <a:outerShdw dist="38100" dir="2700000" algn="bl" rotWithShape="0">
+                    <a:schemeClr val="accent5"/>
+                  </a:outerShdw>
+                </a:effectLst>
+              </a:rPr>
+              <a:t>Réalisation</a:t>
+            </a:r>
+          </a:p>
+        </p:txBody>
+      </p:sp>
+      <p:sp>
+        <p:nvSpPr>
+          <p:cNvPr id="10" name="ZoneTexte 9">
+            <a:extLst>
+              <a:ext uri="{FF2B5EF4-FFF2-40B4-BE49-F238E27FC236}">
+                <a16:creationId xmlns:a16="http://schemas.microsoft.com/office/drawing/2014/main" id="{2BC20C6B-7879-45EA-AAE6-E44204E00D91}"/>
+              </a:ext>
+            </a:extLst>
+          </p:cNvPr>
+          <p:cNvSpPr txBox="1"/>
+          <p:nvPr/>
+        </p:nvSpPr>
+        <p:spPr>
+          <a:xfrm>
+            <a:off x="4993558" y="5860218"/>
+            <a:ext cx="2694562" cy="523220"/>
+          </a:xfrm>
+          <a:prstGeom prst="rect">
+            <a:avLst/>
+          </a:prstGeom>
+        </p:spPr>
+        <p:style>
+          <a:lnRef idx="2">
+            <a:schemeClr val="accent6"/>
+          </a:lnRef>
+          <a:fillRef idx="1">
+            <a:schemeClr val="lt1"/>
+          </a:fillRef>
+          <a:effectRef idx="0">
+            <a:schemeClr val="accent6"/>
+          </a:effectRef>
+          <a:fontRef idx="minor">
+            <a:schemeClr val="dk1"/>
+          </a:fontRef>
+        </p:style>
+        <p:txBody>
+          <a:bodyPr wrap="square" rtlCol="0">
+            <a:spAutoFit/>
+          </a:bodyPr>
+          <a:lstStyle/>
+          <a:p>
+            <a:pPr algn="ctr"/>
+            <a:r>
+              <a:rPr lang="fr-FR" sz="2800" b="1">
+                <a:ln w="13462">
+                  <a:solidFill>
+                    <a:schemeClr val="bg1"/>
+                  </a:solidFill>
+                  <a:prstDash val="solid"/>
+                </a:ln>
+                <a:solidFill>
+                  <a:schemeClr val="tx1">
+                    <a:lumMod val="85000"/>
+                    <a:lumOff val="15000"/>
+                  </a:schemeClr>
+                </a:solidFill>
+                <a:effectLst>
+                  <a:outerShdw dist="38100" dir="2700000" algn="bl" rotWithShape="0">
+                    <a:schemeClr val="accent5"/>
+                  </a:outerShdw>
+                </a:effectLst>
+              </a:rPr>
+              <a:t>Cloture</a:t>
+            </a:r>
+            <a:endParaRPr lang="fr-FR" sz="2800" b="1" dirty="0">
+              <a:ln w="13462">
+                <a:solidFill>
+                  <a:schemeClr val="bg1"/>
+                </a:solidFill>
+                <a:prstDash val="solid"/>
+              </a:ln>
+              <a:solidFill>
+                <a:schemeClr val="tx1">
+                  <a:lumMod val="85000"/>
+                  <a:lumOff val="15000"/>
+                </a:schemeClr>
+              </a:solidFill>
+              <a:effectLst>
+                <a:outerShdw dist="38100" dir="2700000" algn="bl" rotWithShape="0">
+                  <a:schemeClr val="accent5"/>
+                </a:outerShdw>
+              </a:effectLst>
+            </a:endParaRPr>
           </a:p>
         </p:txBody>
       </p:sp>
@@ -7236,13 +7422,6 @@
   <p:clrMapOvr>
     <a:masterClrMapping/>
   </p:clrMapOvr>
-  <p:timing>
-    <p:tnLst>
-      <p:par>
-        <p:cTn id="1" dur="indefinite" restart="never" nodeType="tmRoot"/>
-      </p:par>
-    </p:tnLst>
-  </p:timing>
 </p:sld>
 </file>
 
@@ -7268,7 +7447,7 @@
           <p:cNvPr id="2" name="Title 1">
             <a:extLst>
               <a:ext uri="{FF2B5EF4-FFF2-40B4-BE49-F238E27FC236}">
-                <a16:creationId xmlns:a16="http://schemas.microsoft.com/office/drawing/2014/main" xmlns="" id="{6D792507-2C8E-4E9D-81EC-AE3250860F6D}"/>
+                <a16:creationId xmlns:a16="http://schemas.microsoft.com/office/drawing/2014/main" id="{6D792507-2C8E-4E9D-81EC-AE3250860F6D}"/>
               </a:ext>
             </a:extLst>
           </p:cNvPr>
@@ -7311,13 +7490,6 @@
   <p:clrMapOvr>
     <a:masterClrMapping/>
   </p:clrMapOvr>
-  <p:timing>
-    <p:tnLst>
-      <p:par>
-        <p:cTn id="1" dur="indefinite" restart="never" nodeType="tmRoot"/>
-      </p:par>
-    </p:tnLst>
-  </p:timing>
 </p:sld>
 </file>
 
@@ -7343,7 +7515,7 @@
           <p:cNvPr id="2" name="Title 1">
             <a:extLst>
               <a:ext uri="{FF2B5EF4-FFF2-40B4-BE49-F238E27FC236}">
-                <a16:creationId xmlns:a16="http://schemas.microsoft.com/office/drawing/2014/main" xmlns="" id="{9AC59272-4F45-46D5-AB7A-E1872746D685}"/>
+                <a16:creationId xmlns:a16="http://schemas.microsoft.com/office/drawing/2014/main" id="{9AC59272-4F45-46D5-AB7A-E1872746D685}"/>
               </a:ext>
             </a:extLst>
           </p:cNvPr>
@@ -7379,7 +7551,7 @@
           <p:cNvPr id="3" name="Content Placeholder 2">
             <a:extLst>
               <a:ext uri="{FF2B5EF4-FFF2-40B4-BE49-F238E27FC236}">
-                <a16:creationId xmlns:a16="http://schemas.microsoft.com/office/drawing/2014/main" xmlns="" id="{2FBDF76E-6A86-44AE-83E9-4E0BE9A62B95}"/>
+                <a16:creationId xmlns:a16="http://schemas.microsoft.com/office/drawing/2014/main" id="{2FBDF76E-6A86-44AE-83E9-4E0BE9A62B95}"/>
               </a:ext>
             </a:extLst>
           </p:cNvPr>
@@ -7409,13 +7581,6 @@
   <p:clrMapOvr>
     <a:masterClrMapping/>
   </p:clrMapOvr>
-  <p:timing>
-    <p:tnLst>
-      <p:par>
-        <p:cTn id="1" dur="indefinite" restart="never" nodeType="tmRoot"/>
-      </p:par>
-    </p:tnLst>
-  </p:timing>
 </p:sld>
 </file>
 
@@ -7441,7 +7606,7 @@
           <p:cNvPr id="2" name="Title 1">
             <a:extLst>
               <a:ext uri="{FF2B5EF4-FFF2-40B4-BE49-F238E27FC236}">
-                <a16:creationId xmlns:a16="http://schemas.microsoft.com/office/drawing/2014/main" xmlns="" id="{B6A214DB-9701-4408-A453-985FF50CC9C8}"/>
+                <a16:creationId xmlns:a16="http://schemas.microsoft.com/office/drawing/2014/main" id="{B6A214DB-9701-4408-A453-985FF50CC9C8}"/>
               </a:ext>
             </a:extLst>
           </p:cNvPr>
@@ -7469,7 +7634,7 @@
           <p:cNvPr id="3" name="Content Placeholder 2">
             <a:extLst>
               <a:ext uri="{FF2B5EF4-FFF2-40B4-BE49-F238E27FC236}">
-                <a16:creationId xmlns:a16="http://schemas.microsoft.com/office/drawing/2014/main" xmlns="" id="{EB9DDBC6-5F4D-4A0B-8177-3F5AE00A9828}"/>
+                <a16:creationId xmlns:a16="http://schemas.microsoft.com/office/drawing/2014/main" id="{EB9DDBC6-5F4D-4A0B-8177-3F5AE00A9828}"/>
               </a:ext>
             </a:extLst>
           </p:cNvPr>
@@ -7499,13 +7664,6 @@
   <p:clrMapOvr>
     <a:masterClrMapping/>
   </p:clrMapOvr>
-  <p:timing>
-    <p:tnLst>
-      <p:par>
-        <p:cTn id="1" dur="indefinite" restart="never" nodeType="tmRoot"/>
-      </p:par>
-    </p:tnLst>
-  </p:timing>
 </p:sld>
 </file>
 
@@ -7531,7 +7689,7 @@
           <p:cNvPr id="2" name="Title 1">
             <a:extLst>
               <a:ext uri="{FF2B5EF4-FFF2-40B4-BE49-F238E27FC236}">
-                <a16:creationId xmlns:a16="http://schemas.microsoft.com/office/drawing/2014/main" xmlns="" id="{A3CA65EF-64CB-485F-9EFD-7BB1A7E23C0F}"/>
+                <a16:creationId xmlns:a16="http://schemas.microsoft.com/office/drawing/2014/main" id="{A3CA65EF-64CB-485F-9EFD-7BB1A7E23C0F}"/>
               </a:ext>
             </a:extLst>
           </p:cNvPr>
@@ -7567,7 +7725,7 @@
           <p:cNvPr id="3" name="Content Placeholder 2">
             <a:extLst>
               <a:ext uri="{FF2B5EF4-FFF2-40B4-BE49-F238E27FC236}">
-                <a16:creationId xmlns:a16="http://schemas.microsoft.com/office/drawing/2014/main" xmlns="" id="{AE8EB3E2-B0C8-492C-BE05-BD59E6A55F99}"/>
+                <a16:creationId xmlns:a16="http://schemas.microsoft.com/office/drawing/2014/main" id="{AE8EB3E2-B0C8-492C-BE05-BD59E6A55F99}"/>
               </a:ext>
             </a:extLst>
           </p:cNvPr>
@@ -7597,13 +7755,6 @@
   <p:clrMapOvr>
     <a:masterClrMapping/>
   </p:clrMapOvr>
-  <p:timing>
-    <p:tnLst>
-      <p:par>
-        <p:cTn id="1" dur="indefinite" restart="never" nodeType="tmRoot"/>
-      </p:par>
-    </p:tnLst>
-  </p:timing>
 </p:sld>
 </file>
 
@@ -7629,7 +7780,7 @@
           <p:cNvPr id="2" name="Title 1">
             <a:extLst>
               <a:ext uri="{FF2B5EF4-FFF2-40B4-BE49-F238E27FC236}">
-                <a16:creationId xmlns:a16="http://schemas.microsoft.com/office/drawing/2014/main" xmlns="" id="{81768533-6623-45B0-9CFB-3DE85670D0AE}"/>
+                <a16:creationId xmlns:a16="http://schemas.microsoft.com/office/drawing/2014/main" id="{81768533-6623-45B0-9CFB-3DE85670D0AE}"/>
               </a:ext>
             </a:extLst>
           </p:cNvPr>
@@ -7646,18 +7797,9 @@
           <a:lstStyle/>
           <a:p>
             <a:r>
-              <a:rPr lang="fr-FR" dirty="0" smtClean="0"/>
-              <a:t>Site d’</a:t>
-            </a:r>
-            <a:r>
-              <a:rPr lang="fr-FR" dirty="0" smtClean="0"/>
-              <a:t>agence - </a:t>
-            </a:r>
-            <a:r>
-              <a:rPr lang="fr-FR" dirty="0" smtClean="0"/>
-              <a:t>Sommaire</a:t>
-            </a:r>
-            <a:endParaRPr lang="fr-FR" dirty="0"/>
+              <a:rPr lang="fr-FR" dirty="0"/>
+              <a:t>Site d’agence - Sommaire</a:t>
+            </a:r>
           </a:p>
         </p:txBody>
       </p:sp>
@@ -7666,7 +7808,7 @@
           <p:cNvPr id="3" name="Content Placeholder 2">
             <a:extLst>
               <a:ext uri="{FF2B5EF4-FFF2-40B4-BE49-F238E27FC236}">
-                <a16:creationId xmlns:a16="http://schemas.microsoft.com/office/drawing/2014/main" xmlns="" id="{DE19F94A-CB45-4F6F-B21A-68FE1F2780E9}"/>
+                <a16:creationId xmlns:a16="http://schemas.microsoft.com/office/drawing/2014/main" id="{DE19F94A-CB45-4F6F-B21A-68FE1F2780E9}"/>
               </a:ext>
             </a:extLst>
           </p:cNvPr>
@@ -7733,13 +7875,6 @@
   <p:clrMapOvr>
     <a:masterClrMapping/>
   </p:clrMapOvr>
-  <p:timing>
-    <p:tnLst>
-      <p:par>
-        <p:cTn id="1" dur="indefinite" restart="never" nodeType="tmRoot"/>
-      </p:par>
-    </p:tnLst>
-  </p:timing>
 </p:sld>
 </file>
 
@@ -7765,7 +7900,7 @@
           <p:cNvPr id="2" name="Title 1">
             <a:extLst>
               <a:ext uri="{FF2B5EF4-FFF2-40B4-BE49-F238E27FC236}">
-                <a16:creationId xmlns:a16="http://schemas.microsoft.com/office/drawing/2014/main" xmlns="" id="{CDC8EAB1-352F-4CC4-BDA6-61191780EA86}"/>
+                <a16:creationId xmlns:a16="http://schemas.microsoft.com/office/drawing/2014/main" id="{CDC8EAB1-352F-4CC4-BDA6-61191780EA86}"/>
               </a:ext>
             </a:extLst>
           </p:cNvPr>
@@ -7967,13 +8102,6 @@
   <p:clrMapOvr>
     <a:masterClrMapping/>
   </p:clrMapOvr>
-  <p:timing>
-    <p:tnLst>
-      <p:par>
-        <p:cTn id="1" dur="indefinite" restart="never" nodeType="tmRoot"/>
-      </p:par>
-    </p:tnLst>
-  </p:timing>
 </p:sld>
 </file>
 
@@ -7999,7 +8127,7 @@
           <p:cNvPr id="2" name="Title 1">
             <a:extLst>
               <a:ext uri="{FF2B5EF4-FFF2-40B4-BE49-F238E27FC236}">
-                <a16:creationId xmlns:a16="http://schemas.microsoft.com/office/drawing/2014/main" xmlns="" id="{791589A9-363B-4486-80E8-1100CA0ADD46}"/>
+                <a16:creationId xmlns:a16="http://schemas.microsoft.com/office/drawing/2014/main" id="{791589A9-363B-4486-80E8-1100CA0ADD46}"/>
               </a:ext>
             </a:extLst>
           </p:cNvPr>
@@ -8016,7 +8144,7 @@
           <a:lstStyle/>
           <a:p>
             <a:r>
-              <a:rPr lang="fr-FR" smtClean="0"/>
+              <a:rPr lang="fr-FR"/>
               <a:t>Idée Finale</a:t>
             </a:r>
             <a:endParaRPr lang="fr-FR" dirty="0"/>
@@ -8062,13 +8190,6 @@
   <p:clrMapOvr>
     <a:masterClrMapping/>
   </p:clrMapOvr>
-  <p:timing>
-    <p:tnLst>
-      <p:par>
-        <p:cTn id="1" dur="indefinite" restart="never" nodeType="tmRoot"/>
-      </p:par>
-    </p:tnLst>
-  </p:timing>
 </p:sld>
 </file>
 
@@ -8094,7 +8215,7 @@
           <p:cNvPr id="2" name="Title 1">
             <a:extLst>
               <a:ext uri="{FF2B5EF4-FFF2-40B4-BE49-F238E27FC236}">
-                <a16:creationId xmlns:a16="http://schemas.microsoft.com/office/drawing/2014/main" xmlns="" id="{87B16220-F4EF-42E6-AD6C-2B916BFCD9AA}"/>
+                <a16:creationId xmlns:a16="http://schemas.microsoft.com/office/drawing/2014/main" id="{87B16220-F4EF-42E6-AD6C-2B916BFCD9AA}"/>
               </a:ext>
             </a:extLst>
           </p:cNvPr>
@@ -8169,13 +8290,6 @@
   <p:clrMapOvr>
     <a:masterClrMapping/>
   </p:clrMapOvr>
-  <p:timing>
-    <p:tnLst>
-      <p:par>
-        <p:cTn id="1" dur="indefinite" restart="never" nodeType="tmRoot"/>
-      </p:par>
-    </p:tnLst>
-  </p:timing>
 </p:sld>
 </file>
 
@@ -8201,7 +8315,7 @@
           <p:cNvPr id="2" name="Title 1">
             <a:extLst>
               <a:ext uri="{FF2B5EF4-FFF2-40B4-BE49-F238E27FC236}">
-                <a16:creationId xmlns:a16="http://schemas.microsoft.com/office/drawing/2014/main" xmlns="" id="{C5F9F1A8-6C9D-405C-A880-FAF17029E71B}"/>
+                <a16:creationId xmlns:a16="http://schemas.microsoft.com/office/drawing/2014/main" id="{C5F9F1A8-6C9D-405C-A880-FAF17029E71B}"/>
               </a:ext>
             </a:extLst>
           </p:cNvPr>
@@ -8229,7 +8343,7 @@
           <p:cNvPr id="3" name="Content Placeholder 2">
             <a:extLst>
               <a:ext uri="{FF2B5EF4-FFF2-40B4-BE49-F238E27FC236}">
-                <a16:creationId xmlns:a16="http://schemas.microsoft.com/office/drawing/2014/main" xmlns="" id="{B363DDEA-9258-4A5A-A4FD-48307C3AB610}"/>
+                <a16:creationId xmlns:a16="http://schemas.microsoft.com/office/drawing/2014/main" id="{B363DDEA-9258-4A5A-A4FD-48307C3AB610}"/>
               </a:ext>
             </a:extLst>
           </p:cNvPr>
@@ -8259,13 +8373,6 @@
   <p:clrMapOvr>
     <a:masterClrMapping/>
   </p:clrMapOvr>
-  <p:timing>
-    <p:tnLst>
-      <p:par>
-        <p:cTn id="1" dur="indefinite" restart="never" nodeType="tmRoot"/>
-      </p:par>
-    </p:tnLst>
-  </p:timing>
 </p:sld>
 </file>
 
@@ -8291,7 +8398,7 @@
           <p:cNvPr id="2" name="Title 1">
             <a:extLst>
               <a:ext uri="{FF2B5EF4-FFF2-40B4-BE49-F238E27FC236}">
-                <a16:creationId xmlns:a16="http://schemas.microsoft.com/office/drawing/2014/main" xmlns="" id="{92227FFE-A051-4FD3-85D7-B0E1B33F857E}"/>
+                <a16:creationId xmlns:a16="http://schemas.microsoft.com/office/drawing/2014/main" id="{92227FFE-A051-4FD3-85D7-B0E1B33F857E}"/>
               </a:ext>
             </a:extLst>
           </p:cNvPr>
@@ -8308,18 +8415,9 @@
           <a:lstStyle/>
           <a:p>
             <a:r>
-              <a:rPr lang="fr-FR" dirty="0" smtClean="0"/>
-              <a:t>SERIOUS </a:t>
-            </a:r>
-            <a:r>
-              <a:rPr lang="fr-FR" dirty="0" smtClean="0"/>
-              <a:t>GAME - </a:t>
-            </a:r>
-            <a:r>
-              <a:rPr lang="fr-FR" dirty="0" smtClean="0"/>
-              <a:t>Sommaire</a:t>
-            </a:r>
-            <a:endParaRPr lang="fr-FR" dirty="0"/>
+              <a:rPr lang="fr-FR" dirty="0"/>
+              <a:t>SERIOUS GAME - Sommaire</a:t>
+            </a:r>
           </a:p>
         </p:txBody>
       </p:sp>
@@ -8328,7 +8426,7 @@
           <p:cNvPr id="3" name="Content Placeholder 2">
             <a:extLst>
               <a:ext uri="{FF2B5EF4-FFF2-40B4-BE49-F238E27FC236}">
-                <a16:creationId xmlns:a16="http://schemas.microsoft.com/office/drawing/2014/main" xmlns="" id="{A2E43708-BBB8-46B1-B7F5-E5E4877F0618}"/>
+                <a16:creationId xmlns:a16="http://schemas.microsoft.com/office/drawing/2014/main" id="{A2E43708-BBB8-46B1-B7F5-E5E4877F0618}"/>
               </a:ext>
             </a:extLst>
           </p:cNvPr>
@@ -8395,13 +8493,6 @@
   <p:clrMapOvr>
     <a:masterClrMapping/>
   </p:clrMapOvr>
-  <p:timing>
-    <p:tnLst>
-      <p:par>
-        <p:cTn id="1" dur="indefinite" restart="never" nodeType="tmRoot"/>
-      </p:par>
-    </p:tnLst>
-  </p:timing>
 </p:sld>
 </file>
 
@@ -8427,7 +8518,7 @@
           <p:cNvPr id="2" name="Title 1">
             <a:extLst>
               <a:ext uri="{FF2B5EF4-FFF2-40B4-BE49-F238E27FC236}">
-                <a16:creationId xmlns:a16="http://schemas.microsoft.com/office/drawing/2014/main" xmlns="" id="{9BBFD4D0-8F48-4108-9EE7-1DBAAFEE04E6}"/>
+                <a16:creationId xmlns:a16="http://schemas.microsoft.com/office/drawing/2014/main" id="{9BBFD4D0-8F48-4108-9EE7-1DBAAFEE04E6}"/>
               </a:ext>
             </a:extLst>
           </p:cNvPr>
@@ -8455,7 +8546,7 @@
           <p:cNvPr id="3" name="Content Placeholder 2">
             <a:extLst>
               <a:ext uri="{FF2B5EF4-FFF2-40B4-BE49-F238E27FC236}">
-                <a16:creationId xmlns:a16="http://schemas.microsoft.com/office/drawing/2014/main" xmlns="" id="{BAF5B6E3-0AA9-49ED-AC42-D40105A6DAC5}"/>
+                <a16:creationId xmlns:a16="http://schemas.microsoft.com/office/drawing/2014/main" id="{BAF5B6E3-0AA9-49ED-AC42-D40105A6DAC5}"/>
               </a:ext>
             </a:extLst>
           </p:cNvPr>
@@ -8472,43 +8563,42 @@
           <a:lstStyle/>
           <a:p>
             <a:r>
-              <a:rPr lang="fr-FR" dirty="0" err="1" smtClean="0"/>
+              <a:rPr lang="fr-FR" dirty="0" err="1"/>
               <a:t>Serious</a:t>
             </a:r>
             <a:r>
-              <a:rPr lang="fr-FR" dirty="0" smtClean="0"/>
+              <a:rPr lang="fr-FR" dirty="0"/>
               <a:t> </a:t>
             </a:r>
             <a:r>
-              <a:rPr lang="fr-FR" dirty="0" err="1" smtClean="0"/>
+              <a:rPr lang="fr-FR" dirty="0" err="1"/>
               <a:t>game</a:t>
             </a:r>
             <a:r>
-              <a:rPr lang="fr-FR" dirty="0" smtClean="0"/>
+              <a:rPr lang="fr-FR" dirty="0"/>
               <a:t> :</a:t>
             </a:r>
           </a:p>
           <a:p>
             <a:pPr lvl="1"/>
             <a:r>
-              <a:rPr lang="fr-FR" dirty="0" smtClean="0"/>
+              <a:rPr lang="fr-FR" dirty="0"/>
               <a:t>Jeu sérieux</a:t>
             </a:r>
           </a:p>
           <a:p>
             <a:pPr lvl="1"/>
             <a:r>
-              <a:rPr lang="fr-FR" dirty="0" smtClean="0"/>
+              <a:rPr lang="fr-FR" dirty="0"/>
               <a:t>DUT MMI</a:t>
             </a:r>
           </a:p>
           <a:p>
             <a:pPr lvl="1"/>
             <a:r>
-              <a:rPr lang="fr-FR" dirty="0" smtClean="0"/>
+              <a:rPr lang="fr-FR" dirty="0"/>
               <a:t>Ludique et éducatif</a:t>
             </a:r>
-            <a:endParaRPr lang="fr-FR" dirty="0"/>
           </a:p>
         </p:txBody>
       </p:sp>
@@ -8522,13 +8612,6 @@
   <p:clrMapOvr>
     <a:masterClrMapping/>
   </p:clrMapOvr>
-  <p:timing>
-    <p:tnLst>
-      <p:par>
-        <p:cTn id="1" dur="indefinite" restart="never" nodeType="tmRoot"/>
-      </p:par>
-    </p:tnLst>
-  </p:timing>
 </p:sld>
 </file>
 
@@ -8554,7 +8637,7 @@
           <p:cNvPr id="2" name="Title 1">
             <a:extLst>
               <a:ext uri="{FF2B5EF4-FFF2-40B4-BE49-F238E27FC236}">
-                <a16:creationId xmlns:a16="http://schemas.microsoft.com/office/drawing/2014/main" xmlns="" id="{96F14647-22CF-4391-B119-A642CC7C2197}"/>
+                <a16:creationId xmlns:a16="http://schemas.microsoft.com/office/drawing/2014/main" id="{96F14647-22CF-4391-B119-A642CC7C2197}"/>
               </a:ext>
             </a:extLst>
           </p:cNvPr>
@@ -8582,7 +8665,7 @@
           <p:cNvPr id="3" name="Content Placeholder 2">
             <a:extLst>
               <a:ext uri="{FF2B5EF4-FFF2-40B4-BE49-F238E27FC236}">
-                <a16:creationId xmlns:a16="http://schemas.microsoft.com/office/drawing/2014/main" xmlns="" id="{73EDCFE0-F35E-4604-A2D4-141CEE82C078}"/>
+                <a16:creationId xmlns:a16="http://schemas.microsoft.com/office/drawing/2014/main" id="{73EDCFE0-F35E-4604-A2D4-141CEE82C078}"/>
               </a:ext>
             </a:extLst>
           </p:cNvPr>
@@ -8615,13 +8698,6 @@
   <p:clrMapOvr>
     <a:masterClrMapping/>
   </p:clrMapOvr>
-  <p:timing>
-    <p:tnLst>
-      <p:par>
-        <p:cTn id="1" dur="indefinite" restart="never" nodeType="tmRoot"/>
-      </p:par>
-    </p:tnLst>
-  </p:timing>
 </p:sld>
 </file>
 

--- a/presentation.pptx
+++ b/presentation.pptx
@@ -7010,6 +7010,23 @@
               <a:t>Gestion de projet</a:t>
             </a:r>
           </a:p>
+          <a:p>
+            <a:r>
+              <a:rPr lang="fr-FR" dirty="0"/>
+              <a:t>Jeu de plateau</a:t>
+            </a:r>
+          </a:p>
+          <a:p>
+            <a:r>
+              <a:rPr lang="fr-FR" dirty="0"/>
+              <a:t>Inspiré de </a:t>
+            </a:r>
+            <a:r>
+              <a:rPr lang="fr-FR" dirty="0" err="1"/>
+              <a:t>CashFlow</a:t>
+            </a:r>
+            <a:endParaRPr lang="fr-FR" dirty="0"/>
+          </a:p>
         </p:txBody>
       </p:sp>
     </p:spTree>
@@ -8359,7 +8376,54 @@
           <a:bodyPr/>
           <a:lstStyle/>
           <a:p>
+            <a:r>
+              <a:rPr lang="fr-FR" dirty="0"/>
+              <a:t>Ton décalé, humoristique</a:t>
+            </a:r>
+          </a:p>
+          <a:p>
+            <a:r>
+              <a:rPr lang="fr-FR" dirty="0"/>
+              <a:t>Hackers </a:t>
+            </a:r>
+            <a:r>
+              <a:rPr lang="fr-FR" dirty="0">
+                <a:sym typeface="Wingdings" panose="05000000000000000000" pitchFamily="2" charset="2"/>
+              </a:rPr>
+              <a:t> codent vite</a:t>
+            </a:r>
+          </a:p>
+          <a:p>
+            <a:pPr marL="0" indent="0">
+              <a:buNone/>
+            </a:pPr>
+            <a:r>
+              <a:rPr lang="fr-FR" sz="2000" dirty="0">
+                <a:sym typeface="Wingdings" panose="05000000000000000000" pitchFamily="2" charset="2"/>
+              </a:rPr>
+              <a:t>	    bons en informatique</a:t>
+            </a:r>
+          </a:p>
+          <a:p>
+            <a:r>
+              <a:rPr lang="fr-FR" dirty="0" err="1"/>
+              <a:t>Convivials</a:t>
+            </a:r>
             <a:endParaRPr lang="fr-FR" dirty="0"/>
+          </a:p>
+          <a:p>
+            <a:r>
+              <a:rPr lang="fr-FR" dirty="0"/>
+              <a:t>Décompressés</a:t>
+            </a:r>
+          </a:p>
+          <a:p>
+            <a:pPr marL="0" indent="0">
+              <a:buNone/>
+            </a:pPr>
+            <a:endParaRPr lang="fr-FR" sz="2000" dirty="0">
+              <a:sym typeface="Wingdings" panose="05000000000000000000" pitchFamily="2" charset="2"/>
+            </a:endParaRPr>
           </a:p>
         </p:txBody>
       </p:sp>

--- a/presentation.pptx
+++ b/presentation.pptx
@@ -8740,18 +8740,65 @@
             <p:ph idx="1"/>
           </p:nvPr>
         </p:nvSpPr>
-        <p:spPr/>
+        <p:spPr>
+          <a:xfrm>
+            <a:off x="1251678" y="2181843"/>
+            <a:ext cx="10178322" cy="3593591"/>
+          </a:xfrm>
+        </p:spPr>
         <p:txBody>
           <a:bodyPr/>
           <a:lstStyle/>
           <a:p>
             <a:r>
               <a:rPr lang="fr-FR" dirty="0"/>
-              <a:t>Insérer divers idées</a:t>
-            </a:r>
-          </a:p>
-        </p:txBody>
-      </p:sp>
+              <a:t>Listing de toutes les matières de MMI</a:t>
+            </a:r>
+          </a:p>
+          <a:p>
+            <a:r>
+              <a:rPr lang="fr-FR" dirty="0"/>
+              <a:t>Brainstorming autour de ces idées</a:t>
+            </a:r>
+          </a:p>
+        </p:txBody>
+      </p:sp>
+      <p:pic>
+        <p:nvPicPr>
+          <p:cNvPr id="5" name="Image 4">
+            <a:extLst>
+              <a:ext uri="{FF2B5EF4-FFF2-40B4-BE49-F238E27FC236}">
+                <a16:creationId xmlns:a16="http://schemas.microsoft.com/office/drawing/2014/main" id="{44EFB39F-4FA5-415D-A146-46FE7FBE1E64}"/>
+              </a:ext>
+            </a:extLst>
+          </p:cNvPr>
+          <p:cNvPicPr>
+            <a:picLocks noChangeAspect="1"/>
+          </p:cNvPicPr>
+          <p:nvPr/>
+        </p:nvPicPr>
+        <p:blipFill>
+          <a:blip r:embed="rId2">
+            <a:extLst>
+              <a:ext uri="{28A0092B-C50C-407E-A947-70E740481C1C}">
+                <a14:useLocalDpi xmlns:a14="http://schemas.microsoft.com/office/drawing/2010/main" val="0"/>
+              </a:ext>
+            </a:extLst>
+          </a:blip>
+          <a:stretch>
+            <a:fillRect/>
+          </a:stretch>
+        </p:blipFill>
+        <p:spPr>
+          <a:xfrm>
+            <a:off x="5654744" y="1387366"/>
+            <a:ext cx="6137863" cy="4342184"/>
+          </a:xfrm>
+          <a:prstGeom prst="rect">
+            <a:avLst/>
+          </a:prstGeom>
+        </p:spPr>
+      </p:pic>
     </p:spTree>
     <p:extLst>
       <p:ext uri="{BB962C8B-B14F-4D97-AF65-F5344CB8AC3E}">

--- a/presentation.pptx
+++ b/presentation.pptx
@@ -19,12 +19,12 @@
     <p:sldId id="272" r:id="rId7"/>
     <p:sldId id="257" r:id="rId8"/>
     <p:sldId id="258" r:id="rId9"/>
-    <p:sldId id="261" r:id="rId10"/>
-    <p:sldId id="262" r:id="rId11"/>
-    <p:sldId id="263" r:id="rId12"/>
-    <p:sldId id="264" r:id="rId13"/>
-    <p:sldId id="265" r:id="rId14"/>
-    <p:sldId id="273" r:id="rId15"/>
+    <p:sldId id="273" r:id="rId10"/>
+    <p:sldId id="261" r:id="rId11"/>
+    <p:sldId id="262" r:id="rId12"/>
+    <p:sldId id="263" r:id="rId13"/>
+    <p:sldId id="264" r:id="rId14"/>
+    <p:sldId id="265" r:id="rId15"/>
     <p:sldId id="274" r:id="rId16"/>
     <p:sldId id="275" r:id="rId17"/>
   </p:sldIdLst>
@@ -1445,7 +1445,7 @@
           <a:p>
             <a:fld id="{C3B85A73-AF58-4DBD-AC25-4385B3001381}" type="slidenum">
               <a:rPr lang="fr-FR" smtClean="0"/>
-              <a:t>10</a:t>
+              <a:t>11</a:t>
             </a:fld>
             <a:endParaRPr lang="fr-FR"/>
           </a:p>
@@ -6961,7 +6961,7 @@
           <p:cNvPr id="2" name="Title 1">
             <a:extLst>
               <a:ext uri="{FF2B5EF4-FFF2-40B4-BE49-F238E27FC236}">
-                <a16:creationId xmlns:a16="http://schemas.microsoft.com/office/drawing/2014/main" id="{0B0A5E95-D16B-43B3-A317-15CA1A2BD57C}"/>
+                <a16:creationId xmlns:a16="http://schemas.microsoft.com/office/drawing/2014/main" id="{96F14647-22CF-4391-B119-A642CC7C2197}"/>
               </a:ext>
             </a:extLst>
           </p:cNvPr>
@@ -6979,7 +6979,7 @@
           <a:p>
             <a:r>
               <a:rPr lang="fr-FR" dirty="0"/>
-              <a:t>Définition du thème et validation</a:t>
+              <a:t>Brainstorming</a:t>
             </a:r>
           </a:p>
         </p:txBody>
@@ -6989,7 +6989,7 @@
           <p:cNvPr id="3" name="Content Placeholder 2">
             <a:extLst>
               <a:ext uri="{FF2B5EF4-FFF2-40B4-BE49-F238E27FC236}">
-                <a16:creationId xmlns:a16="http://schemas.microsoft.com/office/drawing/2014/main" id="{C35A40E6-117A-4F6B-B87B-8D4618820D93}"/>
+                <a16:creationId xmlns:a16="http://schemas.microsoft.com/office/drawing/2014/main" id="{73EDCFE0-F35E-4604-A2D4-141CEE82C078}"/>
               </a:ext>
             </a:extLst>
           </p:cNvPr>
@@ -7000,39 +7000,69 @@
             <p:ph idx="1"/>
           </p:nvPr>
         </p:nvSpPr>
-        <p:spPr/>
+        <p:spPr>
+          <a:xfrm>
+            <a:off x="1251678" y="2181843"/>
+            <a:ext cx="10178322" cy="3593591"/>
+          </a:xfrm>
+        </p:spPr>
         <p:txBody>
           <a:bodyPr/>
           <a:lstStyle/>
           <a:p>
             <a:r>
               <a:rPr lang="fr-FR" dirty="0"/>
-              <a:t>Gestion de projet</a:t>
+              <a:t>Listing de toutes les matières de MMI</a:t>
             </a:r>
           </a:p>
           <a:p>
             <a:r>
               <a:rPr lang="fr-FR" dirty="0"/>
-              <a:t>Jeu de plateau</a:t>
-            </a:r>
-          </a:p>
-          <a:p>
-            <a:r>
-              <a:rPr lang="fr-FR" dirty="0"/>
-              <a:t>Inspiré de </a:t>
-            </a:r>
-            <a:r>
-              <a:rPr lang="fr-FR" dirty="0" err="1"/>
-              <a:t>CashFlow</a:t>
-            </a:r>
-            <a:endParaRPr lang="fr-FR" dirty="0"/>
-          </a:p>
-        </p:txBody>
-      </p:sp>
+              <a:t>Brainstorming autour de ces idées</a:t>
+            </a:r>
+          </a:p>
+        </p:txBody>
+      </p:sp>
+      <p:pic>
+        <p:nvPicPr>
+          <p:cNvPr id="5" name="Image 4">
+            <a:extLst>
+              <a:ext uri="{FF2B5EF4-FFF2-40B4-BE49-F238E27FC236}">
+                <a16:creationId xmlns:a16="http://schemas.microsoft.com/office/drawing/2014/main" id="{44EFB39F-4FA5-415D-A146-46FE7FBE1E64}"/>
+              </a:ext>
+            </a:extLst>
+          </p:cNvPr>
+          <p:cNvPicPr>
+            <a:picLocks noChangeAspect="1"/>
+          </p:cNvPicPr>
+          <p:nvPr/>
+        </p:nvPicPr>
+        <p:blipFill>
+          <a:blip r:embed="rId2">
+            <a:extLst>
+              <a:ext uri="{28A0092B-C50C-407E-A947-70E740481C1C}">
+                <a14:useLocalDpi xmlns:a14="http://schemas.microsoft.com/office/drawing/2010/main" val="0"/>
+              </a:ext>
+            </a:extLst>
+          </a:blip>
+          <a:stretch>
+            <a:fillRect/>
+          </a:stretch>
+        </p:blipFill>
+        <p:spPr>
+          <a:xfrm>
+            <a:off x="5654744" y="1387366"/>
+            <a:ext cx="6137863" cy="4342184"/>
+          </a:xfrm>
+          <a:prstGeom prst="rect">
+            <a:avLst/>
+          </a:prstGeom>
+        </p:spPr>
+      </p:pic>
     </p:spTree>
     <p:extLst>
       <p:ext uri="{BB962C8B-B14F-4D97-AF65-F5344CB8AC3E}">
-        <p14:creationId xmlns:p14="http://schemas.microsoft.com/office/powerpoint/2010/main" val="1840727255"/>
+        <p14:creationId xmlns:p14="http://schemas.microsoft.com/office/powerpoint/2010/main" val="2660014786"/>
       </p:ext>
     </p:extLst>
   </p:cSld>
@@ -7064,6 +7094,109 @@
           <p:cNvPr id="2" name="Title 1">
             <a:extLst>
               <a:ext uri="{FF2B5EF4-FFF2-40B4-BE49-F238E27FC236}">
+                <a16:creationId xmlns:a16="http://schemas.microsoft.com/office/drawing/2014/main" id="{0B0A5E95-D16B-43B3-A317-15CA1A2BD57C}"/>
+              </a:ext>
+            </a:extLst>
+          </p:cNvPr>
+          <p:cNvSpPr>
+            <a:spLocks noGrp="1"/>
+          </p:cNvSpPr>
+          <p:nvPr>
+            <p:ph type="title"/>
+          </p:nvPr>
+        </p:nvSpPr>
+        <p:spPr/>
+        <p:txBody>
+          <a:bodyPr/>
+          <a:lstStyle/>
+          <a:p>
+            <a:r>
+              <a:rPr lang="fr-FR" dirty="0"/>
+              <a:t>Définition du thème et validation</a:t>
+            </a:r>
+          </a:p>
+        </p:txBody>
+      </p:sp>
+      <p:sp>
+        <p:nvSpPr>
+          <p:cNvPr id="3" name="Content Placeholder 2">
+            <a:extLst>
+              <a:ext uri="{FF2B5EF4-FFF2-40B4-BE49-F238E27FC236}">
+                <a16:creationId xmlns:a16="http://schemas.microsoft.com/office/drawing/2014/main" id="{C35A40E6-117A-4F6B-B87B-8D4618820D93}"/>
+              </a:ext>
+            </a:extLst>
+          </p:cNvPr>
+          <p:cNvSpPr>
+            <a:spLocks noGrp="1"/>
+          </p:cNvSpPr>
+          <p:nvPr>
+            <p:ph idx="1"/>
+          </p:nvPr>
+        </p:nvSpPr>
+        <p:spPr/>
+        <p:txBody>
+          <a:bodyPr/>
+          <a:lstStyle/>
+          <a:p>
+            <a:r>
+              <a:rPr lang="fr-FR" dirty="0"/>
+              <a:t>Gestion de projet</a:t>
+            </a:r>
+          </a:p>
+          <a:p>
+            <a:r>
+              <a:rPr lang="fr-FR" dirty="0"/>
+              <a:t>Jeu de plateau</a:t>
+            </a:r>
+          </a:p>
+          <a:p>
+            <a:r>
+              <a:rPr lang="fr-FR" dirty="0"/>
+              <a:t>Inspiré de </a:t>
+            </a:r>
+            <a:r>
+              <a:rPr lang="fr-FR" dirty="0" err="1"/>
+              <a:t>CashFlow</a:t>
+            </a:r>
+            <a:endParaRPr lang="fr-FR" dirty="0"/>
+          </a:p>
+        </p:txBody>
+      </p:sp>
+    </p:spTree>
+    <p:extLst>
+      <p:ext uri="{BB962C8B-B14F-4D97-AF65-F5344CB8AC3E}">
+        <p14:creationId xmlns:p14="http://schemas.microsoft.com/office/powerpoint/2010/main" val="1840727255"/>
+      </p:ext>
+    </p:extLst>
+  </p:cSld>
+  <p:clrMapOvr>
+    <a:masterClrMapping/>
+  </p:clrMapOvr>
+</p:sld>
+</file>
+
+<file path=ppt/slides/slide12.xml><?xml version="1.0" encoding="utf-8"?>
+<p:sld xmlns:a="http://schemas.openxmlformats.org/drawingml/2006/main" xmlns:r="http://schemas.openxmlformats.org/officeDocument/2006/relationships" xmlns:p="http://schemas.openxmlformats.org/presentationml/2006/main">
+  <p:cSld>
+    <p:spTree>
+      <p:nvGrpSpPr>
+        <p:cNvPr id="1" name=""/>
+        <p:cNvGrpSpPr/>
+        <p:nvPr/>
+      </p:nvGrpSpPr>
+      <p:grpSpPr>
+        <a:xfrm>
+          <a:off x="0" y="0"/>
+          <a:ext cx="0" cy="0"/>
+          <a:chOff x="0" y="0"/>
+          <a:chExt cx="0" cy="0"/>
+        </a:xfrm>
+      </p:grpSpPr>
+      <p:sp>
+        <p:nvSpPr>
+          <p:cNvPr id="2" name="Title 1">
+            <a:extLst>
+              <a:ext uri="{FF2B5EF4-FFF2-40B4-BE49-F238E27FC236}">
                 <a16:creationId xmlns:a16="http://schemas.microsoft.com/office/drawing/2014/main" id="{437A6E0B-79D7-446F-B6BB-C40DFE6043FE}"/>
               </a:ext>
             </a:extLst>
@@ -7128,7 +7261,7 @@
 </p:sld>
 </file>
 
-<file path=ppt/slides/slide12.xml><?xml version="1.0" encoding="utf-8"?>
+<file path=ppt/slides/slide13.xml><?xml version="1.0" encoding="utf-8"?>
 <p:sld xmlns:a="http://schemas.openxmlformats.org/drawingml/2006/main" xmlns:r="http://schemas.openxmlformats.org/officeDocument/2006/relationships" xmlns:p="http://schemas.openxmlformats.org/presentationml/2006/main">
   <p:cSld>
     <p:spTree>
@@ -7442,74 +7575,6 @@
 </p:sld>
 </file>
 
-<file path=ppt/slides/slide13.xml><?xml version="1.0" encoding="utf-8"?>
-<p:sld xmlns:a="http://schemas.openxmlformats.org/drawingml/2006/main" xmlns:r="http://schemas.openxmlformats.org/officeDocument/2006/relationships" xmlns:p="http://schemas.openxmlformats.org/presentationml/2006/main">
-  <p:cSld>
-    <p:spTree>
-      <p:nvGrpSpPr>
-        <p:cNvPr id="1" name=""/>
-        <p:cNvGrpSpPr/>
-        <p:nvPr/>
-      </p:nvGrpSpPr>
-      <p:grpSpPr>
-        <a:xfrm>
-          <a:off x="0" y="0"/>
-          <a:ext cx="0" cy="0"/>
-          <a:chOff x="0" y="0"/>
-          <a:chExt cx="0" cy="0"/>
-        </a:xfrm>
-      </p:grpSpPr>
-      <p:sp>
-        <p:nvSpPr>
-          <p:cNvPr id="2" name="Title 1">
-            <a:extLst>
-              <a:ext uri="{FF2B5EF4-FFF2-40B4-BE49-F238E27FC236}">
-                <a16:creationId xmlns:a16="http://schemas.microsoft.com/office/drawing/2014/main" id="{6D792507-2C8E-4E9D-81EC-AE3250860F6D}"/>
-              </a:ext>
-            </a:extLst>
-          </p:cNvPr>
-          <p:cNvSpPr>
-            <a:spLocks noGrp="1"/>
-          </p:cNvSpPr>
-          <p:nvPr>
-            <p:ph type="title"/>
-          </p:nvPr>
-        </p:nvSpPr>
-        <p:spPr>
-          <a:xfrm>
-            <a:off x="838200" y="2766218"/>
-            <a:ext cx="10515600" cy="1325563"/>
-          </a:xfrm>
-        </p:spPr>
-        <p:txBody>
-          <a:bodyPr/>
-          <a:lstStyle/>
-          <a:p>
-            <a:pPr algn="ctr"/>
-            <a:r>
-              <a:rPr lang="fr-FR" dirty="0" err="1"/>
-              <a:t>From</a:t>
-            </a:r>
-            <a:r>
-              <a:rPr lang="fr-FR" dirty="0"/>
-              <a:t> Hardware</a:t>
-            </a:r>
-          </a:p>
-        </p:txBody>
-      </p:sp>
-    </p:spTree>
-    <p:extLst>
-      <p:ext uri="{BB962C8B-B14F-4D97-AF65-F5344CB8AC3E}">
-        <p14:creationId xmlns:p14="http://schemas.microsoft.com/office/powerpoint/2010/main" val="3247048910"/>
-      </p:ext>
-    </p:extLst>
-  </p:cSld>
-  <p:clrMapOvr>
-    <a:masterClrMapping/>
-  </p:clrMapOvr>
-</p:sld>
-</file>
-
 <file path=ppt/slides/slide14.xml><?xml version="1.0" encoding="utf-8"?>
 <p:sld xmlns:a="http://schemas.openxmlformats.org/drawingml/2006/main" xmlns:r="http://schemas.openxmlformats.org/officeDocument/2006/relationships" xmlns:p="http://schemas.openxmlformats.org/presentationml/2006/main">
   <p:cSld>
@@ -7532,7 +7597,7 @@
           <p:cNvPr id="2" name="Title 1">
             <a:extLst>
               <a:ext uri="{FF2B5EF4-FFF2-40B4-BE49-F238E27FC236}">
-                <a16:creationId xmlns:a16="http://schemas.microsoft.com/office/drawing/2014/main" id="{9AC59272-4F45-46D5-AB7A-E1872746D685}"/>
+                <a16:creationId xmlns:a16="http://schemas.microsoft.com/office/drawing/2014/main" id="{6D792507-2C8E-4E9D-81EC-AE3250860F6D}"/>
               </a:ext>
             </a:extLst>
           </p:cNvPr>
@@ -7543,55 +7608,32 @@
             <p:ph type="title"/>
           </p:nvPr>
         </p:nvSpPr>
-        <p:spPr/>
+        <p:spPr>
+          <a:xfrm>
+            <a:off x="838200" y="2766218"/>
+            <a:ext cx="10515600" cy="1325563"/>
+          </a:xfrm>
+        </p:spPr>
         <p:txBody>
           <a:bodyPr/>
           <a:lstStyle/>
           <a:p>
+            <a:pPr algn="ctr"/>
+            <a:r>
+              <a:rPr lang="fr-FR" dirty="0" err="1"/>
+              <a:t>From</a:t>
+            </a:r>
             <a:r>
               <a:rPr lang="fr-FR" dirty="0"/>
-              <a:t>Roll </a:t>
-            </a:r>
-            <a:r>
-              <a:rPr lang="fr-FR" dirty="0" err="1"/>
-              <a:t>credits</a:t>
-            </a:r>
-            <a:r>
-              <a:rPr lang="fr-FR" dirty="0"/>
-              <a:t>…</a:t>
-            </a:r>
-          </a:p>
-        </p:txBody>
-      </p:sp>
-      <p:sp>
-        <p:nvSpPr>
-          <p:cNvPr id="3" name="Content Placeholder 2">
-            <a:extLst>
-              <a:ext uri="{FF2B5EF4-FFF2-40B4-BE49-F238E27FC236}">
-                <a16:creationId xmlns:a16="http://schemas.microsoft.com/office/drawing/2014/main" id="{2FBDF76E-6A86-44AE-83E9-4E0BE9A62B95}"/>
-              </a:ext>
-            </a:extLst>
-          </p:cNvPr>
-          <p:cNvSpPr>
-            <a:spLocks noGrp="1"/>
-          </p:cNvSpPr>
-          <p:nvPr>
-            <p:ph idx="1"/>
-          </p:nvPr>
-        </p:nvSpPr>
-        <p:spPr/>
-        <p:txBody>
-          <a:bodyPr/>
-          <a:lstStyle/>
-          <a:p>
-            <a:endParaRPr lang="fr-FR"/>
+              <a:t> Hardware</a:t>
+            </a:r>
           </a:p>
         </p:txBody>
       </p:sp>
     </p:spTree>
     <p:extLst>
       <p:ext uri="{BB962C8B-B14F-4D97-AF65-F5344CB8AC3E}">
-        <p14:creationId xmlns:p14="http://schemas.microsoft.com/office/powerpoint/2010/main" val="2098323538"/>
+        <p14:creationId xmlns:p14="http://schemas.microsoft.com/office/powerpoint/2010/main" val="3247048910"/>
       </p:ext>
     </p:extLst>
   </p:cSld>
@@ -8701,7 +8743,7 @@
           <p:cNvPr id="2" name="Title 1">
             <a:extLst>
               <a:ext uri="{FF2B5EF4-FFF2-40B4-BE49-F238E27FC236}">
-                <a16:creationId xmlns:a16="http://schemas.microsoft.com/office/drawing/2014/main" id="{96F14647-22CF-4391-B119-A642CC7C2197}"/>
+                <a16:creationId xmlns:a16="http://schemas.microsoft.com/office/drawing/2014/main" id="{9AC59272-4F45-46D5-AB7A-E1872746D685}"/>
               </a:ext>
             </a:extLst>
           </p:cNvPr>
@@ -8719,7 +8761,7 @@
           <a:p>
             <a:r>
               <a:rPr lang="fr-FR" dirty="0"/>
-              <a:t>Brainstorming</a:t>
+              <a:t>Études des logiciels et choix</a:t>
             </a:r>
           </a:p>
         </p:txBody>
@@ -8729,7 +8771,7 @@
           <p:cNvPr id="3" name="Content Placeholder 2">
             <a:extLst>
               <a:ext uri="{FF2B5EF4-FFF2-40B4-BE49-F238E27FC236}">
-                <a16:creationId xmlns:a16="http://schemas.microsoft.com/office/drawing/2014/main" id="{73EDCFE0-F35E-4604-A2D4-141CEE82C078}"/>
+                <a16:creationId xmlns:a16="http://schemas.microsoft.com/office/drawing/2014/main" id="{2FBDF76E-6A86-44AE-83E9-4E0BE9A62B95}"/>
               </a:ext>
             </a:extLst>
           </p:cNvPr>
@@ -8740,69 +8782,19 @@
             <p:ph idx="1"/>
           </p:nvPr>
         </p:nvSpPr>
-        <p:spPr>
-          <a:xfrm>
-            <a:off x="1251678" y="2181843"/>
-            <a:ext cx="10178322" cy="3593591"/>
-          </a:xfrm>
-        </p:spPr>
+        <p:spPr/>
         <p:txBody>
           <a:bodyPr/>
           <a:lstStyle/>
           <a:p>
-            <a:r>
-              <a:rPr lang="fr-FR" dirty="0"/>
-              <a:t>Listing de toutes les matières de MMI</a:t>
-            </a:r>
-          </a:p>
-          <a:p>
-            <a:r>
-              <a:rPr lang="fr-FR" dirty="0"/>
-              <a:t>Brainstorming autour de ces idées</a:t>
-            </a:r>
-          </a:p>
-        </p:txBody>
-      </p:sp>
-      <p:pic>
-        <p:nvPicPr>
-          <p:cNvPr id="5" name="Image 4">
-            <a:extLst>
-              <a:ext uri="{FF2B5EF4-FFF2-40B4-BE49-F238E27FC236}">
-                <a16:creationId xmlns:a16="http://schemas.microsoft.com/office/drawing/2014/main" id="{44EFB39F-4FA5-415D-A146-46FE7FBE1E64}"/>
-              </a:ext>
-            </a:extLst>
-          </p:cNvPr>
-          <p:cNvPicPr>
-            <a:picLocks noChangeAspect="1"/>
-          </p:cNvPicPr>
-          <p:nvPr/>
-        </p:nvPicPr>
-        <p:blipFill>
-          <a:blip r:embed="rId2">
-            <a:extLst>
-              <a:ext uri="{28A0092B-C50C-407E-A947-70E740481C1C}">
-                <a14:useLocalDpi xmlns:a14="http://schemas.microsoft.com/office/drawing/2010/main" val="0"/>
-              </a:ext>
-            </a:extLst>
-          </a:blip>
-          <a:stretch>
-            <a:fillRect/>
-          </a:stretch>
-        </p:blipFill>
-        <p:spPr>
-          <a:xfrm>
-            <a:off x="5654744" y="1387366"/>
-            <a:ext cx="6137863" cy="4342184"/>
-          </a:xfrm>
-          <a:prstGeom prst="rect">
-            <a:avLst/>
-          </a:prstGeom>
-        </p:spPr>
-      </p:pic>
+            <a:endParaRPr lang="fr-FR"/>
+          </a:p>
+        </p:txBody>
+      </p:sp>
     </p:spTree>
     <p:extLst>
       <p:ext uri="{BB962C8B-B14F-4D97-AF65-F5344CB8AC3E}">
-        <p14:creationId xmlns:p14="http://schemas.microsoft.com/office/powerpoint/2010/main" val="2660014786"/>
+        <p14:creationId xmlns:p14="http://schemas.microsoft.com/office/powerpoint/2010/main" val="2098323538"/>
       </p:ext>
     </p:extLst>
   </p:cSld>

--- a/presentation.pptx
+++ b/presentation.pptx
@@ -136,6 +136,3396 @@
 </p:presentation>
 </file>
 
+<file path=ppt/diagrams/colors1.xml><?xml version="1.0" encoding="utf-8"?>
+<dgm:colorsDef xmlns:dgm="http://schemas.openxmlformats.org/drawingml/2006/diagram" xmlns:a="http://schemas.openxmlformats.org/drawingml/2006/main" uniqueId="urn:microsoft.com/office/officeart/2005/8/colors/accent1_2">
+  <dgm:title val=""/>
+  <dgm:desc val=""/>
+  <dgm:catLst>
+    <dgm:cat type="accent1" pri="11200"/>
+  </dgm:catLst>
+  <dgm:styleLbl name="node0">
+    <dgm:fillClrLst meth="repeat">
+      <a:schemeClr val="accent1"/>
+    </dgm:fillClrLst>
+    <dgm:linClrLst meth="repeat">
+      <a:schemeClr val="lt1"/>
+    </dgm:linClrLst>
+    <dgm:effectClrLst/>
+    <dgm:txLinClrLst/>
+    <dgm:txFillClrLst/>
+    <dgm:txEffectClrLst/>
+  </dgm:styleLbl>
+  <dgm:styleLbl name="alignNode1">
+    <dgm:fillClrLst meth="repeat">
+      <a:schemeClr val="accent1"/>
+    </dgm:fillClrLst>
+    <dgm:linClrLst meth="repeat">
+      <a:schemeClr val="accent1"/>
+    </dgm:linClrLst>
+    <dgm:effectClrLst/>
+    <dgm:txLinClrLst/>
+    <dgm:txFillClrLst/>
+    <dgm:txEffectClrLst/>
+  </dgm:styleLbl>
+  <dgm:styleLbl name="node1">
+    <dgm:fillClrLst meth="repeat">
+      <a:schemeClr val="accent1"/>
+    </dgm:fillClrLst>
+    <dgm:linClrLst meth="repeat">
+      <a:schemeClr val="lt1"/>
+    </dgm:linClrLst>
+    <dgm:effectClrLst/>
+    <dgm:txLinClrLst/>
+    <dgm:txFillClrLst/>
+    <dgm:txEffectClrLst/>
+  </dgm:styleLbl>
+  <dgm:styleLbl name="lnNode1">
+    <dgm:fillClrLst meth="repeat">
+      <a:schemeClr val="accent1"/>
+    </dgm:fillClrLst>
+    <dgm:linClrLst meth="repeat">
+      <a:schemeClr val="lt1"/>
+    </dgm:linClrLst>
+    <dgm:effectClrLst/>
+    <dgm:txLinClrLst/>
+    <dgm:txFillClrLst/>
+    <dgm:txEffectClrLst/>
+  </dgm:styleLbl>
+  <dgm:styleLbl name="vennNode1">
+    <dgm:fillClrLst meth="repeat">
+      <a:schemeClr val="accent1">
+        <a:alpha val="50000"/>
+      </a:schemeClr>
+    </dgm:fillClrLst>
+    <dgm:linClrLst meth="repeat">
+      <a:schemeClr val="lt1"/>
+    </dgm:linClrLst>
+    <dgm:effectClrLst/>
+    <dgm:txLinClrLst/>
+    <dgm:txFillClrLst/>
+    <dgm:txEffectClrLst/>
+  </dgm:styleLbl>
+  <dgm:styleLbl name="node2">
+    <dgm:fillClrLst meth="repeat">
+      <a:schemeClr val="accent1"/>
+    </dgm:fillClrLst>
+    <dgm:linClrLst meth="repeat">
+      <a:schemeClr val="lt1"/>
+    </dgm:linClrLst>
+    <dgm:effectClrLst/>
+    <dgm:txLinClrLst/>
+    <dgm:txFillClrLst/>
+    <dgm:txEffectClrLst/>
+  </dgm:styleLbl>
+  <dgm:styleLbl name="node3">
+    <dgm:fillClrLst meth="repeat">
+      <a:schemeClr val="accent1"/>
+    </dgm:fillClrLst>
+    <dgm:linClrLst meth="repeat">
+      <a:schemeClr val="lt1"/>
+    </dgm:linClrLst>
+    <dgm:effectClrLst/>
+    <dgm:txLinClrLst/>
+    <dgm:txFillClrLst/>
+    <dgm:txEffectClrLst/>
+  </dgm:styleLbl>
+  <dgm:styleLbl name="node4">
+    <dgm:fillClrLst meth="repeat">
+      <a:schemeClr val="accent1"/>
+    </dgm:fillClrLst>
+    <dgm:linClrLst meth="repeat">
+      <a:schemeClr val="lt1"/>
+    </dgm:linClrLst>
+    <dgm:effectClrLst/>
+    <dgm:txLinClrLst/>
+    <dgm:txFillClrLst/>
+    <dgm:txEffectClrLst/>
+  </dgm:styleLbl>
+  <dgm:styleLbl name="fgImgPlace1">
+    <dgm:fillClrLst meth="repeat">
+      <a:schemeClr val="accent1">
+        <a:tint val="50000"/>
+      </a:schemeClr>
+    </dgm:fillClrLst>
+    <dgm:linClrLst meth="repeat">
+      <a:schemeClr val="lt1"/>
+    </dgm:linClrLst>
+    <dgm:effectClrLst/>
+    <dgm:txLinClrLst/>
+    <dgm:txFillClrLst meth="repeat">
+      <a:schemeClr val="lt1"/>
+    </dgm:txFillClrLst>
+    <dgm:txEffectClrLst/>
+  </dgm:styleLbl>
+  <dgm:styleLbl name="alignImgPlace1">
+    <dgm:fillClrLst meth="repeat">
+      <a:schemeClr val="accent1">
+        <a:tint val="50000"/>
+      </a:schemeClr>
+    </dgm:fillClrLst>
+    <dgm:linClrLst meth="repeat">
+      <a:schemeClr val="lt1"/>
+    </dgm:linClrLst>
+    <dgm:effectClrLst/>
+    <dgm:txLinClrLst/>
+    <dgm:txFillClrLst meth="repeat">
+      <a:schemeClr val="lt1"/>
+    </dgm:txFillClrLst>
+    <dgm:txEffectClrLst/>
+  </dgm:styleLbl>
+  <dgm:styleLbl name="bgImgPlace1">
+    <dgm:fillClrLst meth="repeat">
+      <a:schemeClr val="accent1">
+        <a:tint val="50000"/>
+      </a:schemeClr>
+    </dgm:fillClrLst>
+    <dgm:linClrLst meth="repeat">
+      <a:schemeClr val="lt1"/>
+    </dgm:linClrLst>
+    <dgm:effectClrLst/>
+    <dgm:txLinClrLst/>
+    <dgm:txFillClrLst meth="repeat">
+      <a:schemeClr val="lt1"/>
+    </dgm:txFillClrLst>
+    <dgm:txEffectClrLst/>
+  </dgm:styleLbl>
+  <dgm:styleLbl name="sibTrans2D1">
+    <dgm:fillClrLst meth="repeat">
+      <a:schemeClr val="accent1">
+        <a:tint val="60000"/>
+      </a:schemeClr>
+    </dgm:fillClrLst>
+    <dgm:linClrLst meth="repeat">
+      <a:schemeClr val="accent1">
+        <a:tint val="60000"/>
+      </a:schemeClr>
+    </dgm:linClrLst>
+    <dgm:effectClrLst/>
+    <dgm:txLinClrLst/>
+    <dgm:txFillClrLst/>
+    <dgm:txEffectClrLst/>
+  </dgm:styleLbl>
+  <dgm:styleLbl name="fgSibTrans2D1">
+    <dgm:fillClrLst meth="repeat">
+      <a:schemeClr val="accent1">
+        <a:tint val="60000"/>
+      </a:schemeClr>
+    </dgm:fillClrLst>
+    <dgm:linClrLst meth="repeat">
+      <a:schemeClr val="accent1">
+        <a:tint val="60000"/>
+      </a:schemeClr>
+    </dgm:linClrLst>
+    <dgm:effectClrLst/>
+    <dgm:txLinClrLst/>
+    <dgm:txFillClrLst/>
+    <dgm:txEffectClrLst/>
+  </dgm:styleLbl>
+  <dgm:styleLbl name="bgSibTrans2D1">
+    <dgm:fillClrLst meth="repeat">
+      <a:schemeClr val="accent1">
+        <a:tint val="60000"/>
+      </a:schemeClr>
+    </dgm:fillClrLst>
+    <dgm:linClrLst meth="repeat">
+      <a:schemeClr val="accent1">
+        <a:tint val="60000"/>
+      </a:schemeClr>
+    </dgm:linClrLst>
+    <dgm:effectClrLst/>
+    <dgm:txLinClrLst/>
+    <dgm:txFillClrLst/>
+    <dgm:txEffectClrLst/>
+  </dgm:styleLbl>
+  <dgm:styleLbl name="sibTrans1D1">
+    <dgm:fillClrLst meth="repeat">
+      <a:schemeClr val="accent1"/>
+    </dgm:fillClrLst>
+    <dgm:linClrLst meth="repeat">
+      <a:schemeClr val="accent1"/>
+    </dgm:linClrLst>
+    <dgm:effectClrLst/>
+    <dgm:txLinClrLst/>
+    <dgm:txFillClrLst meth="repeat">
+      <a:schemeClr val="tx1"/>
+    </dgm:txFillClrLst>
+    <dgm:txEffectClrLst/>
+  </dgm:styleLbl>
+  <dgm:styleLbl name="callout">
+    <dgm:fillClrLst meth="repeat">
+      <a:schemeClr val="accent1"/>
+    </dgm:fillClrLst>
+    <dgm:linClrLst meth="repeat">
+      <a:schemeClr val="accent1">
+        <a:tint val="50000"/>
+      </a:schemeClr>
+    </dgm:linClrLst>
+    <dgm:effectClrLst/>
+    <dgm:txLinClrLst/>
+    <dgm:txFillClrLst meth="repeat">
+      <a:schemeClr val="tx1"/>
+    </dgm:txFillClrLst>
+    <dgm:txEffectClrLst/>
+  </dgm:styleLbl>
+  <dgm:styleLbl name="asst0">
+    <dgm:fillClrLst meth="repeat">
+      <a:schemeClr val="accent1"/>
+    </dgm:fillClrLst>
+    <dgm:linClrLst meth="repeat">
+      <a:schemeClr val="lt1"/>
+    </dgm:linClrLst>
+    <dgm:effectClrLst/>
+    <dgm:txLinClrLst/>
+    <dgm:txFillClrLst/>
+    <dgm:txEffectClrLst/>
+  </dgm:styleLbl>
+  <dgm:styleLbl name="asst1">
+    <dgm:fillClrLst meth="repeat">
+      <a:schemeClr val="accent1"/>
+    </dgm:fillClrLst>
+    <dgm:linClrLst meth="repeat">
+      <a:schemeClr val="lt1"/>
+    </dgm:linClrLst>
+    <dgm:effectClrLst/>
+    <dgm:txLinClrLst/>
+    <dgm:txFillClrLst/>
+    <dgm:txEffectClrLst/>
+  </dgm:styleLbl>
+  <dgm:styleLbl name="asst2">
+    <dgm:fillClrLst meth="repeat">
+      <a:schemeClr val="accent1"/>
+    </dgm:fillClrLst>
+    <dgm:linClrLst meth="repeat">
+      <a:schemeClr val="lt1"/>
+    </dgm:linClrLst>
+    <dgm:effectClrLst/>
+    <dgm:txLinClrLst/>
+    <dgm:txFillClrLst/>
+    <dgm:txEffectClrLst/>
+  </dgm:styleLbl>
+  <dgm:styleLbl name="asst3">
+    <dgm:fillClrLst meth="repeat">
+      <a:schemeClr val="accent1"/>
+    </dgm:fillClrLst>
+    <dgm:linClrLst meth="repeat">
+      <a:schemeClr val="lt1"/>
+    </dgm:linClrLst>
+    <dgm:effectClrLst/>
+    <dgm:txLinClrLst/>
+    <dgm:txFillClrLst/>
+    <dgm:txEffectClrLst/>
+  </dgm:styleLbl>
+  <dgm:styleLbl name="asst4">
+    <dgm:fillClrLst meth="repeat">
+      <a:schemeClr val="accent1"/>
+    </dgm:fillClrLst>
+    <dgm:linClrLst meth="repeat">
+      <a:schemeClr val="lt1"/>
+    </dgm:linClrLst>
+    <dgm:effectClrLst/>
+    <dgm:txLinClrLst/>
+    <dgm:txFillClrLst/>
+    <dgm:txEffectClrLst/>
+  </dgm:styleLbl>
+  <dgm:styleLbl name="parChTrans2D1">
+    <dgm:fillClrLst meth="repeat">
+      <a:schemeClr val="accent1">
+        <a:tint val="60000"/>
+      </a:schemeClr>
+    </dgm:fillClrLst>
+    <dgm:linClrLst meth="repeat">
+      <a:schemeClr val="accent1">
+        <a:tint val="60000"/>
+      </a:schemeClr>
+    </dgm:linClrLst>
+    <dgm:effectClrLst/>
+    <dgm:txLinClrLst/>
+    <dgm:txFillClrLst meth="repeat">
+      <a:schemeClr val="lt1"/>
+    </dgm:txFillClrLst>
+    <dgm:txEffectClrLst/>
+  </dgm:styleLbl>
+  <dgm:styleLbl name="parChTrans2D2">
+    <dgm:fillClrLst meth="repeat">
+      <a:schemeClr val="accent1"/>
+    </dgm:fillClrLst>
+    <dgm:linClrLst meth="repeat">
+      <a:schemeClr val="accent1"/>
+    </dgm:linClrLst>
+    <dgm:effectClrLst/>
+    <dgm:txLinClrLst/>
+    <dgm:txFillClrLst meth="repeat">
+      <a:schemeClr val="lt1"/>
+    </dgm:txFillClrLst>
+    <dgm:txEffectClrLst/>
+  </dgm:styleLbl>
+  <dgm:styleLbl name="parChTrans2D3">
+    <dgm:fillClrLst meth="repeat">
+      <a:schemeClr val="accent1"/>
+    </dgm:fillClrLst>
+    <dgm:linClrLst meth="repeat">
+      <a:schemeClr val="accent1"/>
+    </dgm:linClrLst>
+    <dgm:effectClrLst/>
+    <dgm:txLinClrLst/>
+    <dgm:txFillClrLst meth="repeat">
+      <a:schemeClr val="lt1"/>
+    </dgm:txFillClrLst>
+    <dgm:txEffectClrLst/>
+  </dgm:styleLbl>
+  <dgm:styleLbl name="parChTrans2D4">
+    <dgm:fillClrLst meth="repeat">
+      <a:schemeClr val="accent1"/>
+    </dgm:fillClrLst>
+    <dgm:linClrLst meth="repeat">
+      <a:schemeClr val="accent1"/>
+    </dgm:linClrLst>
+    <dgm:effectClrLst/>
+    <dgm:txLinClrLst/>
+    <dgm:txFillClrLst meth="repeat">
+      <a:schemeClr val="lt1"/>
+    </dgm:txFillClrLst>
+    <dgm:txEffectClrLst/>
+  </dgm:styleLbl>
+  <dgm:styleLbl name="parChTrans1D1">
+    <dgm:fillClrLst meth="repeat">
+      <a:schemeClr val="accent1"/>
+    </dgm:fillClrLst>
+    <dgm:linClrLst meth="repeat">
+      <a:schemeClr val="accent1">
+        <a:shade val="60000"/>
+      </a:schemeClr>
+    </dgm:linClrLst>
+    <dgm:effectClrLst/>
+    <dgm:txLinClrLst/>
+    <dgm:txFillClrLst meth="repeat">
+      <a:schemeClr val="tx1"/>
+    </dgm:txFillClrLst>
+    <dgm:txEffectClrLst/>
+  </dgm:styleLbl>
+  <dgm:styleLbl name="parChTrans1D2">
+    <dgm:fillClrLst meth="repeat">
+      <a:schemeClr val="accent1"/>
+    </dgm:fillClrLst>
+    <dgm:linClrLst meth="repeat">
+      <a:schemeClr val="accent1">
+        <a:shade val="60000"/>
+      </a:schemeClr>
+    </dgm:linClrLst>
+    <dgm:effectClrLst/>
+    <dgm:txLinClrLst/>
+    <dgm:txFillClrLst meth="repeat">
+      <a:schemeClr val="tx1"/>
+    </dgm:txFillClrLst>
+    <dgm:txEffectClrLst/>
+  </dgm:styleLbl>
+  <dgm:styleLbl name="parChTrans1D3">
+    <dgm:fillClrLst meth="repeat">
+      <a:schemeClr val="accent1"/>
+    </dgm:fillClrLst>
+    <dgm:linClrLst meth="repeat">
+      <a:schemeClr val="accent1">
+        <a:shade val="80000"/>
+      </a:schemeClr>
+    </dgm:linClrLst>
+    <dgm:effectClrLst/>
+    <dgm:txLinClrLst/>
+    <dgm:txFillClrLst meth="repeat">
+      <a:schemeClr val="tx1"/>
+    </dgm:txFillClrLst>
+    <dgm:txEffectClrLst/>
+  </dgm:styleLbl>
+  <dgm:styleLbl name="parChTrans1D4">
+    <dgm:fillClrLst meth="repeat">
+      <a:schemeClr val="accent1"/>
+    </dgm:fillClrLst>
+    <dgm:linClrLst meth="repeat">
+      <a:schemeClr val="accent1">
+        <a:shade val="80000"/>
+      </a:schemeClr>
+    </dgm:linClrLst>
+    <dgm:effectClrLst/>
+    <dgm:txLinClrLst/>
+    <dgm:txFillClrLst meth="repeat">
+      <a:schemeClr val="tx1"/>
+    </dgm:txFillClrLst>
+    <dgm:txEffectClrLst/>
+  </dgm:styleLbl>
+  <dgm:styleLbl name="fgAcc1">
+    <dgm:fillClrLst meth="repeat">
+      <a:schemeClr val="lt1">
+        <a:alpha val="90000"/>
+      </a:schemeClr>
+    </dgm:fillClrLst>
+    <dgm:linClrLst meth="repeat">
+      <a:schemeClr val="accent1"/>
+    </dgm:linClrLst>
+    <dgm:effectClrLst/>
+    <dgm:txLinClrLst/>
+    <dgm:txFillClrLst meth="repeat">
+      <a:schemeClr val="dk1"/>
+    </dgm:txFillClrLst>
+    <dgm:txEffectClrLst/>
+  </dgm:styleLbl>
+  <dgm:styleLbl name="conFgAcc1">
+    <dgm:fillClrLst meth="repeat">
+      <a:schemeClr val="lt1">
+        <a:alpha val="90000"/>
+      </a:schemeClr>
+    </dgm:fillClrLst>
+    <dgm:linClrLst meth="repeat">
+      <a:schemeClr val="accent1"/>
+    </dgm:linClrLst>
+    <dgm:effectClrLst/>
+    <dgm:txLinClrLst/>
+    <dgm:txFillClrLst meth="repeat">
+      <a:schemeClr val="dk1"/>
+    </dgm:txFillClrLst>
+    <dgm:txEffectClrLst/>
+  </dgm:styleLbl>
+  <dgm:styleLbl name="alignAcc1">
+    <dgm:fillClrLst meth="repeat">
+      <a:schemeClr val="lt1">
+        <a:alpha val="90000"/>
+      </a:schemeClr>
+    </dgm:fillClrLst>
+    <dgm:linClrLst meth="repeat">
+      <a:schemeClr val="accent1"/>
+    </dgm:linClrLst>
+    <dgm:effectClrLst/>
+    <dgm:txLinClrLst/>
+    <dgm:txFillClrLst meth="repeat">
+      <a:schemeClr val="dk1"/>
+    </dgm:txFillClrLst>
+    <dgm:txEffectClrLst/>
+  </dgm:styleLbl>
+  <dgm:styleLbl name="trAlignAcc1">
+    <dgm:fillClrLst meth="repeat">
+      <a:schemeClr val="lt1">
+        <a:alpha val="40000"/>
+      </a:schemeClr>
+    </dgm:fillClrLst>
+    <dgm:linClrLst meth="repeat">
+      <a:schemeClr val="accent1"/>
+    </dgm:linClrLst>
+    <dgm:effectClrLst/>
+    <dgm:txLinClrLst/>
+    <dgm:txFillClrLst meth="repeat">
+      <a:schemeClr val="dk1"/>
+    </dgm:txFillClrLst>
+    <dgm:txEffectClrLst/>
+  </dgm:styleLbl>
+  <dgm:styleLbl name="bgAcc1">
+    <dgm:fillClrLst meth="repeat">
+      <a:schemeClr val="lt1">
+        <a:alpha val="90000"/>
+      </a:schemeClr>
+    </dgm:fillClrLst>
+    <dgm:linClrLst meth="repeat">
+      <a:schemeClr val="accent1"/>
+    </dgm:linClrLst>
+    <dgm:effectClrLst/>
+    <dgm:txLinClrLst/>
+    <dgm:txFillClrLst meth="repeat">
+      <a:schemeClr val="dk1"/>
+    </dgm:txFillClrLst>
+    <dgm:txEffectClrLst/>
+  </dgm:styleLbl>
+  <dgm:styleLbl name="solidFgAcc1">
+    <dgm:fillClrLst meth="repeat">
+      <a:schemeClr val="lt1"/>
+    </dgm:fillClrLst>
+    <dgm:linClrLst meth="repeat">
+      <a:schemeClr val="accent1"/>
+    </dgm:linClrLst>
+    <dgm:effectClrLst/>
+    <dgm:txLinClrLst/>
+    <dgm:txFillClrLst meth="repeat">
+      <a:schemeClr val="dk1"/>
+    </dgm:txFillClrLst>
+    <dgm:txEffectClrLst/>
+  </dgm:styleLbl>
+  <dgm:styleLbl name="solidAlignAcc1">
+    <dgm:fillClrLst meth="repeat">
+      <a:schemeClr val="lt1"/>
+    </dgm:fillClrLst>
+    <dgm:linClrLst meth="repeat">
+      <a:schemeClr val="accent1"/>
+    </dgm:linClrLst>
+    <dgm:effectClrLst/>
+    <dgm:txLinClrLst/>
+    <dgm:txFillClrLst meth="repeat">
+      <a:schemeClr val="dk1"/>
+    </dgm:txFillClrLst>
+    <dgm:txEffectClrLst/>
+  </dgm:styleLbl>
+  <dgm:styleLbl name="solidBgAcc1">
+    <dgm:fillClrLst meth="repeat">
+      <a:schemeClr val="lt1"/>
+    </dgm:fillClrLst>
+    <dgm:linClrLst meth="repeat">
+      <a:schemeClr val="accent1"/>
+    </dgm:linClrLst>
+    <dgm:effectClrLst/>
+    <dgm:txLinClrLst/>
+    <dgm:txFillClrLst meth="repeat">
+      <a:schemeClr val="dk1"/>
+    </dgm:txFillClrLst>
+    <dgm:txEffectClrLst/>
+  </dgm:styleLbl>
+  <dgm:styleLbl name="fgAccFollowNode1">
+    <dgm:fillClrLst meth="repeat">
+      <a:schemeClr val="accent1">
+        <a:alpha val="90000"/>
+        <a:tint val="40000"/>
+      </a:schemeClr>
+    </dgm:fillClrLst>
+    <dgm:linClrLst meth="repeat">
+      <a:schemeClr val="accent1">
+        <a:alpha val="90000"/>
+        <a:tint val="40000"/>
+      </a:schemeClr>
+    </dgm:linClrLst>
+    <dgm:effectClrLst/>
+    <dgm:txLinClrLst/>
+    <dgm:txFillClrLst meth="repeat">
+      <a:schemeClr val="dk1"/>
+    </dgm:txFillClrLst>
+    <dgm:txEffectClrLst/>
+  </dgm:styleLbl>
+  <dgm:styleLbl name="alignAccFollowNode1">
+    <dgm:fillClrLst meth="repeat">
+      <a:schemeClr val="accent1">
+        <a:alpha val="90000"/>
+        <a:tint val="40000"/>
+      </a:schemeClr>
+    </dgm:fillClrLst>
+    <dgm:linClrLst meth="repeat">
+      <a:schemeClr val="accent1">
+        <a:alpha val="90000"/>
+        <a:tint val="40000"/>
+      </a:schemeClr>
+    </dgm:linClrLst>
+    <dgm:effectClrLst/>
+    <dgm:txLinClrLst/>
+    <dgm:txFillClrLst meth="repeat">
+      <a:schemeClr val="dk1"/>
+    </dgm:txFillClrLst>
+    <dgm:txEffectClrLst/>
+  </dgm:styleLbl>
+  <dgm:styleLbl name="bgAccFollowNode1">
+    <dgm:fillClrLst meth="repeat">
+      <a:schemeClr val="accent1">
+        <a:alpha val="90000"/>
+        <a:tint val="40000"/>
+      </a:schemeClr>
+    </dgm:fillClrLst>
+    <dgm:linClrLst meth="repeat">
+      <a:schemeClr val="accent1">
+        <a:alpha val="90000"/>
+        <a:tint val="40000"/>
+      </a:schemeClr>
+    </dgm:linClrLst>
+    <dgm:effectClrLst/>
+    <dgm:txLinClrLst/>
+    <dgm:txFillClrLst meth="repeat">
+      <a:schemeClr val="dk1"/>
+    </dgm:txFillClrLst>
+    <dgm:txEffectClrLst/>
+  </dgm:styleLbl>
+  <dgm:styleLbl name="fgAcc0">
+    <dgm:fillClrLst meth="repeat">
+      <a:schemeClr val="lt1">
+        <a:alpha val="90000"/>
+      </a:schemeClr>
+    </dgm:fillClrLst>
+    <dgm:linClrLst meth="repeat">
+      <a:schemeClr val="accent1"/>
+    </dgm:linClrLst>
+    <dgm:effectClrLst/>
+    <dgm:txLinClrLst/>
+    <dgm:txFillClrLst meth="repeat">
+      <a:schemeClr val="dk1"/>
+    </dgm:txFillClrLst>
+    <dgm:txEffectClrLst/>
+  </dgm:styleLbl>
+  <dgm:styleLbl name="fgAcc2">
+    <dgm:fillClrLst meth="repeat">
+      <a:schemeClr val="lt1">
+        <a:alpha val="90000"/>
+      </a:schemeClr>
+    </dgm:fillClrLst>
+    <dgm:linClrLst meth="repeat">
+      <a:schemeClr val="accent1"/>
+    </dgm:linClrLst>
+    <dgm:effectClrLst/>
+    <dgm:txLinClrLst/>
+    <dgm:txFillClrLst meth="repeat">
+      <a:schemeClr val="dk1"/>
+    </dgm:txFillClrLst>
+    <dgm:txEffectClrLst/>
+  </dgm:styleLbl>
+  <dgm:styleLbl name="fgAcc3">
+    <dgm:fillClrLst meth="repeat">
+      <a:schemeClr val="lt1">
+        <a:alpha val="90000"/>
+      </a:schemeClr>
+    </dgm:fillClrLst>
+    <dgm:linClrLst meth="repeat">
+      <a:schemeClr val="accent1"/>
+    </dgm:linClrLst>
+    <dgm:effectClrLst/>
+    <dgm:txLinClrLst/>
+    <dgm:txFillClrLst meth="repeat">
+      <a:schemeClr val="dk1"/>
+    </dgm:txFillClrLst>
+    <dgm:txEffectClrLst/>
+  </dgm:styleLbl>
+  <dgm:styleLbl name="fgAcc4">
+    <dgm:fillClrLst meth="repeat">
+      <a:schemeClr val="lt1">
+        <a:alpha val="90000"/>
+      </a:schemeClr>
+    </dgm:fillClrLst>
+    <dgm:linClrLst meth="repeat">
+      <a:schemeClr val="accent1"/>
+    </dgm:linClrLst>
+    <dgm:effectClrLst/>
+    <dgm:txLinClrLst/>
+    <dgm:txFillClrLst meth="repeat">
+      <a:schemeClr val="dk1"/>
+    </dgm:txFillClrLst>
+    <dgm:txEffectClrLst/>
+  </dgm:styleLbl>
+  <dgm:styleLbl name="bgShp">
+    <dgm:fillClrLst meth="repeat">
+      <a:schemeClr val="accent1">
+        <a:tint val="40000"/>
+      </a:schemeClr>
+    </dgm:fillClrLst>
+    <dgm:linClrLst meth="repeat">
+      <a:schemeClr val="accent1"/>
+    </dgm:linClrLst>
+    <dgm:effectClrLst/>
+    <dgm:txLinClrLst/>
+    <dgm:txFillClrLst meth="repeat">
+      <a:schemeClr val="dk1"/>
+    </dgm:txFillClrLst>
+    <dgm:txEffectClrLst/>
+  </dgm:styleLbl>
+  <dgm:styleLbl name="dkBgShp">
+    <dgm:fillClrLst meth="repeat">
+      <a:schemeClr val="accent1">
+        <a:shade val="80000"/>
+      </a:schemeClr>
+    </dgm:fillClrLst>
+    <dgm:linClrLst meth="repeat">
+      <a:schemeClr val="accent1"/>
+    </dgm:linClrLst>
+    <dgm:effectClrLst/>
+    <dgm:txLinClrLst/>
+    <dgm:txFillClrLst meth="repeat">
+      <a:schemeClr val="lt1"/>
+    </dgm:txFillClrLst>
+    <dgm:txEffectClrLst/>
+  </dgm:styleLbl>
+  <dgm:styleLbl name="trBgShp">
+    <dgm:fillClrLst meth="repeat">
+      <a:schemeClr val="accent1">
+        <a:tint val="50000"/>
+        <a:alpha val="40000"/>
+      </a:schemeClr>
+    </dgm:fillClrLst>
+    <dgm:linClrLst meth="repeat">
+      <a:schemeClr val="accent1"/>
+    </dgm:linClrLst>
+    <dgm:effectClrLst/>
+    <dgm:txLinClrLst/>
+    <dgm:txFillClrLst meth="repeat">
+      <a:schemeClr val="lt1"/>
+    </dgm:txFillClrLst>
+    <dgm:txEffectClrLst/>
+  </dgm:styleLbl>
+  <dgm:styleLbl name="fgShp">
+    <dgm:fillClrLst meth="repeat">
+      <a:schemeClr val="accent1">
+        <a:tint val="60000"/>
+      </a:schemeClr>
+    </dgm:fillClrLst>
+    <dgm:linClrLst meth="repeat">
+      <a:schemeClr val="lt1"/>
+    </dgm:linClrLst>
+    <dgm:effectClrLst/>
+    <dgm:txLinClrLst/>
+    <dgm:txFillClrLst meth="repeat">
+      <a:schemeClr val="dk1"/>
+    </dgm:txFillClrLst>
+    <dgm:txEffectClrLst/>
+  </dgm:styleLbl>
+  <dgm:styleLbl name="revTx">
+    <dgm:fillClrLst meth="repeat">
+      <a:schemeClr val="lt1">
+        <a:alpha val="0"/>
+      </a:schemeClr>
+    </dgm:fillClrLst>
+    <dgm:linClrLst meth="repeat">
+      <a:schemeClr val="dk1">
+        <a:alpha val="0"/>
+      </a:schemeClr>
+    </dgm:linClrLst>
+    <dgm:effectClrLst/>
+    <dgm:txLinClrLst/>
+    <dgm:txFillClrLst meth="repeat">
+      <a:schemeClr val="tx1"/>
+    </dgm:txFillClrLst>
+    <dgm:txEffectClrLst/>
+  </dgm:styleLbl>
+</dgm:colorsDef>
+</file>
+
+<file path=ppt/diagrams/data1.xml><?xml version="1.0" encoding="utf-8"?>
+<dgm:dataModel xmlns:dgm="http://schemas.openxmlformats.org/drawingml/2006/diagram" xmlns:a="http://schemas.openxmlformats.org/drawingml/2006/main">
+  <dgm:ptLst>
+    <dgm:pt modelId="{C1291187-2976-4982-85F9-12CFD30DF623}" type="doc">
+      <dgm:prSet loTypeId="urn:microsoft.com/office/officeart/2005/8/layout/hProcess11" loCatId="process" qsTypeId="urn:microsoft.com/office/officeart/2005/8/quickstyle/simple1" qsCatId="simple" csTypeId="urn:microsoft.com/office/officeart/2005/8/colors/accent1_2" csCatId="accent1" phldr="1"/>
+      <dgm:spPr/>
+    </dgm:pt>
+    <dgm:pt modelId="{B5C1A85D-A310-4FBA-8B44-E6B5DCBB29E5}">
+      <dgm:prSet phldrT="[Texte]" custT="1"/>
+      <dgm:spPr/>
+      <dgm:t>
+        <a:bodyPr/>
+        <a:lstStyle/>
+        <a:p>
+          <a:r>
+            <a:rPr lang="fr-FR" sz="2000" dirty="0" smtClean="0"/>
+            <a:t>Prise en main du logiciel</a:t>
+          </a:r>
+        </a:p>
+        <a:p>
+          <a:r>
+            <a:rPr lang="fr-FR" sz="2000" dirty="0" smtClean="0"/>
+            <a:t>Sep - </a:t>
+          </a:r>
+          <a:r>
+            <a:rPr lang="fr-FR" sz="2000" dirty="0" err="1" smtClean="0"/>
+            <a:t>Oct</a:t>
+          </a:r>
+          <a:endParaRPr lang="fr-FR" sz="2000" dirty="0"/>
+        </a:p>
+      </dgm:t>
+    </dgm:pt>
+    <dgm:pt modelId="{AC134A57-22C0-4A26-8004-C74D713950F9}" type="parTrans" cxnId="{BA493C60-DFE7-4A53-BB6A-C7B6AC600ADF}">
+      <dgm:prSet/>
+      <dgm:spPr/>
+      <dgm:t>
+        <a:bodyPr/>
+        <a:lstStyle/>
+        <a:p>
+          <a:endParaRPr lang="fr-FR"/>
+        </a:p>
+      </dgm:t>
+    </dgm:pt>
+    <dgm:pt modelId="{BA7DD089-0433-4EF6-BA1E-C5E29C8A86E0}" type="sibTrans" cxnId="{BA493C60-DFE7-4A53-BB6A-C7B6AC600ADF}">
+      <dgm:prSet/>
+      <dgm:spPr/>
+      <dgm:t>
+        <a:bodyPr/>
+        <a:lstStyle/>
+        <a:p>
+          <a:endParaRPr lang="fr-FR"/>
+        </a:p>
+      </dgm:t>
+    </dgm:pt>
+    <dgm:pt modelId="{D9D5C57C-ADB2-4002-AF9F-8AB2FE55FC11}">
+      <dgm:prSet phldrT="[Texte]" custT="1"/>
+      <dgm:spPr/>
+      <dgm:t>
+        <a:bodyPr/>
+        <a:lstStyle/>
+        <a:p>
+          <a:r>
+            <a:rPr lang="fr-FR" sz="2000" dirty="0" smtClean="0"/>
+            <a:t>Prototypage</a:t>
+          </a:r>
+        </a:p>
+        <a:p>
+          <a:r>
+            <a:rPr lang="fr-FR" sz="2000" dirty="0" err="1" smtClean="0"/>
+            <a:t>Nov</a:t>
+          </a:r>
+          <a:endParaRPr lang="fr-FR" sz="2000" dirty="0"/>
+        </a:p>
+      </dgm:t>
+    </dgm:pt>
+    <dgm:pt modelId="{BAB1E96D-AC38-49EC-873E-F4DBB44DE504}" type="parTrans" cxnId="{3F786592-5469-4B07-8B5D-8B2E801EF5ED}">
+      <dgm:prSet/>
+      <dgm:spPr/>
+      <dgm:t>
+        <a:bodyPr/>
+        <a:lstStyle/>
+        <a:p>
+          <a:endParaRPr lang="fr-FR"/>
+        </a:p>
+      </dgm:t>
+    </dgm:pt>
+    <dgm:pt modelId="{B8683046-2C3F-49F5-B3C3-B866380AF4F2}" type="sibTrans" cxnId="{3F786592-5469-4B07-8B5D-8B2E801EF5ED}">
+      <dgm:prSet/>
+      <dgm:spPr/>
+      <dgm:t>
+        <a:bodyPr/>
+        <a:lstStyle/>
+        <a:p>
+          <a:endParaRPr lang="fr-FR"/>
+        </a:p>
+      </dgm:t>
+    </dgm:pt>
+    <dgm:pt modelId="{2D5F23C9-254F-46C8-8EAB-E45877379077}">
+      <dgm:prSet phldrT="[Texte]" custT="1"/>
+      <dgm:spPr/>
+      <dgm:t>
+        <a:bodyPr/>
+        <a:lstStyle/>
+        <a:p>
+          <a:r>
+            <a:rPr lang="fr-FR" sz="2000" dirty="0" smtClean="0"/>
+            <a:t>Développement</a:t>
+          </a:r>
+        </a:p>
+        <a:p>
+          <a:r>
+            <a:rPr lang="fr-FR" sz="2000" dirty="0" smtClean="0"/>
+            <a:t>Déc - Jan</a:t>
+          </a:r>
+          <a:endParaRPr lang="fr-FR" sz="2000" dirty="0"/>
+        </a:p>
+      </dgm:t>
+    </dgm:pt>
+    <dgm:pt modelId="{818819D8-665D-44C2-8F59-34FAB0E2F9BA}" type="parTrans" cxnId="{AEEF6C95-A336-478F-A773-7065115C5C8F}">
+      <dgm:prSet/>
+      <dgm:spPr/>
+      <dgm:t>
+        <a:bodyPr/>
+        <a:lstStyle/>
+        <a:p>
+          <a:endParaRPr lang="fr-FR"/>
+        </a:p>
+      </dgm:t>
+    </dgm:pt>
+    <dgm:pt modelId="{57317C1D-9BA9-437B-8BF7-0469C6B783D3}" type="sibTrans" cxnId="{AEEF6C95-A336-478F-A773-7065115C5C8F}">
+      <dgm:prSet/>
+      <dgm:spPr/>
+      <dgm:t>
+        <a:bodyPr/>
+        <a:lstStyle/>
+        <a:p>
+          <a:endParaRPr lang="fr-FR"/>
+        </a:p>
+      </dgm:t>
+    </dgm:pt>
+    <dgm:pt modelId="{193DA21A-7C6C-46A6-820C-3EDB74B56881}">
+      <dgm:prSet phldrT="[Texte]" custT="1"/>
+      <dgm:spPr/>
+      <dgm:t>
+        <a:bodyPr/>
+        <a:lstStyle/>
+        <a:p>
+          <a:r>
+            <a:rPr lang="fr-FR" sz="2000" dirty="0" smtClean="0"/>
+            <a:t>Portes Ouvertes</a:t>
+          </a:r>
+        </a:p>
+        <a:p>
+          <a:r>
+            <a:rPr lang="fr-FR" sz="2000" dirty="0" err="1" smtClean="0"/>
+            <a:t>Fév</a:t>
+          </a:r>
+          <a:endParaRPr lang="fr-FR" sz="2000" dirty="0"/>
+        </a:p>
+      </dgm:t>
+    </dgm:pt>
+    <dgm:pt modelId="{0B326A01-A527-4D28-8CA7-E82F2635BB12}" type="parTrans" cxnId="{D7E106CA-7251-4831-85CF-A52C01E9D8E1}">
+      <dgm:prSet/>
+      <dgm:spPr/>
+      <dgm:t>
+        <a:bodyPr/>
+        <a:lstStyle/>
+        <a:p>
+          <a:endParaRPr lang="fr-FR"/>
+        </a:p>
+      </dgm:t>
+    </dgm:pt>
+    <dgm:pt modelId="{0BF33ED9-E134-45DA-A291-E776450FAD5D}" type="sibTrans" cxnId="{D7E106CA-7251-4831-85CF-A52C01E9D8E1}">
+      <dgm:prSet/>
+      <dgm:spPr/>
+      <dgm:t>
+        <a:bodyPr/>
+        <a:lstStyle/>
+        <a:p>
+          <a:endParaRPr lang="fr-FR"/>
+        </a:p>
+      </dgm:t>
+    </dgm:pt>
+    <dgm:pt modelId="{D4F82FF4-1678-4FC8-BA37-00A902F4C3FB}">
+      <dgm:prSet phldrT="[Texte]" custT="1"/>
+      <dgm:spPr/>
+      <dgm:t>
+        <a:bodyPr/>
+        <a:lstStyle/>
+        <a:p>
+          <a:r>
+            <a:rPr lang="fr-FR" sz="2000" dirty="0" smtClean="0"/>
+            <a:t>Test par les élèves</a:t>
+          </a:r>
+        </a:p>
+        <a:p>
+          <a:r>
+            <a:rPr lang="fr-FR" sz="2000" dirty="0" smtClean="0"/>
+            <a:t>Jan</a:t>
+          </a:r>
+          <a:endParaRPr lang="fr-FR" sz="2000" dirty="0"/>
+        </a:p>
+      </dgm:t>
+    </dgm:pt>
+    <dgm:pt modelId="{8BC1FF86-F058-4605-AA05-C104B6A957C0}" type="parTrans" cxnId="{A8E72D46-154C-4B03-877A-A8B3B60C7845}">
+      <dgm:prSet/>
+      <dgm:spPr/>
+      <dgm:t>
+        <a:bodyPr/>
+        <a:lstStyle/>
+        <a:p>
+          <a:endParaRPr lang="fr-FR"/>
+        </a:p>
+      </dgm:t>
+    </dgm:pt>
+    <dgm:pt modelId="{1293B3B4-ED4F-4347-9C1F-C0119B6853B5}" type="sibTrans" cxnId="{A8E72D46-154C-4B03-877A-A8B3B60C7845}">
+      <dgm:prSet/>
+      <dgm:spPr/>
+      <dgm:t>
+        <a:bodyPr/>
+        <a:lstStyle/>
+        <a:p>
+          <a:endParaRPr lang="fr-FR"/>
+        </a:p>
+      </dgm:t>
+    </dgm:pt>
+    <dgm:pt modelId="{CAD72244-5981-4B3E-91B7-3AE2AB0478FD}">
+      <dgm:prSet phldrT="[Texte]" custT="1"/>
+      <dgm:spPr/>
+      <dgm:t>
+        <a:bodyPr/>
+        <a:lstStyle/>
+        <a:p>
+          <a:r>
+            <a:rPr lang="fr-FR" sz="2000" dirty="0" smtClean="0"/>
+            <a:t>Améliorations et finalisation</a:t>
+          </a:r>
+        </a:p>
+        <a:p>
+          <a:r>
+            <a:rPr lang="fr-FR" sz="2000" dirty="0" smtClean="0"/>
+            <a:t>Mars</a:t>
+          </a:r>
+          <a:endParaRPr lang="fr-FR" sz="2000" dirty="0"/>
+        </a:p>
+      </dgm:t>
+    </dgm:pt>
+    <dgm:pt modelId="{C880E53E-AD89-4001-A2C8-48BFD964BADF}" type="parTrans" cxnId="{A80BD128-A4CC-4A18-BAAE-BF697CAC770F}">
+      <dgm:prSet/>
+      <dgm:spPr/>
+      <dgm:t>
+        <a:bodyPr/>
+        <a:lstStyle/>
+        <a:p>
+          <a:endParaRPr lang="fr-FR"/>
+        </a:p>
+      </dgm:t>
+    </dgm:pt>
+    <dgm:pt modelId="{3062DAE4-F111-4365-A667-D439E5C82144}" type="sibTrans" cxnId="{A80BD128-A4CC-4A18-BAAE-BF697CAC770F}">
+      <dgm:prSet/>
+      <dgm:spPr/>
+      <dgm:t>
+        <a:bodyPr/>
+        <a:lstStyle/>
+        <a:p>
+          <a:endParaRPr lang="fr-FR"/>
+        </a:p>
+      </dgm:t>
+    </dgm:pt>
+    <dgm:pt modelId="{6D9EF4F0-96BE-4982-969E-F206798924C8}" type="pres">
+      <dgm:prSet presAssocID="{C1291187-2976-4982-85F9-12CFD30DF623}" presName="Name0" presStyleCnt="0">
+        <dgm:presLayoutVars>
+          <dgm:dir/>
+          <dgm:resizeHandles val="exact"/>
+        </dgm:presLayoutVars>
+      </dgm:prSet>
+      <dgm:spPr/>
+    </dgm:pt>
+    <dgm:pt modelId="{0EEBDE07-3DB8-42F7-AF63-23AB0A88FC0E}" type="pres">
+      <dgm:prSet presAssocID="{C1291187-2976-4982-85F9-12CFD30DF623}" presName="arrow" presStyleLbl="bgShp" presStyleIdx="0" presStyleCnt="1"/>
+      <dgm:spPr/>
+    </dgm:pt>
+    <dgm:pt modelId="{072CD9D5-9CCA-451F-B411-46B89E63B209}" type="pres">
+      <dgm:prSet presAssocID="{C1291187-2976-4982-85F9-12CFD30DF623}" presName="points" presStyleCnt="0"/>
+      <dgm:spPr/>
+    </dgm:pt>
+    <dgm:pt modelId="{50874E3D-514D-4DDD-A378-E548D2AFB138}" type="pres">
+      <dgm:prSet presAssocID="{B5C1A85D-A310-4FBA-8B44-E6B5DCBB29E5}" presName="compositeA" presStyleCnt="0"/>
+      <dgm:spPr/>
+    </dgm:pt>
+    <dgm:pt modelId="{77972284-5E28-4480-903E-872B71EF2C39}" type="pres">
+      <dgm:prSet presAssocID="{B5C1A85D-A310-4FBA-8B44-E6B5DCBB29E5}" presName="textA" presStyleLbl="revTx" presStyleIdx="0" presStyleCnt="6">
+        <dgm:presLayoutVars>
+          <dgm:bulletEnabled val="1"/>
+        </dgm:presLayoutVars>
+      </dgm:prSet>
+      <dgm:spPr/>
+      <dgm:t>
+        <a:bodyPr/>
+        <a:lstStyle/>
+        <a:p>
+          <a:endParaRPr lang="fr-FR"/>
+        </a:p>
+      </dgm:t>
+    </dgm:pt>
+    <dgm:pt modelId="{4C21E7BD-C476-4CA5-8772-E541F3B39CC0}" type="pres">
+      <dgm:prSet presAssocID="{B5C1A85D-A310-4FBA-8B44-E6B5DCBB29E5}" presName="circleA" presStyleLbl="node1" presStyleIdx="0" presStyleCnt="6"/>
+      <dgm:spPr/>
+    </dgm:pt>
+    <dgm:pt modelId="{92180516-66A9-4FA1-B46B-F35E7B9FA7E6}" type="pres">
+      <dgm:prSet presAssocID="{B5C1A85D-A310-4FBA-8B44-E6B5DCBB29E5}" presName="spaceA" presStyleCnt="0"/>
+      <dgm:spPr/>
+    </dgm:pt>
+    <dgm:pt modelId="{63B9BFED-6B56-4D3A-9FC2-DCC754F72B50}" type="pres">
+      <dgm:prSet presAssocID="{BA7DD089-0433-4EF6-BA1E-C5E29C8A86E0}" presName="space" presStyleCnt="0"/>
+      <dgm:spPr/>
+    </dgm:pt>
+    <dgm:pt modelId="{F694FBBC-4724-4747-B363-802C6895A72D}" type="pres">
+      <dgm:prSet presAssocID="{D9D5C57C-ADB2-4002-AF9F-8AB2FE55FC11}" presName="compositeB" presStyleCnt="0"/>
+      <dgm:spPr/>
+    </dgm:pt>
+    <dgm:pt modelId="{D83729DB-8814-4413-84C8-411AD6C62FF3}" type="pres">
+      <dgm:prSet presAssocID="{D9D5C57C-ADB2-4002-AF9F-8AB2FE55FC11}" presName="textB" presStyleLbl="revTx" presStyleIdx="1" presStyleCnt="6">
+        <dgm:presLayoutVars>
+          <dgm:bulletEnabled val="1"/>
+        </dgm:presLayoutVars>
+      </dgm:prSet>
+      <dgm:spPr/>
+      <dgm:t>
+        <a:bodyPr/>
+        <a:lstStyle/>
+        <a:p>
+          <a:endParaRPr lang="fr-FR"/>
+        </a:p>
+      </dgm:t>
+    </dgm:pt>
+    <dgm:pt modelId="{038D82E7-1C4C-4A0F-B11B-11FD8C8C88EE}" type="pres">
+      <dgm:prSet presAssocID="{D9D5C57C-ADB2-4002-AF9F-8AB2FE55FC11}" presName="circleB" presStyleLbl="node1" presStyleIdx="1" presStyleCnt="6"/>
+      <dgm:spPr/>
+    </dgm:pt>
+    <dgm:pt modelId="{8AA15171-7F7A-43C9-8CD0-62B2E27A9B41}" type="pres">
+      <dgm:prSet presAssocID="{D9D5C57C-ADB2-4002-AF9F-8AB2FE55FC11}" presName="spaceB" presStyleCnt="0"/>
+      <dgm:spPr/>
+    </dgm:pt>
+    <dgm:pt modelId="{91A1B3AF-1B19-406F-9CF9-398F50CAC1F2}" type="pres">
+      <dgm:prSet presAssocID="{B8683046-2C3F-49F5-B3C3-B866380AF4F2}" presName="space" presStyleCnt="0"/>
+      <dgm:spPr/>
+    </dgm:pt>
+    <dgm:pt modelId="{93D92443-DDDB-4F17-AA92-56B522B54EEB}" type="pres">
+      <dgm:prSet presAssocID="{2D5F23C9-254F-46C8-8EAB-E45877379077}" presName="compositeA" presStyleCnt="0"/>
+      <dgm:spPr/>
+    </dgm:pt>
+    <dgm:pt modelId="{925C71B8-8B60-4169-9308-E3B0E5F76142}" type="pres">
+      <dgm:prSet presAssocID="{2D5F23C9-254F-46C8-8EAB-E45877379077}" presName="textA" presStyleLbl="revTx" presStyleIdx="2" presStyleCnt="6" custScaleX="111042">
+        <dgm:presLayoutVars>
+          <dgm:bulletEnabled val="1"/>
+        </dgm:presLayoutVars>
+      </dgm:prSet>
+      <dgm:spPr/>
+      <dgm:t>
+        <a:bodyPr/>
+        <a:lstStyle/>
+        <a:p>
+          <a:endParaRPr lang="fr-FR"/>
+        </a:p>
+      </dgm:t>
+    </dgm:pt>
+    <dgm:pt modelId="{D820C407-B18A-45B0-B0F2-476751D3D497}" type="pres">
+      <dgm:prSet presAssocID="{2D5F23C9-254F-46C8-8EAB-E45877379077}" presName="circleA" presStyleLbl="node1" presStyleIdx="2" presStyleCnt="6"/>
+      <dgm:spPr/>
+    </dgm:pt>
+    <dgm:pt modelId="{9209A272-EE89-4246-963F-CF266FDC61C3}" type="pres">
+      <dgm:prSet presAssocID="{2D5F23C9-254F-46C8-8EAB-E45877379077}" presName="spaceA" presStyleCnt="0"/>
+      <dgm:spPr/>
+    </dgm:pt>
+    <dgm:pt modelId="{6B35760E-FDD8-4A8F-A380-1857C8E3E809}" type="pres">
+      <dgm:prSet presAssocID="{57317C1D-9BA9-437B-8BF7-0469C6B783D3}" presName="space" presStyleCnt="0"/>
+      <dgm:spPr/>
+    </dgm:pt>
+    <dgm:pt modelId="{2EA56BF7-7816-4F84-A84F-849AA2C81FEA}" type="pres">
+      <dgm:prSet presAssocID="{D4F82FF4-1678-4FC8-BA37-00A902F4C3FB}" presName="compositeB" presStyleCnt="0"/>
+      <dgm:spPr/>
+    </dgm:pt>
+    <dgm:pt modelId="{43EDFB40-217C-4A4C-A19F-E712206D8095}" type="pres">
+      <dgm:prSet presAssocID="{D4F82FF4-1678-4FC8-BA37-00A902F4C3FB}" presName="textB" presStyleLbl="revTx" presStyleIdx="3" presStyleCnt="6">
+        <dgm:presLayoutVars>
+          <dgm:bulletEnabled val="1"/>
+        </dgm:presLayoutVars>
+      </dgm:prSet>
+      <dgm:spPr/>
+      <dgm:t>
+        <a:bodyPr/>
+        <a:lstStyle/>
+        <a:p>
+          <a:endParaRPr lang="fr-FR"/>
+        </a:p>
+      </dgm:t>
+    </dgm:pt>
+    <dgm:pt modelId="{69C649FF-90AB-442E-A903-54FBFB0B0E5D}" type="pres">
+      <dgm:prSet presAssocID="{D4F82FF4-1678-4FC8-BA37-00A902F4C3FB}" presName="circleB" presStyleLbl="node1" presStyleIdx="3" presStyleCnt="6"/>
+      <dgm:spPr/>
+    </dgm:pt>
+    <dgm:pt modelId="{4A335EAF-28AD-418D-8811-819B70C62100}" type="pres">
+      <dgm:prSet presAssocID="{D4F82FF4-1678-4FC8-BA37-00A902F4C3FB}" presName="spaceB" presStyleCnt="0"/>
+      <dgm:spPr/>
+    </dgm:pt>
+    <dgm:pt modelId="{04ECCDD9-92B2-4469-8786-4CF2ED38C29A}" type="pres">
+      <dgm:prSet presAssocID="{1293B3B4-ED4F-4347-9C1F-C0119B6853B5}" presName="space" presStyleCnt="0"/>
+      <dgm:spPr/>
+    </dgm:pt>
+    <dgm:pt modelId="{0B8B29BC-A71A-4042-AD09-ED1F0FAE0A20}" type="pres">
+      <dgm:prSet presAssocID="{193DA21A-7C6C-46A6-820C-3EDB74B56881}" presName="compositeA" presStyleCnt="0"/>
+      <dgm:spPr/>
+    </dgm:pt>
+    <dgm:pt modelId="{59EB97AF-AF3B-4E12-8961-84837A5FFB81}" type="pres">
+      <dgm:prSet presAssocID="{193DA21A-7C6C-46A6-820C-3EDB74B56881}" presName="textA" presStyleLbl="revTx" presStyleIdx="4" presStyleCnt="6">
+        <dgm:presLayoutVars>
+          <dgm:bulletEnabled val="1"/>
+        </dgm:presLayoutVars>
+      </dgm:prSet>
+      <dgm:spPr/>
+      <dgm:t>
+        <a:bodyPr/>
+        <a:lstStyle/>
+        <a:p>
+          <a:endParaRPr lang="fr-FR"/>
+        </a:p>
+      </dgm:t>
+    </dgm:pt>
+    <dgm:pt modelId="{AE1FFA8D-1604-4FAF-A1D8-ECF9ECA2DFF6}" type="pres">
+      <dgm:prSet presAssocID="{193DA21A-7C6C-46A6-820C-3EDB74B56881}" presName="circleA" presStyleLbl="node1" presStyleIdx="4" presStyleCnt="6"/>
+      <dgm:spPr/>
+    </dgm:pt>
+    <dgm:pt modelId="{F8522294-A460-4D93-859F-4D25F4214052}" type="pres">
+      <dgm:prSet presAssocID="{193DA21A-7C6C-46A6-820C-3EDB74B56881}" presName="spaceA" presStyleCnt="0"/>
+      <dgm:spPr/>
+    </dgm:pt>
+    <dgm:pt modelId="{7CB3148E-3603-480B-BD4B-E36A892EF1B7}" type="pres">
+      <dgm:prSet presAssocID="{0BF33ED9-E134-45DA-A291-E776450FAD5D}" presName="space" presStyleCnt="0"/>
+      <dgm:spPr/>
+    </dgm:pt>
+    <dgm:pt modelId="{3C2EE000-1586-4804-9ABB-F5E27B90E746}" type="pres">
+      <dgm:prSet presAssocID="{CAD72244-5981-4B3E-91B7-3AE2AB0478FD}" presName="compositeB" presStyleCnt="0"/>
+      <dgm:spPr/>
+    </dgm:pt>
+    <dgm:pt modelId="{136B3728-3264-4700-960C-5E004300A658}" type="pres">
+      <dgm:prSet presAssocID="{CAD72244-5981-4B3E-91B7-3AE2AB0478FD}" presName="textB" presStyleLbl="revTx" presStyleIdx="5" presStyleCnt="6" custScaleX="140383">
+        <dgm:presLayoutVars>
+          <dgm:bulletEnabled val="1"/>
+        </dgm:presLayoutVars>
+      </dgm:prSet>
+      <dgm:spPr/>
+      <dgm:t>
+        <a:bodyPr/>
+        <a:lstStyle/>
+        <a:p>
+          <a:endParaRPr lang="fr-FR"/>
+        </a:p>
+      </dgm:t>
+    </dgm:pt>
+    <dgm:pt modelId="{89B2148F-6BBE-47DB-9B0E-ED02C49FD5D1}" type="pres">
+      <dgm:prSet presAssocID="{CAD72244-5981-4B3E-91B7-3AE2AB0478FD}" presName="circleB" presStyleLbl="node1" presStyleIdx="5" presStyleCnt="6"/>
+      <dgm:spPr/>
+    </dgm:pt>
+    <dgm:pt modelId="{3428395B-137E-4118-B0BC-72DCB53FC6EC}" type="pres">
+      <dgm:prSet presAssocID="{CAD72244-5981-4B3E-91B7-3AE2AB0478FD}" presName="spaceB" presStyleCnt="0"/>
+      <dgm:spPr/>
+    </dgm:pt>
+  </dgm:ptLst>
+  <dgm:cxnLst>
+    <dgm:cxn modelId="{4EAD66E5-CAC7-44AB-ADB3-9E176588E86A}" type="presOf" srcId="{193DA21A-7C6C-46A6-820C-3EDB74B56881}" destId="{59EB97AF-AF3B-4E12-8961-84837A5FFB81}" srcOrd="0" destOrd="0" presId="urn:microsoft.com/office/officeart/2005/8/layout/hProcess11"/>
+    <dgm:cxn modelId="{F855BED3-7604-4C6E-81A5-BA40143537D0}" type="presOf" srcId="{D4F82FF4-1678-4FC8-BA37-00A902F4C3FB}" destId="{43EDFB40-217C-4A4C-A19F-E712206D8095}" srcOrd="0" destOrd="0" presId="urn:microsoft.com/office/officeart/2005/8/layout/hProcess11"/>
+    <dgm:cxn modelId="{A8E72D46-154C-4B03-877A-A8B3B60C7845}" srcId="{C1291187-2976-4982-85F9-12CFD30DF623}" destId="{D4F82FF4-1678-4FC8-BA37-00A902F4C3FB}" srcOrd="3" destOrd="0" parTransId="{8BC1FF86-F058-4605-AA05-C104B6A957C0}" sibTransId="{1293B3B4-ED4F-4347-9C1F-C0119B6853B5}"/>
+    <dgm:cxn modelId="{BF3A6D7D-3D27-4E6B-A193-7289E2DE07C2}" type="presOf" srcId="{2D5F23C9-254F-46C8-8EAB-E45877379077}" destId="{925C71B8-8B60-4169-9308-E3B0E5F76142}" srcOrd="0" destOrd="0" presId="urn:microsoft.com/office/officeart/2005/8/layout/hProcess11"/>
+    <dgm:cxn modelId="{D0232A24-C419-41C7-BE75-F50B4E527146}" type="presOf" srcId="{C1291187-2976-4982-85F9-12CFD30DF623}" destId="{6D9EF4F0-96BE-4982-969E-F206798924C8}" srcOrd="0" destOrd="0" presId="urn:microsoft.com/office/officeart/2005/8/layout/hProcess11"/>
+    <dgm:cxn modelId="{D7E106CA-7251-4831-85CF-A52C01E9D8E1}" srcId="{C1291187-2976-4982-85F9-12CFD30DF623}" destId="{193DA21A-7C6C-46A6-820C-3EDB74B56881}" srcOrd="4" destOrd="0" parTransId="{0B326A01-A527-4D28-8CA7-E82F2635BB12}" sibTransId="{0BF33ED9-E134-45DA-A291-E776450FAD5D}"/>
+    <dgm:cxn modelId="{BA493C60-DFE7-4A53-BB6A-C7B6AC600ADF}" srcId="{C1291187-2976-4982-85F9-12CFD30DF623}" destId="{B5C1A85D-A310-4FBA-8B44-E6B5DCBB29E5}" srcOrd="0" destOrd="0" parTransId="{AC134A57-22C0-4A26-8004-C74D713950F9}" sibTransId="{BA7DD089-0433-4EF6-BA1E-C5E29C8A86E0}"/>
+    <dgm:cxn modelId="{C1B0A45D-A822-4F8E-862B-BDEF00292FB7}" type="presOf" srcId="{D9D5C57C-ADB2-4002-AF9F-8AB2FE55FC11}" destId="{D83729DB-8814-4413-84C8-411AD6C62FF3}" srcOrd="0" destOrd="0" presId="urn:microsoft.com/office/officeart/2005/8/layout/hProcess11"/>
+    <dgm:cxn modelId="{AEEF6C95-A336-478F-A773-7065115C5C8F}" srcId="{C1291187-2976-4982-85F9-12CFD30DF623}" destId="{2D5F23C9-254F-46C8-8EAB-E45877379077}" srcOrd="2" destOrd="0" parTransId="{818819D8-665D-44C2-8F59-34FAB0E2F9BA}" sibTransId="{57317C1D-9BA9-437B-8BF7-0469C6B783D3}"/>
+    <dgm:cxn modelId="{3F786592-5469-4B07-8B5D-8B2E801EF5ED}" srcId="{C1291187-2976-4982-85F9-12CFD30DF623}" destId="{D9D5C57C-ADB2-4002-AF9F-8AB2FE55FC11}" srcOrd="1" destOrd="0" parTransId="{BAB1E96D-AC38-49EC-873E-F4DBB44DE504}" sibTransId="{B8683046-2C3F-49F5-B3C3-B866380AF4F2}"/>
+    <dgm:cxn modelId="{8A95BEC0-D7CD-4335-B57F-3C77330F623B}" type="presOf" srcId="{B5C1A85D-A310-4FBA-8B44-E6B5DCBB29E5}" destId="{77972284-5E28-4480-903E-872B71EF2C39}" srcOrd="0" destOrd="0" presId="urn:microsoft.com/office/officeart/2005/8/layout/hProcess11"/>
+    <dgm:cxn modelId="{A80BD128-A4CC-4A18-BAAE-BF697CAC770F}" srcId="{C1291187-2976-4982-85F9-12CFD30DF623}" destId="{CAD72244-5981-4B3E-91B7-3AE2AB0478FD}" srcOrd="5" destOrd="0" parTransId="{C880E53E-AD89-4001-A2C8-48BFD964BADF}" sibTransId="{3062DAE4-F111-4365-A667-D439E5C82144}"/>
+    <dgm:cxn modelId="{206A45F6-E12F-4CC4-9638-611F6D2818C6}" type="presOf" srcId="{CAD72244-5981-4B3E-91B7-3AE2AB0478FD}" destId="{136B3728-3264-4700-960C-5E004300A658}" srcOrd="0" destOrd="0" presId="urn:microsoft.com/office/officeart/2005/8/layout/hProcess11"/>
+    <dgm:cxn modelId="{54F7968C-890E-4D74-81AC-967614B98040}" type="presParOf" srcId="{6D9EF4F0-96BE-4982-969E-F206798924C8}" destId="{0EEBDE07-3DB8-42F7-AF63-23AB0A88FC0E}" srcOrd="0" destOrd="0" presId="urn:microsoft.com/office/officeart/2005/8/layout/hProcess11"/>
+    <dgm:cxn modelId="{8B1BB4E3-35A8-43FA-970C-12C6FBE57413}" type="presParOf" srcId="{6D9EF4F0-96BE-4982-969E-F206798924C8}" destId="{072CD9D5-9CCA-451F-B411-46B89E63B209}" srcOrd="1" destOrd="0" presId="urn:microsoft.com/office/officeart/2005/8/layout/hProcess11"/>
+    <dgm:cxn modelId="{8523012B-435B-42D7-AB81-7335ABFAB72F}" type="presParOf" srcId="{072CD9D5-9CCA-451F-B411-46B89E63B209}" destId="{50874E3D-514D-4DDD-A378-E548D2AFB138}" srcOrd="0" destOrd="0" presId="urn:microsoft.com/office/officeart/2005/8/layout/hProcess11"/>
+    <dgm:cxn modelId="{F84910FF-8A09-4A9C-A4B8-89A6E075B7D0}" type="presParOf" srcId="{50874E3D-514D-4DDD-A378-E548D2AFB138}" destId="{77972284-5E28-4480-903E-872B71EF2C39}" srcOrd="0" destOrd="0" presId="urn:microsoft.com/office/officeart/2005/8/layout/hProcess11"/>
+    <dgm:cxn modelId="{45979EEE-D77B-4133-95B9-A28492C30345}" type="presParOf" srcId="{50874E3D-514D-4DDD-A378-E548D2AFB138}" destId="{4C21E7BD-C476-4CA5-8772-E541F3B39CC0}" srcOrd="1" destOrd="0" presId="urn:microsoft.com/office/officeart/2005/8/layout/hProcess11"/>
+    <dgm:cxn modelId="{8C7FDE40-9AD1-4FDD-B753-B5B393E735B2}" type="presParOf" srcId="{50874E3D-514D-4DDD-A378-E548D2AFB138}" destId="{92180516-66A9-4FA1-B46B-F35E7B9FA7E6}" srcOrd="2" destOrd="0" presId="urn:microsoft.com/office/officeart/2005/8/layout/hProcess11"/>
+    <dgm:cxn modelId="{29B0A28F-4C6C-4A83-946F-928DBBD2F05D}" type="presParOf" srcId="{072CD9D5-9CCA-451F-B411-46B89E63B209}" destId="{63B9BFED-6B56-4D3A-9FC2-DCC754F72B50}" srcOrd="1" destOrd="0" presId="urn:microsoft.com/office/officeart/2005/8/layout/hProcess11"/>
+    <dgm:cxn modelId="{171353D4-CB18-46BC-8579-708402BF6617}" type="presParOf" srcId="{072CD9D5-9CCA-451F-B411-46B89E63B209}" destId="{F694FBBC-4724-4747-B363-802C6895A72D}" srcOrd="2" destOrd="0" presId="urn:microsoft.com/office/officeart/2005/8/layout/hProcess11"/>
+    <dgm:cxn modelId="{9BB03C7A-CC72-4F87-8378-9F67A140593A}" type="presParOf" srcId="{F694FBBC-4724-4747-B363-802C6895A72D}" destId="{D83729DB-8814-4413-84C8-411AD6C62FF3}" srcOrd="0" destOrd="0" presId="urn:microsoft.com/office/officeart/2005/8/layout/hProcess11"/>
+    <dgm:cxn modelId="{100E26E9-B731-4DCE-AEB5-09E746B27A18}" type="presParOf" srcId="{F694FBBC-4724-4747-B363-802C6895A72D}" destId="{038D82E7-1C4C-4A0F-B11B-11FD8C8C88EE}" srcOrd="1" destOrd="0" presId="urn:microsoft.com/office/officeart/2005/8/layout/hProcess11"/>
+    <dgm:cxn modelId="{432FB3A1-C26E-4D02-87F2-5FF7FDC714C6}" type="presParOf" srcId="{F694FBBC-4724-4747-B363-802C6895A72D}" destId="{8AA15171-7F7A-43C9-8CD0-62B2E27A9B41}" srcOrd="2" destOrd="0" presId="urn:microsoft.com/office/officeart/2005/8/layout/hProcess11"/>
+    <dgm:cxn modelId="{8B372E23-2502-43AD-A146-25F522EFBE33}" type="presParOf" srcId="{072CD9D5-9CCA-451F-B411-46B89E63B209}" destId="{91A1B3AF-1B19-406F-9CF9-398F50CAC1F2}" srcOrd="3" destOrd="0" presId="urn:microsoft.com/office/officeart/2005/8/layout/hProcess11"/>
+    <dgm:cxn modelId="{14BEA1AE-2833-4EAE-9600-5CA19383262C}" type="presParOf" srcId="{072CD9D5-9CCA-451F-B411-46B89E63B209}" destId="{93D92443-DDDB-4F17-AA92-56B522B54EEB}" srcOrd="4" destOrd="0" presId="urn:microsoft.com/office/officeart/2005/8/layout/hProcess11"/>
+    <dgm:cxn modelId="{EDBACD66-4CBB-475D-A501-E0E10F16067D}" type="presParOf" srcId="{93D92443-DDDB-4F17-AA92-56B522B54EEB}" destId="{925C71B8-8B60-4169-9308-E3B0E5F76142}" srcOrd="0" destOrd="0" presId="urn:microsoft.com/office/officeart/2005/8/layout/hProcess11"/>
+    <dgm:cxn modelId="{C1403331-CA22-46EA-A756-9A419CDC58DD}" type="presParOf" srcId="{93D92443-DDDB-4F17-AA92-56B522B54EEB}" destId="{D820C407-B18A-45B0-B0F2-476751D3D497}" srcOrd="1" destOrd="0" presId="urn:microsoft.com/office/officeart/2005/8/layout/hProcess11"/>
+    <dgm:cxn modelId="{015D192B-5FAE-4569-9CA4-F2696D96E389}" type="presParOf" srcId="{93D92443-DDDB-4F17-AA92-56B522B54EEB}" destId="{9209A272-EE89-4246-963F-CF266FDC61C3}" srcOrd="2" destOrd="0" presId="urn:microsoft.com/office/officeart/2005/8/layout/hProcess11"/>
+    <dgm:cxn modelId="{F5EA1A59-3F75-4152-816D-4AE839A57261}" type="presParOf" srcId="{072CD9D5-9CCA-451F-B411-46B89E63B209}" destId="{6B35760E-FDD8-4A8F-A380-1857C8E3E809}" srcOrd="5" destOrd="0" presId="urn:microsoft.com/office/officeart/2005/8/layout/hProcess11"/>
+    <dgm:cxn modelId="{F5B021B4-6632-4EB7-96B5-4EC156966AC9}" type="presParOf" srcId="{072CD9D5-9CCA-451F-B411-46B89E63B209}" destId="{2EA56BF7-7816-4F84-A84F-849AA2C81FEA}" srcOrd="6" destOrd="0" presId="urn:microsoft.com/office/officeart/2005/8/layout/hProcess11"/>
+    <dgm:cxn modelId="{31AF89E4-495E-4265-9B91-7E61B4375764}" type="presParOf" srcId="{2EA56BF7-7816-4F84-A84F-849AA2C81FEA}" destId="{43EDFB40-217C-4A4C-A19F-E712206D8095}" srcOrd="0" destOrd="0" presId="urn:microsoft.com/office/officeart/2005/8/layout/hProcess11"/>
+    <dgm:cxn modelId="{C36C31AA-9A6B-452E-AD28-CC004313B10A}" type="presParOf" srcId="{2EA56BF7-7816-4F84-A84F-849AA2C81FEA}" destId="{69C649FF-90AB-442E-A903-54FBFB0B0E5D}" srcOrd="1" destOrd="0" presId="urn:microsoft.com/office/officeart/2005/8/layout/hProcess11"/>
+    <dgm:cxn modelId="{CAB7E8F9-2F77-4406-B01C-2C3FA8351E01}" type="presParOf" srcId="{2EA56BF7-7816-4F84-A84F-849AA2C81FEA}" destId="{4A335EAF-28AD-418D-8811-819B70C62100}" srcOrd="2" destOrd="0" presId="urn:microsoft.com/office/officeart/2005/8/layout/hProcess11"/>
+    <dgm:cxn modelId="{91A91AD5-B9E6-47DD-BF88-F94EB3CF5FBC}" type="presParOf" srcId="{072CD9D5-9CCA-451F-B411-46B89E63B209}" destId="{04ECCDD9-92B2-4469-8786-4CF2ED38C29A}" srcOrd="7" destOrd="0" presId="urn:microsoft.com/office/officeart/2005/8/layout/hProcess11"/>
+    <dgm:cxn modelId="{49CC49E1-A8DC-487D-AC3E-12B47E9AF8EE}" type="presParOf" srcId="{072CD9D5-9CCA-451F-B411-46B89E63B209}" destId="{0B8B29BC-A71A-4042-AD09-ED1F0FAE0A20}" srcOrd="8" destOrd="0" presId="urn:microsoft.com/office/officeart/2005/8/layout/hProcess11"/>
+    <dgm:cxn modelId="{D694E1CB-F728-45D5-8855-0A75E087DA03}" type="presParOf" srcId="{0B8B29BC-A71A-4042-AD09-ED1F0FAE0A20}" destId="{59EB97AF-AF3B-4E12-8961-84837A5FFB81}" srcOrd="0" destOrd="0" presId="urn:microsoft.com/office/officeart/2005/8/layout/hProcess11"/>
+    <dgm:cxn modelId="{36E47834-1CA8-4E13-B478-BD75698CCE06}" type="presParOf" srcId="{0B8B29BC-A71A-4042-AD09-ED1F0FAE0A20}" destId="{AE1FFA8D-1604-4FAF-A1D8-ECF9ECA2DFF6}" srcOrd="1" destOrd="0" presId="urn:microsoft.com/office/officeart/2005/8/layout/hProcess11"/>
+    <dgm:cxn modelId="{5FC13E89-A350-446F-AB5E-0923D7D24B6D}" type="presParOf" srcId="{0B8B29BC-A71A-4042-AD09-ED1F0FAE0A20}" destId="{F8522294-A460-4D93-859F-4D25F4214052}" srcOrd="2" destOrd="0" presId="urn:microsoft.com/office/officeart/2005/8/layout/hProcess11"/>
+    <dgm:cxn modelId="{B7E64DDD-60DA-4A17-BDBA-514E2E57BE7F}" type="presParOf" srcId="{072CD9D5-9CCA-451F-B411-46B89E63B209}" destId="{7CB3148E-3603-480B-BD4B-E36A892EF1B7}" srcOrd="9" destOrd="0" presId="urn:microsoft.com/office/officeart/2005/8/layout/hProcess11"/>
+    <dgm:cxn modelId="{796273DB-F367-4342-890A-EBD3D8C4009E}" type="presParOf" srcId="{072CD9D5-9CCA-451F-B411-46B89E63B209}" destId="{3C2EE000-1586-4804-9ABB-F5E27B90E746}" srcOrd="10" destOrd="0" presId="urn:microsoft.com/office/officeart/2005/8/layout/hProcess11"/>
+    <dgm:cxn modelId="{F672AEC4-3011-4B3B-8A25-F82B3C55DB49}" type="presParOf" srcId="{3C2EE000-1586-4804-9ABB-F5E27B90E746}" destId="{136B3728-3264-4700-960C-5E004300A658}" srcOrd="0" destOrd="0" presId="urn:microsoft.com/office/officeart/2005/8/layout/hProcess11"/>
+    <dgm:cxn modelId="{A47A1D1D-3DFE-4841-8BAC-CD1B5AEA2D31}" type="presParOf" srcId="{3C2EE000-1586-4804-9ABB-F5E27B90E746}" destId="{89B2148F-6BBE-47DB-9B0E-ED02C49FD5D1}" srcOrd="1" destOrd="0" presId="urn:microsoft.com/office/officeart/2005/8/layout/hProcess11"/>
+    <dgm:cxn modelId="{F472BCB5-9D4B-43F0-BBB3-33F30CFADF2E}" type="presParOf" srcId="{3C2EE000-1586-4804-9ABB-F5E27B90E746}" destId="{3428395B-137E-4118-B0BC-72DCB53FC6EC}" srcOrd="2" destOrd="0" presId="urn:microsoft.com/office/officeart/2005/8/layout/hProcess11"/>
+  </dgm:cxnLst>
+  <dgm:bg/>
+  <dgm:whole/>
+  <dgm:extLst>
+    <a:ext uri="http://schemas.microsoft.com/office/drawing/2008/diagram">
+      <dsp:dataModelExt xmlns:dsp="http://schemas.microsoft.com/office/drawing/2008/diagram" relId="rId6" minVer="http://schemas.openxmlformats.org/drawingml/2006/diagram"/>
+    </a:ext>
+  </dgm:extLst>
+</dgm:dataModel>
+</file>
+
+<file path=ppt/diagrams/drawing1.xml><?xml version="1.0" encoding="utf-8"?>
+<dsp:drawing xmlns:dgm="http://schemas.openxmlformats.org/drawingml/2006/diagram" xmlns:dsp="http://schemas.microsoft.com/office/drawing/2008/diagram" xmlns:a="http://schemas.openxmlformats.org/drawingml/2006/main">
+  <dsp:spTree>
+    <dsp:nvGrpSpPr>
+      <dsp:cNvPr id="0" name=""/>
+      <dsp:cNvGrpSpPr/>
+    </dsp:nvGrpSpPr>
+    <dsp:grpSpPr/>
+    <dsp:sp modelId="{0EEBDE07-3DB8-42F7-AF63-23AB0A88FC0E}">
+      <dsp:nvSpPr>
+        <dsp:cNvPr id="0" name=""/>
+        <dsp:cNvSpPr/>
+      </dsp:nvSpPr>
+      <dsp:spPr>
+        <a:xfrm>
+          <a:off x="0" y="1319987"/>
+          <a:ext cx="10515600" cy="1759983"/>
+        </a:xfrm>
+        <a:prstGeom prst="notchedRightArrow">
+          <a:avLst/>
+        </a:prstGeom>
+        <a:solidFill>
+          <a:schemeClr val="accent1">
+            <a:tint val="40000"/>
+            <a:hueOff val="0"/>
+            <a:satOff val="0"/>
+            <a:lumOff val="0"/>
+            <a:alphaOff val="0"/>
+          </a:schemeClr>
+        </a:solidFill>
+        <a:ln>
+          <a:noFill/>
+        </a:ln>
+        <a:effectLst/>
+      </dsp:spPr>
+      <dsp:style>
+        <a:lnRef idx="0">
+          <a:scrgbClr r="0" g="0" b="0"/>
+        </a:lnRef>
+        <a:fillRef idx="1">
+          <a:scrgbClr r="0" g="0" b="0"/>
+        </a:fillRef>
+        <a:effectRef idx="0">
+          <a:scrgbClr r="0" g="0" b="0"/>
+        </a:effectRef>
+        <a:fontRef idx="minor"/>
+      </dsp:style>
+    </dsp:sp>
+    <dsp:sp modelId="{77972284-5E28-4480-903E-872B71EF2C39}">
+      <dsp:nvSpPr>
+        <dsp:cNvPr id="0" name=""/>
+        <dsp:cNvSpPr/>
+      </dsp:nvSpPr>
+      <dsp:spPr>
+        <a:xfrm>
+          <a:off x="4192" y="0"/>
+          <a:ext cx="1397886" cy="1759983"/>
+        </a:xfrm>
+        <a:prstGeom prst="rect">
+          <a:avLst/>
+        </a:prstGeom>
+        <a:noFill/>
+        <a:ln>
+          <a:noFill/>
+        </a:ln>
+        <a:effectLst/>
+      </dsp:spPr>
+      <dsp:style>
+        <a:lnRef idx="0">
+          <a:scrgbClr r="0" g="0" b="0"/>
+        </a:lnRef>
+        <a:fillRef idx="0">
+          <a:scrgbClr r="0" g="0" b="0"/>
+        </a:fillRef>
+        <a:effectRef idx="0">
+          <a:scrgbClr r="0" g="0" b="0"/>
+        </a:effectRef>
+        <a:fontRef idx="minor"/>
+      </dsp:style>
+      <dsp:txBody>
+        <a:bodyPr spcFirstLastPara="0" vert="horz" wrap="square" lIns="142240" tIns="142240" rIns="142240" bIns="142240" numCol="1" spcCol="1270" anchor="b" anchorCtr="0">
+          <a:noAutofit/>
+        </a:bodyPr>
+        <a:lstStyle/>
+        <a:p>
+          <a:pPr lvl="0" algn="ctr" defTabSz="889000">
+            <a:lnSpc>
+              <a:spcPct val="90000"/>
+            </a:lnSpc>
+            <a:spcBef>
+              <a:spcPct val="0"/>
+            </a:spcBef>
+            <a:spcAft>
+              <a:spcPct val="35000"/>
+            </a:spcAft>
+          </a:pPr>
+          <a:r>
+            <a:rPr lang="fr-FR" sz="2000" kern="1200" dirty="0" smtClean="0"/>
+            <a:t>Prise en main du logiciel</a:t>
+          </a:r>
+        </a:p>
+        <a:p>
+          <a:pPr lvl="0" algn="ctr" defTabSz="889000">
+            <a:lnSpc>
+              <a:spcPct val="90000"/>
+            </a:lnSpc>
+            <a:spcBef>
+              <a:spcPct val="0"/>
+            </a:spcBef>
+            <a:spcAft>
+              <a:spcPct val="35000"/>
+            </a:spcAft>
+          </a:pPr>
+          <a:r>
+            <a:rPr lang="fr-FR" sz="2000" kern="1200" dirty="0" smtClean="0"/>
+            <a:t>Sep - </a:t>
+          </a:r>
+          <a:r>
+            <a:rPr lang="fr-FR" sz="2000" kern="1200" dirty="0" err="1" smtClean="0"/>
+            <a:t>Oct</a:t>
+          </a:r>
+          <a:endParaRPr lang="fr-FR" sz="2000" kern="1200" dirty="0"/>
+        </a:p>
+      </dsp:txBody>
+      <dsp:txXfrm>
+        <a:off x="4192" y="0"/>
+        <a:ext cx="1397886" cy="1759983"/>
+      </dsp:txXfrm>
+    </dsp:sp>
+    <dsp:sp modelId="{4C21E7BD-C476-4CA5-8772-E541F3B39CC0}">
+      <dsp:nvSpPr>
+        <dsp:cNvPr id="0" name=""/>
+        <dsp:cNvSpPr/>
+      </dsp:nvSpPr>
+      <dsp:spPr>
+        <a:xfrm>
+          <a:off x="483137" y="1979981"/>
+          <a:ext cx="439995" cy="439995"/>
+        </a:xfrm>
+        <a:prstGeom prst="ellipse">
+          <a:avLst/>
+        </a:prstGeom>
+        <a:solidFill>
+          <a:schemeClr val="accent1">
+            <a:hueOff val="0"/>
+            <a:satOff val="0"/>
+            <a:lumOff val="0"/>
+            <a:alphaOff val="0"/>
+          </a:schemeClr>
+        </a:solidFill>
+        <a:ln w="12700" cap="flat" cmpd="sng" algn="in">
+          <a:solidFill>
+            <a:schemeClr val="lt1">
+              <a:hueOff val="0"/>
+              <a:satOff val="0"/>
+              <a:lumOff val="0"/>
+              <a:alphaOff val="0"/>
+            </a:schemeClr>
+          </a:solidFill>
+          <a:prstDash val="solid"/>
+        </a:ln>
+        <a:effectLst/>
+      </dsp:spPr>
+      <dsp:style>
+        <a:lnRef idx="2">
+          <a:scrgbClr r="0" g="0" b="0"/>
+        </a:lnRef>
+        <a:fillRef idx="1">
+          <a:scrgbClr r="0" g="0" b="0"/>
+        </a:fillRef>
+        <a:effectRef idx="0">
+          <a:scrgbClr r="0" g="0" b="0"/>
+        </a:effectRef>
+        <a:fontRef idx="minor">
+          <a:schemeClr val="lt1"/>
+        </a:fontRef>
+      </dsp:style>
+    </dsp:sp>
+    <dsp:sp modelId="{D83729DB-8814-4413-84C8-411AD6C62FF3}">
+      <dsp:nvSpPr>
+        <dsp:cNvPr id="0" name=""/>
+        <dsp:cNvSpPr/>
+      </dsp:nvSpPr>
+      <dsp:spPr>
+        <a:xfrm>
+          <a:off x="1471973" y="2639974"/>
+          <a:ext cx="1397886" cy="1759983"/>
+        </a:xfrm>
+        <a:prstGeom prst="rect">
+          <a:avLst/>
+        </a:prstGeom>
+        <a:noFill/>
+        <a:ln>
+          <a:noFill/>
+        </a:ln>
+        <a:effectLst/>
+      </dsp:spPr>
+      <dsp:style>
+        <a:lnRef idx="0">
+          <a:scrgbClr r="0" g="0" b="0"/>
+        </a:lnRef>
+        <a:fillRef idx="0">
+          <a:scrgbClr r="0" g="0" b="0"/>
+        </a:fillRef>
+        <a:effectRef idx="0">
+          <a:scrgbClr r="0" g="0" b="0"/>
+        </a:effectRef>
+        <a:fontRef idx="minor"/>
+      </dsp:style>
+      <dsp:txBody>
+        <a:bodyPr spcFirstLastPara="0" vert="horz" wrap="square" lIns="142240" tIns="142240" rIns="142240" bIns="142240" numCol="1" spcCol="1270" anchor="t" anchorCtr="0">
+          <a:noAutofit/>
+        </a:bodyPr>
+        <a:lstStyle/>
+        <a:p>
+          <a:pPr lvl="0" algn="ctr" defTabSz="889000">
+            <a:lnSpc>
+              <a:spcPct val="90000"/>
+            </a:lnSpc>
+            <a:spcBef>
+              <a:spcPct val="0"/>
+            </a:spcBef>
+            <a:spcAft>
+              <a:spcPct val="35000"/>
+            </a:spcAft>
+          </a:pPr>
+          <a:r>
+            <a:rPr lang="fr-FR" sz="2000" kern="1200" dirty="0" smtClean="0"/>
+            <a:t>Prototypage</a:t>
+          </a:r>
+        </a:p>
+        <a:p>
+          <a:pPr lvl="0" algn="ctr" defTabSz="889000">
+            <a:lnSpc>
+              <a:spcPct val="90000"/>
+            </a:lnSpc>
+            <a:spcBef>
+              <a:spcPct val="0"/>
+            </a:spcBef>
+            <a:spcAft>
+              <a:spcPct val="35000"/>
+            </a:spcAft>
+          </a:pPr>
+          <a:r>
+            <a:rPr lang="fr-FR" sz="2000" kern="1200" dirty="0" err="1" smtClean="0"/>
+            <a:t>Nov</a:t>
+          </a:r>
+          <a:endParaRPr lang="fr-FR" sz="2000" kern="1200" dirty="0"/>
+        </a:p>
+      </dsp:txBody>
+      <dsp:txXfrm>
+        <a:off x="1471973" y="2639974"/>
+        <a:ext cx="1397886" cy="1759983"/>
+      </dsp:txXfrm>
+    </dsp:sp>
+    <dsp:sp modelId="{038D82E7-1C4C-4A0F-B11B-11FD8C8C88EE}">
+      <dsp:nvSpPr>
+        <dsp:cNvPr id="0" name=""/>
+        <dsp:cNvSpPr/>
+      </dsp:nvSpPr>
+      <dsp:spPr>
+        <a:xfrm>
+          <a:off x="1950918" y="1979981"/>
+          <a:ext cx="439995" cy="439995"/>
+        </a:xfrm>
+        <a:prstGeom prst="ellipse">
+          <a:avLst/>
+        </a:prstGeom>
+        <a:solidFill>
+          <a:schemeClr val="accent1">
+            <a:hueOff val="0"/>
+            <a:satOff val="0"/>
+            <a:lumOff val="0"/>
+            <a:alphaOff val="0"/>
+          </a:schemeClr>
+        </a:solidFill>
+        <a:ln w="12700" cap="flat" cmpd="sng" algn="in">
+          <a:solidFill>
+            <a:schemeClr val="lt1">
+              <a:hueOff val="0"/>
+              <a:satOff val="0"/>
+              <a:lumOff val="0"/>
+              <a:alphaOff val="0"/>
+            </a:schemeClr>
+          </a:solidFill>
+          <a:prstDash val="solid"/>
+        </a:ln>
+        <a:effectLst/>
+      </dsp:spPr>
+      <dsp:style>
+        <a:lnRef idx="2">
+          <a:scrgbClr r="0" g="0" b="0"/>
+        </a:lnRef>
+        <a:fillRef idx="1">
+          <a:scrgbClr r="0" g="0" b="0"/>
+        </a:fillRef>
+        <a:effectRef idx="0">
+          <a:scrgbClr r="0" g="0" b="0"/>
+        </a:effectRef>
+        <a:fontRef idx="minor">
+          <a:schemeClr val="lt1"/>
+        </a:fontRef>
+      </dsp:style>
+    </dsp:sp>
+    <dsp:sp modelId="{925C71B8-8B60-4169-9308-E3B0E5F76142}">
+      <dsp:nvSpPr>
+        <dsp:cNvPr id="0" name=""/>
+        <dsp:cNvSpPr/>
+      </dsp:nvSpPr>
+      <dsp:spPr>
+        <a:xfrm>
+          <a:off x="2939754" y="0"/>
+          <a:ext cx="1552241" cy="1759983"/>
+        </a:xfrm>
+        <a:prstGeom prst="rect">
+          <a:avLst/>
+        </a:prstGeom>
+        <a:noFill/>
+        <a:ln>
+          <a:noFill/>
+        </a:ln>
+        <a:effectLst/>
+      </dsp:spPr>
+      <dsp:style>
+        <a:lnRef idx="0">
+          <a:scrgbClr r="0" g="0" b="0"/>
+        </a:lnRef>
+        <a:fillRef idx="0">
+          <a:scrgbClr r="0" g="0" b="0"/>
+        </a:fillRef>
+        <a:effectRef idx="0">
+          <a:scrgbClr r="0" g="0" b="0"/>
+        </a:effectRef>
+        <a:fontRef idx="minor"/>
+      </dsp:style>
+      <dsp:txBody>
+        <a:bodyPr spcFirstLastPara="0" vert="horz" wrap="square" lIns="142240" tIns="142240" rIns="142240" bIns="142240" numCol="1" spcCol="1270" anchor="b" anchorCtr="0">
+          <a:noAutofit/>
+        </a:bodyPr>
+        <a:lstStyle/>
+        <a:p>
+          <a:pPr lvl="0" algn="ctr" defTabSz="889000">
+            <a:lnSpc>
+              <a:spcPct val="90000"/>
+            </a:lnSpc>
+            <a:spcBef>
+              <a:spcPct val="0"/>
+            </a:spcBef>
+            <a:spcAft>
+              <a:spcPct val="35000"/>
+            </a:spcAft>
+          </a:pPr>
+          <a:r>
+            <a:rPr lang="fr-FR" sz="2000" kern="1200" dirty="0" smtClean="0"/>
+            <a:t>Développement</a:t>
+          </a:r>
+        </a:p>
+        <a:p>
+          <a:pPr lvl="0" algn="ctr" defTabSz="889000">
+            <a:lnSpc>
+              <a:spcPct val="90000"/>
+            </a:lnSpc>
+            <a:spcBef>
+              <a:spcPct val="0"/>
+            </a:spcBef>
+            <a:spcAft>
+              <a:spcPct val="35000"/>
+            </a:spcAft>
+          </a:pPr>
+          <a:r>
+            <a:rPr lang="fr-FR" sz="2000" kern="1200" dirty="0" smtClean="0"/>
+            <a:t>Déc - Jan</a:t>
+          </a:r>
+          <a:endParaRPr lang="fr-FR" sz="2000" kern="1200" dirty="0"/>
+        </a:p>
+      </dsp:txBody>
+      <dsp:txXfrm>
+        <a:off x="2939754" y="0"/>
+        <a:ext cx="1552241" cy="1759983"/>
+      </dsp:txXfrm>
+    </dsp:sp>
+    <dsp:sp modelId="{D820C407-B18A-45B0-B0F2-476751D3D497}">
+      <dsp:nvSpPr>
+        <dsp:cNvPr id="0" name=""/>
+        <dsp:cNvSpPr/>
+      </dsp:nvSpPr>
+      <dsp:spPr>
+        <a:xfrm>
+          <a:off x="3495877" y="1979981"/>
+          <a:ext cx="439995" cy="439995"/>
+        </a:xfrm>
+        <a:prstGeom prst="ellipse">
+          <a:avLst/>
+        </a:prstGeom>
+        <a:solidFill>
+          <a:schemeClr val="accent1">
+            <a:hueOff val="0"/>
+            <a:satOff val="0"/>
+            <a:lumOff val="0"/>
+            <a:alphaOff val="0"/>
+          </a:schemeClr>
+        </a:solidFill>
+        <a:ln w="12700" cap="flat" cmpd="sng" algn="in">
+          <a:solidFill>
+            <a:schemeClr val="lt1">
+              <a:hueOff val="0"/>
+              <a:satOff val="0"/>
+              <a:lumOff val="0"/>
+              <a:alphaOff val="0"/>
+            </a:schemeClr>
+          </a:solidFill>
+          <a:prstDash val="solid"/>
+        </a:ln>
+        <a:effectLst/>
+      </dsp:spPr>
+      <dsp:style>
+        <a:lnRef idx="2">
+          <a:scrgbClr r="0" g="0" b="0"/>
+        </a:lnRef>
+        <a:fillRef idx="1">
+          <a:scrgbClr r="0" g="0" b="0"/>
+        </a:fillRef>
+        <a:effectRef idx="0">
+          <a:scrgbClr r="0" g="0" b="0"/>
+        </a:effectRef>
+        <a:fontRef idx="minor">
+          <a:schemeClr val="lt1"/>
+        </a:fontRef>
+      </dsp:style>
+    </dsp:sp>
+    <dsp:sp modelId="{43EDFB40-217C-4A4C-A19F-E712206D8095}">
+      <dsp:nvSpPr>
+        <dsp:cNvPr id="0" name=""/>
+        <dsp:cNvSpPr/>
+      </dsp:nvSpPr>
+      <dsp:spPr>
+        <a:xfrm>
+          <a:off x="4561890" y="2639974"/>
+          <a:ext cx="1397886" cy="1759983"/>
+        </a:xfrm>
+        <a:prstGeom prst="rect">
+          <a:avLst/>
+        </a:prstGeom>
+        <a:noFill/>
+        <a:ln>
+          <a:noFill/>
+        </a:ln>
+        <a:effectLst/>
+      </dsp:spPr>
+      <dsp:style>
+        <a:lnRef idx="0">
+          <a:scrgbClr r="0" g="0" b="0"/>
+        </a:lnRef>
+        <a:fillRef idx="0">
+          <a:scrgbClr r="0" g="0" b="0"/>
+        </a:fillRef>
+        <a:effectRef idx="0">
+          <a:scrgbClr r="0" g="0" b="0"/>
+        </a:effectRef>
+        <a:fontRef idx="minor"/>
+      </dsp:style>
+      <dsp:txBody>
+        <a:bodyPr spcFirstLastPara="0" vert="horz" wrap="square" lIns="142240" tIns="142240" rIns="142240" bIns="142240" numCol="1" spcCol="1270" anchor="t" anchorCtr="0">
+          <a:noAutofit/>
+        </a:bodyPr>
+        <a:lstStyle/>
+        <a:p>
+          <a:pPr lvl="0" algn="ctr" defTabSz="889000">
+            <a:lnSpc>
+              <a:spcPct val="90000"/>
+            </a:lnSpc>
+            <a:spcBef>
+              <a:spcPct val="0"/>
+            </a:spcBef>
+            <a:spcAft>
+              <a:spcPct val="35000"/>
+            </a:spcAft>
+          </a:pPr>
+          <a:r>
+            <a:rPr lang="fr-FR" sz="2000" kern="1200" dirty="0" smtClean="0"/>
+            <a:t>Test par les élèves</a:t>
+          </a:r>
+        </a:p>
+        <a:p>
+          <a:pPr lvl="0" algn="ctr" defTabSz="889000">
+            <a:lnSpc>
+              <a:spcPct val="90000"/>
+            </a:lnSpc>
+            <a:spcBef>
+              <a:spcPct val="0"/>
+            </a:spcBef>
+            <a:spcAft>
+              <a:spcPct val="35000"/>
+            </a:spcAft>
+          </a:pPr>
+          <a:r>
+            <a:rPr lang="fr-FR" sz="2000" kern="1200" dirty="0" smtClean="0"/>
+            <a:t>Jan</a:t>
+          </a:r>
+          <a:endParaRPr lang="fr-FR" sz="2000" kern="1200" dirty="0"/>
+        </a:p>
+      </dsp:txBody>
+      <dsp:txXfrm>
+        <a:off x="4561890" y="2639974"/>
+        <a:ext cx="1397886" cy="1759983"/>
+      </dsp:txXfrm>
+    </dsp:sp>
+    <dsp:sp modelId="{69C649FF-90AB-442E-A903-54FBFB0B0E5D}">
+      <dsp:nvSpPr>
+        <dsp:cNvPr id="0" name=""/>
+        <dsp:cNvSpPr/>
+      </dsp:nvSpPr>
+      <dsp:spPr>
+        <a:xfrm>
+          <a:off x="5040835" y="1979981"/>
+          <a:ext cx="439995" cy="439995"/>
+        </a:xfrm>
+        <a:prstGeom prst="ellipse">
+          <a:avLst/>
+        </a:prstGeom>
+        <a:solidFill>
+          <a:schemeClr val="accent1">
+            <a:hueOff val="0"/>
+            <a:satOff val="0"/>
+            <a:lumOff val="0"/>
+            <a:alphaOff val="0"/>
+          </a:schemeClr>
+        </a:solidFill>
+        <a:ln w="12700" cap="flat" cmpd="sng" algn="in">
+          <a:solidFill>
+            <a:schemeClr val="lt1">
+              <a:hueOff val="0"/>
+              <a:satOff val="0"/>
+              <a:lumOff val="0"/>
+              <a:alphaOff val="0"/>
+            </a:schemeClr>
+          </a:solidFill>
+          <a:prstDash val="solid"/>
+        </a:ln>
+        <a:effectLst/>
+      </dsp:spPr>
+      <dsp:style>
+        <a:lnRef idx="2">
+          <a:scrgbClr r="0" g="0" b="0"/>
+        </a:lnRef>
+        <a:fillRef idx="1">
+          <a:scrgbClr r="0" g="0" b="0"/>
+        </a:fillRef>
+        <a:effectRef idx="0">
+          <a:scrgbClr r="0" g="0" b="0"/>
+        </a:effectRef>
+        <a:fontRef idx="minor">
+          <a:schemeClr val="lt1"/>
+        </a:fontRef>
+      </dsp:style>
+    </dsp:sp>
+    <dsp:sp modelId="{59EB97AF-AF3B-4E12-8961-84837A5FFB81}">
+      <dsp:nvSpPr>
+        <dsp:cNvPr id="0" name=""/>
+        <dsp:cNvSpPr/>
+      </dsp:nvSpPr>
+      <dsp:spPr>
+        <a:xfrm>
+          <a:off x="6029671" y="0"/>
+          <a:ext cx="1397886" cy="1759983"/>
+        </a:xfrm>
+        <a:prstGeom prst="rect">
+          <a:avLst/>
+        </a:prstGeom>
+        <a:noFill/>
+        <a:ln>
+          <a:noFill/>
+        </a:ln>
+        <a:effectLst/>
+      </dsp:spPr>
+      <dsp:style>
+        <a:lnRef idx="0">
+          <a:scrgbClr r="0" g="0" b="0"/>
+        </a:lnRef>
+        <a:fillRef idx="0">
+          <a:scrgbClr r="0" g="0" b="0"/>
+        </a:fillRef>
+        <a:effectRef idx="0">
+          <a:scrgbClr r="0" g="0" b="0"/>
+        </a:effectRef>
+        <a:fontRef idx="minor"/>
+      </dsp:style>
+      <dsp:txBody>
+        <a:bodyPr spcFirstLastPara="0" vert="horz" wrap="square" lIns="142240" tIns="142240" rIns="142240" bIns="142240" numCol="1" spcCol="1270" anchor="b" anchorCtr="0">
+          <a:noAutofit/>
+        </a:bodyPr>
+        <a:lstStyle/>
+        <a:p>
+          <a:pPr lvl="0" algn="ctr" defTabSz="889000">
+            <a:lnSpc>
+              <a:spcPct val="90000"/>
+            </a:lnSpc>
+            <a:spcBef>
+              <a:spcPct val="0"/>
+            </a:spcBef>
+            <a:spcAft>
+              <a:spcPct val="35000"/>
+            </a:spcAft>
+          </a:pPr>
+          <a:r>
+            <a:rPr lang="fr-FR" sz="2000" kern="1200" dirty="0" smtClean="0"/>
+            <a:t>Portes Ouvertes</a:t>
+          </a:r>
+        </a:p>
+        <a:p>
+          <a:pPr lvl="0" algn="ctr" defTabSz="889000">
+            <a:lnSpc>
+              <a:spcPct val="90000"/>
+            </a:lnSpc>
+            <a:spcBef>
+              <a:spcPct val="0"/>
+            </a:spcBef>
+            <a:spcAft>
+              <a:spcPct val="35000"/>
+            </a:spcAft>
+          </a:pPr>
+          <a:r>
+            <a:rPr lang="fr-FR" sz="2000" kern="1200" dirty="0" err="1" smtClean="0"/>
+            <a:t>Fév</a:t>
+          </a:r>
+          <a:endParaRPr lang="fr-FR" sz="2000" kern="1200" dirty="0"/>
+        </a:p>
+      </dsp:txBody>
+      <dsp:txXfrm>
+        <a:off x="6029671" y="0"/>
+        <a:ext cx="1397886" cy="1759983"/>
+      </dsp:txXfrm>
+    </dsp:sp>
+    <dsp:sp modelId="{AE1FFA8D-1604-4FAF-A1D8-ECF9ECA2DFF6}">
+      <dsp:nvSpPr>
+        <dsp:cNvPr id="0" name=""/>
+        <dsp:cNvSpPr/>
+      </dsp:nvSpPr>
+      <dsp:spPr>
+        <a:xfrm>
+          <a:off x="6508616" y="1979981"/>
+          <a:ext cx="439995" cy="439995"/>
+        </a:xfrm>
+        <a:prstGeom prst="ellipse">
+          <a:avLst/>
+        </a:prstGeom>
+        <a:solidFill>
+          <a:schemeClr val="accent1">
+            <a:hueOff val="0"/>
+            <a:satOff val="0"/>
+            <a:lumOff val="0"/>
+            <a:alphaOff val="0"/>
+          </a:schemeClr>
+        </a:solidFill>
+        <a:ln w="12700" cap="flat" cmpd="sng" algn="in">
+          <a:solidFill>
+            <a:schemeClr val="lt1">
+              <a:hueOff val="0"/>
+              <a:satOff val="0"/>
+              <a:lumOff val="0"/>
+              <a:alphaOff val="0"/>
+            </a:schemeClr>
+          </a:solidFill>
+          <a:prstDash val="solid"/>
+        </a:ln>
+        <a:effectLst/>
+      </dsp:spPr>
+      <dsp:style>
+        <a:lnRef idx="2">
+          <a:scrgbClr r="0" g="0" b="0"/>
+        </a:lnRef>
+        <a:fillRef idx="1">
+          <a:scrgbClr r="0" g="0" b="0"/>
+        </a:fillRef>
+        <a:effectRef idx="0">
+          <a:scrgbClr r="0" g="0" b="0"/>
+        </a:effectRef>
+        <a:fontRef idx="minor">
+          <a:schemeClr val="lt1"/>
+        </a:fontRef>
+      </dsp:style>
+    </dsp:sp>
+    <dsp:sp modelId="{136B3728-3264-4700-960C-5E004300A658}">
+      <dsp:nvSpPr>
+        <dsp:cNvPr id="0" name=""/>
+        <dsp:cNvSpPr/>
+      </dsp:nvSpPr>
+      <dsp:spPr>
+        <a:xfrm>
+          <a:off x="7497452" y="2639974"/>
+          <a:ext cx="1962395" cy="1759983"/>
+        </a:xfrm>
+        <a:prstGeom prst="rect">
+          <a:avLst/>
+        </a:prstGeom>
+        <a:noFill/>
+        <a:ln>
+          <a:noFill/>
+        </a:ln>
+        <a:effectLst/>
+      </dsp:spPr>
+      <dsp:style>
+        <a:lnRef idx="0">
+          <a:scrgbClr r="0" g="0" b="0"/>
+        </a:lnRef>
+        <a:fillRef idx="0">
+          <a:scrgbClr r="0" g="0" b="0"/>
+        </a:fillRef>
+        <a:effectRef idx="0">
+          <a:scrgbClr r="0" g="0" b="0"/>
+        </a:effectRef>
+        <a:fontRef idx="minor"/>
+      </dsp:style>
+      <dsp:txBody>
+        <a:bodyPr spcFirstLastPara="0" vert="horz" wrap="square" lIns="142240" tIns="142240" rIns="142240" bIns="142240" numCol="1" spcCol="1270" anchor="t" anchorCtr="0">
+          <a:noAutofit/>
+        </a:bodyPr>
+        <a:lstStyle/>
+        <a:p>
+          <a:pPr lvl="0" algn="ctr" defTabSz="889000">
+            <a:lnSpc>
+              <a:spcPct val="90000"/>
+            </a:lnSpc>
+            <a:spcBef>
+              <a:spcPct val="0"/>
+            </a:spcBef>
+            <a:spcAft>
+              <a:spcPct val="35000"/>
+            </a:spcAft>
+          </a:pPr>
+          <a:r>
+            <a:rPr lang="fr-FR" sz="2000" kern="1200" dirty="0" smtClean="0"/>
+            <a:t>Améliorations et finalisation</a:t>
+          </a:r>
+        </a:p>
+        <a:p>
+          <a:pPr lvl="0" algn="ctr" defTabSz="889000">
+            <a:lnSpc>
+              <a:spcPct val="90000"/>
+            </a:lnSpc>
+            <a:spcBef>
+              <a:spcPct val="0"/>
+            </a:spcBef>
+            <a:spcAft>
+              <a:spcPct val="35000"/>
+            </a:spcAft>
+          </a:pPr>
+          <a:r>
+            <a:rPr lang="fr-FR" sz="2000" kern="1200" dirty="0" smtClean="0"/>
+            <a:t>Mars</a:t>
+          </a:r>
+          <a:endParaRPr lang="fr-FR" sz="2000" kern="1200" dirty="0"/>
+        </a:p>
+      </dsp:txBody>
+      <dsp:txXfrm>
+        <a:off x="7497452" y="2639974"/>
+        <a:ext cx="1962395" cy="1759983"/>
+      </dsp:txXfrm>
+    </dsp:sp>
+    <dsp:sp modelId="{89B2148F-6BBE-47DB-9B0E-ED02C49FD5D1}">
+      <dsp:nvSpPr>
+        <dsp:cNvPr id="0" name=""/>
+        <dsp:cNvSpPr/>
+      </dsp:nvSpPr>
+      <dsp:spPr>
+        <a:xfrm>
+          <a:off x="8258652" y="1979981"/>
+          <a:ext cx="439995" cy="439995"/>
+        </a:xfrm>
+        <a:prstGeom prst="ellipse">
+          <a:avLst/>
+        </a:prstGeom>
+        <a:solidFill>
+          <a:schemeClr val="accent1">
+            <a:hueOff val="0"/>
+            <a:satOff val="0"/>
+            <a:lumOff val="0"/>
+            <a:alphaOff val="0"/>
+          </a:schemeClr>
+        </a:solidFill>
+        <a:ln w="12700" cap="flat" cmpd="sng" algn="in">
+          <a:solidFill>
+            <a:schemeClr val="lt1">
+              <a:hueOff val="0"/>
+              <a:satOff val="0"/>
+              <a:lumOff val="0"/>
+              <a:alphaOff val="0"/>
+            </a:schemeClr>
+          </a:solidFill>
+          <a:prstDash val="solid"/>
+        </a:ln>
+        <a:effectLst/>
+      </dsp:spPr>
+      <dsp:style>
+        <a:lnRef idx="2">
+          <a:scrgbClr r="0" g="0" b="0"/>
+        </a:lnRef>
+        <a:fillRef idx="1">
+          <a:scrgbClr r="0" g="0" b="0"/>
+        </a:fillRef>
+        <a:effectRef idx="0">
+          <a:scrgbClr r="0" g="0" b="0"/>
+        </a:effectRef>
+        <a:fontRef idx="minor">
+          <a:schemeClr val="lt1"/>
+        </a:fontRef>
+      </dsp:style>
+    </dsp:sp>
+  </dsp:spTree>
+</dsp:drawing>
+</file>
+
+<file path=ppt/diagrams/layout1.xml><?xml version="1.0" encoding="utf-8"?>
+<dgm:layoutDef xmlns:dgm="http://schemas.openxmlformats.org/drawingml/2006/diagram" xmlns:a="http://schemas.openxmlformats.org/drawingml/2006/main" uniqueId="urn:microsoft.com/office/officeart/2005/8/layout/hProcess11">
+  <dgm:title val=""/>
+  <dgm:desc val=""/>
+  <dgm:catLst>
+    <dgm:cat type="process" pri="8000"/>
+    <dgm:cat type="convert" pri="14000"/>
+  </dgm:catLst>
+  <dgm:sampData useDef="1">
+    <dgm:dataModel>
+      <dgm:ptLst/>
+      <dgm:bg/>
+      <dgm:whole/>
+    </dgm:dataModel>
+  </dgm:sampData>
+  <dgm:styleData>
+    <dgm:dataModel>
+      <dgm:ptLst>
+        <dgm:pt modelId="0" type="doc"/>
+        <dgm:pt modelId="1"/>
+        <dgm:pt modelId="2"/>
+      </dgm:ptLst>
+      <dgm:cxnLst>
+        <dgm:cxn modelId="4" srcId="0" destId="1" srcOrd="0" destOrd="0"/>
+        <dgm:cxn modelId="5" srcId="0" destId="2" srcOrd="1" destOrd="0"/>
+      </dgm:cxnLst>
+      <dgm:bg/>
+      <dgm:whole/>
+    </dgm:dataModel>
+  </dgm:styleData>
+  <dgm:clrData>
+    <dgm:dataModel>
+      <dgm:ptLst>
+        <dgm:pt modelId="0" type="doc"/>
+        <dgm:pt modelId="1"/>
+        <dgm:pt modelId="2"/>
+        <dgm:pt modelId="3"/>
+        <dgm:pt modelId="4"/>
+      </dgm:ptLst>
+      <dgm:cxnLst>
+        <dgm:cxn modelId="5" srcId="0" destId="1" srcOrd="0" destOrd="0"/>
+        <dgm:cxn modelId="6" srcId="0" destId="2" srcOrd="1" destOrd="0"/>
+        <dgm:cxn modelId="7" srcId="0" destId="3" srcOrd="2" destOrd="0"/>
+        <dgm:cxn modelId="8" srcId="0" destId="4" srcOrd="3" destOrd="0"/>
+      </dgm:cxnLst>
+      <dgm:bg/>
+      <dgm:whole/>
+    </dgm:dataModel>
+  </dgm:clrData>
+  <dgm:layoutNode name="Name0">
+    <dgm:varLst>
+      <dgm:dir/>
+      <dgm:resizeHandles val="exact"/>
+    </dgm:varLst>
+    <dgm:alg type="composite"/>
+    <dgm:shape xmlns:r="http://schemas.openxmlformats.org/officeDocument/2006/relationships" r:blip="">
+      <dgm:adjLst/>
+    </dgm:shape>
+    <dgm:presOf/>
+    <dgm:choose name="Name1">
+      <dgm:if name="Name2" func="var" arg="dir" op="equ" val="norm">
+        <dgm:constrLst>
+          <dgm:constr type="w" for="ch" forName="arrow" refType="w"/>
+          <dgm:constr type="h" for="ch" forName="arrow" refType="h" fact="0.4"/>
+          <dgm:constr type="ctrY" for="ch" forName="arrow" refType="h" fact="0.5"/>
+          <dgm:constr type="l" for="ch" forName="arrow"/>
+          <dgm:constr type="w" for="ch" forName="points" refType="w" fact="0.9"/>
+          <dgm:constr type="h" for="ch" forName="points" refType="h"/>
+          <dgm:constr type="t" for="ch" forName="points"/>
+          <dgm:constr type="l" for="ch" forName="points"/>
+        </dgm:constrLst>
+      </dgm:if>
+      <dgm:else name="Name3">
+        <dgm:constrLst>
+          <dgm:constr type="w" for="ch" forName="arrow" refType="w"/>
+          <dgm:constr type="h" for="ch" forName="arrow" refType="h" fact="0.4"/>
+          <dgm:constr type="ctrY" for="ch" forName="arrow" refType="h" fact="0.5"/>
+          <dgm:constr type="r" for="ch" forName="arrow" refType="w"/>
+          <dgm:constr type="w" for="ch" forName="points" refType="w" fact="0.9"/>
+          <dgm:constr type="h" for="ch" forName="points" refType="h"/>
+          <dgm:constr type="t" for="ch" forName="points"/>
+          <dgm:constr type="r" for="ch" forName="points" refType="w"/>
+        </dgm:constrLst>
+      </dgm:else>
+    </dgm:choose>
+    <dgm:ruleLst/>
+    <dgm:layoutNode name="arrow" styleLbl="bgShp">
+      <dgm:alg type="sp"/>
+      <dgm:choose name="Name4">
+        <dgm:if name="Name5" func="var" arg="dir" op="equ" val="norm">
+          <dgm:shape xmlns:r="http://schemas.openxmlformats.org/officeDocument/2006/relationships" type="notchedRightArrow" r:blip="">
+            <dgm:adjLst/>
+          </dgm:shape>
+        </dgm:if>
+        <dgm:else name="Name6">
+          <dgm:shape xmlns:r="http://schemas.openxmlformats.org/officeDocument/2006/relationships" rot="180" type="notchedRightArrow" r:blip="">
+            <dgm:adjLst/>
+          </dgm:shape>
+        </dgm:else>
+      </dgm:choose>
+      <dgm:presOf/>
+      <dgm:constrLst/>
+      <dgm:ruleLst/>
+    </dgm:layoutNode>
+    <dgm:layoutNode name="points">
+      <dgm:choose name="Name7">
+        <dgm:if name="Name8" func="var" arg="dir" op="equ" val="norm">
+          <dgm:alg type="lin">
+            <dgm:param type="linDir" val="fromL"/>
+          </dgm:alg>
+        </dgm:if>
+        <dgm:else name="Name9">
+          <dgm:alg type="lin">
+            <dgm:param type="linDir" val="fromR"/>
+          </dgm:alg>
+        </dgm:else>
+      </dgm:choose>
+      <dgm:shape xmlns:r="http://schemas.openxmlformats.org/officeDocument/2006/relationships" r:blip="">
+        <dgm:adjLst/>
+      </dgm:shape>
+      <dgm:presOf/>
+      <dgm:constrLst>
+        <dgm:constr type="w" for="ch" forName="compositeA" refType="w"/>
+        <dgm:constr type="h" for="ch" forName="compositeA" refType="h"/>
+        <dgm:constr type="w" for="ch" forName="compositeB" refType="w" refFor="ch" refForName="compositeA" op="equ"/>
+        <dgm:constr type="h" for="ch" forName="compositeB" refType="h" refFor="ch" refForName="compositeA" op="equ"/>
+        <dgm:constr type="primFontSz" for="des" ptType="node" op="equ" val="65"/>
+        <dgm:constr type="w" for="ch" forName="space" refType="w" refFor="ch" refForName="compositeA" op="equ" fact="0.05"/>
+      </dgm:constrLst>
+      <dgm:ruleLst/>
+      <dgm:forEach name="Name10" axis="ch" ptType="node">
+        <dgm:choose name="Name11">
+          <dgm:if name="Name12" axis="self" ptType="node" func="posOdd" op="equ" val="1">
+            <dgm:layoutNode name="compositeA">
+              <dgm:alg type="composite"/>
+              <dgm:shape xmlns:r="http://schemas.openxmlformats.org/officeDocument/2006/relationships" r:blip="">
+                <dgm:adjLst/>
+              </dgm:shape>
+              <dgm:presOf/>
+              <dgm:constrLst>
+                <dgm:constr type="w" for="ch" forName="textA" refType="w"/>
+                <dgm:constr type="h" for="ch" forName="textA" refType="h" fact="0.4"/>
+                <dgm:constr type="t" for="ch" forName="textA"/>
+                <dgm:constr type="l" for="ch" forName="textA"/>
+                <dgm:constr type="h" for="ch" forName="circleA" refType="h" fact="0.1"/>
+                <dgm:constr type="h" for="ch" forName="circleA" refType="w" op="lte"/>
+                <dgm:constr type="w" for="ch" forName="circleA" refType="h" refFor="ch" refForName="circleA" op="equ"/>
+                <dgm:constr type="ctrY" for="ch" forName="circleA" refType="h" fact="0.5"/>
+                <dgm:constr type="ctrX" for="ch" forName="circleA" refType="w" refFor="ch" refForName="textA" fact="0.5"/>
+                <dgm:constr type="w" for="ch" forName="spaceA" refType="w"/>
+                <dgm:constr type="h" for="ch" forName="spaceA" refType="h" fact="0.4"/>
+                <dgm:constr type="b" for="ch" forName="spaceA" refType="h"/>
+                <dgm:constr type="l" for="ch" forName="spaceA"/>
+              </dgm:constrLst>
+              <dgm:ruleLst/>
+              <dgm:layoutNode name="textA" styleLbl="revTx">
+                <dgm:varLst>
+                  <dgm:bulletEnabled val="1"/>
+                </dgm:varLst>
+                <dgm:alg type="tx">
+                  <dgm:param type="txAnchorVert" val="b"/>
+                  <dgm:param type="txAnchorVertCh" val="b"/>
+                  <dgm:param type="txAnchorHorzCh" val="ctr"/>
+                </dgm:alg>
+                <dgm:shape xmlns:r="http://schemas.openxmlformats.org/officeDocument/2006/relationships" type="rect" r:blip="">
+                  <dgm:adjLst/>
+                </dgm:shape>
+                <dgm:presOf axis="desOrSelf" ptType="node"/>
+                <dgm:constrLst/>
+                <dgm:ruleLst>
+                  <dgm:rule type="primFontSz" val="5" fact="NaN" max="NaN"/>
+                </dgm:ruleLst>
+              </dgm:layoutNode>
+              <dgm:layoutNode name="circleA">
+                <dgm:alg type="sp"/>
+                <dgm:shape xmlns:r="http://schemas.openxmlformats.org/officeDocument/2006/relationships" type="ellipse" r:blip="">
+                  <dgm:adjLst/>
+                </dgm:shape>
+                <dgm:presOf/>
+                <dgm:constrLst/>
+                <dgm:ruleLst/>
+              </dgm:layoutNode>
+              <dgm:layoutNode name="spaceA">
+                <dgm:alg type="sp"/>
+                <dgm:shape xmlns:r="http://schemas.openxmlformats.org/officeDocument/2006/relationships" r:blip="">
+                  <dgm:adjLst/>
+                </dgm:shape>
+                <dgm:presOf/>
+                <dgm:constrLst/>
+                <dgm:ruleLst/>
+              </dgm:layoutNode>
+            </dgm:layoutNode>
+          </dgm:if>
+          <dgm:else name="Name13">
+            <dgm:layoutNode name="compositeB">
+              <dgm:alg type="composite"/>
+              <dgm:shape xmlns:r="http://schemas.openxmlformats.org/officeDocument/2006/relationships" r:blip="">
+                <dgm:adjLst/>
+              </dgm:shape>
+              <dgm:presOf/>
+              <dgm:constrLst>
+                <dgm:constr type="w" for="ch" forName="textB" refType="w"/>
+                <dgm:constr type="h" for="ch" forName="textB" refType="h" fact="0.4"/>
+                <dgm:constr type="b" for="ch" forName="textB" refType="h"/>
+                <dgm:constr type="l" for="ch" forName="textB"/>
+                <dgm:constr type="h" for="ch" forName="circleB" refType="h" fact="0.1"/>
+                <dgm:constr type="w" for="ch" forName="circleB" refType="h" refFor="ch" refForName="circleB" op="equ"/>
+                <dgm:constr type="h" for="ch" forName="circleB" refType="w" op="lte"/>
+                <dgm:constr type="ctrY" for="ch" forName="circleB" refType="h" fact="0.5"/>
+                <dgm:constr type="ctrX" for="ch" forName="circleB" refType="w" refFor="ch" refForName="textB" fact="0.5"/>
+                <dgm:constr type="w" for="ch" forName="spaceB" refType="w"/>
+                <dgm:constr type="h" for="ch" forName="spaceB" refType="h" fact="0.4"/>
+                <dgm:constr type="t" for="ch" forName="spaceB"/>
+                <dgm:constr type="l" for="ch" forName="spaceB"/>
+              </dgm:constrLst>
+              <dgm:ruleLst/>
+              <dgm:layoutNode name="textB" styleLbl="revTx">
+                <dgm:varLst>
+                  <dgm:bulletEnabled val="1"/>
+                </dgm:varLst>
+                <dgm:alg type="tx">
+                  <dgm:param type="txAnchorVert" val="t"/>
+                  <dgm:param type="txAnchorVertCh" val="t"/>
+                  <dgm:param type="txAnchorHorzCh" val="ctr"/>
+                </dgm:alg>
+                <dgm:shape xmlns:r="http://schemas.openxmlformats.org/officeDocument/2006/relationships" type="rect" r:blip="">
+                  <dgm:adjLst/>
+                </dgm:shape>
+                <dgm:presOf axis="desOrSelf" ptType="node"/>
+                <dgm:constrLst/>
+                <dgm:ruleLst>
+                  <dgm:rule type="primFontSz" val="5" fact="NaN" max="NaN"/>
+                </dgm:ruleLst>
+              </dgm:layoutNode>
+              <dgm:layoutNode name="circleB">
+                <dgm:alg type="sp"/>
+                <dgm:shape xmlns:r="http://schemas.openxmlformats.org/officeDocument/2006/relationships" type="ellipse" r:blip="">
+                  <dgm:adjLst/>
+                </dgm:shape>
+                <dgm:presOf/>
+                <dgm:constrLst/>
+                <dgm:ruleLst/>
+              </dgm:layoutNode>
+              <dgm:layoutNode name="spaceB">
+                <dgm:alg type="sp"/>
+                <dgm:shape xmlns:r="http://schemas.openxmlformats.org/officeDocument/2006/relationships" r:blip="">
+                  <dgm:adjLst/>
+                </dgm:shape>
+                <dgm:presOf/>
+                <dgm:constrLst/>
+                <dgm:ruleLst/>
+              </dgm:layoutNode>
+            </dgm:layoutNode>
+          </dgm:else>
+        </dgm:choose>
+        <dgm:forEach name="Name14" axis="followSib" ptType="sibTrans" cnt="1">
+          <dgm:layoutNode name="space">
+            <dgm:alg type="sp"/>
+            <dgm:shape xmlns:r="http://schemas.openxmlformats.org/officeDocument/2006/relationships" r:blip="">
+              <dgm:adjLst/>
+            </dgm:shape>
+            <dgm:presOf/>
+            <dgm:constrLst/>
+            <dgm:ruleLst/>
+          </dgm:layoutNode>
+        </dgm:forEach>
+      </dgm:forEach>
+    </dgm:layoutNode>
+  </dgm:layoutNode>
+</dgm:layoutDef>
+</file>
+
+<file path=ppt/diagrams/quickStyle1.xml><?xml version="1.0" encoding="utf-8"?>
+<dgm:styleDef xmlns:dgm="http://schemas.openxmlformats.org/drawingml/2006/diagram" xmlns:a="http://schemas.openxmlformats.org/drawingml/2006/main" uniqueId="urn:microsoft.com/office/officeart/2005/8/quickstyle/simple1">
+  <dgm:title val=""/>
+  <dgm:desc val=""/>
+  <dgm:catLst>
+    <dgm:cat type="simple" pri="10100"/>
+  </dgm:catLst>
+  <dgm:scene3d>
+    <a:camera prst="orthographicFront"/>
+    <a:lightRig rig="threePt" dir="t"/>
+  </dgm:scene3d>
+  <dgm:styleLbl name="node0">
+    <dgm:scene3d>
+      <a:camera prst="orthographicFront"/>
+      <a:lightRig rig="threePt" dir="t"/>
+    </dgm:scene3d>
+    <dgm:sp3d/>
+    <dgm:txPr/>
+    <dgm:style>
+      <a:lnRef idx="2">
+        <a:scrgbClr r="0" g="0" b="0"/>
+      </a:lnRef>
+      <a:fillRef idx="1">
+        <a:scrgbClr r="0" g="0" b="0"/>
+      </a:fillRef>
+      <a:effectRef idx="0">
+        <a:scrgbClr r="0" g="0" b="0"/>
+      </a:effectRef>
+      <a:fontRef idx="minor">
+        <a:schemeClr val="lt1"/>
+      </a:fontRef>
+    </dgm:style>
+  </dgm:styleLbl>
+  <dgm:styleLbl name="lnNode1">
+    <dgm:scene3d>
+      <a:camera prst="orthographicFront"/>
+      <a:lightRig rig="threePt" dir="t"/>
+    </dgm:scene3d>
+    <dgm:sp3d/>
+    <dgm:txPr/>
+    <dgm:style>
+      <a:lnRef idx="2">
+        <a:scrgbClr r="0" g="0" b="0"/>
+      </a:lnRef>
+      <a:fillRef idx="1">
+        <a:scrgbClr r="0" g="0" b="0"/>
+      </a:fillRef>
+      <a:effectRef idx="0">
+        <a:scrgbClr r="0" g="0" b="0"/>
+      </a:effectRef>
+      <a:fontRef idx="minor">
+        <a:schemeClr val="lt1"/>
+      </a:fontRef>
+    </dgm:style>
+  </dgm:styleLbl>
+  <dgm:styleLbl name="vennNode1">
+    <dgm:scene3d>
+      <a:camera prst="orthographicFront"/>
+      <a:lightRig rig="threePt" dir="t"/>
+    </dgm:scene3d>
+    <dgm:sp3d/>
+    <dgm:txPr/>
+    <dgm:style>
+      <a:lnRef idx="2">
+        <a:scrgbClr r="0" g="0" b="0"/>
+      </a:lnRef>
+      <a:fillRef idx="1">
+        <a:scrgbClr r="0" g="0" b="0"/>
+      </a:fillRef>
+      <a:effectRef idx="0">
+        <a:scrgbClr r="0" g="0" b="0"/>
+      </a:effectRef>
+      <a:fontRef idx="minor">
+        <a:schemeClr val="tx1"/>
+      </a:fontRef>
+    </dgm:style>
+  </dgm:styleLbl>
+  <dgm:styleLbl name="alignNode1">
+    <dgm:scene3d>
+      <a:camera prst="orthographicFront"/>
+      <a:lightRig rig="threePt" dir="t"/>
+    </dgm:scene3d>
+    <dgm:sp3d/>
+    <dgm:txPr/>
+    <dgm:style>
+      <a:lnRef idx="2">
+        <a:scrgbClr r="0" g="0" b="0"/>
+      </a:lnRef>
+      <a:fillRef idx="1">
+        <a:scrgbClr r="0" g="0" b="0"/>
+      </a:fillRef>
+      <a:effectRef idx="0">
+        <a:scrgbClr r="0" g="0" b="0"/>
+      </a:effectRef>
+      <a:fontRef idx="minor">
+        <a:schemeClr val="lt1"/>
+      </a:fontRef>
+    </dgm:style>
+  </dgm:styleLbl>
+  <dgm:styleLbl name="node1">
+    <dgm:scene3d>
+      <a:camera prst="orthographicFront"/>
+      <a:lightRig rig="threePt" dir="t"/>
+    </dgm:scene3d>
+    <dgm:sp3d/>
+    <dgm:txPr/>
+    <dgm:style>
+      <a:lnRef idx="2">
+        <a:scrgbClr r="0" g="0" b="0"/>
+      </a:lnRef>
+      <a:fillRef idx="1">
+        <a:scrgbClr r="0" g="0" b="0"/>
+      </a:fillRef>
+      <a:effectRef idx="0">
+        <a:scrgbClr r="0" g="0" b="0"/>
+      </a:effectRef>
+      <a:fontRef idx="minor">
+        <a:schemeClr val="lt1"/>
+      </a:fontRef>
+    </dgm:style>
+  </dgm:styleLbl>
+  <dgm:styleLbl name="node2">
+    <dgm:scene3d>
+      <a:camera prst="orthographicFront"/>
+      <a:lightRig rig="threePt" dir="t"/>
+    </dgm:scene3d>
+    <dgm:sp3d/>
+    <dgm:txPr/>
+    <dgm:style>
+      <a:lnRef idx="2">
+        <a:scrgbClr r="0" g="0" b="0"/>
+      </a:lnRef>
+      <a:fillRef idx="1">
+        <a:scrgbClr r="0" g="0" b="0"/>
+      </a:fillRef>
+      <a:effectRef idx="0">
+        <a:scrgbClr r="0" g="0" b="0"/>
+      </a:effectRef>
+      <a:fontRef idx="minor">
+        <a:schemeClr val="lt1"/>
+      </a:fontRef>
+    </dgm:style>
+  </dgm:styleLbl>
+  <dgm:styleLbl name="node3">
+    <dgm:scene3d>
+      <a:camera prst="orthographicFront"/>
+      <a:lightRig rig="threePt" dir="t"/>
+    </dgm:scene3d>
+    <dgm:sp3d/>
+    <dgm:txPr/>
+    <dgm:style>
+      <a:lnRef idx="2">
+        <a:scrgbClr r="0" g="0" b="0"/>
+      </a:lnRef>
+      <a:fillRef idx="1">
+        <a:scrgbClr r="0" g="0" b="0"/>
+      </a:fillRef>
+      <a:effectRef idx="0">
+        <a:scrgbClr r="0" g="0" b="0"/>
+      </a:effectRef>
+      <a:fontRef idx="minor">
+        <a:schemeClr val="lt1"/>
+      </a:fontRef>
+    </dgm:style>
+  </dgm:styleLbl>
+  <dgm:styleLbl name="node4">
+    <dgm:scene3d>
+      <a:camera prst="orthographicFront"/>
+      <a:lightRig rig="threePt" dir="t"/>
+    </dgm:scene3d>
+    <dgm:sp3d/>
+    <dgm:txPr/>
+    <dgm:style>
+      <a:lnRef idx="2">
+        <a:scrgbClr r="0" g="0" b="0"/>
+      </a:lnRef>
+      <a:fillRef idx="1">
+        <a:scrgbClr r="0" g="0" b="0"/>
+      </a:fillRef>
+      <a:effectRef idx="0">
+        <a:scrgbClr r="0" g="0" b="0"/>
+      </a:effectRef>
+      <a:fontRef idx="minor">
+        <a:schemeClr val="lt1"/>
+      </a:fontRef>
+    </dgm:style>
+  </dgm:styleLbl>
+  <dgm:styleLbl name="fgImgPlace1">
+    <dgm:scene3d>
+      <a:camera prst="orthographicFront"/>
+      <a:lightRig rig="threePt" dir="t"/>
+    </dgm:scene3d>
+    <dgm:sp3d/>
+    <dgm:txPr/>
+    <dgm:style>
+      <a:lnRef idx="2">
+        <a:scrgbClr r="0" g="0" b="0"/>
+      </a:lnRef>
+      <a:fillRef idx="1">
+        <a:scrgbClr r="0" g="0" b="0"/>
+      </a:fillRef>
+      <a:effectRef idx="0">
+        <a:scrgbClr r="0" g="0" b="0"/>
+      </a:effectRef>
+      <a:fontRef idx="minor"/>
+    </dgm:style>
+  </dgm:styleLbl>
+  <dgm:styleLbl name="alignImgPlace1">
+    <dgm:scene3d>
+      <a:camera prst="orthographicFront"/>
+      <a:lightRig rig="threePt" dir="t"/>
+    </dgm:scene3d>
+    <dgm:sp3d/>
+    <dgm:txPr/>
+    <dgm:style>
+      <a:lnRef idx="2">
+        <a:scrgbClr r="0" g="0" b="0"/>
+      </a:lnRef>
+      <a:fillRef idx="1">
+        <a:scrgbClr r="0" g="0" b="0"/>
+      </a:fillRef>
+      <a:effectRef idx="0">
+        <a:scrgbClr r="0" g="0" b="0"/>
+      </a:effectRef>
+      <a:fontRef idx="minor"/>
+    </dgm:style>
+  </dgm:styleLbl>
+  <dgm:styleLbl name="bgImgPlace1">
+    <dgm:scene3d>
+      <a:camera prst="orthographicFront"/>
+      <a:lightRig rig="threePt" dir="t"/>
+    </dgm:scene3d>
+    <dgm:sp3d/>
+    <dgm:txPr/>
+    <dgm:style>
+      <a:lnRef idx="2">
+        <a:scrgbClr r="0" g="0" b="0"/>
+      </a:lnRef>
+      <a:fillRef idx="1">
+        <a:scrgbClr r="0" g="0" b="0"/>
+      </a:fillRef>
+      <a:effectRef idx="0">
+        <a:scrgbClr r="0" g="0" b="0"/>
+      </a:effectRef>
+      <a:fontRef idx="minor"/>
+    </dgm:style>
+  </dgm:styleLbl>
+  <dgm:styleLbl name="sibTrans2D1">
+    <dgm:scene3d>
+      <a:camera prst="orthographicFront"/>
+      <a:lightRig rig="threePt" dir="t"/>
+    </dgm:scene3d>
+    <dgm:sp3d/>
+    <dgm:txPr/>
+    <dgm:style>
+      <a:lnRef idx="0">
+        <a:scrgbClr r="0" g="0" b="0"/>
+      </a:lnRef>
+      <a:fillRef idx="1">
+        <a:scrgbClr r="0" g="0" b="0"/>
+      </a:fillRef>
+      <a:effectRef idx="0">
+        <a:scrgbClr r="0" g="0" b="0"/>
+      </a:effectRef>
+      <a:fontRef idx="minor">
+        <a:schemeClr val="lt1"/>
+      </a:fontRef>
+    </dgm:style>
+  </dgm:styleLbl>
+  <dgm:styleLbl name="fgSibTrans2D1">
+    <dgm:scene3d>
+      <a:camera prst="orthographicFront"/>
+      <a:lightRig rig="threePt" dir="t"/>
+    </dgm:scene3d>
+    <dgm:sp3d/>
+    <dgm:txPr/>
+    <dgm:style>
+      <a:lnRef idx="0">
+        <a:scrgbClr r="0" g="0" b="0"/>
+      </a:lnRef>
+      <a:fillRef idx="1">
+        <a:scrgbClr r="0" g="0" b="0"/>
+      </a:fillRef>
+      <a:effectRef idx="0">
+        <a:scrgbClr r="0" g="0" b="0"/>
+      </a:effectRef>
+      <a:fontRef idx="minor">
+        <a:schemeClr val="lt1"/>
+      </a:fontRef>
+    </dgm:style>
+  </dgm:styleLbl>
+  <dgm:styleLbl name="bgSibTrans2D1">
+    <dgm:scene3d>
+      <a:camera prst="orthographicFront"/>
+      <a:lightRig rig="threePt" dir="t"/>
+    </dgm:scene3d>
+    <dgm:sp3d/>
+    <dgm:txPr/>
+    <dgm:style>
+      <a:lnRef idx="0">
+        <a:scrgbClr r="0" g="0" b="0"/>
+      </a:lnRef>
+      <a:fillRef idx="1">
+        <a:scrgbClr r="0" g="0" b="0"/>
+      </a:fillRef>
+      <a:effectRef idx="0">
+        <a:scrgbClr r="0" g="0" b="0"/>
+      </a:effectRef>
+      <a:fontRef idx="minor">
+        <a:schemeClr val="lt1"/>
+      </a:fontRef>
+    </dgm:style>
+  </dgm:styleLbl>
+  <dgm:styleLbl name="sibTrans1D1">
+    <dgm:scene3d>
+      <a:camera prst="orthographicFront"/>
+      <a:lightRig rig="threePt" dir="t"/>
+    </dgm:scene3d>
+    <dgm:sp3d/>
+    <dgm:txPr/>
+    <dgm:style>
+      <a:lnRef idx="1">
+        <a:scrgbClr r="0" g="0" b="0"/>
+      </a:lnRef>
+      <a:fillRef idx="0">
+        <a:scrgbClr r="0" g="0" b="0"/>
+      </a:fillRef>
+      <a:effectRef idx="0">
+        <a:scrgbClr r="0" g="0" b="0"/>
+      </a:effectRef>
+      <a:fontRef idx="minor"/>
+    </dgm:style>
+  </dgm:styleLbl>
+  <dgm:styleLbl name="callout">
+    <dgm:scene3d>
+      <a:camera prst="orthographicFront"/>
+      <a:lightRig rig="threePt" dir="t"/>
+    </dgm:scene3d>
+    <dgm:sp3d/>
+    <dgm:txPr/>
+    <dgm:style>
+      <a:lnRef idx="2">
+        <a:scrgbClr r="0" g="0" b="0"/>
+      </a:lnRef>
+      <a:fillRef idx="1">
+        <a:scrgbClr r="0" g="0" b="0"/>
+      </a:fillRef>
+      <a:effectRef idx="0">
+        <a:scrgbClr r="0" g="0" b="0"/>
+      </a:effectRef>
+      <a:fontRef idx="minor"/>
+    </dgm:style>
+  </dgm:styleLbl>
+  <dgm:styleLbl name="asst0">
+    <dgm:scene3d>
+      <a:camera prst="orthographicFront"/>
+      <a:lightRig rig="threePt" dir="t"/>
+    </dgm:scene3d>
+    <dgm:sp3d/>
+    <dgm:txPr/>
+    <dgm:style>
+      <a:lnRef idx="2">
+        <a:scrgbClr r="0" g="0" b="0"/>
+      </a:lnRef>
+      <a:fillRef idx="1">
+        <a:scrgbClr r="0" g="0" b="0"/>
+      </a:fillRef>
+      <a:effectRef idx="0">
+        <a:scrgbClr r="0" g="0" b="0"/>
+      </a:effectRef>
+      <a:fontRef idx="minor">
+        <a:schemeClr val="lt1"/>
+      </a:fontRef>
+    </dgm:style>
+  </dgm:styleLbl>
+  <dgm:styleLbl name="asst1">
+    <dgm:scene3d>
+      <a:camera prst="orthographicFront"/>
+      <a:lightRig rig="threePt" dir="t"/>
+    </dgm:scene3d>
+    <dgm:sp3d/>
+    <dgm:txPr/>
+    <dgm:style>
+      <a:lnRef idx="2">
+        <a:scrgbClr r="0" g="0" b="0"/>
+      </a:lnRef>
+      <a:fillRef idx="1">
+        <a:scrgbClr r="0" g="0" b="0"/>
+      </a:fillRef>
+      <a:effectRef idx="0">
+        <a:scrgbClr r="0" g="0" b="0"/>
+      </a:effectRef>
+      <a:fontRef idx="minor">
+        <a:schemeClr val="lt1"/>
+      </a:fontRef>
+    </dgm:style>
+  </dgm:styleLbl>
+  <dgm:styleLbl name="asst2">
+    <dgm:scene3d>
+      <a:camera prst="orthographicFront"/>
+      <a:lightRig rig="threePt" dir="t"/>
+    </dgm:scene3d>
+    <dgm:sp3d/>
+    <dgm:txPr/>
+    <dgm:style>
+      <a:lnRef idx="2">
+        <a:scrgbClr r="0" g="0" b="0"/>
+      </a:lnRef>
+      <a:fillRef idx="1">
+        <a:scrgbClr r="0" g="0" b="0"/>
+      </a:fillRef>
+      <a:effectRef idx="0">
+        <a:scrgbClr r="0" g="0" b="0"/>
+      </a:effectRef>
+      <a:fontRef idx="minor">
+        <a:schemeClr val="lt1"/>
+      </a:fontRef>
+    </dgm:style>
+  </dgm:styleLbl>
+  <dgm:styleLbl name="asst3">
+    <dgm:scene3d>
+      <a:camera prst="orthographicFront"/>
+      <a:lightRig rig="threePt" dir="t"/>
+    </dgm:scene3d>
+    <dgm:sp3d/>
+    <dgm:txPr/>
+    <dgm:style>
+      <a:lnRef idx="2">
+        <a:scrgbClr r="0" g="0" b="0"/>
+      </a:lnRef>
+      <a:fillRef idx="1">
+        <a:scrgbClr r="0" g="0" b="0"/>
+      </a:fillRef>
+      <a:effectRef idx="0">
+        <a:scrgbClr r="0" g="0" b="0"/>
+      </a:effectRef>
+      <a:fontRef idx="minor">
+        <a:schemeClr val="lt1"/>
+      </a:fontRef>
+    </dgm:style>
+  </dgm:styleLbl>
+  <dgm:styleLbl name="asst4">
+    <dgm:scene3d>
+      <a:camera prst="orthographicFront"/>
+      <a:lightRig rig="threePt" dir="t"/>
+    </dgm:scene3d>
+    <dgm:sp3d/>
+    <dgm:txPr/>
+    <dgm:style>
+      <a:lnRef idx="2">
+        <a:scrgbClr r="0" g="0" b="0"/>
+      </a:lnRef>
+      <a:fillRef idx="1">
+        <a:scrgbClr r="0" g="0" b="0"/>
+      </a:fillRef>
+      <a:effectRef idx="0">
+        <a:scrgbClr r="0" g="0" b="0"/>
+      </a:effectRef>
+      <a:fontRef idx="minor">
+        <a:schemeClr val="lt1"/>
+      </a:fontRef>
+    </dgm:style>
+  </dgm:styleLbl>
+  <dgm:styleLbl name="parChTrans2D1">
+    <dgm:scene3d>
+      <a:camera prst="orthographicFront"/>
+      <a:lightRig rig="threePt" dir="t"/>
+    </dgm:scene3d>
+    <dgm:sp3d/>
+    <dgm:txPr/>
+    <dgm:style>
+      <a:lnRef idx="2">
+        <a:scrgbClr r="0" g="0" b="0"/>
+      </a:lnRef>
+      <a:fillRef idx="1">
+        <a:scrgbClr r="0" g="0" b="0"/>
+      </a:fillRef>
+      <a:effectRef idx="0">
+        <a:scrgbClr r="0" g="0" b="0"/>
+      </a:effectRef>
+      <a:fontRef idx="minor">
+        <a:schemeClr val="lt1"/>
+      </a:fontRef>
+    </dgm:style>
+  </dgm:styleLbl>
+  <dgm:styleLbl name="parChTrans2D2">
+    <dgm:scene3d>
+      <a:camera prst="orthographicFront"/>
+      <a:lightRig rig="threePt" dir="t"/>
+    </dgm:scene3d>
+    <dgm:sp3d/>
+    <dgm:txPr/>
+    <dgm:style>
+      <a:lnRef idx="2">
+        <a:scrgbClr r="0" g="0" b="0"/>
+      </a:lnRef>
+      <a:fillRef idx="1">
+        <a:scrgbClr r="0" g="0" b="0"/>
+      </a:fillRef>
+      <a:effectRef idx="0">
+        <a:scrgbClr r="0" g="0" b="0"/>
+      </a:effectRef>
+      <a:fontRef idx="minor">
+        <a:schemeClr val="lt1"/>
+      </a:fontRef>
+    </dgm:style>
+  </dgm:styleLbl>
+  <dgm:styleLbl name="parChTrans2D3">
+    <dgm:scene3d>
+      <a:camera prst="orthographicFront"/>
+      <a:lightRig rig="threePt" dir="t"/>
+    </dgm:scene3d>
+    <dgm:sp3d/>
+    <dgm:txPr/>
+    <dgm:style>
+      <a:lnRef idx="2">
+        <a:scrgbClr r="0" g="0" b="0"/>
+      </a:lnRef>
+      <a:fillRef idx="1">
+        <a:scrgbClr r="0" g="0" b="0"/>
+      </a:fillRef>
+      <a:effectRef idx="0">
+        <a:scrgbClr r="0" g="0" b="0"/>
+      </a:effectRef>
+      <a:fontRef idx="minor">
+        <a:schemeClr val="lt1"/>
+      </a:fontRef>
+    </dgm:style>
+  </dgm:styleLbl>
+  <dgm:styleLbl name="parChTrans2D4">
+    <dgm:scene3d>
+      <a:camera prst="orthographicFront"/>
+      <a:lightRig rig="threePt" dir="t"/>
+    </dgm:scene3d>
+    <dgm:sp3d/>
+    <dgm:txPr/>
+    <dgm:style>
+      <a:lnRef idx="2">
+        <a:scrgbClr r="0" g="0" b="0"/>
+      </a:lnRef>
+      <a:fillRef idx="1">
+        <a:scrgbClr r="0" g="0" b="0"/>
+      </a:fillRef>
+      <a:effectRef idx="0">
+        <a:scrgbClr r="0" g="0" b="0"/>
+      </a:effectRef>
+      <a:fontRef idx="minor">
+        <a:schemeClr val="lt1"/>
+      </a:fontRef>
+    </dgm:style>
+  </dgm:styleLbl>
+  <dgm:styleLbl name="parChTrans1D1">
+    <dgm:scene3d>
+      <a:camera prst="orthographicFront"/>
+      <a:lightRig rig="threePt" dir="t"/>
+    </dgm:scene3d>
+    <dgm:sp3d/>
+    <dgm:txPr/>
+    <dgm:style>
+      <a:lnRef idx="2">
+        <a:scrgbClr r="0" g="0" b="0"/>
+      </a:lnRef>
+      <a:fillRef idx="0">
+        <a:scrgbClr r="0" g="0" b="0"/>
+      </a:fillRef>
+      <a:effectRef idx="0">
+        <a:scrgbClr r="0" g="0" b="0"/>
+      </a:effectRef>
+      <a:fontRef idx="minor"/>
+    </dgm:style>
+  </dgm:styleLbl>
+  <dgm:styleLbl name="parChTrans1D2">
+    <dgm:scene3d>
+      <a:camera prst="orthographicFront"/>
+      <a:lightRig rig="threePt" dir="t"/>
+    </dgm:scene3d>
+    <dgm:sp3d/>
+    <dgm:txPr/>
+    <dgm:style>
+      <a:lnRef idx="2">
+        <a:scrgbClr r="0" g="0" b="0"/>
+      </a:lnRef>
+      <a:fillRef idx="0">
+        <a:scrgbClr r="0" g="0" b="0"/>
+      </a:fillRef>
+      <a:effectRef idx="0">
+        <a:scrgbClr r="0" g="0" b="0"/>
+      </a:effectRef>
+      <a:fontRef idx="minor"/>
+    </dgm:style>
+  </dgm:styleLbl>
+  <dgm:styleLbl name="parChTrans1D3">
+    <dgm:scene3d>
+      <a:camera prst="orthographicFront"/>
+      <a:lightRig rig="threePt" dir="t"/>
+    </dgm:scene3d>
+    <dgm:sp3d/>
+    <dgm:txPr/>
+    <dgm:style>
+      <a:lnRef idx="2">
+        <a:scrgbClr r="0" g="0" b="0"/>
+      </a:lnRef>
+      <a:fillRef idx="0">
+        <a:scrgbClr r="0" g="0" b="0"/>
+      </a:fillRef>
+      <a:effectRef idx="0">
+        <a:scrgbClr r="0" g="0" b="0"/>
+      </a:effectRef>
+      <a:fontRef idx="minor"/>
+    </dgm:style>
+  </dgm:styleLbl>
+  <dgm:styleLbl name="parChTrans1D4">
+    <dgm:scene3d>
+      <a:camera prst="orthographicFront"/>
+      <a:lightRig rig="threePt" dir="t"/>
+    </dgm:scene3d>
+    <dgm:sp3d/>
+    <dgm:txPr/>
+    <dgm:style>
+      <a:lnRef idx="2">
+        <a:scrgbClr r="0" g="0" b="0"/>
+      </a:lnRef>
+      <a:fillRef idx="0">
+        <a:scrgbClr r="0" g="0" b="0"/>
+      </a:fillRef>
+      <a:effectRef idx="0">
+        <a:scrgbClr r="0" g="0" b="0"/>
+      </a:effectRef>
+      <a:fontRef idx="minor"/>
+    </dgm:style>
+  </dgm:styleLbl>
+  <dgm:styleLbl name="fgAcc1">
+    <dgm:scene3d>
+      <a:camera prst="orthographicFront"/>
+      <a:lightRig rig="threePt" dir="t"/>
+    </dgm:scene3d>
+    <dgm:sp3d/>
+    <dgm:txPr/>
+    <dgm:style>
+      <a:lnRef idx="2">
+        <a:scrgbClr r="0" g="0" b="0"/>
+      </a:lnRef>
+      <a:fillRef idx="1">
+        <a:scrgbClr r="0" g="0" b="0"/>
+      </a:fillRef>
+      <a:effectRef idx="0">
+        <a:scrgbClr r="0" g="0" b="0"/>
+      </a:effectRef>
+      <a:fontRef idx="minor"/>
+    </dgm:style>
+  </dgm:styleLbl>
+  <dgm:styleLbl name="conFgAcc1">
+    <dgm:scene3d>
+      <a:camera prst="orthographicFront"/>
+      <a:lightRig rig="threePt" dir="t"/>
+    </dgm:scene3d>
+    <dgm:sp3d/>
+    <dgm:txPr/>
+    <dgm:style>
+      <a:lnRef idx="2">
+        <a:scrgbClr r="0" g="0" b="0"/>
+      </a:lnRef>
+      <a:fillRef idx="1">
+        <a:scrgbClr r="0" g="0" b="0"/>
+      </a:fillRef>
+      <a:effectRef idx="0">
+        <a:scrgbClr r="0" g="0" b="0"/>
+      </a:effectRef>
+      <a:fontRef idx="minor"/>
+    </dgm:style>
+  </dgm:styleLbl>
+  <dgm:styleLbl name="alignAcc1">
+    <dgm:scene3d>
+      <a:camera prst="orthographicFront"/>
+      <a:lightRig rig="threePt" dir="t"/>
+    </dgm:scene3d>
+    <dgm:sp3d/>
+    <dgm:txPr/>
+    <dgm:style>
+      <a:lnRef idx="2">
+        <a:scrgbClr r="0" g="0" b="0"/>
+      </a:lnRef>
+      <a:fillRef idx="1">
+        <a:scrgbClr r="0" g="0" b="0"/>
+      </a:fillRef>
+      <a:effectRef idx="0">
+        <a:scrgbClr r="0" g="0" b="0"/>
+      </a:effectRef>
+      <a:fontRef idx="minor"/>
+    </dgm:style>
+  </dgm:styleLbl>
+  <dgm:styleLbl name="trAlignAcc1">
+    <dgm:scene3d>
+      <a:camera prst="orthographicFront"/>
+      <a:lightRig rig="threePt" dir="t"/>
+    </dgm:scene3d>
+    <dgm:sp3d/>
+    <dgm:txPr/>
+    <dgm:style>
+      <a:lnRef idx="1">
+        <a:scrgbClr r="0" g="0" b="0"/>
+      </a:lnRef>
+      <a:fillRef idx="1">
+        <a:scrgbClr r="0" g="0" b="0"/>
+      </a:fillRef>
+      <a:effectRef idx="0">
+        <a:scrgbClr r="0" g="0" b="0"/>
+      </a:effectRef>
+      <a:fontRef idx="minor"/>
+    </dgm:style>
+  </dgm:styleLbl>
+  <dgm:styleLbl name="bgAcc1">
+    <dgm:scene3d>
+      <a:camera prst="orthographicFront"/>
+      <a:lightRig rig="threePt" dir="t"/>
+    </dgm:scene3d>
+    <dgm:sp3d/>
+    <dgm:txPr/>
+    <dgm:style>
+      <a:lnRef idx="2">
+        <a:scrgbClr r="0" g="0" b="0"/>
+      </a:lnRef>
+      <a:fillRef idx="1">
+        <a:scrgbClr r="0" g="0" b="0"/>
+      </a:fillRef>
+      <a:effectRef idx="0">
+        <a:scrgbClr r="0" g="0" b="0"/>
+      </a:effectRef>
+      <a:fontRef idx="minor"/>
+    </dgm:style>
+  </dgm:styleLbl>
+  <dgm:styleLbl name="solidFgAcc1">
+    <dgm:scene3d>
+      <a:camera prst="orthographicFront"/>
+      <a:lightRig rig="threePt" dir="t"/>
+    </dgm:scene3d>
+    <dgm:sp3d/>
+    <dgm:txPr/>
+    <dgm:style>
+      <a:lnRef idx="2">
+        <a:scrgbClr r="0" g="0" b="0"/>
+      </a:lnRef>
+      <a:fillRef idx="1">
+        <a:scrgbClr r="0" g="0" b="0"/>
+      </a:fillRef>
+      <a:effectRef idx="0">
+        <a:scrgbClr r="0" g="0" b="0"/>
+      </a:effectRef>
+      <a:fontRef idx="minor"/>
+    </dgm:style>
+  </dgm:styleLbl>
+  <dgm:styleLbl name="solidAlignAcc1">
+    <dgm:scene3d>
+      <a:camera prst="orthographicFront"/>
+      <a:lightRig rig="threePt" dir="t"/>
+    </dgm:scene3d>
+    <dgm:sp3d/>
+    <dgm:txPr/>
+    <dgm:style>
+      <a:lnRef idx="2">
+        <a:scrgbClr r="0" g="0" b="0"/>
+      </a:lnRef>
+      <a:fillRef idx="1">
+        <a:scrgbClr r="0" g="0" b="0"/>
+      </a:fillRef>
+      <a:effectRef idx="0">
+        <a:scrgbClr r="0" g="0" b="0"/>
+      </a:effectRef>
+      <a:fontRef idx="minor"/>
+    </dgm:style>
+  </dgm:styleLbl>
+  <dgm:styleLbl name="solidBgAcc1">
+    <dgm:scene3d>
+      <a:camera prst="orthographicFront"/>
+      <a:lightRig rig="threePt" dir="t"/>
+    </dgm:scene3d>
+    <dgm:sp3d/>
+    <dgm:txPr/>
+    <dgm:style>
+      <a:lnRef idx="2">
+        <a:scrgbClr r="0" g="0" b="0"/>
+      </a:lnRef>
+      <a:fillRef idx="1">
+        <a:scrgbClr r="0" g="0" b="0"/>
+      </a:fillRef>
+      <a:effectRef idx="0">
+        <a:scrgbClr r="0" g="0" b="0"/>
+      </a:effectRef>
+      <a:fontRef idx="minor"/>
+    </dgm:style>
+  </dgm:styleLbl>
+  <dgm:styleLbl name="fgAccFollowNode1">
+    <dgm:scene3d>
+      <a:camera prst="orthographicFront"/>
+      <a:lightRig rig="threePt" dir="t"/>
+    </dgm:scene3d>
+    <dgm:sp3d/>
+    <dgm:txPr/>
+    <dgm:style>
+      <a:lnRef idx="2">
+        <a:scrgbClr r="0" g="0" b="0"/>
+      </a:lnRef>
+      <a:fillRef idx="1">
+        <a:scrgbClr r="0" g="0" b="0"/>
+      </a:fillRef>
+      <a:effectRef idx="0">
+        <a:scrgbClr r="0" g="0" b="0"/>
+      </a:effectRef>
+      <a:fontRef idx="minor"/>
+    </dgm:style>
+  </dgm:styleLbl>
+  <dgm:styleLbl name="alignAccFollowNode1">
+    <dgm:scene3d>
+      <a:camera prst="orthographicFront"/>
+      <a:lightRig rig="threePt" dir="t"/>
+    </dgm:scene3d>
+    <dgm:sp3d/>
+    <dgm:txPr/>
+    <dgm:style>
+      <a:lnRef idx="2">
+        <a:scrgbClr r="0" g="0" b="0"/>
+      </a:lnRef>
+      <a:fillRef idx="1">
+        <a:scrgbClr r="0" g="0" b="0"/>
+      </a:fillRef>
+      <a:effectRef idx="0">
+        <a:scrgbClr r="0" g="0" b="0"/>
+      </a:effectRef>
+      <a:fontRef idx="minor"/>
+    </dgm:style>
+  </dgm:styleLbl>
+  <dgm:styleLbl name="bgAccFollowNode1">
+    <dgm:scene3d>
+      <a:camera prst="orthographicFront"/>
+      <a:lightRig rig="threePt" dir="t"/>
+    </dgm:scene3d>
+    <dgm:sp3d/>
+    <dgm:txPr/>
+    <dgm:style>
+      <a:lnRef idx="2">
+        <a:scrgbClr r="0" g="0" b="0"/>
+      </a:lnRef>
+      <a:fillRef idx="1">
+        <a:scrgbClr r="0" g="0" b="0"/>
+      </a:fillRef>
+      <a:effectRef idx="0">
+        <a:scrgbClr r="0" g="0" b="0"/>
+      </a:effectRef>
+      <a:fontRef idx="minor"/>
+    </dgm:style>
+  </dgm:styleLbl>
+  <dgm:styleLbl name="fgAcc0">
+    <dgm:scene3d>
+      <a:camera prst="orthographicFront"/>
+      <a:lightRig rig="threePt" dir="t"/>
+    </dgm:scene3d>
+    <dgm:sp3d/>
+    <dgm:txPr/>
+    <dgm:style>
+      <a:lnRef idx="2">
+        <a:scrgbClr r="0" g="0" b="0"/>
+      </a:lnRef>
+      <a:fillRef idx="1">
+        <a:scrgbClr r="0" g="0" b="0"/>
+      </a:fillRef>
+      <a:effectRef idx="0">
+        <a:scrgbClr r="0" g="0" b="0"/>
+      </a:effectRef>
+      <a:fontRef idx="minor"/>
+    </dgm:style>
+  </dgm:styleLbl>
+  <dgm:styleLbl name="fgAcc2">
+    <dgm:scene3d>
+      <a:camera prst="orthographicFront"/>
+      <a:lightRig rig="threePt" dir="t"/>
+    </dgm:scene3d>
+    <dgm:sp3d/>
+    <dgm:txPr/>
+    <dgm:style>
+      <a:lnRef idx="2">
+        <a:scrgbClr r="0" g="0" b="0"/>
+      </a:lnRef>
+      <a:fillRef idx="1">
+        <a:scrgbClr r="0" g="0" b="0"/>
+      </a:fillRef>
+      <a:effectRef idx="0">
+        <a:scrgbClr r="0" g="0" b="0"/>
+      </a:effectRef>
+      <a:fontRef idx="minor"/>
+    </dgm:style>
+  </dgm:styleLbl>
+  <dgm:styleLbl name="fgAcc3">
+    <dgm:scene3d>
+      <a:camera prst="orthographicFront"/>
+      <a:lightRig rig="threePt" dir="t"/>
+    </dgm:scene3d>
+    <dgm:sp3d/>
+    <dgm:txPr/>
+    <dgm:style>
+      <a:lnRef idx="2">
+        <a:scrgbClr r="0" g="0" b="0"/>
+      </a:lnRef>
+      <a:fillRef idx="1">
+        <a:scrgbClr r="0" g="0" b="0"/>
+      </a:fillRef>
+      <a:effectRef idx="0">
+        <a:scrgbClr r="0" g="0" b="0"/>
+      </a:effectRef>
+      <a:fontRef idx="minor"/>
+    </dgm:style>
+  </dgm:styleLbl>
+  <dgm:styleLbl name="fgAcc4">
+    <dgm:scene3d>
+      <a:camera prst="orthographicFront"/>
+      <a:lightRig rig="threePt" dir="t"/>
+    </dgm:scene3d>
+    <dgm:sp3d/>
+    <dgm:txPr/>
+    <dgm:style>
+      <a:lnRef idx="2">
+        <a:scrgbClr r="0" g="0" b="0"/>
+      </a:lnRef>
+      <a:fillRef idx="1">
+        <a:scrgbClr r="0" g="0" b="0"/>
+      </a:fillRef>
+      <a:effectRef idx="0">
+        <a:scrgbClr r="0" g="0" b="0"/>
+      </a:effectRef>
+      <a:fontRef idx="minor"/>
+    </dgm:style>
+  </dgm:styleLbl>
+  <dgm:styleLbl name="bgShp">
+    <dgm:scene3d>
+      <a:camera prst="orthographicFront"/>
+      <a:lightRig rig="threePt" dir="t"/>
+    </dgm:scene3d>
+    <dgm:sp3d/>
+    <dgm:txPr/>
+    <dgm:style>
+      <a:lnRef idx="0">
+        <a:scrgbClr r="0" g="0" b="0"/>
+      </a:lnRef>
+      <a:fillRef idx="1">
+        <a:scrgbClr r="0" g="0" b="0"/>
+      </a:fillRef>
+      <a:effectRef idx="0">
+        <a:scrgbClr r="0" g="0" b="0"/>
+      </a:effectRef>
+      <a:fontRef idx="minor"/>
+    </dgm:style>
+  </dgm:styleLbl>
+  <dgm:styleLbl name="dkBgShp">
+    <dgm:scene3d>
+      <a:camera prst="orthographicFront"/>
+      <a:lightRig rig="threePt" dir="t"/>
+    </dgm:scene3d>
+    <dgm:sp3d/>
+    <dgm:txPr/>
+    <dgm:style>
+      <a:lnRef idx="0">
+        <a:scrgbClr r="0" g="0" b="0"/>
+      </a:lnRef>
+      <a:fillRef idx="1">
+        <a:scrgbClr r="0" g="0" b="0"/>
+      </a:fillRef>
+      <a:effectRef idx="0">
+        <a:scrgbClr r="0" g="0" b="0"/>
+      </a:effectRef>
+      <a:fontRef idx="minor"/>
+    </dgm:style>
+  </dgm:styleLbl>
+  <dgm:styleLbl name="trBgShp">
+    <dgm:scene3d>
+      <a:camera prst="orthographicFront"/>
+      <a:lightRig rig="threePt" dir="t"/>
+    </dgm:scene3d>
+    <dgm:sp3d/>
+    <dgm:txPr/>
+    <dgm:style>
+      <a:lnRef idx="0">
+        <a:scrgbClr r="0" g="0" b="0"/>
+      </a:lnRef>
+      <a:fillRef idx="1">
+        <a:scrgbClr r="0" g="0" b="0"/>
+      </a:fillRef>
+      <a:effectRef idx="0">
+        <a:scrgbClr r="0" g="0" b="0"/>
+      </a:effectRef>
+      <a:fontRef idx="minor"/>
+    </dgm:style>
+  </dgm:styleLbl>
+  <dgm:styleLbl name="fgShp">
+    <dgm:scene3d>
+      <a:camera prst="orthographicFront"/>
+      <a:lightRig rig="threePt" dir="t"/>
+    </dgm:scene3d>
+    <dgm:sp3d/>
+    <dgm:txPr/>
+    <dgm:style>
+      <a:lnRef idx="2">
+        <a:scrgbClr r="0" g="0" b="0"/>
+      </a:lnRef>
+      <a:fillRef idx="1">
+        <a:scrgbClr r="0" g="0" b="0"/>
+      </a:fillRef>
+      <a:effectRef idx="0">
+        <a:scrgbClr r="0" g="0" b="0"/>
+      </a:effectRef>
+      <a:fontRef idx="minor"/>
+    </dgm:style>
+  </dgm:styleLbl>
+  <dgm:styleLbl name="revTx">
+    <dgm:scene3d>
+      <a:camera prst="orthographicFront"/>
+      <a:lightRig rig="threePt" dir="t"/>
+    </dgm:scene3d>
+    <dgm:sp3d/>
+    <dgm:txPr/>
+    <dgm:style>
+      <a:lnRef idx="0">
+        <a:scrgbClr r="0" g="0" b="0"/>
+      </a:lnRef>
+      <a:fillRef idx="0">
+        <a:scrgbClr r="0" g="0" b="0"/>
+      </a:fillRef>
+      <a:effectRef idx="0">
+        <a:scrgbClr r="0" g="0" b="0"/>
+      </a:effectRef>
+      <a:fontRef idx="minor"/>
+    </dgm:style>
+  </dgm:styleLbl>
+</dgm:styleDef>
+</file>
+
 <file path=ppt/handoutMasters/handoutMaster1.xml><?xml version="1.0" encoding="utf-8"?>
 <p:handoutMaster xmlns:a="http://schemas.openxmlformats.org/drawingml/2006/main" xmlns:r="http://schemas.openxmlformats.org/officeDocument/2006/relationships" xmlns:p="http://schemas.openxmlformats.org/presentationml/2006/main">
   <p:cSld>
@@ -218,7 +3608,7 @@
           <a:p>
             <a:fld id="{0C1B054F-F1C7-4390-BA67-25B9ECAC0932}" type="datetimeFigureOut">
               <a:rPr lang="fr-FR" smtClean="0"/>
-              <a:t>31/05/2018</a:t>
+              <a:t>01/06/2018</a:t>
             </a:fld>
             <a:endParaRPr lang="fr-FR"/>
           </a:p>
@@ -383,7 +3773,7 @@
           <a:p>
             <a:fld id="{7F2353E4-F211-4D92-A9C2-88B27EAE0D86}" type="datetimeFigureOut">
               <a:rPr lang="fr-FR" smtClean="0"/>
-              <a:t>31/05/2018</a:t>
+              <a:t>01/06/2018</a:t>
             </a:fld>
             <a:endParaRPr lang="fr-FR"/>
           </a:p>
@@ -1676,7 +5066,7 @@
           <a:p>
             <a:fld id="{C909DD4E-88AE-4B9E-AC59-18F6C8A2744D}" type="datetimeFigureOut">
               <a:rPr lang="fr-FR" smtClean="0"/>
-              <a:t>31/05/2018</a:t>
+              <a:t>01/06/2018</a:t>
             </a:fld>
             <a:endParaRPr lang="fr-FR"/>
           </a:p>
@@ -1914,7 +5304,7 @@
           <a:p>
             <a:fld id="{C909DD4E-88AE-4B9E-AC59-18F6C8A2744D}" type="datetimeFigureOut">
               <a:rPr lang="fr-FR" smtClean="0"/>
-              <a:t>31/05/2018</a:t>
+              <a:t>01/06/2018</a:t>
             </a:fld>
             <a:endParaRPr lang="fr-FR"/>
           </a:p>
@@ -2094,7 +5484,7 @@
           <a:p>
             <a:fld id="{C909DD4E-88AE-4B9E-AC59-18F6C8A2744D}" type="datetimeFigureOut">
               <a:rPr lang="fr-FR" smtClean="0"/>
-              <a:t>31/05/2018</a:t>
+              <a:t>01/06/2018</a:t>
             </a:fld>
             <a:endParaRPr lang="fr-FR"/>
           </a:p>
@@ -2264,7 +5654,7 @@
           <a:p>
             <a:fld id="{C909DD4E-88AE-4B9E-AC59-18F6C8A2744D}" type="datetimeFigureOut">
               <a:rPr lang="fr-FR" smtClean="0"/>
-              <a:t>31/05/2018</a:t>
+              <a:t>01/06/2018</a:t>
             </a:fld>
             <a:endParaRPr lang="fr-FR"/>
           </a:p>
@@ -2540,7 +5930,7 @@
           <a:p>
             <a:fld id="{C909DD4E-88AE-4B9E-AC59-18F6C8A2744D}" type="datetimeFigureOut">
               <a:rPr lang="fr-FR" smtClean="0"/>
-              <a:t>31/05/2018</a:t>
+              <a:t>01/06/2018</a:t>
             </a:fld>
             <a:endParaRPr lang="fr-FR"/>
           </a:p>
@@ -3741,7 +7131,7 @@
           <a:p>
             <a:fld id="{C909DD4E-88AE-4B9E-AC59-18F6C8A2744D}" type="datetimeFigureOut">
               <a:rPr lang="fr-FR" smtClean="0"/>
-              <a:t>31/05/2018</a:t>
+              <a:t>01/06/2018</a:t>
             </a:fld>
             <a:endParaRPr lang="fr-FR"/>
           </a:p>
@@ -4131,7 +7521,7 @@
           <a:p>
             <a:fld id="{C909DD4E-88AE-4B9E-AC59-18F6C8A2744D}" type="datetimeFigureOut">
               <a:rPr lang="fr-FR" smtClean="0"/>
-              <a:t>31/05/2018</a:t>
+              <a:t>01/06/2018</a:t>
             </a:fld>
             <a:endParaRPr lang="fr-FR"/>
           </a:p>
@@ -4254,7 +7644,7 @@
           <a:p>
             <a:fld id="{C909DD4E-88AE-4B9E-AC59-18F6C8A2744D}" type="datetimeFigureOut">
               <a:rPr lang="fr-FR" smtClean="0"/>
-              <a:t>31/05/2018</a:t>
+              <a:t>01/06/2018</a:t>
             </a:fld>
             <a:endParaRPr lang="fr-FR"/>
           </a:p>
@@ -4349,7 +7739,7 @@
           <a:p>
             <a:fld id="{C909DD4E-88AE-4B9E-AC59-18F6C8A2744D}" type="datetimeFigureOut">
               <a:rPr lang="fr-FR" smtClean="0"/>
-              <a:t>31/05/2018</a:t>
+              <a:t>01/06/2018</a:t>
             </a:fld>
             <a:endParaRPr lang="fr-FR"/>
           </a:p>
@@ -5112,7 +8502,7 @@
           <a:p>
             <a:fld id="{C909DD4E-88AE-4B9E-AC59-18F6C8A2744D}" type="datetimeFigureOut">
               <a:rPr lang="fr-FR" smtClean="0"/>
-              <a:t>31/05/2018</a:t>
+              <a:t>01/06/2018</a:t>
             </a:fld>
             <a:endParaRPr lang="fr-FR"/>
           </a:p>
@@ -5952,7 +9342,7 @@
           <a:p>
             <a:fld id="{C909DD4E-88AE-4B9E-AC59-18F6C8A2744D}" type="datetimeFigureOut">
               <a:rPr lang="fr-FR" smtClean="0"/>
-              <a:t>31/05/2018</a:t>
+              <a:t>01/06/2018</a:t>
             </a:fld>
             <a:endParaRPr lang="fr-FR"/>
           </a:p>
@@ -6179,7 +9569,7 @@
           <a:p>
             <a:fld id="{C909DD4E-88AE-4B9E-AC59-18F6C8A2744D}" type="datetimeFigureOut">
               <a:rPr lang="fr-FR" smtClean="0"/>
-              <a:t>31/05/2018</a:t>
+              <a:t>01/06/2018</a:t>
             </a:fld>
             <a:endParaRPr lang="fr-FR"/>
           </a:p>
@@ -6789,7 +10179,7 @@
           <p:cNvPr id="2" name="Title 1">
             <a:extLst>
               <a:ext uri="{FF2B5EF4-FFF2-40B4-BE49-F238E27FC236}">
-                <a16:creationId xmlns:a16="http://schemas.microsoft.com/office/drawing/2014/main" id="{CA2081F7-1F5A-4619-BCC4-5226FB952117}"/>
+                <a16:creationId xmlns:a16="http://schemas.microsoft.com/office/drawing/2014/main" xmlns="" id="{CA2081F7-1F5A-4619-BCC4-5226FB952117}"/>
               </a:ext>
             </a:extLst>
           </p:cNvPr>
@@ -6817,7 +10207,7 @@
           <p:cNvPr id="3" name="Subtitle 2">
             <a:extLst>
               <a:ext uri="{FF2B5EF4-FFF2-40B4-BE49-F238E27FC236}">
-                <a16:creationId xmlns:a16="http://schemas.microsoft.com/office/drawing/2014/main" id="{55351F4F-36DB-4947-A99A-581F55678DB1}"/>
+                <a16:creationId xmlns:a16="http://schemas.microsoft.com/office/drawing/2014/main" xmlns="" id="{55351F4F-36DB-4947-A99A-581F55678DB1}"/>
               </a:ext>
             </a:extLst>
           </p:cNvPr>
@@ -6961,7 +10351,7 @@
           <p:cNvPr id="2" name="Title 1">
             <a:extLst>
               <a:ext uri="{FF2B5EF4-FFF2-40B4-BE49-F238E27FC236}">
-                <a16:creationId xmlns:a16="http://schemas.microsoft.com/office/drawing/2014/main" id="{0B0A5E95-D16B-43B3-A317-15CA1A2BD57C}"/>
+                <a16:creationId xmlns:a16="http://schemas.microsoft.com/office/drawing/2014/main" xmlns="" id="{0B0A5E95-D16B-43B3-A317-15CA1A2BD57C}"/>
               </a:ext>
             </a:extLst>
           </p:cNvPr>
@@ -6989,7 +10379,7 @@
           <p:cNvPr id="3" name="Content Placeholder 2">
             <a:extLst>
               <a:ext uri="{FF2B5EF4-FFF2-40B4-BE49-F238E27FC236}">
-                <a16:creationId xmlns:a16="http://schemas.microsoft.com/office/drawing/2014/main" id="{C35A40E6-117A-4F6B-B87B-8D4618820D93}"/>
+                <a16:creationId xmlns:a16="http://schemas.microsoft.com/office/drawing/2014/main" xmlns="" id="{C35A40E6-117A-4F6B-B87B-8D4618820D93}"/>
               </a:ext>
             </a:extLst>
           </p:cNvPr>
@@ -7064,7 +10454,7 @@
           <p:cNvPr id="2" name="Title 1">
             <a:extLst>
               <a:ext uri="{FF2B5EF4-FFF2-40B4-BE49-F238E27FC236}">
-                <a16:creationId xmlns:a16="http://schemas.microsoft.com/office/drawing/2014/main" id="{437A6E0B-79D7-446F-B6BB-C40DFE6043FE}"/>
+                <a16:creationId xmlns:a16="http://schemas.microsoft.com/office/drawing/2014/main" xmlns="" id="{437A6E0B-79D7-446F-B6BB-C40DFE6043FE}"/>
               </a:ext>
             </a:extLst>
           </p:cNvPr>
@@ -7092,7 +10482,7 @@
           <p:cNvPr id="3" name="Content Placeholder 2">
             <a:extLst>
               <a:ext uri="{FF2B5EF4-FFF2-40B4-BE49-F238E27FC236}">
-                <a16:creationId xmlns:a16="http://schemas.microsoft.com/office/drawing/2014/main" id="{F89257AD-7117-4386-AEC1-FE222FC84C08}"/>
+                <a16:creationId xmlns:a16="http://schemas.microsoft.com/office/drawing/2014/main" xmlns="" id="{F89257AD-7117-4386-AEC1-FE222FC84C08}"/>
               </a:ext>
             </a:extLst>
           </p:cNvPr>
@@ -7150,7 +10540,7 @@
           <p:cNvPr id="2" name="Title 1">
             <a:extLst>
               <a:ext uri="{FF2B5EF4-FFF2-40B4-BE49-F238E27FC236}">
-                <a16:creationId xmlns:a16="http://schemas.microsoft.com/office/drawing/2014/main" id="{F283C22D-4F1C-47F6-A2DC-3B429FBB043F}"/>
+                <a16:creationId xmlns:a16="http://schemas.microsoft.com/office/drawing/2014/main" xmlns="" id="{F283C22D-4F1C-47F6-A2DC-3B429FBB043F}"/>
               </a:ext>
             </a:extLst>
           </p:cNvPr>
@@ -7178,7 +10568,7 @@
           <p:cNvPr id="7" name="Image 6">
             <a:extLst>
               <a:ext uri="{FF2B5EF4-FFF2-40B4-BE49-F238E27FC236}">
-                <a16:creationId xmlns:a16="http://schemas.microsoft.com/office/drawing/2014/main" id="{0BDC9AF7-D36C-441C-BA11-786C43ADFD05}"/>
+                <a16:creationId xmlns:a16="http://schemas.microsoft.com/office/drawing/2014/main" xmlns="" id="{0BDC9AF7-D36C-441C-BA11-786C43ADFD05}"/>
               </a:ext>
             </a:extLst>
           </p:cNvPr>
@@ -7214,7 +10604,7 @@
           <p:cNvPr id="8" name="ZoneTexte 7">
             <a:extLst>
               <a:ext uri="{FF2B5EF4-FFF2-40B4-BE49-F238E27FC236}">
-                <a16:creationId xmlns:a16="http://schemas.microsoft.com/office/drawing/2014/main" id="{CF7ECA87-A176-44C2-91A3-3533609B697C}"/>
+                <a16:creationId xmlns:a16="http://schemas.microsoft.com/office/drawing/2014/main" xmlns="" id="{CF7ECA87-A176-44C2-91A3-3533609B697C}"/>
               </a:ext>
             </a:extLst>
           </p:cNvPr>
@@ -7281,7 +10671,7 @@
           <p:cNvPr id="9" name="ZoneTexte 8">
             <a:extLst>
               <a:ext uri="{FF2B5EF4-FFF2-40B4-BE49-F238E27FC236}">
-                <a16:creationId xmlns:a16="http://schemas.microsoft.com/office/drawing/2014/main" id="{6BD88FB9-98FD-4559-BFDD-FF77B5773D3E}"/>
+                <a16:creationId xmlns:a16="http://schemas.microsoft.com/office/drawing/2014/main" xmlns="" id="{6BD88FB9-98FD-4559-BFDD-FF77B5773D3E}"/>
               </a:ext>
             </a:extLst>
           </p:cNvPr>
@@ -7348,7 +10738,7 @@
           <p:cNvPr id="10" name="ZoneTexte 9">
             <a:extLst>
               <a:ext uri="{FF2B5EF4-FFF2-40B4-BE49-F238E27FC236}">
-                <a16:creationId xmlns:a16="http://schemas.microsoft.com/office/drawing/2014/main" id="{2BC20C6B-7879-45EA-AAE6-E44204E00D91}"/>
+                <a16:creationId xmlns:a16="http://schemas.microsoft.com/office/drawing/2014/main" xmlns="" id="{2BC20C6B-7879-45EA-AAE6-E44204E00D91}"/>
               </a:ext>
             </a:extLst>
           </p:cNvPr>
@@ -7464,7 +10854,7 @@
           <p:cNvPr id="2" name="Title 1">
             <a:extLst>
               <a:ext uri="{FF2B5EF4-FFF2-40B4-BE49-F238E27FC236}">
-                <a16:creationId xmlns:a16="http://schemas.microsoft.com/office/drawing/2014/main" id="{6D792507-2C8E-4E9D-81EC-AE3250860F6D}"/>
+                <a16:creationId xmlns:a16="http://schemas.microsoft.com/office/drawing/2014/main" xmlns="" id="{6D792507-2C8E-4E9D-81EC-AE3250860F6D}"/>
               </a:ext>
             </a:extLst>
           </p:cNvPr>
@@ -7477,7 +10867,7 @@
         </p:nvSpPr>
         <p:spPr>
           <a:xfrm>
-            <a:off x="838200" y="2766218"/>
+            <a:off x="1106424" y="364394"/>
             <a:ext cx="10515600" cy="1325563"/>
           </a:xfrm>
         </p:spPr>
@@ -7485,18 +10875,36 @@
           <a:bodyPr/>
           <a:lstStyle/>
           <a:p>
-            <a:pPr algn="ctr"/>
-            <a:r>
-              <a:rPr lang="fr-FR" dirty="0" err="1"/>
-              <a:t>From</a:t>
-            </a:r>
-            <a:r>
-              <a:rPr lang="fr-FR" dirty="0"/>
-              <a:t> Hardware</a:t>
-            </a:r>
+            <a:r>
+              <a:rPr lang="fr-FR" dirty="0" smtClean="0"/>
+              <a:t>Planning</a:t>
+            </a:r>
+            <a:endParaRPr lang="fr-FR" dirty="0"/>
           </a:p>
         </p:txBody>
       </p:sp>
+      <p:graphicFrame>
+        <p:nvGraphicFramePr>
+          <p:cNvPr id="3" name="Diagramme 2"/>
+          <p:cNvGraphicFramePr/>
+          <p:nvPr>
+            <p:extLst>
+              <p:ext uri="{D42A27DB-BD31-4B8C-83A1-F6EECF244321}">
+                <p14:modId xmlns:p14="http://schemas.microsoft.com/office/powerpoint/2010/main" val="4006794659"/>
+              </p:ext>
+            </p:extLst>
+          </p:nvPr>
+        </p:nvGraphicFramePr>
+        <p:xfrm>
+          <a:off x="1106424" y="1673034"/>
+          <a:ext cx="10515600" cy="4399958"/>
+        </p:xfrm>
+        <a:graphic>
+          <a:graphicData uri="http://schemas.openxmlformats.org/drawingml/2006/diagram">
+            <dgm:relIds xmlns:dgm="http://schemas.openxmlformats.org/drawingml/2006/diagram" xmlns:r="http://schemas.openxmlformats.org/officeDocument/2006/relationships" r:dm="rId2" r:lo="rId3" r:qs="rId4" r:cs="rId5"/>
+          </a:graphicData>
+        </a:graphic>
+      </p:graphicFrame>
     </p:spTree>
     <p:extLst>
       <p:ext uri="{BB962C8B-B14F-4D97-AF65-F5344CB8AC3E}">
@@ -7532,7 +10940,7 @@
           <p:cNvPr id="2" name="Title 1">
             <a:extLst>
               <a:ext uri="{FF2B5EF4-FFF2-40B4-BE49-F238E27FC236}">
-                <a16:creationId xmlns:a16="http://schemas.microsoft.com/office/drawing/2014/main" id="{9AC59272-4F45-46D5-AB7A-E1872746D685}"/>
+                <a16:creationId xmlns:a16="http://schemas.microsoft.com/office/drawing/2014/main" xmlns="" id="{9AC59272-4F45-46D5-AB7A-E1872746D685}"/>
               </a:ext>
             </a:extLst>
           </p:cNvPr>
@@ -7568,7 +10976,7 @@
           <p:cNvPr id="3" name="Content Placeholder 2">
             <a:extLst>
               <a:ext uri="{FF2B5EF4-FFF2-40B4-BE49-F238E27FC236}">
-                <a16:creationId xmlns:a16="http://schemas.microsoft.com/office/drawing/2014/main" id="{2FBDF76E-6A86-44AE-83E9-4E0BE9A62B95}"/>
+                <a16:creationId xmlns:a16="http://schemas.microsoft.com/office/drawing/2014/main" xmlns="" id="{2FBDF76E-6A86-44AE-83E9-4E0BE9A62B95}"/>
               </a:ext>
             </a:extLst>
           </p:cNvPr>
@@ -7623,7 +11031,7 @@
           <p:cNvPr id="2" name="Title 1">
             <a:extLst>
               <a:ext uri="{FF2B5EF4-FFF2-40B4-BE49-F238E27FC236}">
-                <a16:creationId xmlns:a16="http://schemas.microsoft.com/office/drawing/2014/main" id="{B6A214DB-9701-4408-A453-985FF50CC9C8}"/>
+                <a16:creationId xmlns:a16="http://schemas.microsoft.com/office/drawing/2014/main" xmlns="" id="{B6A214DB-9701-4408-A453-985FF50CC9C8}"/>
               </a:ext>
             </a:extLst>
           </p:cNvPr>
@@ -7651,7 +11059,7 @@
           <p:cNvPr id="3" name="Content Placeholder 2">
             <a:extLst>
               <a:ext uri="{FF2B5EF4-FFF2-40B4-BE49-F238E27FC236}">
-                <a16:creationId xmlns:a16="http://schemas.microsoft.com/office/drawing/2014/main" id="{EB9DDBC6-5F4D-4A0B-8177-3F5AE00A9828}"/>
+                <a16:creationId xmlns:a16="http://schemas.microsoft.com/office/drawing/2014/main" xmlns="" id="{EB9DDBC6-5F4D-4A0B-8177-3F5AE00A9828}"/>
               </a:ext>
             </a:extLst>
           </p:cNvPr>
@@ -7706,7 +11114,7 @@
           <p:cNvPr id="2" name="Title 1">
             <a:extLst>
               <a:ext uri="{FF2B5EF4-FFF2-40B4-BE49-F238E27FC236}">
-                <a16:creationId xmlns:a16="http://schemas.microsoft.com/office/drawing/2014/main" id="{A3CA65EF-64CB-485F-9EFD-7BB1A7E23C0F}"/>
+                <a16:creationId xmlns:a16="http://schemas.microsoft.com/office/drawing/2014/main" xmlns="" id="{A3CA65EF-64CB-485F-9EFD-7BB1A7E23C0F}"/>
               </a:ext>
             </a:extLst>
           </p:cNvPr>
@@ -7742,7 +11150,7 @@
           <p:cNvPr id="3" name="Content Placeholder 2">
             <a:extLst>
               <a:ext uri="{FF2B5EF4-FFF2-40B4-BE49-F238E27FC236}">
-                <a16:creationId xmlns:a16="http://schemas.microsoft.com/office/drawing/2014/main" id="{AE8EB3E2-B0C8-492C-BE05-BD59E6A55F99}"/>
+                <a16:creationId xmlns:a16="http://schemas.microsoft.com/office/drawing/2014/main" xmlns="" id="{AE8EB3E2-B0C8-492C-BE05-BD59E6A55F99}"/>
               </a:ext>
             </a:extLst>
           </p:cNvPr>
@@ -7797,7 +11205,7 @@
           <p:cNvPr id="2" name="Title 1">
             <a:extLst>
               <a:ext uri="{FF2B5EF4-FFF2-40B4-BE49-F238E27FC236}">
-                <a16:creationId xmlns:a16="http://schemas.microsoft.com/office/drawing/2014/main" id="{81768533-6623-45B0-9CFB-3DE85670D0AE}"/>
+                <a16:creationId xmlns:a16="http://schemas.microsoft.com/office/drawing/2014/main" xmlns="" id="{81768533-6623-45B0-9CFB-3DE85670D0AE}"/>
               </a:ext>
             </a:extLst>
           </p:cNvPr>
@@ -7825,7 +11233,7 @@
           <p:cNvPr id="3" name="Content Placeholder 2">
             <a:extLst>
               <a:ext uri="{FF2B5EF4-FFF2-40B4-BE49-F238E27FC236}">
-                <a16:creationId xmlns:a16="http://schemas.microsoft.com/office/drawing/2014/main" id="{DE19F94A-CB45-4F6F-B21A-68FE1F2780E9}"/>
+                <a16:creationId xmlns:a16="http://schemas.microsoft.com/office/drawing/2014/main" xmlns="" id="{DE19F94A-CB45-4F6F-B21A-68FE1F2780E9}"/>
               </a:ext>
             </a:extLst>
           </p:cNvPr>
@@ -7917,7 +11325,7 @@
           <p:cNvPr id="2" name="Title 1">
             <a:extLst>
               <a:ext uri="{FF2B5EF4-FFF2-40B4-BE49-F238E27FC236}">
-                <a16:creationId xmlns:a16="http://schemas.microsoft.com/office/drawing/2014/main" id="{CDC8EAB1-352F-4CC4-BDA6-61191780EA86}"/>
+                <a16:creationId xmlns:a16="http://schemas.microsoft.com/office/drawing/2014/main" xmlns="" id="{CDC8EAB1-352F-4CC4-BDA6-61191780EA86}"/>
               </a:ext>
             </a:extLst>
           </p:cNvPr>
@@ -8144,7 +11552,7 @@
           <p:cNvPr id="2" name="Title 1">
             <a:extLst>
               <a:ext uri="{FF2B5EF4-FFF2-40B4-BE49-F238E27FC236}">
-                <a16:creationId xmlns:a16="http://schemas.microsoft.com/office/drawing/2014/main" id="{791589A9-363B-4486-80E8-1100CA0ADD46}"/>
+                <a16:creationId xmlns:a16="http://schemas.microsoft.com/office/drawing/2014/main" xmlns="" id="{791589A9-363B-4486-80E8-1100CA0ADD46}"/>
               </a:ext>
             </a:extLst>
           </p:cNvPr>
@@ -8232,7 +11640,7 @@
           <p:cNvPr id="2" name="Title 1">
             <a:extLst>
               <a:ext uri="{FF2B5EF4-FFF2-40B4-BE49-F238E27FC236}">
-                <a16:creationId xmlns:a16="http://schemas.microsoft.com/office/drawing/2014/main" id="{87B16220-F4EF-42E6-AD6C-2B916BFCD9AA}"/>
+                <a16:creationId xmlns:a16="http://schemas.microsoft.com/office/drawing/2014/main" xmlns="" id="{87B16220-F4EF-42E6-AD6C-2B916BFCD9AA}"/>
               </a:ext>
             </a:extLst>
           </p:cNvPr>
@@ -8332,7 +11740,7 @@
           <p:cNvPr id="2" name="Title 1">
             <a:extLst>
               <a:ext uri="{FF2B5EF4-FFF2-40B4-BE49-F238E27FC236}">
-                <a16:creationId xmlns:a16="http://schemas.microsoft.com/office/drawing/2014/main" id="{C5F9F1A8-6C9D-405C-A880-FAF17029E71B}"/>
+                <a16:creationId xmlns:a16="http://schemas.microsoft.com/office/drawing/2014/main" xmlns="" id="{C5F9F1A8-6C9D-405C-A880-FAF17029E71B}"/>
               </a:ext>
             </a:extLst>
           </p:cNvPr>
@@ -8360,7 +11768,7 @@
           <p:cNvPr id="3" name="Content Placeholder 2">
             <a:extLst>
               <a:ext uri="{FF2B5EF4-FFF2-40B4-BE49-F238E27FC236}">
-                <a16:creationId xmlns:a16="http://schemas.microsoft.com/office/drawing/2014/main" id="{B363DDEA-9258-4A5A-A4FD-48307C3AB610}"/>
+                <a16:creationId xmlns:a16="http://schemas.microsoft.com/office/drawing/2014/main" xmlns="" id="{B363DDEA-9258-4A5A-A4FD-48307C3AB610}"/>
               </a:ext>
             </a:extLst>
           </p:cNvPr>
@@ -8462,7 +11870,7 @@
           <p:cNvPr id="2" name="Title 1">
             <a:extLst>
               <a:ext uri="{FF2B5EF4-FFF2-40B4-BE49-F238E27FC236}">
-                <a16:creationId xmlns:a16="http://schemas.microsoft.com/office/drawing/2014/main" id="{92227FFE-A051-4FD3-85D7-B0E1B33F857E}"/>
+                <a16:creationId xmlns:a16="http://schemas.microsoft.com/office/drawing/2014/main" xmlns="" id="{92227FFE-A051-4FD3-85D7-B0E1B33F857E}"/>
               </a:ext>
             </a:extLst>
           </p:cNvPr>
@@ -8490,7 +11898,7 @@
           <p:cNvPr id="3" name="Content Placeholder 2">
             <a:extLst>
               <a:ext uri="{FF2B5EF4-FFF2-40B4-BE49-F238E27FC236}">
-                <a16:creationId xmlns:a16="http://schemas.microsoft.com/office/drawing/2014/main" id="{A2E43708-BBB8-46B1-B7F5-E5E4877F0618}"/>
+                <a16:creationId xmlns:a16="http://schemas.microsoft.com/office/drawing/2014/main" xmlns="" id="{A2E43708-BBB8-46B1-B7F5-E5E4877F0618}"/>
               </a:ext>
             </a:extLst>
           </p:cNvPr>
@@ -8582,7 +11990,7 @@
           <p:cNvPr id="2" name="Title 1">
             <a:extLst>
               <a:ext uri="{FF2B5EF4-FFF2-40B4-BE49-F238E27FC236}">
-                <a16:creationId xmlns:a16="http://schemas.microsoft.com/office/drawing/2014/main" id="{9BBFD4D0-8F48-4108-9EE7-1DBAAFEE04E6}"/>
+                <a16:creationId xmlns:a16="http://schemas.microsoft.com/office/drawing/2014/main" xmlns="" id="{9BBFD4D0-8F48-4108-9EE7-1DBAAFEE04E6}"/>
               </a:ext>
             </a:extLst>
           </p:cNvPr>
@@ -8610,7 +12018,7 @@
           <p:cNvPr id="3" name="Content Placeholder 2">
             <a:extLst>
               <a:ext uri="{FF2B5EF4-FFF2-40B4-BE49-F238E27FC236}">
-                <a16:creationId xmlns:a16="http://schemas.microsoft.com/office/drawing/2014/main" id="{BAF5B6E3-0AA9-49ED-AC42-D40105A6DAC5}"/>
+                <a16:creationId xmlns:a16="http://schemas.microsoft.com/office/drawing/2014/main" xmlns="" id="{BAF5B6E3-0AA9-49ED-AC42-D40105A6DAC5}"/>
               </a:ext>
             </a:extLst>
           </p:cNvPr>
@@ -8701,7 +12109,7 @@
           <p:cNvPr id="2" name="Title 1">
             <a:extLst>
               <a:ext uri="{FF2B5EF4-FFF2-40B4-BE49-F238E27FC236}">
-                <a16:creationId xmlns:a16="http://schemas.microsoft.com/office/drawing/2014/main" id="{96F14647-22CF-4391-B119-A642CC7C2197}"/>
+                <a16:creationId xmlns:a16="http://schemas.microsoft.com/office/drawing/2014/main" xmlns="" id="{96F14647-22CF-4391-B119-A642CC7C2197}"/>
               </a:ext>
             </a:extLst>
           </p:cNvPr>
@@ -8729,7 +12137,7 @@
           <p:cNvPr id="3" name="Content Placeholder 2">
             <a:extLst>
               <a:ext uri="{FF2B5EF4-FFF2-40B4-BE49-F238E27FC236}">
-                <a16:creationId xmlns:a16="http://schemas.microsoft.com/office/drawing/2014/main" id="{73EDCFE0-F35E-4604-A2D4-141CEE82C078}"/>
+                <a16:creationId xmlns:a16="http://schemas.microsoft.com/office/drawing/2014/main" xmlns="" id="{73EDCFE0-F35E-4604-A2D4-141CEE82C078}"/>
               </a:ext>
             </a:extLst>
           </p:cNvPr>
@@ -8768,7 +12176,7 @@
           <p:cNvPr id="5" name="Image 4">
             <a:extLst>
               <a:ext uri="{FF2B5EF4-FFF2-40B4-BE49-F238E27FC236}">
-                <a16:creationId xmlns:a16="http://schemas.microsoft.com/office/drawing/2014/main" id="{44EFB39F-4FA5-415D-A146-46FE7FBE1E64}"/>
+                <a16:creationId xmlns:a16="http://schemas.microsoft.com/office/drawing/2014/main" xmlns="" id="{44EFB39F-4FA5-415D-A146-46FE7FBE1E64}"/>
               </a:ext>
             </a:extLst>
           </p:cNvPr>
@@ -8778,7 +12186,7 @@
           <p:nvPr/>
         </p:nvPicPr>
         <p:blipFill>
-          <a:blip r:embed="rId2">
+          <a:blip r:embed="rId2" cstate="print">
             <a:extLst>
               <a:ext uri="{28A0092B-C50C-407E-A947-70E740481C1C}">
                 <a14:useLocalDpi xmlns:a14="http://schemas.microsoft.com/office/drawing/2010/main" val="0"/>
